--- a/方舟编译器源码分析初稿.pptx
+++ b/方舟编译器源码分析初稿.pptx
@@ -5,7 +5,7 @@
     <p:sldMasterId id="2147483648" r:id="rId1"/>
   </p:sldMasterIdLst>
   <p:notesMasterIdLst>
-    <p:notesMasterId r:id="rId16"/>
+    <p:notesMasterId r:id="rId18"/>
   </p:notesMasterIdLst>
   <p:sldIdLst>
     <p:sldId id="256" r:id="rId2"/>
@@ -21,7 +21,9 @@
     <p:sldId id="272" r:id="rId12"/>
     <p:sldId id="273" r:id="rId13"/>
     <p:sldId id="274" r:id="rId14"/>
-    <p:sldId id="259" r:id="rId15"/>
+    <p:sldId id="275" r:id="rId15"/>
+    <p:sldId id="276" r:id="rId16"/>
+    <p:sldId id="259" r:id="rId17"/>
   </p:sldIdLst>
   <p:sldSz cx="12192000" cy="6858000"/>
   <p:notesSz cx="6858000" cy="9144000"/>
@@ -210,7 +212,7 @@
           <a:p>
             <a:fld id="{5C5FF114-D26A-48CC-A6D9-6F5B7E9C7C8C}" type="datetimeFigureOut">
               <a:rPr lang="zh-CN" altLang="en-US" smtClean="0"/>
-              <a:t>2020/10/21</a:t>
+              <a:t>2020/10/22</a:t>
             </a:fld>
             <a:endParaRPr lang="zh-CN" altLang="en-US"/>
           </a:p>
@@ -3832,6 +3834,194 @@
 </p:notes>
 </file>
 
+<file path=ppt/notesSlides/notesSlide6.xml><?xml version="1.0" encoding="utf-8"?>
+<p:notes xmlns:a="http://schemas.openxmlformats.org/drawingml/2006/main" xmlns:r="http://schemas.openxmlformats.org/officeDocument/2006/relationships" xmlns:p="http://schemas.openxmlformats.org/presentationml/2006/main">
+  <p:cSld>
+    <p:spTree>
+      <p:nvGrpSpPr>
+        <p:cNvPr id="1" name=""/>
+        <p:cNvGrpSpPr/>
+        <p:nvPr/>
+      </p:nvGrpSpPr>
+      <p:grpSpPr>
+        <a:xfrm>
+          <a:off x="0" y="0"/>
+          <a:ext cx="0" cy="0"/>
+          <a:chOff x="0" y="0"/>
+          <a:chExt cx="0" cy="0"/>
+        </a:xfrm>
+      </p:grpSpPr>
+      <p:sp>
+        <p:nvSpPr>
+          <p:cNvPr id="2" name="幻灯片图像占位符 1"/>
+          <p:cNvSpPr>
+            <a:spLocks noGrp="1" noRot="1" noChangeAspect="1"/>
+          </p:cNvSpPr>
+          <p:nvPr>
+            <p:ph type="sldImg"/>
+          </p:nvPr>
+        </p:nvSpPr>
+        <p:spPr/>
+      </p:sp>
+      <p:sp>
+        <p:nvSpPr>
+          <p:cNvPr id="3" name="备注占位符 2"/>
+          <p:cNvSpPr>
+            <a:spLocks noGrp="1"/>
+          </p:cNvSpPr>
+          <p:nvPr>
+            <p:ph type="body" idx="1"/>
+          </p:nvPr>
+        </p:nvSpPr>
+        <p:spPr/>
+        <p:txBody>
+          <a:bodyPr/>
+          <a:lstStyle/>
+          <a:p>
+            <a:r>
+              <a:rPr lang="zh-CN" altLang="en-US" b="0" i="0" dirty="0">
+                <a:solidFill>
+                  <a:srgbClr val="121212"/>
+                </a:solidFill>
+                <a:effectLst/>
+                <a:latin typeface="-apple-system"/>
+              </a:rPr>
+              <a:t>最终落脚</a:t>
+            </a:r>
+            <a:endParaRPr lang="zh-CN" altLang="en-US" dirty="0"/>
+          </a:p>
+        </p:txBody>
+      </p:sp>
+      <p:sp>
+        <p:nvSpPr>
+          <p:cNvPr id="4" name="灯片编号占位符 3"/>
+          <p:cNvSpPr>
+            <a:spLocks noGrp="1"/>
+          </p:cNvSpPr>
+          <p:nvPr>
+            <p:ph type="sldNum" sz="quarter" idx="5"/>
+          </p:nvPr>
+        </p:nvSpPr>
+        <p:spPr/>
+        <p:txBody>
+          <a:bodyPr/>
+          <a:lstStyle/>
+          <a:p>
+            <a:fld id="{48585B57-4B63-4D1B-B153-2CF94C9CDE9B}" type="slidenum">
+              <a:rPr lang="zh-CN" altLang="en-US" smtClean="0"/>
+              <a:t>14</a:t>
+            </a:fld>
+            <a:endParaRPr lang="zh-CN" altLang="en-US"/>
+          </a:p>
+        </p:txBody>
+      </p:sp>
+    </p:spTree>
+    <p:extLst>
+      <p:ext uri="{BB962C8B-B14F-4D97-AF65-F5344CB8AC3E}">
+        <p14:creationId xmlns:p14="http://schemas.microsoft.com/office/powerpoint/2010/main" val="3444914241"/>
+      </p:ext>
+    </p:extLst>
+  </p:cSld>
+  <p:clrMapOvr>
+    <a:masterClrMapping/>
+  </p:clrMapOvr>
+</p:notes>
+</file>
+
+<file path=ppt/notesSlides/notesSlide7.xml><?xml version="1.0" encoding="utf-8"?>
+<p:notes xmlns:a="http://schemas.openxmlformats.org/drawingml/2006/main" xmlns:r="http://schemas.openxmlformats.org/officeDocument/2006/relationships" xmlns:p="http://schemas.openxmlformats.org/presentationml/2006/main">
+  <p:cSld>
+    <p:spTree>
+      <p:nvGrpSpPr>
+        <p:cNvPr id="1" name=""/>
+        <p:cNvGrpSpPr/>
+        <p:nvPr/>
+      </p:nvGrpSpPr>
+      <p:grpSpPr>
+        <a:xfrm>
+          <a:off x="0" y="0"/>
+          <a:ext cx="0" cy="0"/>
+          <a:chOff x="0" y="0"/>
+          <a:chExt cx="0" cy="0"/>
+        </a:xfrm>
+      </p:grpSpPr>
+      <p:sp>
+        <p:nvSpPr>
+          <p:cNvPr id="2" name="幻灯片图像占位符 1"/>
+          <p:cNvSpPr>
+            <a:spLocks noGrp="1" noRot="1" noChangeAspect="1"/>
+          </p:cNvSpPr>
+          <p:nvPr>
+            <p:ph type="sldImg"/>
+          </p:nvPr>
+        </p:nvSpPr>
+        <p:spPr/>
+      </p:sp>
+      <p:sp>
+        <p:nvSpPr>
+          <p:cNvPr id="3" name="备注占位符 2"/>
+          <p:cNvSpPr>
+            <a:spLocks noGrp="1"/>
+          </p:cNvSpPr>
+          <p:nvPr>
+            <p:ph type="body" idx="1"/>
+          </p:nvPr>
+        </p:nvSpPr>
+        <p:spPr/>
+        <p:txBody>
+          <a:bodyPr/>
+          <a:lstStyle/>
+          <a:p>
+            <a:r>
+              <a:rPr lang="zh-CN" altLang="en-US" b="0" i="0" dirty="0">
+                <a:solidFill>
+                  <a:srgbClr val="121212"/>
+                </a:solidFill>
+                <a:effectLst/>
+                <a:latin typeface="-apple-system"/>
+              </a:rPr>
+              <a:t>最终落脚</a:t>
+            </a:r>
+            <a:endParaRPr lang="zh-CN" altLang="en-US" dirty="0"/>
+          </a:p>
+        </p:txBody>
+      </p:sp>
+      <p:sp>
+        <p:nvSpPr>
+          <p:cNvPr id="4" name="灯片编号占位符 3"/>
+          <p:cNvSpPr>
+            <a:spLocks noGrp="1"/>
+          </p:cNvSpPr>
+          <p:nvPr>
+            <p:ph type="sldNum" sz="quarter" idx="5"/>
+          </p:nvPr>
+        </p:nvSpPr>
+        <p:spPr/>
+        <p:txBody>
+          <a:bodyPr/>
+          <a:lstStyle/>
+          <a:p>
+            <a:fld id="{48585B57-4B63-4D1B-B153-2CF94C9CDE9B}" type="slidenum">
+              <a:rPr lang="zh-CN" altLang="en-US" smtClean="0"/>
+              <a:t>15</a:t>
+            </a:fld>
+            <a:endParaRPr lang="zh-CN" altLang="en-US"/>
+          </a:p>
+        </p:txBody>
+      </p:sp>
+    </p:spTree>
+    <p:extLst>
+      <p:ext uri="{BB962C8B-B14F-4D97-AF65-F5344CB8AC3E}">
+        <p14:creationId xmlns:p14="http://schemas.microsoft.com/office/powerpoint/2010/main" val="378897993"/>
+      </p:ext>
+    </p:extLst>
+  </p:cSld>
+  <p:clrMapOvr>
+    <a:masterClrMapping/>
+  </p:clrMapOvr>
+</p:notes>
+</file>
+
 <file path=ppt/slideLayouts/slideLayout1.xml><?xml version="1.0" encoding="utf-8"?>
 <p:sldLayout xmlns:a="http://schemas.openxmlformats.org/drawingml/2006/main" xmlns:r="http://schemas.openxmlformats.org/officeDocument/2006/relationships" xmlns:p="http://schemas.openxmlformats.org/presentationml/2006/main" type="title" preserve="1">
   <p:cSld name="标题幻灯片">
@@ -3979,7 +4169,7 @@
           <a:p>
             <a:fld id="{5F50AF34-8686-49E9-B83C-95D067690792}" type="datetimeFigureOut">
               <a:rPr lang="zh-CN" altLang="en-US" smtClean="0"/>
-              <a:t>2020/10/21</a:t>
+              <a:t>2020/10/22</a:t>
             </a:fld>
             <a:endParaRPr lang="zh-CN" altLang="en-US"/>
           </a:p>
@@ -4177,7 +4367,7 @@
           <a:p>
             <a:fld id="{5F50AF34-8686-49E9-B83C-95D067690792}" type="datetimeFigureOut">
               <a:rPr lang="zh-CN" altLang="en-US" smtClean="0"/>
-              <a:t>2020/10/21</a:t>
+              <a:t>2020/10/22</a:t>
             </a:fld>
             <a:endParaRPr lang="zh-CN" altLang="en-US"/>
           </a:p>
@@ -4385,7 +4575,7 @@
           <a:p>
             <a:fld id="{5F50AF34-8686-49E9-B83C-95D067690792}" type="datetimeFigureOut">
               <a:rPr lang="zh-CN" altLang="en-US" smtClean="0"/>
-              <a:t>2020/10/21</a:t>
+              <a:t>2020/10/22</a:t>
             </a:fld>
             <a:endParaRPr lang="zh-CN" altLang="en-US"/>
           </a:p>
@@ -4583,7 +4773,7 @@
           <a:p>
             <a:fld id="{5F50AF34-8686-49E9-B83C-95D067690792}" type="datetimeFigureOut">
               <a:rPr lang="zh-CN" altLang="en-US" smtClean="0"/>
-              <a:t>2020/10/21</a:t>
+              <a:t>2020/10/22</a:t>
             </a:fld>
             <a:endParaRPr lang="zh-CN" altLang="en-US"/>
           </a:p>
@@ -4858,7 +5048,7 @@
           <a:p>
             <a:fld id="{5F50AF34-8686-49E9-B83C-95D067690792}" type="datetimeFigureOut">
               <a:rPr lang="zh-CN" altLang="en-US" smtClean="0"/>
-              <a:t>2020/10/21</a:t>
+              <a:t>2020/10/22</a:t>
             </a:fld>
             <a:endParaRPr lang="zh-CN" altLang="en-US"/>
           </a:p>
@@ -5123,7 +5313,7 @@
           <a:p>
             <a:fld id="{5F50AF34-8686-49E9-B83C-95D067690792}" type="datetimeFigureOut">
               <a:rPr lang="zh-CN" altLang="en-US" smtClean="0"/>
-              <a:t>2020/10/21</a:t>
+              <a:t>2020/10/22</a:t>
             </a:fld>
             <a:endParaRPr lang="zh-CN" altLang="en-US"/>
           </a:p>
@@ -5535,7 +5725,7 @@
           <a:p>
             <a:fld id="{5F50AF34-8686-49E9-B83C-95D067690792}" type="datetimeFigureOut">
               <a:rPr lang="zh-CN" altLang="en-US" smtClean="0"/>
-              <a:t>2020/10/21</a:t>
+              <a:t>2020/10/22</a:t>
             </a:fld>
             <a:endParaRPr lang="zh-CN" altLang="en-US"/>
           </a:p>
@@ -5676,7 +5866,7 @@
           <a:p>
             <a:fld id="{5F50AF34-8686-49E9-B83C-95D067690792}" type="datetimeFigureOut">
               <a:rPr lang="zh-CN" altLang="en-US" smtClean="0"/>
-              <a:t>2020/10/21</a:t>
+              <a:t>2020/10/22</a:t>
             </a:fld>
             <a:endParaRPr lang="zh-CN" altLang="en-US"/>
           </a:p>
@@ -5789,7 +5979,7 @@
           <a:p>
             <a:fld id="{5F50AF34-8686-49E9-B83C-95D067690792}" type="datetimeFigureOut">
               <a:rPr lang="zh-CN" altLang="en-US" smtClean="0"/>
-              <a:t>2020/10/21</a:t>
+              <a:t>2020/10/22</a:t>
             </a:fld>
             <a:endParaRPr lang="zh-CN" altLang="en-US"/>
           </a:p>
@@ -6100,7 +6290,7 @@
           <a:p>
             <a:fld id="{5F50AF34-8686-49E9-B83C-95D067690792}" type="datetimeFigureOut">
               <a:rPr lang="zh-CN" altLang="en-US" smtClean="0"/>
-              <a:t>2020/10/21</a:t>
+              <a:t>2020/10/22</a:t>
             </a:fld>
             <a:endParaRPr lang="zh-CN" altLang="en-US"/>
           </a:p>
@@ -6388,7 +6578,7 @@
           <a:p>
             <a:fld id="{5F50AF34-8686-49E9-B83C-95D067690792}" type="datetimeFigureOut">
               <a:rPr lang="zh-CN" altLang="en-US" smtClean="0"/>
-              <a:t>2020/10/21</a:t>
+              <a:t>2020/10/22</a:t>
             </a:fld>
             <a:endParaRPr lang="zh-CN" altLang="en-US"/>
           </a:p>
@@ -6629,7 +6819,7 @@
           <a:p>
             <a:fld id="{5F50AF34-8686-49E9-B83C-95D067690792}" type="datetimeFigureOut">
               <a:rPr lang="zh-CN" altLang="en-US" smtClean="0"/>
-              <a:t>2020/10/21</a:t>
+              <a:t>2020/10/22</a:t>
             </a:fld>
             <a:endParaRPr lang="zh-CN" altLang="en-US"/>
           </a:p>
@@ -8919,6 +9109,1491 @@
         </p:nvSpPr>
         <p:spPr>
           <a:xfrm>
+            <a:off x="123825" y="438011"/>
+            <a:ext cx="5932170" cy="782273"/>
+          </a:xfrm>
+        </p:spPr>
+        <p:txBody>
+          <a:bodyPr>
+            <a:normAutofit/>
+          </a:bodyPr>
+          <a:lstStyle/>
+          <a:p>
+            <a:r>
+              <a:rPr lang="en-US" altLang="zh-CN" sz="4000" dirty="0"/>
+              <a:t>MAPLE IR</a:t>
+            </a:r>
+            <a:r>
+              <a:rPr lang="zh-CN" altLang="en-US" sz="4000" dirty="0"/>
+              <a:t>中的向下转化</a:t>
+            </a:r>
+          </a:p>
+        </p:txBody>
+      </p:sp>
+      <p:pic>
+        <p:nvPicPr>
+          <p:cNvPr id="10" name="图片 9">
+            <a:extLst>
+              <a:ext uri="{FF2B5EF4-FFF2-40B4-BE49-F238E27FC236}">
+                <a16:creationId xmlns:a16="http://schemas.microsoft.com/office/drawing/2014/main" id="{3CD24278-8BCF-4D58-AFF6-12EF62F56D72}"/>
+              </a:ext>
+            </a:extLst>
+          </p:cNvPr>
+          <p:cNvPicPr>
+            <a:picLocks noChangeAspect="1"/>
+          </p:cNvPicPr>
+          <p:nvPr/>
+        </p:nvPicPr>
+        <p:blipFill>
+          <a:blip r:embed="rId3"/>
+          <a:stretch>
+            <a:fillRect/>
+          </a:stretch>
+        </p:blipFill>
+        <p:spPr>
+          <a:xfrm>
+            <a:off x="584835" y="1666874"/>
+            <a:ext cx="5581650" cy="3838575"/>
+          </a:xfrm>
+          <a:prstGeom prst="rect">
+            <a:avLst/>
+          </a:prstGeom>
+        </p:spPr>
+      </p:pic>
+      <p:pic>
+        <p:nvPicPr>
+          <p:cNvPr id="17" name="图片 16">
+            <a:extLst>
+              <a:ext uri="{FF2B5EF4-FFF2-40B4-BE49-F238E27FC236}">
+                <a16:creationId xmlns:a16="http://schemas.microsoft.com/office/drawing/2014/main" id="{0714518A-1418-44BD-95E8-85F646F30E81}"/>
+              </a:ext>
+            </a:extLst>
+          </p:cNvPr>
+          <p:cNvPicPr>
+            <a:picLocks noChangeAspect="1"/>
+          </p:cNvPicPr>
+          <p:nvPr/>
+        </p:nvPicPr>
+        <p:blipFill>
+          <a:blip r:embed="rId4"/>
+          <a:stretch>
+            <a:fillRect/>
+          </a:stretch>
+        </p:blipFill>
+        <p:spPr>
+          <a:xfrm>
+            <a:off x="1925955" y="2815730"/>
+            <a:ext cx="4591050" cy="3524250"/>
+          </a:xfrm>
+          <a:prstGeom prst="rect">
+            <a:avLst/>
+          </a:prstGeom>
+        </p:spPr>
+      </p:pic>
+      <p:sp>
+        <p:nvSpPr>
+          <p:cNvPr id="19" name="矩形 18">
+            <a:extLst>
+              <a:ext uri="{FF2B5EF4-FFF2-40B4-BE49-F238E27FC236}">
+                <a16:creationId xmlns:a16="http://schemas.microsoft.com/office/drawing/2014/main" id="{65EE8BEF-DD27-45F5-94FC-375248A15B7F}"/>
+              </a:ext>
+            </a:extLst>
+          </p:cNvPr>
+          <p:cNvSpPr/>
+          <p:nvPr/>
+        </p:nvSpPr>
+        <p:spPr>
+          <a:xfrm>
+            <a:off x="584835" y="1666874"/>
+            <a:ext cx="1457326" cy="314325"/>
+          </a:xfrm>
+          <a:prstGeom prst="rect">
+            <a:avLst/>
+          </a:prstGeom>
+          <a:solidFill>
+            <a:schemeClr val="accent2">
+              <a:lumMod val="60000"/>
+              <a:lumOff val="40000"/>
+              <a:alpha val="41000"/>
+            </a:schemeClr>
+          </a:solidFill>
+          <a:ln>
+            <a:noFill/>
+          </a:ln>
+        </p:spPr>
+        <p:style>
+          <a:lnRef idx="2">
+            <a:schemeClr val="accent1">
+              <a:shade val="50000"/>
+            </a:schemeClr>
+          </a:lnRef>
+          <a:fillRef idx="1">
+            <a:schemeClr val="accent1"/>
+          </a:fillRef>
+          <a:effectRef idx="0">
+            <a:schemeClr val="accent1"/>
+          </a:effectRef>
+          <a:fontRef idx="minor">
+            <a:schemeClr val="lt1"/>
+          </a:fontRef>
+        </p:style>
+        <p:txBody>
+          <a:bodyPr rtlCol="0" anchor="ctr"/>
+          <a:lstStyle/>
+          <a:p>
+            <a:pPr algn="ctr"/>
+            <a:endParaRPr lang="zh-CN" altLang="en-US"/>
+          </a:p>
+        </p:txBody>
+      </p:sp>
+      <p:sp>
+        <p:nvSpPr>
+          <p:cNvPr id="21" name="矩形 20">
+            <a:extLst>
+              <a:ext uri="{FF2B5EF4-FFF2-40B4-BE49-F238E27FC236}">
+                <a16:creationId xmlns:a16="http://schemas.microsoft.com/office/drawing/2014/main" id="{13C3965C-7547-4766-942A-F88194CFAD33}"/>
+              </a:ext>
+            </a:extLst>
+          </p:cNvPr>
+          <p:cNvSpPr/>
+          <p:nvPr/>
+        </p:nvSpPr>
+        <p:spPr>
+          <a:xfrm>
+            <a:off x="1804555" y="2867164"/>
+            <a:ext cx="1656529" cy="266379"/>
+          </a:xfrm>
+          <a:prstGeom prst="rect">
+            <a:avLst/>
+          </a:prstGeom>
+          <a:solidFill>
+            <a:schemeClr val="accent2">
+              <a:lumMod val="60000"/>
+              <a:lumOff val="40000"/>
+              <a:alpha val="41000"/>
+            </a:schemeClr>
+          </a:solidFill>
+          <a:ln>
+            <a:noFill/>
+          </a:ln>
+        </p:spPr>
+        <p:style>
+          <a:lnRef idx="2">
+            <a:schemeClr val="accent1">
+              <a:shade val="50000"/>
+            </a:schemeClr>
+          </a:lnRef>
+          <a:fillRef idx="1">
+            <a:schemeClr val="accent1"/>
+          </a:fillRef>
+          <a:effectRef idx="0">
+            <a:schemeClr val="accent1"/>
+          </a:effectRef>
+          <a:fontRef idx="minor">
+            <a:schemeClr val="lt1"/>
+          </a:fontRef>
+        </p:style>
+        <p:txBody>
+          <a:bodyPr rtlCol="0" anchor="ctr"/>
+          <a:lstStyle/>
+          <a:p>
+            <a:pPr algn="ctr"/>
+            <a:endParaRPr lang="zh-CN" altLang="en-US"/>
+          </a:p>
+        </p:txBody>
+      </p:sp>
+      <p:sp>
+        <p:nvSpPr>
+          <p:cNvPr id="31" name="矩形 30">
+            <a:extLst>
+              <a:ext uri="{FF2B5EF4-FFF2-40B4-BE49-F238E27FC236}">
+                <a16:creationId xmlns:a16="http://schemas.microsoft.com/office/drawing/2014/main" id="{FA2A8E50-9589-4FAD-A791-D003BCAD7DB7}"/>
+              </a:ext>
+            </a:extLst>
+          </p:cNvPr>
+          <p:cNvSpPr/>
+          <p:nvPr/>
+        </p:nvSpPr>
+        <p:spPr>
+          <a:xfrm>
+            <a:off x="6955789" y="1768012"/>
+            <a:ext cx="1715771" cy="620482"/>
+          </a:xfrm>
+          <a:prstGeom prst="rect">
+            <a:avLst/>
+          </a:prstGeom>
+          <a:noFill/>
+        </p:spPr>
+        <p:style>
+          <a:lnRef idx="2">
+            <a:schemeClr val="accent1">
+              <a:shade val="50000"/>
+            </a:schemeClr>
+          </a:lnRef>
+          <a:fillRef idx="1">
+            <a:schemeClr val="accent1"/>
+          </a:fillRef>
+          <a:effectRef idx="0">
+            <a:schemeClr val="accent1"/>
+          </a:effectRef>
+          <a:fontRef idx="minor">
+            <a:schemeClr val="lt1"/>
+          </a:fontRef>
+        </p:style>
+        <p:txBody>
+          <a:bodyPr rtlCol="0" anchor="ctr"/>
+          <a:lstStyle/>
+          <a:p>
+            <a:pPr algn="ctr"/>
+            <a:r>
+              <a:rPr lang="en-US" altLang="zh-CN" dirty="0" err="1">
+                <a:solidFill>
+                  <a:schemeClr val="tx1"/>
+                </a:solidFill>
+              </a:rPr>
+              <a:t>BaseNode</a:t>
+            </a:r>
+            <a:endParaRPr lang="zh-CN" altLang="en-US" dirty="0">
+              <a:solidFill>
+                <a:schemeClr val="tx1"/>
+              </a:solidFill>
+            </a:endParaRPr>
+          </a:p>
+        </p:txBody>
+      </p:sp>
+      <p:sp>
+        <p:nvSpPr>
+          <p:cNvPr id="32" name="矩形 31">
+            <a:extLst>
+              <a:ext uri="{FF2B5EF4-FFF2-40B4-BE49-F238E27FC236}">
+                <a16:creationId xmlns:a16="http://schemas.microsoft.com/office/drawing/2014/main" id="{DDF9C8C6-EDF6-4E86-A8D3-4BA17B669C6B}"/>
+              </a:ext>
+            </a:extLst>
+          </p:cNvPr>
+          <p:cNvSpPr/>
+          <p:nvPr/>
+        </p:nvSpPr>
+        <p:spPr>
+          <a:xfrm>
+            <a:off x="9654386" y="1768012"/>
+            <a:ext cx="2266650" cy="620482"/>
+          </a:xfrm>
+          <a:prstGeom prst="rect">
+            <a:avLst/>
+          </a:prstGeom>
+          <a:noFill/>
+        </p:spPr>
+        <p:style>
+          <a:lnRef idx="2">
+            <a:schemeClr val="accent1">
+              <a:shade val="50000"/>
+            </a:schemeClr>
+          </a:lnRef>
+          <a:fillRef idx="1">
+            <a:schemeClr val="accent1"/>
+          </a:fillRef>
+          <a:effectRef idx="0">
+            <a:schemeClr val="accent1"/>
+          </a:effectRef>
+          <a:fontRef idx="minor">
+            <a:schemeClr val="lt1"/>
+          </a:fontRef>
+        </p:style>
+        <p:txBody>
+          <a:bodyPr rtlCol="0" anchor="ctr"/>
+          <a:lstStyle/>
+          <a:p>
+            <a:pPr algn="ctr"/>
+            <a:r>
+              <a:rPr lang="en-US" altLang="zh-CN" dirty="0" err="1">
+                <a:solidFill>
+                  <a:schemeClr val="tx1"/>
+                </a:solidFill>
+              </a:rPr>
+              <a:t>PtrListNodeBase</a:t>
+            </a:r>
+            <a:endParaRPr lang="en-US" altLang="zh-CN" dirty="0">
+              <a:solidFill>
+                <a:schemeClr val="tx1"/>
+              </a:solidFill>
+            </a:endParaRPr>
+          </a:p>
+          <a:p>
+            <a:pPr algn="ctr"/>
+            <a:r>
+              <a:rPr lang="en-US" altLang="zh-CN" dirty="0">
+                <a:solidFill>
+                  <a:schemeClr val="tx1"/>
+                </a:solidFill>
+              </a:rPr>
+              <a:t>&lt;</a:t>
+            </a:r>
+            <a:r>
+              <a:rPr lang="en-US" altLang="zh-CN" dirty="0" err="1">
+                <a:solidFill>
+                  <a:schemeClr val="tx1"/>
+                </a:solidFill>
+              </a:rPr>
+              <a:t>StmNode</a:t>
+            </a:r>
+            <a:r>
+              <a:rPr lang="en-US" altLang="zh-CN" dirty="0">
+                <a:solidFill>
+                  <a:schemeClr val="tx1"/>
+                </a:solidFill>
+              </a:rPr>
+              <a:t>&gt;</a:t>
+            </a:r>
+            <a:endParaRPr lang="zh-CN" altLang="en-US" dirty="0">
+              <a:solidFill>
+                <a:schemeClr val="tx1"/>
+              </a:solidFill>
+            </a:endParaRPr>
+          </a:p>
+        </p:txBody>
+      </p:sp>
+      <p:sp>
+        <p:nvSpPr>
+          <p:cNvPr id="33" name="矩形 32">
+            <a:extLst>
+              <a:ext uri="{FF2B5EF4-FFF2-40B4-BE49-F238E27FC236}">
+                <a16:creationId xmlns:a16="http://schemas.microsoft.com/office/drawing/2014/main" id="{5E5FA23C-BAAF-4327-88B1-432786A7C256}"/>
+              </a:ext>
+            </a:extLst>
+          </p:cNvPr>
+          <p:cNvSpPr/>
+          <p:nvPr/>
+        </p:nvSpPr>
+        <p:spPr>
+          <a:xfrm>
+            <a:off x="8341675" y="2863329"/>
+            <a:ext cx="1828913" cy="620482"/>
+          </a:xfrm>
+          <a:prstGeom prst="rect">
+            <a:avLst/>
+          </a:prstGeom>
+          <a:noFill/>
+        </p:spPr>
+        <p:style>
+          <a:lnRef idx="2">
+            <a:schemeClr val="accent1">
+              <a:shade val="50000"/>
+            </a:schemeClr>
+          </a:lnRef>
+          <a:fillRef idx="1">
+            <a:schemeClr val="accent1"/>
+          </a:fillRef>
+          <a:effectRef idx="0">
+            <a:schemeClr val="accent1"/>
+          </a:effectRef>
+          <a:fontRef idx="minor">
+            <a:schemeClr val="lt1"/>
+          </a:fontRef>
+        </p:style>
+        <p:txBody>
+          <a:bodyPr rtlCol="0" anchor="ctr"/>
+          <a:lstStyle/>
+          <a:p>
+            <a:pPr algn="ctr"/>
+            <a:r>
+              <a:rPr lang="en-US" altLang="zh-CN" dirty="0" err="1">
+                <a:solidFill>
+                  <a:schemeClr val="tx1"/>
+                </a:solidFill>
+              </a:rPr>
+              <a:t>StmtNode</a:t>
+            </a:r>
+            <a:endParaRPr lang="zh-CN" altLang="en-US" dirty="0">
+              <a:solidFill>
+                <a:schemeClr val="tx1"/>
+              </a:solidFill>
+            </a:endParaRPr>
+          </a:p>
+        </p:txBody>
+      </p:sp>
+      <p:sp>
+        <p:nvSpPr>
+          <p:cNvPr id="34" name="矩形 33">
+            <a:extLst>
+              <a:ext uri="{FF2B5EF4-FFF2-40B4-BE49-F238E27FC236}">
+                <a16:creationId xmlns:a16="http://schemas.microsoft.com/office/drawing/2014/main" id="{F16632E5-723E-46BA-BEB5-757B86F1A9C7}"/>
+              </a:ext>
+            </a:extLst>
+          </p:cNvPr>
+          <p:cNvSpPr/>
+          <p:nvPr/>
+        </p:nvSpPr>
+        <p:spPr>
+          <a:xfrm>
+            <a:off x="7046274" y="4014165"/>
+            <a:ext cx="1828913" cy="620482"/>
+          </a:xfrm>
+          <a:prstGeom prst="rect">
+            <a:avLst/>
+          </a:prstGeom>
+          <a:noFill/>
+        </p:spPr>
+        <p:style>
+          <a:lnRef idx="2">
+            <a:schemeClr val="accent1">
+              <a:shade val="50000"/>
+            </a:schemeClr>
+          </a:lnRef>
+          <a:fillRef idx="1">
+            <a:schemeClr val="accent1"/>
+          </a:fillRef>
+          <a:effectRef idx="0">
+            <a:schemeClr val="accent1"/>
+          </a:effectRef>
+          <a:fontRef idx="minor">
+            <a:schemeClr val="lt1"/>
+          </a:fontRef>
+        </p:style>
+        <p:txBody>
+          <a:bodyPr rtlCol="0" anchor="ctr"/>
+          <a:lstStyle/>
+          <a:p>
+            <a:pPr algn="ctr"/>
+            <a:r>
+              <a:rPr lang="en-US" altLang="zh-CN" dirty="0" err="1">
+                <a:solidFill>
+                  <a:schemeClr val="tx1"/>
+                </a:solidFill>
+              </a:rPr>
+              <a:t>UnaryStmtNode</a:t>
+            </a:r>
+            <a:endParaRPr lang="zh-CN" altLang="en-US" dirty="0">
+              <a:solidFill>
+                <a:schemeClr val="tx1"/>
+              </a:solidFill>
+            </a:endParaRPr>
+          </a:p>
+        </p:txBody>
+      </p:sp>
+      <p:sp>
+        <p:nvSpPr>
+          <p:cNvPr id="35" name="矩形 34">
+            <a:extLst>
+              <a:ext uri="{FF2B5EF4-FFF2-40B4-BE49-F238E27FC236}">
+                <a16:creationId xmlns:a16="http://schemas.microsoft.com/office/drawing/2014/main" id="{46E6C9CA-FB83-49C1-9A55-912186459DFE}"/>
+              </a:ext>
+            </a:extLst>
+          </p:cNvPr>
+          <p:cNvSpPr/>
+          <p:nvPr/>
+        </p:nvSpPr>
+        <p:spPr>
+          <a:xfrm>
+            <a:off x="7046274" y="4982121"/>
+            <a:ext cx="1828913" cy="620482"/>
+          </a:xfrm>
+          <a:prstGeom prst="rect">
+            <a:avLst/>
+          </a:prstGeom>
+          <a:noFill/>
+        </p:spPr>
+        <p:style>
+          <a:lnRef idx="2">
+            <a:schemeClr val="accent1">
+              <a:shade val="50000"/>
+            </a:schemeClr>
+          </a:lnRef>
+          <a:fillRef idx="1">
+            <a:schemeClr val="accent1"/>
+          </a:fillRef>
+          <a:effectRef idx="0">
+            <a:schemeClr val="accent1"/>
+          </a:effectRef>
+          <a:fontRef idx="minor">
+            <a:schemeClr val="lt1"/>
+          </a:fontRef>
+        </p:style>
+        <p:txBody>
+          <a:bodyPr rtlCol="0" anchor="ctr"/>
+          <a:lstStyle/>
+          <a:p>
+            <a:pPr algn="ctr"/>
+            <a:r>
+              <a:rPr lang="en-US" altLang="zh-CN" dirty="0" err="1">
+                <a:solidFill>
+                  <a:schemeClr val="tx1"/>
+                </a:solidFill>
+              </a:rPr>
+              <a:t>IfStmtNode</a:t>
+            </a:r>
+            <a:endParaRPr lang="zh-CN" altLang="en-US" dirty="0">
+              <a:solidFill>
+                <a:schemeClr val="tx1"/>
+              </a:solidFill>
+            </a:endParaRPr>
+          </a:p>
+        </p:txBody>
+      </p:sp>
+      <p:cxnSp>
+        <p:nvCxnSpPr>
+          <p:cNvPr id="36" name="直接箭头连接符 35">
+            <a:extLst>
+              <a:ext uri="{FF2B5EF4-FFF2-40B4-BE49-F238E27FC236}">
+                <a16:creationId xmlns:a16="http://schemas.microsoft.com/office/drawing/2014/main" id="{C5C9BDE4-E236-4181-9278-CAB46FF74728}"/>
+              </a:ext>
+            </a:extLst>
+          </p:cNvPr>
+          <p:cNvCxnSpPr>
+            <a:cxnSpLocks/>
+            <a:stCxn id="33" idx="0"/>
+            <a:endCxn id="31" idx="2"/>
+          </p:cNvCxnSpPr>
+          <p:nvPr/>
+        </p:nvCxnSpPr>
+        <p:spPr>
+          <a:xfrm flipH="1" flipV="1">
+            <a:off x="7813675" y="2388494"/>
+            <a:ext cx="1442457" cy="474835"/>
+          </a:xfrm>
+          <a:prstGeom prst="straightConnector1">
+            <a:avLst/>
+          </a:prstGeom>
+          <a:ln>
+            <a:tailEnd type="triangle"/>
+          </a:ln>
+        </p:spPr>
+        <p:style>
+          <a:lnRef idx="1">
+            <a:schemeClr val="accent1"/>
+          </a:lnRef>
+          <a:fillRef idx="0">
+            <a:schemeClr val="accent1"/>
+          </a:fillRef>
+          <a:effectRef idx="0">
+            <a:schemeClr val="accent1"/>
+          </a:effectRef>
+          <a:fontRef idx="minor">
+            <a:schemeClr val="tx1"/>
+          </a:fontRef>
+        </p:style>
+      </p:cxnSp>
+      <p:cxnSp>
+        <p:nvCxnSpPr>
+          <p:cNvPr id="37" name="直接箭头连接符 36">
+            <a:extLst>
+              <a:ext uri="{FF2B5EF4-FFF2-40B4-BE49-F238E27FC236}">
+                <a16:creationId xmlns:a16="http://schemas.microsoft.com/office/drawing/2014/main" id="{B949AAF8-8706-4DAA-951B-8D3B080DCF21}"/>
+              </a:ext>
+            </a:extLst>
+          </p:cNvPr>
+          <p:cNvCxnSpPr>
+            <a:cxnSpLocks/>
+            <a:stCxn id="33" idx="0"/>
+            <a:endCxn id="32" idx="2"/>
+          </p:cNvCxnSpPr>
+          <p:nvPr/>
+        </p:nvCxnSpPr>
+        <p:spPr>
+          <a:xfrm flipV="1">
+            <a:off x="9256132" y="2388494"/>
+            <a:ext cx="1531579" cy="474835"/>
+          </a:xfrm>
+          <a:prstGeom prst="straightConnector1">
+            <a:avLst/>
+          </a:prstGeom>
+          <a:ln>
+            <a:tailEnd type="triangle"/>
+          </a:ln>
+        </p:spPr>
+        <p:style>
+          <a:lnRef idx="1">
+            <a:schemeClr val="accent1"/>
+          </a:lnRef>
+          <a:fillRef idx="0">
+            <a:schemeClr val="accent1"/>
+          </a:fillRef>
+          <a:effectRef idx="0">
+            <a:schemeClr val="accent1"/>
+          </a:effectRef>
+          <a:fontRef idx="minor">
+            <a:schemeClr val="tx1"/>
+          </a:fontRef>
+        </p:style>
+      </p:cxnSp>
+      <p:cxnSp>
+        <p:nvCxnSpPr>
+          <p:cNvPr id="38" name="直接箭头连接符 37">
+            <a:extLst>
+              <a:ext uri="{FF2B5EF4-FFF2-40B4-BE49-F238E27FC236}">
+                <a16:creationId xmlns:a16="http://schemas.microsoft.com/office/drawing/2014/main" id="{F15F8E8E-BD71-4541-84A4-53AFDFC0AD2B}"/>
+              </a:ext>
+            </a:extLst>
+          </p:cNvPr>
+          <p:cNvCxnSpPr>
+            <a:stCxn id="34" idx="0"/>
+            <a:endCxn id="33" idx="2"/>
+          </p:cNvCxnSpPr>
+          <p:nvPr/>
+        </p:nvCxnSpPr>
+        <p:spPr>
+          <a:xfrm flipV="1">
+            <a:off x="7960731" y="3483811"/>
+            <a:ext cx="1295401" cy="530354"/>
+          </a:xfrm>
+          <a:prstGeom prst="straightConnector1">
+            <a:avLst/>
+          </a:prstGeom>
+          <a:ln>
+            <a:tailEnd type="triangle"/>
+          </a:ln>
+        </p:spPr>
+        <p:style>
+          <a:lnRef idx="1">
+            <a:schemeClr val="accent1"/>
+          </a:lnRef>
+          <a:fillRef idx="0">
+            <a:schemeClr val="accent1"/>
+          </a:fillRef>
+          <a:effectRef idx="0">
+            <a:schemeClr val="accent1"/>
+          </a:effectRef>
+          <a:fontRef idx="minor">
+            <a:schemeClr val="tx1"/>
+          </a:fontRef>
+        </p:style>
+      </p:cxnSp>
+      <p:cxnSp>
+        <p:nvCxnSpPr>
+          <p:cNvPr id="39" name="直接箭头连接符 38">
+            <a:extLst>
+              <a:ext uri="{FF2B5EF4-FFF2-40B4-BE49-F238E27FC236}">
+                <a16:creationId xmlns:a16="http://schemas.microsoft.com/office/drawing/2014/main" id="{211A917F-E19E-406F-82FD-D8D00D847DDA}"/>
+              </a:ext>
+            </a:extLst>
+          </p:cNvPr>
+          <p:cNvCxnSpPr>
+            <a:stCxn id="35" idx="0"/>
+            <a:endCxn id="34" idx="2"/>
+          </p:cNvCxnSpPr>
+          <p:nvPr/>
+        </p:nvCxnSpPr>
+        <p:spPr>
+          <a:xfrm flipV="1">
+            <a:off x="7960731" y="4634647"/>
+            <a:ext cx="0" cy="347474"/>
+          </a:xfrm>
+          <a:prstGeom prst="straightConnector1">
+            <a:avLst/>
+          </a:prstGeom>
+          <a:ln>
+            <a:tailEnd type="triangle"/>
+          </a:ln>
+        </p:spPr>
+        <p:style>
+          <a:lnRef idx="1">
+            <a:schemeClr val="accent1"/>
+          </a:lnRef>
+          <a:fillRef idx="0">
+            <a:schemeClr val="accent1"/>
+          </a:fillRef>
+          <a:effectRef idx="0">
+            <a:schemeClr val="accent1"/>
+          </a:effectRef>
+          <a:fontRef idx="minor">
+            <a:schemeClr val="tx1"/>
+          </a:fontRef>
+        </p:style>
+      </p:cxnSp>
+      <p:sp>
+        <p:nvSpPr>
+          <p:cNvPr id="41" name="矩形 40">
+            <a:extLst>
+              <a:ext uri="{FF2B5EF4-FFF2-40B4-BE49-F238E27FC236}">
+                <a16:creationId xmlns:a16="http://schemas.microsoft.com/office/drawing/2014/main" id="{31C71ED2-A064-43B0-9CE4-C637D31F2E24}"/>
+              </a:ext>
+            </a:extLst>
+          </p:cNvPr>
+          <p:cNvSpPr/>
+          <p:nvPr/>
+        </p:nvSpPr>
+        <p:spPr>
+          <a:xfrm>
+            <a:off x="9873254" y="4014165"/>
+            <a:ext cx="1828913" cy="620482"/>
+          </a:xfrm>
+          <a:prstGeom prst="rect">
+            <a:avLst/>
+          </a:prstGeom>
+          <a:noFill/>
+        </p:spPr>
+        <p:style>
+          <a:lnRef idx="2">
+            <a:schemeClr val="accent1">
+              <a:shade val="50000"/>
+            </a:schemeClr>
+          </a:lnRef>
+          <a:fillRef idx="1">
+            <a:schemeClr val="accent1"/>
+          </a:fillRef>
+          <a:effectRef idx="0">
+            <a:schemeClr val="accent1"/>
+          </a:effectRef>
+          <a:fontRef idx="minor">
+            <a:schemeClr val="lt1"/>
+          </a:fontRef>
+        </p:style>
+        <p:txBody>
+          <a:bodyPr rtlCol="0" anchor="ctr"/>
+          <a:lstStyle/>
+          <a:p>
+            <a:pPr algn="ctr"/>
+            <a:r>
+              <a:rPr lang="en-US" altLang="zh-CN" dirty="0" err="1">
+                <a:solidFill>
+                  <a:schemeClr val="tx1"/>
+                </a:solidFill>
+              </a:rPr>
+              <a:t>BlockNode</a:t>
+            </a:r>
+            <a:endParaRPr lang="zh-CN" altLang="en-US" dirty="0">
+              <a:solidFill>
+                <a:schemeClr val="tx1"/>
+              </a:solidFill>
+            </a:endParaRPr>
+          </a:p>
+        </p:txBody>
+      </p:sp>
+      <p:cxnSp>
+        <p:nvCxnSpPr>
+          <p:cNvPr id="43" name="直接箭头连接符 42">
+            <a:extLst>
+              <a:ext uri="{FF2B5EF4-FFF2-40B4-BE49-F238E27FC236}">
+                <a16:creationId xmlns:a16="http://schemas.microsoft.com/office/drawing/2014/main" id="{BE17CFD9-3F1C-4908-870B-2BA8F500AD1A}"/>
+              </a:ext>
+            </a:extLst>
+          </p:cNvPr>
+          <p:cNvCxnSpPr>
+            <a:stCxn id="41" idx="0"/>
+            <a:endCxn id="33" idx="2"/>
+          </p:cNvCxnSpPr>
+          <p:nvPr/>
+        </p:nvCxnSpPr>
+        <p:spPr>
+          <a:xfrm flipH="1" flipV="1">
+            <a:off x="9256132" y="3483811"/>
+            <a:ext cx="1531579" cy="530354"/>
+          </a:xfrm>
+          <a:prstGeom prst="straightConnector1">
+            <a:avLst/>
+          </a:prstGeom>
+          <a:ln>
+            <a:tailEnd type="triangle"/>
+          </a:ln>
+        </p:spPr>
+        <p:style>
+          <a:lnRef idx="1">
+            <a:schemeClr val="accent1"/>
+          </a:lnRef>
+          <a:fillRef idx="0">
+            <a:schemeClr val="accent1"/>
+          </a:fillRef>
+          <a:effectRef idx="0">
+            <a:schemeClr val="accent1"/>
+          </a:effectRef>
+          <a:fontRef idx="minor">
+            <a:schemeClr val="tx1"/>
+          </a:fontRef>
+        </p:style>
+      </p:cxnSp>
+    </p:spTree>
+    <p:extLst>
+      <p:ext uri="{BB962C8B-B14F-4D97-AF65-F5344CB8AC3E}">
+        <p14:creationId xmlns:p14="http://schemas.microsoft.com/office/powerpoint/2010/main" val="1291230774"/>
+      </p:ext>
+    </p:extLst>
+  </p:cSld>
+  <p:clrMapOvr>
+    <a:masterClrMapping/>
+  </p:clrMapOvr>
+  <mc:AlternateContent xmlns:mc="http://schemas.openxmlformats.org/markup-compatibility/2006" xmlns:p159="http://schemas.microsoft.com/office/powerpoint/2015/09/main">
+    <mc:Choice Requires="p159">
+      <p:transition xmlns:p14="http://schemas.microsoft.com/office/powerpoint/2010/main" spd="slow" p14:dur="2000">
+        <p159:morph option="byObject"/>
+      </p:transition>
+    </mc:Choice>
+    <mc:Fallback xmlns="">
+      <p:transition spd="slow">
+        <p:fade/>
+      </p:transition>
+    </mc:Fallback>
+  </mc:AlternateContent>
+</p:sld>
+</file>
+
+<file path=ppt/slides/slide15.xml><?xml version="1.0" encoding="utf-8"?>
+<p:sld xmlns:a="http://schemas.openxmlformats.org/drawingml/2006/main" xmlns:r="http://schemas.openxmlformats.org/officeDocument/2006/relationships" xmlns:p="http://schemas.openxmlformats.org/presentationml/2006/main">
+  <p:cSld>
+    <p:spTree>
+      <p:nvGrpSpPr>
+        <p:cNvPr id="1" name=""/>
+        <p:cNvGrpSpPr/>
+        <p:nvPr/>
+      </p:nvGrpSpPr>
+      <p:grpSpPr>
+        <a:xfrm>
+          <a:off x="0" y="0"/>
+          <a:ext cx="0" cy="0"/>
+          <a:chOff x="0" y="0"/>
+          <a:chExt cx="0" cy="0"/>
+        </a:xfrm>
+      </p:grpSpPr>
+      <p:sp>
+        <p:nvSpPr>
+          <p:cNvPr id="2" name="标题 1">
+            <a:extLst>
+              <a:ext uri="{FF2B5EF4-FFF2-40B4-BE49-F238E27FC236}">
+                <a16:creationId xmlns:a16="http://schemas.microsoft.com/office/drawing/2014/main" id="{16177BAB-1C47-4361-BB6E-970B64C9D987}"/>
+              </a:ext>
+            </a:extLst>
+          </p:cNvPr>
+          <p:cNvSpPr>
+            <a:spLocks noGrp="1"/>
+          </p:cNvSpPr>
+          <p:nvPr>
+            <p:ph type="ctrTitle"/>
+          </p:nvPr>
+        </p:nvSpPr>
+        <p:spPr>
+          <a:xfrm>
+            <a:off x="123825" y="392291"/>
+            <a:ext cx="5932170" cy="782273"/>
+          </a:xfrm>
+        </p:spPr>
+        <p:txBody>
+          <a:bodyPr>
+            <a:normAutofit/>
+          </a:bodyPr>
+          <a:lstStyle/>
+          <a:p>
+            <a:r>
+              <a:rPr lang="en-US" altLang="zh-CN" sz="4000" dirty="0"/>
+              <a:t>MAPLE IR</a:t>
+            </a:r>
+            <a:r>
+              <a:rPr lang="zh-CN" altLang="en-US" sz="4000" dirty="0"/>
+              <a:t>中的向下转化</a:t>
+            </a:r>
+          </a:p>
+        </p:txBody>
+      </p:sp>
+      <p:pic>
+        <p:nvPicPr>
+          <p:cNvPr id="9" name="图片 8">
+            <a:extLst>
+              <a:ext uri="{FF2B5EF4-FFF2-40B4-BE49-F238E27FC236}">
+                <a16:creationId xmlns:a16="http://schemas.microsoft.com/office/drawing/2014/main" id="{888BF2ED-F57D-478E-A2F6-8909869C454A}"/>
+              </a:ext>
+            </a:extLst>
+          </p:cNvPr>
+          <p:cNvPicPr>
+            <a:picLocks noChangeAspect="1"/>
+          </p:cNvPicPr>
+          <p:nvPr/>
+        </p:nvPicPr>
+        <p:blipFill>
+          <a:blip r:embed="rId3"/>
+          <a:stretch>
+            <a:fillRect/>
+          </a:stretch>
+        </p:blipFill>
+        <p:spPr>
+          <a:xfrm>
+            <a:off x="585469" y="1753552"/>
+            <a:ext cx="4905375" cy="3990975"/>
+          </a:xfrm>
+          <a:prstGeom prst="rect">
+            <a:avLst/>
+          </a:prstGeom>
+        </p:spPr>
+      </p:pic>
+      <p:sp>
+        <p:nvSpPr>
+          <p:cNvPr id="11" name="矩形 10">
+            <a:extLst>
+              <a:ext uri="{FF2B5EF4-FFF2-40B4-BE49-F238E27FC236}">
+                <a16:creationId xmlns:a16="http://schemas.microsoft.com/office/drawing/2014/main" id="{7C5E56D8-033D-441F-90A8-FCD97DA3FB6D}"/>
+              </a:ext>
+            </a:extLst>
+          </p:cNvPr>
+          <p:cNvSpPr/>
+          <p:nvPr/>
+        </p:nvSpPr>
+        <p:spPr>
+          <a:xfrm>
+            <a:off x="585469" y="1704558"/>
+            <a:ext cx="1457326" cy="314325"/>
+          </a:xfrm>
+          <a:prstGeom prst="rect">
+            <a:avLst/>
+          </a:prstGeom>
+          <a:solidFill>
+            <a:schemeClr val="accent2">
+              <a:lumMod val="60000"/>
+              <a:lumOff val="40000"/>
+              <a:alpha val="41000"/>
+            </a:schemeClr>
+          </a:solidFill>
+          <a:ln>
+            <a:noFill/>
+          </a:ln>
+        </p:spPr>
+        <p:style>
+          <a:lnRef idx="2">
+            <a:schemeClr val="accent1">
+              <a:shade val="50000"/>
+            </a:schemeClr>
+          </a:lnRef>
+          <a:fillRef idx="1">
+            <a:schemeClr val="accent1"/>
+          </a:fillRef>
+          <a:effectRef idx="0">
+            <a:schemeClr val="accent1"/>
+          </a:effectRef>
+          <a:fontRef idx="minor">
+            <a:schemeClr val="lt1"/>
+          </a:fontRef>
+        </p:style>
+        <p:txBody>
+          <a:bodyPr rtlCol="0" anchor="ctr"/>
+          <a:lstStyle/>
+          <a:p>
+            <a:pPr algn="ctr"/>
+            <a:endParaRPr lang="zh-CN" altLang="en-US"/>
+          </a:p>
+        </p:txBody>
+      </p:sp>
+      <p:sp>
+        <p:nvSpPr>
+          <p:cNvPr id="28" name="矩形 27">
+            <a:extLst>
+              <a:ext uri="{FF2B5EF4-FFF2-40B4-BE49-F238E27FC236}">
+                <a16:creationId xmlns:a16="http://schemas.microsoft.com/office/drawing/2014/main" id="{39DCE3A2-09A3-4CEC-BBA3-F679647A3C01}"/>
+              </a:ext>
+            </a:extLst>
+          </p:cNvPr>
+          <p:cNvSpPr/>
+          <p:nvPr/>
+        </p:nvSpPr>
+        <p:spPr>
+          <a:xfrm>
+            <a:off x="8401689" y="3331137"/>
+            <a:ext cx="1492883" cy="620482"/>
+          </a:xfrm>
+          <a:prstGeom prst="rect">
+            <a:avLst/>
+          </a:prstGeom>
+          <a:noFill/>
+        </p:spPr>
+        <p:style>
+          <a:lnRef idx="2">
+            <a:schemeClr val="accent1">
+              <a:shade val="50000"/>
+            </a:schemeClr>
+          </a:lnRef>
+          <a:fillRef idx="1">
+            <a:schemeClr val="accent1"/>
+          </a:fillRef>
+          <a:effectRef idx="0">
+            <a:schemeClr val="accent1"/>
+          </a:effectRef>
+          <a:fontRef idx="minor">
+            <a:schemeClr val="lt1"/>
+          </a:fontRef>
+        </p:style>
+        <p:txBody>
+          <a:bodyPr rtlCol="0" anchor="ctr"/>
+          <a:lstStyle/>
+          <a:p>
+            <a:pPr algn="ctr"/>
+            <a:r>
+              <a:rPr lang="en-US" altLang="zh-CN" dirty="0" err="1">
+                <a:solidFill>
+                  <a:schemeClr val="tx1"/>
+                </a:solidFill>
+              </a:rPr>
+              <a:t>BaseNode</a:t>
+            </a:r>
+            <a:endParaRPr lang="zh-CN" altLang="en-US" dirty="0">
+              <a:solidFill>
+                <a:schemeClr val="tx1"/>
+              </a:solidFill>
+            </a:endParaRPr>
+          </a:p>
+        </p:txBody>
+      </p:sp>
+      <p:sp>
+        <p:nvSpPr>
+          <p:cNvPr id="29" name="矩形 28">
+            <a:extLst>
+              <a:ext uri="{FF2B5EF4-FFF2-40B4-BE49-F238E27FC236}">
+                <a16:creationId xmlns:a16="http://schemas.microsoft.com/office/drawing/2014/main" id="{850D367E-F73C-4941-9B57-DFA7EFBB2E20}"/>
+              </a:ext>
+            </a:extLst>
+          </p:cNvPr>
+          <p:cNvSpPr/>
+          <p:nvPr/>
+        </p:nvSpPr>
+        <p:spPr>
+          <a:xfrm>
+            <a:off x="6551132" y="1677585"/>
+            <a:ext cx="1715771" cy="620482"/>
+          </a:xfrm>
+          <a:prstGeom prst="rect">
+            <a:avLst/>
+          </a:prstGeom>
+          <a:noFill/>
+        </p:spPr>
+        <p:style>
+          <a:lnRef idx="2">
+            <a:schemeClr val="accent1">
+              <a:shade val="50000"/>
+            </a:schemeClr>
+          </a:lnRef>
+          <a:fillRef idx="1">
+            <a:schemeClr val="accent1"/>
+          </a:fillRef>
+          <a:effectRef idx="0">
+            <a:schemeClr val="accent1"/>
+          </a:effectRef>
+          <a:fontRef idx="minor">
+            <a:schemeClr val="lt1"/>
+          </a:fontRef>
+        </p:style>
+        <p:txBody>
+          <a:bodyPr rtlCol="0" anchor="ctr"/>
+          <a:lstStyle/>
+          <a:p>
+            <a:pPr algn="ctr"/>
+            <a:r>
+              <a:rPr lang="en-US" altLang="zh-CN" dirty="0" err="1">
+                <a:solidFill>
+                  <a:schemeClr val="tx1"/>
+                </a:solidFill>
+              </a:rPr>
+              <a:t>UnaryNode</a:t>
+            </a:r>
+            <a:endParaRPr lang="zh-CN" altLang="en-US" dirty="0">
+              <a:solidFill>
+                <a:schemeClr val="tx1"/>
+              </a:solidFill>
+            </a:endParaRPr>
+          </a:p>
+        </p:txBody>
+      </p:sp>
+      <p:sp>
+        <p:nvSpPr>
+          <p:cNvPr id="30" name="矩形 29">
+            <a:extLst>
+              <a:ext uri="{FF2B5EF4-FFF2-40B4-BE49-F238E27FC236}">
+                <a16:creationId xmlns:a16="http://schemas.microsoft.com/office/drawing/2014/main" id="{26109D28-D2EB-447C-A29A-3277A646B3DF}"/>
+              </a:ext>
+            </a:extLst>
+          </p:cNvPr>
+          <p:cNvSpPr/>
+          <p:nvPr/>
+        </p:nvSpPr>
+        <p:spPr>
+          <a:xfrm>
+            <a:off x="9666049" y="4824657"/>
+            <a:ext cx="1944295" cy="620482"/>
+          </a:xfrm>
+          <a:prstGeom prst="rect">
+            <a:avLst/>
+          </a:prstGeom>
+          <a:noFill/>
+        </p:spPr>
+        <p:style>
+          <a:lnRef idx="2">
+            <a:schemeClr val="accent1">
+              <a:shade val="50000"/>
+            </a:schemeClr>
+          </a:lnRef>
+          <a:fillRef idx="1">
+            <a:schemeClr val="accent1"/>
+          </a:fillRef>
+          <a:effectRef idx="0">
+            <a:schemeClr val="accent1"/>
+          </a:effectRef>
+          <a:fontRef idx="minor">
+            <a:schemeClr val="lt1"/>
+          </a:fontRef>
+        </p:style>
+        <p:txBody>
+          <a:bodyPr rtlCol="0" anchor="ctr"/>
+          <a:lstStyle/>
+          <a:p>
+            <a:pPr algn="ctr"/>
+            <a:r>
+              <a:rPr lang="en-US" altLang="zh-CN" dirty="0" err="1">
+                <a:solidFill>
+                  <a:schemeClr val="tx1"/>
+                </a:solidFill>
+              </a:rPr>
+              <a:t>StmtNode</a:t>
+            </a:r>
+            <a:endParaRPr lang="zh-CN" altLang="en-US" dirty="0">
+              <a:solidFill>
+                <a:schemeClr val="tx1"/>
+              </a:solidFill>
+            </a:endParaRPr>
+          </a:p>
+        </p:txBody>
+      </p:sp>
+      <p:cxnSp>
+        <p:nvCxnSpPr>
+          <p:cNvPr id="44" name="直接箭头连接符 43">
+            <a:extLst>
+              <a:ext uri="{FF2B5EF4-FFF2-40B4-BE49-F238E27FC236}">
+                <a16:creationId xmlns:a16="http://schemas.microsoft.com/office/drawing/2014/main" id="{C4DB6E2F-9560-4A2A-B278-6D852F04B638}"/>
+              </a:ext>
+            </a:extLst>
+          </p:cNvPr>
+          <p:cNvCxnSpPr>
+            <a:cxnSpLocks/>
+            <a:stCxn id="30" idx="0"/>
+            <a:endCxn id="28" idx="2"/>
+          </p:cNvCxnSpPr>
+          <p:nvPr/>
+        </p:nvCxnSpPr>
+        <p:spPr>
+          <a:xfrm flipH="1" flipV="1">
+            <a:off x="9148131" y="3951619"/>
+            <a:ext cx="1490066" cy="873038"/>
+          </a:xfrm>
+          <a:prstGeom prst="straightConnector1">
+            <a:avLst/>
+          </a:prstGeom>
+          <a:ln>
+            <a:tailEnd type="triangle"/>
+          </a:ln>
+        </p:spPr>
+        <p:style>
+          <a:lnRef idx="1">
+            <a:schemeClr val="accent1"/>
+          </a:lnRef>
+          <a:fillRef idx="0">
+            <a:schemeClr val="accent1"/>
+          </a:fillRef>
+          <a:effectRef idx="0">
+            <a:schemeClr val="accent1"/>
+          </a:effectRef>
+          <a:fontRef idx="minor">
+            <a:schemeClr val="tx1"/>
+          </a:fontRef>
+        </p:style>
+      </p:cxnSp>
+      <p:sp>
+        <p:nvSpPr>
+          <p:cNvPr id="14" name="矩形 13">
+            <a:extLst>
+              <a:ext uri="{FF2B5EF4-FFF2-40B4-BE49-F238E27FC236}">
+                <a16:creationId xmlns:a16="http://schemas.microsoft.com/office/drawing/2014/main" id="{EAA883FF-4873-433B-A2A3-0946686E73BC}"/>
+              </a:ext>
+            </a:extLst>
+          </p:cNvPr>
+          <p:cNvSpPr/>
+          <p:nvPr/>
+        </p:nvSpPr>
+        <p:spPr>
+          <a:xfrm>
+            <a:off x="6453982" y="4824657"/>
+            <a:ext cx="2141378" cy="620482"/>
+          </a:xfrm>
+          <a:prstGeom prst="rect">
+            <a:avLst/>
+          </a:prstGeom>
+          <a:noFill/>
+        </p:spPr>
+        <p:style>
+          <a:lnRef idx="2">
+            <a:schemeClr val="accent1">
+              <a:shade val="50000"/>
+            </a:schemeClr>
+          </a:lnRef>
+          <a:fillRef idx="1">
+            <a:schemeClr val="accent1"/>
+          </a:fillRef>
+          <a:effectRef idx="0">
+            <a:schemeClr val="accent1"/>
+          </a:effectRef>
+          <a:fontRef idx="minor">
+            <a:schemeClr val="lt1"/>
+          </a:fontRef>
+        </p:style>
+        <p:txBody>
+          <a:bodyPr rtlCol="0" anchor="ctr"/>
+          <a:lstStyle/>
+          <a:p>
+            <a:pPr algn="ctr"/>
+            <a:r>
+              <a:rPr lang="en-US" altLang="zh-CN" dirty="0" err="1">
+                <a:solidFill>
+                  <a:schemeClr val="tx1"/>
+                </a:solidFill>
+              </a:rPr>
+              <a:t>IreadFPoffNode</a:t>
+            </a:r>
+            <a:endParaRPr lang="zh-CN" altLang="en-US" dirty="0">
+              <a:solidFill>
+                <a:schemeClr val="tx1"/>
+              </a:solidFill>
+            </a:endParaRPr>
+          </a:p>
+        </p:txBody>
+      </p:sp>
+      <p:sp>
+        <p:nvSpPr>
+          <p:cNvPr id="55" name="矩形 54">
+            <a:extLst>
+              <a:ext uri="{FF2B5EF4-FFF2-40B4-BE49-F238E27FC236}">
+                <a16:creationId xmlns:a16="http://schemas.microsoft.com/office/drawing/2014/main" id="{72746924-84F6-4954-8339-3E40E361B5EF}"/>
+              </a:ext>
+            </a:extLst>
+          </p:cNvPr>
+          <p:cNvSpPr/>
+          <p:nvPr/>
+        </p:nvSpPr>
+        <p:spPr>
+          <a:xfrm>
+            <a:off x="9570720" y="1687151"/>
+            <a:ext cx="2039624" cy="620482"/>
+          </a:xfrm>
+          <a:prstGeom prst="rect">
+            <a:avLst/>
+          </a:prstGeom>
+          <a:noFill/>
+        </p:spPr>
+        <p:style>
+          <a:lnRef idx="2">
+            <a:schemeClr val="accent1">
+              <a:shade val="50000"/>
+            </a:schemeClr>
+          </a:lnRef>
+          <a:fillRef idx="1">
+            <a:schemeClr val="accent1"/>
+          </a:fillRef>
+          <a:effectRef idx="0">
+            <a:schemeClr val="accent1"/>
+          </a:effectRef>
+          <a:fontRef idx="minor">
+            <a:schemeClr val="lt1"/>
+          </a:fontRef>
+        </p:style>
+        <p:txBody>
+          <a:bodyPr rtlCol="0" anchor="ctr"/>
+          <a:lstStyle/>
+          <a:p>
+            <a:pPr algn="ctr"/>
+            <a:r>
+              <a:rPr lang="en-US" altLang="zh-CN" dirty="0" err="1">
+                <a:solidFill>
+                  <a:schemeClr val="tx1"/>
+                </a:solidFill>
+              </a:rPr>
+              <a:t>GCMallocNode</a:t>
+            </a:r>
+            <a:endParaRPr lang="zh-CN" altLang="en-US" dirty="0">
+              <a:solidFill>
+                <a:schemeClr val="tx1"/>
+              </a:solidFill>
+            </a:endParaRPr>
+          </a:p>
+        </p:txBody>
+      </p:sp>
+      <p:cxnSp>
+        <p:nvCxnSpPr>
+          <p:cNvPr id="60" name="直接箭头连接符 59">
+            <a:extLst>
+              <a:ext uri="{FF2B5EF4-FFF2-40B4-BE49-F238E27FC236}">
+                <a16:creationId xmlns:a16="http://schemas.microsoft.com/office/drawing/2014/main" id="{04E869D7-41A8-4066-BF52-2C6D1E6485FF}"/>
+              </a:ext>
+            </a:extLst>
+          </p:cNvPr>
+          <p:cNvCxnSpPr>
+            <a:cxnSpLocks/>
+            <a:stCxn id="14" idx="0"/>
+            <a:endCxn id="28" idx="2"/>
+          </p:cNvCxnSpPr>
+          <p:nvPr/>
+        </p:nvCxnSpPr>
+        <p:spPr>
+          <a:xfrm flipV="1">
+            <a:off x="7524671" y="3951619"/>
+            <a:ext cx="1623460" cy="873038"/>
+          </a:xfrm>
+          <a:prstGeom prst="straightConnector1">
+            <a:avLst/>
+          </a:prstGeom>
+          <a:ln>
+            <a:tailEnd type="triangle"/>
+          </a:ln>
+        </p:spPr>
+        <p:style>
+          <a:lnRef idx="1">
+            <a:schemeClr val="accent1"/>
+          </a:lnRef>
+          <a:fillRef idx="0">
+            <a:schemeClr val="accent1"/>
+          </a:fillRef>
+          <a:effectRef idx="0">
+            <a:schemeClr val="accent1"/>
+          </a:effectRef>
+          <a:fontRef idx="minor">
+            <a:schemeClr val="tx1"/>
+          </a:fontRef>
+        </p:style>
+      </p:cxnSp>
+      <p:cxnSp>
+        <p:nvCxnSpPr>
+          <p:cNvPr id="63" name="直接箭头连接符 62">
+            <a:extLst>
+              <a:ext uri="{FF2B5EF4-FFF2-40B4-BE49-F238E27FC236}">
+                <a16:creationId xmlns:a16="http://schemas.microsoft.com/office/drawing/2014/main" id="{7D595899-BF67-4134-B0B0-9B1410CD0B44}"/>
+              </a:ext>
+            </a:extLst>
+          </p:cNvPr>
+          <p:cNvCxnSpPr>
+            <a:cxnSpLocks/>
+            <a:stCxn id="29" idx="2"/>
+            <a:endCxn id="28" idx="0"/>
+          </p:cNvCxnSpPr>
+          <p:nvPr/>
+        </p:nvCxnSpPr>
+        <p:spPr>
+          <a:xfrm>
+            <a:off x="7409018" y="2298067"/>
+            <a:ext cx="1739113" cy="1033070"/>
+          </a:xfrm>
+          <a:prstGeom prst="straightConnector1">
+            <a:avLst/>
+          </a:prstGeom>
+          <a:ln>
+            <a:tailEnd type="triangle"/>
+          </a:ln>
+        </p:spPr>
+        <p:style>
+          <a:lnRef idx="1">
+            <a:schemeClr val="accent1"/>
+          </a:lnRef>
+          <a:fillRef idx="0">
+            <a:schemeClr val="accent1"/>
+          </a:fillRef>
+          <a:effectRef idx="0">
+            <a:schemeClr val="accent1"/>
+          </a:effectRef>
+          <a:fontRef idx="minor">
+            <a:schemeClr val="tx1"/>
+          </a:fontRef>
+        </p:style>
+      </p:cxnSp>
+      <p:cxnSp>
+        <p:nvCxnSpPr>
+          <p:cNvPr id="66" name="直接箭头连接符 65">
+            <a:extLst>
+              <a:ext uri="{FF2B5EF4-FFF2-40B4-BE49-F238E27FC236}">
+                <a16:creationId xmlns:a16="http://schemas.microsoft.com/office/drawing/2014/main" id="{070DDA22-3E9E-4BB4-93D6-EA74B47F2D15}"/>
+              </a:ext>
+            </a:extLst>
+          </p:cNvPr>
+          <p:cNvCxnSpPr>
+            <a:cxnSpLocks/>
+            <a:stCxn id="55" idx="2"/>
+            <a:endCxn id="28" idx="0"/>
+          </p:cNvCxnSpPr>
+          <p:nvPr/>
+        </p:nvCxnSpPr>
+        <p:spPr>
+          <a:xfrm flipH="1">
+            <a:off x="9148131" y="2307633"/>
+            <a:ext cx="1442401" cy="1023504"/>
+          </a:xfrm>
+          <a:prstGeom prst="straightConnector1">
+            <a:avLst/>
+          </a:prstGeom>
+          <a:ln>
+            <a:tailEnd type="triangle"/>
+          </a:ln>
+        </p:spPr>
+        <p:style>
+          <a:lnRef idx="1">
+            <a:schemeClr val="accent1"/>
+          </a:lnRef>
+          <a:fillRef idx="0">
+            <a:schemeClr val="accent1"/>
+          </a:fillRef>
+          <a:effectRef idx="0">
+            <a:schemeClr val="accent1"/>
+          </a:effectRef>
+          <a:fontRef idx="minor">
+            <a:schemeClr val="tx1"/>
+          </a:fontRef>
+        </p:style>
+      </p:cxnSp>
+    </p:spTree>
+    <p:extLst>
+      <p:ext uri="{BB962C8B-B14F-4D97-AF65-F5344CB8AC3E}">
+        <p14:creationId xmlns:p14="http://schemas.microsoft.com/office/powerpoint/2010/main" val="1162473749"/>
+      </p:ext>
+    </p:extLst>
+  </p:cSld>
+  <p:clrMapOvr>
+    <a:masterClrMapping/>
+  </p:clrMapOvr>
+  <mc:AlternateContent xmlns:mc="http://schemas.openxmlformats.org/markup-compatibility/2006" xmlns:p159="http://schemas.microsoft.com/office/powerpoint/2015/09/main">
+    <mc:Choice Requires="p159">
+      <p:transition xmlns:p14="http://schemas.microsoft.com/office/powerpoint/2010/main" spd="slow" p14:dur="2000">
+        <p159:morph option="byObject"/>
+      </p:transition>
+    </mc:Choice>
+    <mc:Fallback xmlns="">
+      <p:transition spd="slow">
+        <p:fade/>
+      </p:transition>
+    </mc:Fallback>
+  </mc:AlternateContent>
+</p:sld>
+</file>
+
+<file path=ppt/slides/slide16.xml><?xml version="1.0" encoding="utf-8"?>
+<p:sld xmlns:a="http://schemas.openxmlformats.org/drawingml/2006/main" xmlns:r="http://schemas.openxmlformats.org/officeDocument/2006/relationships" xmlns:p="http://schemas.openxmlformats.org/presentationml/2006/main">
+  <p:cSld>
+    <p:spTree>
+      <p:nvGrpSpPr>
+        <p:cNvPr id="1" name=""/>
+        <p:cNvGrpSpPr/>
+        <p:nvPr/>
+      </p:nvGrpSpPr>
+      <p:grpSpPr>
+        <a:xfrm>
+          <a:off x="0" y="0"/>
+          <a:ext cx="0" cy="0"/>
+          <a:chOff x="0" y="0"/>
+          <a:chExt cx="0" cy="0"/>
+        </a:xfrm>
+      </p:grpSpPr>
+      <p:sp>
+        <p:nvSpPr>
+          <p:cNvPr id="2" name="标题 1">
+            <a:extLst>
+              <a:ext uri="{FF2B5EF4-FFF2-40B4-BE49-F238E27FC236}">
+                <a16:creationId xmlns:a16="http://schemas.microsoft.com/office/drawing/2014/main" id="{16177BAB-1C47-4361-BB6E-970B64C9D987}"/>
+              </a:ext>
+            </a:extLst>
+          </p:cNvPr>
+          <p:cNvSpPr>
+            <a:spLocks noGrp="1"/>
+          </p:cNvSpPr>
+          <p:nvPr>
+            <p:ph type="ctrTitle"/>
+          </p:nvPr>
+        </p:nvSpPr>
+        <p:spPr>
+          <a:xfrm>
             <a:off x="4914829" y="3037863"/>
             <a:ext cx="2729219" cy="782273"/>
           </a:xfrm>
@@ -9314,13 +10989,13 @@
   <p:clrMapOvr>
     <a:masterClrMapping/>
   </p:clrMapOvr>
-  <mc:AlternateContent xmlns:mc="http://schemas.openxmlformats.org/markup-compatibility/2006">
-    <mc:Choice xmlns:p159="http://schemas.microsoft.com/office/powerpoint/2015/09/main" Requires="p159">
+  <mc:AlternateContent xmlns:mc="http://schemas.openxmlformats.org/markup-compatibility/2006" xmlns:p159="http://schemas.microsoft.com/office/powerpoint/2015/09/main">
+    <mc:Choice Requires="p159">
       <p:transition xmlns:p14="http://schemas.microsoft.com/office/powerpoint/2010/main" spd="slow" p14:dur="2000">
         <p159:morph option="byObject"/>
       </p:transition>
     </mc:Choice>
-    <mc:Fallback>
+    <mc:Fallback xmlns="">
       <p:transition spd="slow">
         <p:fade/>
       </p:transition>
@@ -10055,13 +11730,13 @@
   <p:clrMapOvr>
     <a:masterClrMapping/>
   </p:clrMapOvr>
-  <mc:AlternateContent xmlns:mc="http://schemas.openxmlformats.org/markup-compatibility/2006">
-    <mc:Choice xmlns:p159="http://schemas.microsoft.com/office/powerpoint/2015/09/main" Requires="p159">
+  <mc:AlternateContent xmlns:mc="http://schemas.openxmlformats.org/markup-compatibility/2006" xmlns:p159="http://schemas.microsoft.com/office/powerpoint/2015/09/main">
+    <mc:Choice Requires="p159">
       <p:transition xmlns:p14="http://schemas.microsoft.com/office/powerpoint/2010/main" spd="slow" p14:dur="2000">
         <p159:morph option="byObject"/>
       </p:transition>
     </mc:Choice>
-    <mc:Fallback>
+    <mc:Fallback xmlns="">
       <p:transition spd="slow">
         <p:fade/>
       </p:transition>
@@ -11156,13 +12831,13 @@
   <p:clrMapOvr>
     <a:masterClrMapping/>
   </p:clrMapOvr>
-  <mc:AlternateContent xmlns:mc="http://schemas.openxmlformats.org/markup-compatibility/2006">
-    <mc:Choice xmlns:p159="http://schemas.microsoft.com/office/powerpoint/2015/09/main" Requires="p159">
+  <mc:AlternateContent xmlns:mc="http://schemas.openxmlformats.org/markup-compatibility/2006" xmlns:p159="http://schemas.microsoft.com/office/powerpoint/2015/09/main">
+    <mc:Choice Requires="p159">
       <p:transition xmlns:p14="http://schemas.microsoft.com/office/powerpoint/2010/main" spd="slow" p14:dur="2000">
         <p159:morph option="byObject"/>
       </p:transition>
     </mc:Choice>
-    <mc:Fallback>
+    <mc:Fallback xmlns="">
       <p:transition spd="slow">
         <p:fade/>
       </p:transition>
@@ -11464,7 +13139,7 @@
                   <a:schemeClr val="tx1"/>
                 </a:solidFill>
               </a:rPr>
-              <a:t>StmNode</a:t>
+              <a:t>StmtNode</a:t>
             </a:r>
             <a:endParaRPr lang="zh-CN" altLang="en-US" dirty="0">
               <a:solidFill>

--- a/方舟编译器源码分析初稿.pptx
+++ b/方舟编译器源码分析初稿.pptx
@@ -5,7 +5,7 @@
     <p:sldMasterId id="2147483648" r:id="rId1"/>
   </p:sldMasterIdLst>
   <p:notesMasterIdLst>
-    <p:notesMasterId r:id="rId18"/>
+    <p:notesMasterId r:id="rId24"/>
   </p:notesMasterIdLst>
   <p:sldIdLst>
     <p:sldId id="256" r:id="rId2"/>
@@ -15,15 +15,21 @@
     <p:sldId id="261" r:id="rId6"/>
     <p:sldId id="258" r:id="rId7"/>
     <p:sldId id="262" r:id="rId8"/>
-    <p:sldId id="264" r:id="rId9"/>
-    <p:sldId id="269" r:id="rId10"/>
-    <p:sldId id="270" r:id="rId11"/>
-    <p:sldId id="272" r:id="rId12"/>
-    <p:sldId id="273" r:id="rId13"/>
-    <p:sldId id="274" r:id="rId14"/>
-    <p:sldId id="275" r:id="rId15"/>
-    <p:sldId id="276" r:id="rId16"/>
-    <p:sldId id="259" r:id="rId17"/>
+    <p:sldId id="278" r:id="rId9"/>
+    <p:sldId id="279" r:id="rId10"/>
+    <p:sldId id="280" r:id="rId11"/>
+    <p:sldId id="283" r:id="rId12"/>
+    <p:sldId id="281" r:id="rId13"/>
+    <p:sldId id="282" r:id="rId14"/>
+    <p:sldId id="264" r:id="rId15"/>
+    <p:sldId id="269" r:id="rId16"/>
+    <p:sldId id="270" r:id="rId17"/>
+    <p:sldId id="272" r:id="rId18"/>
+    <p:sldId id="273" r:id="rId19"/>
+    <p:sldId id="274" r:id="rId20"/>
+    <p:sldId id="275" r:id="rId21"/>
+    <p:sldId id="276" r:id="rId22"/>
+    <p:sldId id="259" r:id="rId23"/>
   </p:sldIdLst>
   <p:sldSz cx="12192000" cy="6858000"/>
   <p:notesSz cx="6858000" cy="9144000"/>
@@ -212,7 +218,7 @@
           <a:p>
             <a:fld id="{5C5FF114-D26A-48CC-A6D9-6F5B7E9C7C8C}" type="datetimeFigureOut">
               <a:rPr lang="zh-CN" altLang="en-US" smtClean="0"/>
-              <a:t>2020/10/22</a:t>
+              <a:t>2020/11/26</a:t>
             </a:fld>
             <a:endParaRPr lang="zh-CN" altLang="en-US"/>
           </a:p>
@@ -1396,6 +1402,640 @@
 </p:notes>
 </file>
 
+<file path=ppt/notesSlides/notesSlide10.xml><?xml version="1.0" encoding="utf-8"?>
+<p:notes xmlns:a="http://schemas.openxmlformats.org/drawingml/2006/main" xmlns:r="http://schemas.openxmlformats.org/officeDocument/2006/relationships" xmlns:p="http://schemas.openxmlformats.org/presentationml/2006/main">
+  <p:cSld>
+    <p:spTree>
+      <p:nvGrpSpPr>
+        <p:cNvPr id="1" name=""/>
+        <p:cNvGrpSpPr/>
+        <p:nvPr/>
+      </p:nvGrpSpPr>
+      <p:grpSpPr>
+        <a:xfrm>
+          <a:off x="0" y="0"/>
+          <a:ext cx="0" cy="0"/>
+          <a:chOff x="0" y="0"/>
+          <a:chExt cx="0" cy="0"/>
+        </a:xfrm>
+      </p:grpSpPr>
+      <p:sp>
+        <p:nvSpPr>
+          <p:cNvPr id="2" name="幻灯片图像占位符 1"/>
+          <p:cNvSpPr>
+            <a:spLocks noGrp="1" noRot="1" noChangeAspect="1"/>
+          </p:cNvSpPr>
+          <p:nvPr>
+            <p:ph type="sldImg"/>
+          </p:nvPr>
+        </p:nvSpPr>
+        <p:spPr/>
+      </p:sp>
+      <p:sp>
+        <p:nvSpPr>
+          <p:cNvPr id="3" name="备注占位符 2"/>
+          <p:cNvSpPr>
+            <a:spLocks noGrp="1"/>
+          </p:cNvSpPr>
+          <p:nvPr>
+            <p:ph type="body" idx="1"/>
+          </p:nvPr>
+        </p:nvSpPr>
+        <p:spPr/>
+        <p:txBody>
+          <a:bodyPr/>
+          <a:lstStyle/>
+          <a:p>
+            <a:r>
+              <a:rPr lang="zh-CN" altLang="en-US" b="0" i="0" dirty="0">
+                <a:solidFill>
+                  <a:srgbClr val="121212"/>
+                </a:solidFill>
+                <a:effectLst/>
+                <a:latin typeface="-apple-system"/>
+              </a:rPr>
+              <a:t>核心是调用</a:t>
+            </a:r>
+            <a:r>
+              <a:rPr lang="en-US" altLang="zh-CN" b="0" i="0" dirty="0" err="1">
+                <a:solidFill>
+                  <a:srgbClr val="121212"/>
+                </a:solidFill>
+                <a:effectLst/>
+                <a:latin typeface="-apple-system"/>
+              </a:rPr>
+              <a:t>ExpandArrayMrtBlock</a:t>
+            </a:r>
+            <a:endParaRPr lang="en-US" altLang="zh-CN" b="0" i="0" dirty="0">
+              <a:solidFill>
+                <a:srgbClr val="121212"/>
+              </a:solidFill>
+              <a:effectLst/>
+              <a:latin typeface="-apple-system"/>
+            </a:endParaRPr>
+          </a:p>
+          <a:p>
+            <a:r>
+              <a:rPr lang="zh-CN" altLang="en-US" b="0" i="0" dirty="0">
+                <a:solidFill>
+                  <a:srgbClr val="121212"/>
+                </a:solidFill>
+                <a:effectLst/>
+                <a:latin typeface="-apple-system"/>
+              </a:rPr>
+              <a:t>而其中的</a:t>
+            </a:r>
+            <a:r>
+              <a:rPr lang="en-US" altLang="zh-CN" b="0" i="0" dirty="0" err="1">
+                <a:solidFill>
+                  <a:srgbClr val="121212"/>
+                </a:solidFill>
+                <a:effectLst/>
+                <a:latin typeface="-apple-system"/>
+              </a:rPr>
+              <a:t>OP_if</a:t>
+            </a:r>
+            <a:r>
+              <a:rPr lang="zh-CN" altLang="en-US" b="0" i="0" dirty="0">
+                <a:solidFill>
+                  <a:srgbClr val="121212"/>
+                </a:solidFill>
+                <a:effectLst/>
+                <a:latin typeface="-apple-system"/>
+              </a:rPr>
+              <a:t>、</a:t>
+            </a:r>
+            <a:r>
+              <a:rPr lang="en-US" altLang="zh-CN" b="0" i="0" dirty="0" err="1">
+                <a:solidFill>
+                  <a:srgbClr val="121212"/>
+                </a:solidFill>
+                <a:effectLst/>
+                <a:latin typeface="-apple-system"/>
+              </a:rPr>
+              <a:t>OP_while</a:t>
+            </a:r>
+            <a:r>
+              <a:rPr lang="zh-CN" altLang="en-US" b="0" i="0" dirty="0">
+                <a:solidFill>
+                  <a:srgbClr val="121212"/>
+                </a:solidFill>
+                <a:effectLst/>
+                <a:latin typeface="-apple-system"/>
+              </a:rPr>
+              <a:t>、</a:t>
+            </a:r>
+            <a:r>
+              <a:rPr lang="en-US" altLang="zh-CN" b="0" i="0" dirty="0" err="1">
+                <a:solidFill>
+                  <a:srgbClr val="121212"/>
+                </a:solidFill>
+                <a:effectLst/>
+                <a:latin typeface="-apple-system"/>
+              </a:rPr>
+              <a:t>OP_dowhile</a:t>
+            </a:r>
+            <a:r>
+              <a:rPr lang="zh-CN" altLang="en-US" b="0" i="0" dirty="0">
+                <a:solidFill>
+                  <a:srgbClr val="121212"/>
+                </a:solidFill>
+                <a:effectLst/>
+                <a:latin typeface="-apple-system"/>
+              </a:rPr>
+              <a:t>、</a:t>
+            </a:r>
+            <a:r>
+              <a:rPr lang="en-US" altLang="zh-CN" b="0" i="0" dirty="0" err="1">
+                <a:solidFill>
+                  <a:srgbClr val="121212"/>
+                </a:solidFill>
+                <a:effectLst/>
+                <a:latin typeface="-apple-system"/>
+              </a:rPr>
+              <a:t>OP_doloop</a:t>
+            </a:r>
+            <a:r>
+              <a:rPr lang="zh-CN" altLang="en-US" b="0" i="0" dirty="0">
+                <a:solidFill>
+                  <a:srgbClr val="121212"/>
+                </a:solidFill>
+                <a:effectLst/>
+                <a:latin typeface="-apple-system"/>
+              </a:rPr>
+              <a:t>、</a:t>
+            </a:r>
+            <a:r>
+              <a:rPr lang="en-US" altLang="zh-CN" b="0" i="0" dirty="0" err="1">
+                <a:solidFill>
+                  <a:srgbClr val="121212"/>
+                </a:solidFill>
+                <a:effectLst/>
+                <a:latin typeface="-apple-system"/>
+              </a:rPr>
+              <a:t>OP_foreachelem</a:t>
+            </a:r>
+            <a:r>
+              <a:rPr lang="zh-CN" altLang="en-US" b="0" i="0" dirty="0">
+                <a:solidFill>
+                  <a:srgbClr val="121212"/>
+                </a:solidFill>
+                <a:effectLst/>
+                <a:latin typeface="-apple-system"/>
+              </a:rPr>
+              <a:t>和</a:t>
+            </a:r>
+            <a:r>
+              <a:rPr lang="en-US" altLang="zh-CN" b="0" i="0" dirty="0" err="1">
+                <a:solidFill>
+                  <a:srgbClr val="121212"/>
+                </a:solidFill>
+                <a:effectLst/>
+                <a:latin typeface="-apple-system"/>
+              </a:rPr>
+              <a:t>OP_block</a:t>
+            </a:r>
+            <a:r>
+              <a:rPr lang="zh-CN" altLang="en-US" b="0" i="0" dirty="0">
+                <a:solidFill>
+                  <a:srgbClr val="121212"/>
+                </a:solidFill>
+                <a:effectLst/>
+                <a:latin typeface="-apple-system"/>
+              </a:rPr>
+              <a:t>，都又递归调用了</a:t>
+            </a:r>
+            <a:r>
+              <a:rPr lang="en-US" altLang="zh-CN" b="0" i="0" dirty="0" err="1">
+                <a:solidFill>
+                  <a:srgbClr val="121212"/>
+                </a:solidFill>
+                <a:effectLst/>
+                <a:latin typeface="-apple-system"/>
+              </a:rPr>
+              <a:t>ExpandArrayMrtBlock</a:t>
+            </a:r>
+            <a:r>
+              <a:rPr lang="zh-CN" altLang="en-US" b="0" i="0" dirty="0">
+                <a:solidFill>
+                  <a:srgbClr val="121212"/>
+                </a:solidFill>
+                <a:effectLst/>
+                <a:latin typeface="-apple-system"/>
+              </a:rPr>
+              <a:t>，只不过前</a:t>
+            </a:r>
+            <a:r>
+              <a:rPr lang="en-US" altLang="zh-CN" b="0" i="0" dirty="0">
+                <a:solidFill>
+                  <a:srgbClr val="121212"/>
+                </a:solidFill>
+                <a:effectLst/>
+                <a:latin typeface="-apple-system"/>
+              </a:rPr>
+              <a:t>5</a:t>
+            </a:r>
+            <a:r>
+              <a:rPr lang="zh-CN" altLang="en-US" b="0" i="0" dirty="0">
+                <a:solidFill>
+                  <a:srgbClr val="121212"/>
+                </a:solidFill>
+                <a:effectLst/>
+                <a:latin typeface="-apple-system"/>
+              </a:rPr>
+              <a:t>个是有选择的调用，而</a:t>
+            </a:r>
+            <a:r>
+              <a:rPr lang="en-US" altLang="zh-CN" b="0" i="0" dirty="0" err="1">
+                <a:solidFill>
+                  <a:srgbClr val="121212"/>
+                </a:solidFill>
+                <a:effectLst/>
+                <a:latin typeface="-apple-system"/>
+              </a:rPr>
+              <a:t>OP_block</a:t>
+            </a:r>
+            <a:r>
+              <a:rPr lang="zh-CN" altLang="en-US" b="0" i="0" dirty="0">
+                <a:solidFill>
+                  <a:srgbClr val="121212"/>
+                </a:solidFill>
+                <a:effectLst/>
+                <a:latin typeface="-apple-system"/>
+              </a:rPr>
+              <a:t>是直接递归调用。我们可以看看</a:t>
+            </a:r>
+            <a:r>
+              <a:rPr lang="en-US" altLang="zh-CN" b="0" i="0" dirty="0" err="1">
+                <a:solidFill>
+                  <a:srgbClr val="121212"/>
+                </a:solidFill>
+                <a:effectLst/>
+                <a:latin typeface="-apple-system"/>
+              </a:rPr>
+              <a:t>OP_foreachelem</a:t>
+            </a:r>
+            <a:r>
+              <a:rPr lang="zh-CN" altLang="en-US" b="0" i="0" dirty="0">
+                <a:solidFill>
+                  <a:srgbClr val="121212"/>
+                </a:solidFill>
+                <a:effectLst/>
+                <a:latin typeface="-apple-system"/>
+              </a:rPr>
+              <a:t>之中的</a:t>
+            </a:r>
+            <a:r>
+              <a:rPr lang="en-US" altLang="zh-CN" b="0" i="0" dirty="0" err="1">
+                <a:solidFill>
+                  <a:srgbClr val="121212"/>
+                </a:solidFill>
+                <a:effectLst/>
+                <a:latin typeface="-apple-system"/>
+              </a:rPr>
+              <a:t>ExpandArrayMrtForeachelemBlock</a:t>
+            </a:r>
+            <a:r>
+              <a:rPr lang="zh-CN" altLang="en-US" b="0" i="0" dirty="0">
+                <a:solidFill>
+                  <a:srgbClr val="121212"/>
+                </a:solidFill>
+                <a:effectLst/>
+                <a:latin typeface="-apple-system"/>
+              </a:rPr>
+              <a:t>函数的实现：</a:t>
+            </a:r>
+            <a:endParaRPr lang="en-US" altLang="zh-CN" b="0" i="0" dirty="0">
+              <a:solidFill>
+                <a:srgbClr val="121212"/>
+              </a:solidFill>
+              <a:effectLst/>
+              <a:latin typeface="-apple-system"/>
+            </a:endParaRPr>
+          </a:p>
+          <a:p>
+            <a:endParaRPr lang="zh-CN" altLang="en-US" dirty="0"/>
+          </a:p>
+        </p:txBody>
+      </p:sp>
+      <p:sp>
+        <p:nvSpPr>
+          <p:cNvPr id="4" name="灯片编号占位符 3"/>
+          <p:cNvSpPr>
+            <a:spLocks noGrp="1"/>
+          </p:cNvSpPr>
+          <p:nvPr>
+            <p:ph type="sldNum" sz="quarter" idx="5"/>
+          </p:nvPr>
+        </p:nvSpPr>
+        <p:spPr/>
+        <p:txBody>
+          <a:bodyPr/>
+          <a:lstStyle/>
+          <a:p>
+            <a:fld id="{48585B57-4B63-4D1B-B153-2CF94C9CDE9B}" type="slidenum">
+              <a:rPr lang="zh-CN" altLang="en-US" smtClean="0"/>
+              <a:t>18</a:t>
+            </a:fld>
+            <a:endParaRPr lang="zh-CN" altLang="en-US"/>
+          </a:p>
+        </p:txBody>
+      </p:sp>
+    </p:spTree>
+    <p:extLst>
+      <p:ext uri="{BB962C8B-B14F-4D97-AF65-F5344CB8AC3E}">
+        <p14:creationId xmlns:p14="http://schemas.microsoft.com/office/powerpoint/2010/main" val="4173404824"/>
+      </p:ext>
+    </p:extLst>
+  </p:cSld>
+  <p:clrMapOvr>
+    <a:masterClrMapping/>
+  </p:clrMapOvr>
+</p:notes>
+</file>
+
+<file path=ppt/notesSlides/notesSlide11.xml><?xml version="1.0" encoding="utf-8"?>
+<p:notes xmlns:a="http://schemas.openxmlformats.org/drawingml/2006/main" xmlns:r="http://schemas.openxmlformats.org/officeDocument/2006/relationships" xmlns:p="http://schemas.openxmlformats.org/presentationml/2006/main">
+  <p:cSld>
+    <p:spTree>
+      <p:nvGrpSpPr>
+        <p:cNvPr id="1" name=""/>
+        <p:cNvGrpSpPr/>
+        <p:nvPr/>
+      </p:nvGrpSpPr>
+      <p:grpSpPr>
+        <a:xfrm>
+          <a:off x="0" y="0"/>
+          <a:ext cx="0" cy="0"/>
+          <a:chOff x="0" y="0"/>
+          <a:chExt cx="0" cy="0"/>
+        </a:xfrm>
+      </p:grpSpPr>
+      <p:sp>
+        <p:nvSpPr>
+          <p:cNvPr id="2" name="幻灯片图像占位符 1"/>
+          <p:cNvSpPr>
+            <a:spLocks noGrp="1" noRot="1" noChangeAspect="1"/>
+          </p:cNvSpPr>
+          <p:nvPr>
+            <p:ph type="sldImg"/>
+          </p:nvPr>
+        </p:nvSpPr>
+        <p:spPr/>
+      </p:sp>
+      <p:sp>
+        <p:nvSpPr>
+          <p:cNvPr id="3" name="备注占位符 2"/>
+          <p:cNvSpPr>
+            <a:spLocks noGrp="1"/>
+          </p:cNvSpPr>
+          <p:nvPr>
+            <p:ph type="body" idx="1"/>
+          </p:nvPr>
+        </p:nvSpPr>
+        <p:spPr/>
+        <p:txBody>
+          <a:bodyPr/>
+          <a:lstStyle/>
+          <a:p>
+            <a:r>
+              <a:rPr lang="zh-CN" altLang="en-US" b="0" i="0" dirty="0">
+                <a:solidFill>
+                  <a:srgbClr val="121212"/>
+                </a:solidFill>
+                <a:effectLst/>
+                <a:latin typeface="-apple-system"/>
+              </a:rPr>
+              <a:t>最终落脚</a:t>
+            </a:r>
+            <a:endParaRPr lang="zh-CN" altLang="en-US" dirty="0"/>
+          </a:p>
+        </p:txBody>
+      </p:sp>
+      <p:sp>
+        <p:nvSpPr>
+          <p:cNvPr id="4" name="灯片编号占位符 3"/>
+          <p:cNvSpPr>
+            <a:spLocks noGrp="1"/>
+          </p:cNvSpPr>
+          <p:nvPr>
+            <p:ph type="sldNum" sz="quarter" idx="5"/>
+          </p:nvPr>
+        </p:nvSpPr>
+        <p:spPr/>
+        <p:txBody>
+          <a:bodyPr/>
+          <a:lstStyle/>
+          <a:p>
+            <a:fld id="{48585B57-4B63-4D1B-B153-2CF94C9CDE9B}" type="slidenum">
+              <a:rPr lang="zh-CN" altLang="en-US" smtClean="0"/>
+              <a:t>19</a:t>
+            </a:fld>
+            <a:endParaRPr lang="zh-CN" altLang="en-US"/>
+          </a:p>
+        </p:txBody>
+      </p:sp>
+    </p:spTree>
+    <p:extLst>
+      <p:ext uri="{BB962C8B-B14F-4D97-AF65-F5344CB8AC3E}">
+        <p14:creationId xmlns:p14="http://schemas.microsoft.com/office/powerpoint/2010/main" val="3126982020"/>
+      </p:ext>
+    </p:extLst>
+  </p:cSld>
+  <p:clrMapOvr>
+    <a:masterClrMapping/>
+  </p:clrMapOvr>
+</p:notes>
+</file>
+
+<file path=ppt/notesSlides/notesSlide12.xml><?xml version="1.0" encoding="utf-8"?>
+<p:notes xmlns:a="http://schemas.openxmlformats.org/drawingml/2006/main" xmlns:r="http://schemas.openxmlformats.org/officeDocument/2006/relationships" xmlns:p="http://schemas.openxmlformats.org/presentationml/2006/main">
+  <p:cSld>
+    <p:spTree>
+      <p:nvGrpSpPr>
+        <p:cNvPr id="1" name=""/>
+        <p:cNvGrpSpPr/>
+        <p:nvPr/>
+      </p:nvGrpSpPr>
+      <p:grpSpPr>
+        <a:xfrm>
+          <a:off x="0" y="0"/>
+          <a:ext cx="0" cy="0"/>
+          <a:chOff x="0" y="0"/>
+          <a:chExt cx="0" cy="0"/>
+        </a:xfrm>
+      </p:grpSpPr>
+      <p:sp>
+        <p:nvSpPr>
+          <p:cNvPr id="2" name="幻灯片图像占位符 1"/>
+          <p:cNvSpPr>
+            <a:spLocks noGrp="1" noRot="1" noChangeAspect="1"/>
+          </p:cNvSpPr>
+          <p:nvPr>
+            <p:ph type="sldImg"/>
+          </p:nvPr>
+        </p:nvSpPr>
+        <p:spPr/>
+      </p:sp>
+      <p:sp>
+        <p:nvSpPr>
+          <p:cNvPr id="3" name="备注占位符 2"/>
+          <p:cNvSpPr>
+            <a:spLocks noGrp="1"/>
+          </p:cNvSpPr>
+          <p:nvPr>
+            <p:ph type="body" idx="1"/>
+          </p:nvPr>
+        </p:nvSpPr>
+        <p:spPr/>
+        <p:txBody>
+          <a:bodyPr/>
+          <a:lstStyle/>
+          <a:p>
+            <a:r>
+              <a:rPr lang="zh-CN" altLang="en-US" b="0" i="0" dirty="0">
+                <a:solidFill>
+                  <a:srgbClr val="121212"/>
+                </a:solidFill>
+                <a:effectLst/>
+                <a:latin typeface="-apple-system"/>
+              </a:rPr>
+              <a:t>最终落脚</a:t>
+            </a:r>
+            <a:endParaRPr lang="zh-CN" altLang="en-US" dirty="0"/>
+          </a:p>
+        </p:txBody>
+      </p:sp>
+      <p:sp>
+        <p:nvSpPr>
+          <p:cNvPr id="4" name="灯片编号占位符 3"/>
+          <p:cNvSpPr>
+            <a:spLocks noGrp="1"/>
+          </p:cNvSpPr>
+          <p:nvPr>
+            <p:ph type="sldNum" sz="quarter" idx="5"/>
+          </p:nvPr>
+        </p:nvSpPr>
+        <p:spPr/>
+        <p:txBody>
+          <a:bodyPr/>
+          <a:lstStyle/>
+          <a:p>
+            <a:fld id="{48585B57-4B63-4D1B-B153-2CF94C9CDE9B}" type="slidenum">
+              <a:rPr lang="zh-CN" altLang="en-US" smtClean="0"/>
+              <a:t>20</a:t>
+            </a:fld>
+            <a:endParaRPr lang="zh-CN" altLang="en-US"/>
+          </a:p>
+        </p:txBody>
+      </p:sp>
+    </p:spTree>
+    <p:extLst>
+      <p:ext uri="{BB962C8B-B14F-4D97-AF65-F5344CB8AC3E}">
+        <p14:creationId xmlns:p14="http://schemas.microsoft.com/office/powerpoint/2010/main" val="3444914241"/>
+      </p:ext>
+    </p:extLst>
+  </p:cSld>
+  <p:clrMapOvr>
+    <a:masterClrMapping/>
+  </p:clrMapOvr>
+</p:notes>
+</file>
+
+<file path=ppt/notesSlides/notesSlide13.xml><?xml version="1.0" encoding="utf-8"?>
+<p:notes xmlns:a="http://schemas.openxmlformats.org/drawingml/2006/main" xmlns:r="http://schemas.openxmlformats.org/officeDocument/2006/relationships" xmlns:p="http://schemas.openxmlformats.org/presentationml/2006/main">
+  <p:cSld>
+    <p:spTree>
+      <p:nvGrpSpPr>
+        <p:cNvPr id="1" name=""/>
+        <p:cNvGrpSpPr/>
+        <p:nvPr/>
+      </p:nvGrpSpPr>
+      <p:grpSpPr>
+        <a:xfrm>
+          <a:off x="0" y="0"/>
+          <a:ext cx="0" cy="0"/>
+          <a:chOff x="0" y="0"/>
+          <a:chExt cx="0" cy="0"/>
+        </a:xfrm>
+      </p:grpSpPr>
+      <p:sp>
+        <p:nvSpPr>
+          <p:cNvPr id="2" name="幻灯片图像占位符 1"/>
+          <p:cNvSpPr>
+            <a:spLocks noGrp="1" noRot="1" noChangeAspect="1"/>
+          </p:cNvSpPr>
+          <p:nvPr>
+            <p:ph type="sldImg"/>
+          </p:nvPr>
+        </p:nvSpPr>
+        <p:spPr/>
+      </p:sp>
+      <p:sp>
+        <p:nvSpPr>
+          <p:cNvPr id="3" name="备注占位符 2"/>
+          <p:cNvSpPr>
+            <a:spLocks noGrp="1"/>
+          </p:cNvSpPr>
+          <p:nvPr>
+            <p:ph type="body" idx="1"/>
+          </p:nvPr>
+        </p:nvSpPr>
+        <p:spPr/>
+        <p:txBody>
+          <a:bodyPr/>
+          <a:lstStyle/>
+          <a:p>
+            <a:r>
+              <a:rPr lang="zh-CN" altLang="en-US" b="0" i="0" dirty="0">
+                <a:solidFill>
+                  <a:srgbClr val="121212"/>
+                </a:solidFill>
+                <a:effectLst/>
+                <a:latin typeface="-apple-system"/>
+              </a:rPr>
+              <a:t>最终落脚</a:t>
+            </a:r>
+            <a:endParaRPr lang="zh-CN" altLang="en-US" dirty="0"/>
+          </a:p>
+        </p:txBody>
+      </p:sp>
+      <p:sp>
+        <p:nvSpPr>
+          <p:cNvPr id="4" name="灯片编号占位符 3"/>
+          <p:cNvSpPr>
+            <a:spLocks noGrp="1"/>
+          </p:cNvSpPr>
+          <p:nvPr>
+            <p:ph type="sldNum" sz="quarter" idx="5"/>
+          </p:nvPr>
+        </p:nvSpPr>
+        <p:spPr/>
+        <p:txBody>
+          <a:bodyPr/>
+          <a:lstStyle/>
+          <a:p>
+            <a:fld id="{48585B57-4B63-4D1B-B153-2CF94C9CDE9B}" type="slidenum">
+              <a:rPr lang="zh-CN" altLang="en-US" smtClean="0"/>
+              <a:t>21</a:t>
+            </a:fld>
+            <a:endParaRPr lang="zh-CN" altLang="en-US"/>
+          </a:p>
+        </p:txBody>
+      </p:sp>
+    </p:spTree>
+    <p:extLst>
+      <p:ext uri="{BB962C8B-B14F-4D97-AF65-F5344CB8AC3E}">
+        <p14:creationId xmlns:p14="http://schemas.microsoft.com/office/powerpoint/2010/main" val="378897993"/>
+      </p:ext>
+    </p:extLst>
+  </p:cSld>
+  <p:clrMapOvr>
+    <a:masterClrMapping/>
+  </p:clrMapOvr>
+</p:notes>
+</file>
+
 <file path=ppt/notesSlides/notesSlide2.xml><?xml version="1.0" encoding="utf-8"?>
 <p:notes xmlns:a="http://schemas.openxmlformats.org/drawingml/2006/main" xmlns:r="http://schemas.openxmlformats.org/officeDocument/2006/relationships" xmlns:p="http://schemas.openxmlformats.org/presentationml/2006/main">
   <p:cSld>
@@ -3433,271 +4073,10 @@
           <a:lstStyle/>
           <a:p>
             <a:r>
-              <a:rPr lang="zh-CN" altLang="en-US" b="0" i="0" dirty="0">
-                <a:solidFill>
-                  <a:srgbClr val="121212"/>
-                </a:solidFill>
-                <a:effectLst/>
-                <a:latin typeface="-apple-system"/>
-              </a:rPr>
-              <a:t>核心是调用</a:t>
-            </a:r>
-            <a:r>
-              <a:rPr lang="en-US" altLang="zh-CN" b="0" i="0" dirty="0" err="1">
-                <a:solidFill>
-                  <a:srgbClr val="121212"/>
-                </a:solidFill>
-                <a:effectLst/>
-                <a:latin typeface="-apple-system"/>
-              </a:rPr>
-              <a:t>ExpandArrayMrtBlock</a:t>
-            </a:r>
-            <a:endParaRPr lang="en-US" altLang="zh-CN" b="0" i="0" dirty="0">
-              <a:solidFill>
-                <a:srgbClr val="121212"/>
-              </a:solidFill>
-              <a:effectLst/>
-              <a:latin typeface="-apple-system"/>
-            </a:endParaRPr>
-          </a:p>
-          <a:p>
-            <a:r>
-              <a:rPr lang="zh-CN" altLang="en-US" b="0" i="0" dirty="0">
-                <a:solidFill>
-                  <a:srgbClr val="121212"/>
-                </a:solidFill>
-                <a:effectLst/>
-                <a:latin typeface="-apple-system"/>
-              </a:rPr>
-              <a:t>而其中的</a:t>
-            </a:r>
-            <a:r>
-              <a:rPr lang="en-US" altLang="zh-CN" b="0" i="0" dirty="0" err="1">
-                <a:solidFill>
-                  <a:srgbClr val="121212"/>
-                </a:solidFill>
-                <a:effectLst/>
-                <a:latin typeface="-apple-system"/>
-              </a:rPr>
-              <a:t>OP_if</a:t>
-            </a:r>
-            <a:r>
-              <a:rPr lang="zh-CN" altLang="en-US" b="0" i="0" dirty="0">
-                <a:solidFill>
-                  <a:srgbClr val="121212"/>
-                </a:solidFill>
-                <a:effectLst/>
-                <a:latin typeface="-apple-system"/>
-              </a:rPr>
-              <a:t>、</a:t>
-            </a:r>
-            <a:r>
-              <a:rPr lang="en-US" altLang="zh-CN" b="0" i="0" dirty="0" err="1">
-                <a:solidFill>
-                  <a:srgbClr val="121212"/>
-                </a:solidFill>
-                <a:effectLst/>
-                <a:latin typeface="-apple-system"/>
-              </a:rPr>
-              <a:t>OP_while</a:t>
-            </a:r>
-            <a:r>
-              <a:rPr lang="zh-CN" altLang="en-US" b="0" i="0" dirty="0">
-                <a:solidFill>
-                  <a:srgbClr val="121212"/>
-                </a:solidFill>
-                <a:effectLst/>
-                <a:latin typeface="-apple-system"/>
-              </a:rPr>
-              <a:t>、</a:t>
-            </a:r>
-            <a:r>
-              <a:rPr lang="en-US" altLang="zh-CN" b="0" i="0" dirty="0" err="1">
-                <a:solidFill>
-                  <a:srgbClr val="121212"/>
-                </a:solidFill>
-                <a:effectLst/>
-                <a:latin typeface="-apple-system"/>
-              </a:rPr>
-              <a:t>OP_dowhile</a:t>
-            </a:r>
-            <a:r>
-              <a:rPr lang="zh-CN" altLang="en-US" b="0" i="0" dirty="0">
-                <a:solidFill>
-                  <a:srgbClr val="121212"/>
-                </a:solidFill>
-                <a:effectLst/>
-                <a:latin typeface="-apple-system"/>
-              </a:rPr>
-              <a:t>、</a:t>
-            </a:r>
-            <a:r>
-              <a:rPr lang="en-US" altLang="zh-CN" b="0" i="0" dirty="0" err="1">
-                <a:solidFill>
-                  <a:srgbClr val="121212"/>
-                </a:solidFill>
-                <a:effectLst/>
-                <a:latin typeface="-apple-system"/>
-              </a:rPr>
-              <a:t>OP_doloop</a:t>
-            </a:r>
-            <a:r>
-              <a:rPr lang="zh-CN" altLang="en-US" b="0" i="0" dirty="0">
-                <a:solidFill>
-                  <a:srgbClr val="121212"/>
-                </a:solidFill>
-                <a:effectLst/>
-                <a:latin typeface="-apple-system"/>
-              </a:rPr>
-              <a:t>、</a:t>
-            </a:r>
-            <a:r>
-              <a:rPr lang="en-US" altLang="zh-CN" b="0" i="0" dirty="0" err="1">
-                <a:solidFill>
-                  <a:srgbClr val="121212"/>
-                </a:solidFill>
-                <a:effectLst/>
-                <a:latin typeface="-apple-system"/>
-              </a:rPr>
-              <a:t>OP_foreachelem</a:t>
-            </a:r>
-            <a:r>
-              <a:rPr lang="zh-CN" altLang="en-US" b="0" i="0" dirty="0">
-                <a:solidFill>
-                  <a:srgbClr val="121212"/>
-                </a:solidFill>
-                <a:effectLst/>
-                <a:latin typeface="-apple-system"/>
-              </a:rPr>
-              <a:t>和</a:t>
-            </a:r>
-            <a:r>
-              <a:rPr lang="en-US" altLang="zh-CN" b="0" i="0" dirty="0" err="1">
-                <a:solidFill>
-                  <a:srgbClr val="121212"/>
-                </a:solidFill>
-                <a:effectLst/>
-                <a:latin typeface="-apple-system"/>
-              </a:rPr>
-              <a:t>OP_block</a:t>
-            </a:r>
-            <a:r>
-              <a:rPr lang="zh-CN" altLang="en-US" b="0" i="0" dirty="0">
-                <a:solidFill>
-                  <a:srgbClr val="121212"/>
-                </a:solidFill>
-                <a:effectLst/>
-                <a:latin typeface="-apple-system"/>
-              </a:rPr>
-              <a:t>，都又递归调用了</a:t>
-            </a:r>
-            <a:r>
-              <a:rPr lang="en-US" altLang="zh-CN" b="0" i="0" dirty="0" err="1">
-                <a:solidFill>
-                  <a:srgbClr val="121212"/>
-                </a:solidFill>
-                <a:effectLst/>
-                <a:latin typeface="-apple-system"/>
-              </a:rPr>
-              <a:t>ExpandArrayMrtBlock</a:t>
-            </a:r>
-            <a:r>
-              <a:rPr lang="zh-CN" altLang="en-US" b="0" i="0" dirty="0">
-                <a:solidFill>
-                  <a:srgbClr val="121212"/>
-                </a:solidFill>
-                <a:effectLst/>
-                <a:latin typeface="-apple-system"/>
-              </a:rPr>
-              <a:t>，只不过前</a:t>
-            </a:r>
-            <a:r>
-              <a:rPr lang="en-US" altLang="zh-CN" b="0" i="0" dirty="0">
-                <a:solidFill>
-                  <a:srgbClr val="121212"/>
-                </a:solidFill>
-                <a:effectLst/>
-                <a:latin typeface="-apple-system"/>
-              </a:rPr>
-              <a:t>5</a:t>
-            </a:r>
-            <a:r>
-              <a:rPr lang="zh-CN" altLang="en-US" b="0" i="0" dirty="0">
-                <a:solidFill>
-                  <a:srgbClr val="121212"/>
-                </a:solidFill>
-                <a:effectLst/>
-                <a:latin typeface="-apple-system"/>
-              </a:rPr>
-              <a:t>个是有选择的调用，而</a:t>
-            </a:r>
-            <a:r>
-              <a:rPr lang="en-US" altLang="zh-CN" b="0" i="0" dirty="0" err="1">
-                <a:solidFill>
-                  <a:srgbClr val="121212"/>
-                </a:solidFill>
-                <a:effectLst/>
-                <a:latin typeface="-apple-system"/>
-              </a:rPr>
-              <a:t>OP_block</a:t>
-            </a:r>
-            <a:r>
-              <a:rPr lang="zh-CN" altLang="en-US" b="0" i="0" dirty="0">
-                <a:solidFill>
-                  <a:srgbClr val="121212"/>
-                </a:solidFill>
-                <a:effectLst/>
-                <a:latin typeface="-apple-system"/>
-              </a:rPr>
-              <a:t>是直接递归调用。我们可以看看</a:t>
-            </a:r>
-            <a:r>
-              <a:rPr lang="en-US" altLang="zh-CN" b="0" i="0" dirty="0" err="1">
-                <a:solidFill>
-                  <a:srgbClr val="121212"/>
-                </a:solidFill>
-                <a:effectLst/>
-                <a:latin typeface="-apple-system"/>
-              </a:rPr>
-              <a:t>OP_foreachelem</a:t>
-            </a:r>
-            <a:r>
-              <a:rPr lang="zh-CN" altLang="en-US" b="0" i="0" dirty="0">
-                <a:solidFill>
-                  <a:srgbClr val="121212"/>
-                </a:solidFill>
-                <a:effectLst/>
-                <a:latin typeface="-apple-system"/>
-              </a:rPr>
-              <a:t>之中的</a:t>
-            </a:r>
-            <a:r>
-              <a:rPr lang="en-US" altLang="zh-CN" b="0" i="0" dirty="0" err="1">
-                <a:solidFill>
-                  <a:srgbClr val="121212"/>
-                </a:solidFill>
-                <a:effectLst/>
-                <a:latin typeface="-apple-system"/>
-              </a:rPr>
-              <a:t>ExpandArrayMrtForeachelemBlock</a:t>
-            </a:r>
-            <a:r>
-              <a:rPr lang="zh-CN" altLang="en-US" b="0" i="0" dirty="0">
-                <a:solidFill>
-                  <a:srgbClr val="121212"/>
-                </a:solidFill>
-                <a:effectLst/>
-                <a:latin typeface="-apple-system"/>
-              </a:rPr>
-              <a:t>函数的实现：</a:t>
-            </a:r>
-            <a:endParaRPr lang="en-US" altLang="zh-CN" b="0" i="0" dirty="0">
-              <a:solidFill>
-                <a:srgbClr val="121212"/>
-              </a:solidFill>
-              <a:effectLst/>
-              <a:latin typeface="-apple-system"/>
-            </a:endParaRPr>
+              <a:rPr lang="zh-CN" altLang="en-US" dirty="0"/>
+              <a:t>获取下一个字符的函数中，封装了对于行结束的判断</a:t>
+            </a:r>
+            <a:endParaRPr lang="en-US" altLang="zh-CN" dirty="0"/>
           </a:p>
           <a:p>
             <a:endParaRPr lang="zh-CN" altLang="en-US" dirty="0"/>
@@ -3721,7 +4100,7 @@
           <a:p>
             <a:fld id="{48585B57-4B63-4D1B-B153-2CF94C9CDE9B}" type="slidenum">
               <a:rPr lang="zh-CN" altLang="en-US" smtClean="0"/>
-              <a:t>12</a:t>
+              <a:t>8</a:t>
             </a:fld>
             <a:endParaRPr lang="zh-CN" altLang="en-US"/>
           </a:p>
@@ -3730,7 +4109,7 @@
     </p:spTree>
     <p:extLst>
       <p:ext uri="{BB962C8B-B14F-4D97-AF65-F5344CB8AC3E}">
-        <p14:creationId xmlns:p14="http://schemas.microsoft.com/office/powerpoint/2010/main" val="4173404824"/>
+        <p14:creationId xmlns:p14="http://schemas.microsoft.com/office/powerpoint/2010/main" val="419036070"/>
       </p:ext>
     </p:extLst>
   </p:cSld>
@@ -3785,15 +4164,12 @@
           <a:lstStyle/>
           <a:p>
             <a:r>
-              <a:rPr lang="zh-CN" altLang="en-US" b="0" i="0" dirty="0">
-                <a:solidFill>
-                  <a:srgbClr val="121212"/>
-                </a:solidFill>
-                <a:effectLst/>
-                <a:latin typeface="-apple-system"/>
-              </a:rPr>
-              <a:t>最终落脚</a:t>
-            </a:r>
+              <a:rPr lang="zh-CN" altLang="en-US" dirty="0"/>
+              <a:t>获取下一个字符的函数中，封装了对于行结束的判断</a:t>
+            </a:r>
+            <a:endParaRPr lang="en-US" altLang="zh-CN" dirty="0"/>
+          </a:p>
+          <a:p>
             <a:endParaRPr lang="zh-CN" altLang="en-US" dirty="0"/>
           </a:p>
         </p:txBody>
@@ -3815,7 +4191,7 @@
           <a:p>
             <a:fld id="{48585B57-4B63-4D1B-B153-2CF94C9CDE9B}" type="slidenum">
               <a:rPr lang="zh-CN" altLang="en-US" smtClean="0"/>
-              <a:t>13</a:t>
+              <a:t>9</a:t>
             </a:fld>
             <a:endParaRPr lang="zh-CN" altLang="en-US"/>
           </a:p>
@@ -3824,7 +4200,7 @@
     </p:spTree>
     <p:extLst>
       <p:ext uri="{BB962C8B-B14F-4D97-AF65-F5344CB8AC3E}">
-        <p14:creationId xmlns:p14="http://schemas.microsoft.com/office/powerpoint/2010/main" val="3126982020"/>
+        <p14:creationId xmlns:p14="http://schemas.microsoft.com/office/powerpoint/2010/main" val="1649662429"/>
       </p:ext>
     </p:extLst>
   </p:cSld>
@@ -3879,15 +4255,12 @@
           <a:lstStyle/>
           <a:p>
             <a:r>
-              <a:rPr lang="zh-CN" altLang="en-US" b="0" i="0" dirty="0">
-                <a:solidFill>
-                  <a:srgbClr val="121212"/>
-                </a:solidFill>
-                <a:effectLst/>
-                <a:latin typeface="-apple-system"/>
-              </a:rPr>
-              <a:t>最终落脚</a:t>
-            </a:r>
+              <a:rPr lang="zh-CN" altLang="en-US" dirty="0"/>
+              <a:t>获取下一个字符的函数中，封装了对于行结束的判断</a:t>
+            </a:r>
+            <a:endParaRPr lang="en-US" altLang="zh-CN" dirty="0"/>
+          </a:p>
+          <a:p>
             <a:endParaRPr lang="zh-CN" altLang="en-US" dirty="0"/>
           </a:p>
         </p:txBody>
@@ -3909,7 +4282,7 @@
           <a:p>
             <a:fld id="{48585B57-4B63-4D1B-B153-2CF94C9CDE9B}" type="slidenum">
               <a:rPr lang="zh-CN" altLang="en-US" smtClean="0"/>
-              <a:t>14</a:t>
+              <a:t>10</a:t>
             </a:fld>
             <a:endParaRPr lang="zh-CN" altLang="en-US"/>
           </a:p>
@@ -3918,7 +4291,7 @@
     </p:spTree>
     <p:extLst>
       <p:ext uri="{BB962C8B-B14F-4D97-AF65-F5344CB8AC3E}">
-        <p14:creationId xmlns:p14="http://schemas.microsoft.com/office/powerpoint/2010/main" val="3444914241"/>
+        <p14:creationId xmlns:p14="http://schemas.microsoft.com/office/powerpoint/2010/main" val="2656888499"/>
       </p:ext>
     </p:extLst>
   </p:cSld>
@@ -3972,16 +4345,6 @@
           <a:bodyPr/>
           <a:lstStyle/>
           <a:p>
-            <a:r>
-              <a:rPr lang="zh-CN" altLang="en-US" b="0" i="0" dirty="0">
-                <a:solidFill>
-                  <a:srgbClr val="121212"/>
-                </a:solidFill>
-                <a:effectLst/>
-                <a:latin typeface="-apple-system"/>
-              </a:rPr>
-              <a:t>最终落脚</a:t>
-            </a:r>
             <a:endParaRPr lang="zh-CN" altLang="en-US" dirty="0"/>
           </a:p>
         </p:txBody>
@@ -4003,7 +4366,7 @@
           <a:p>
             <a:fld id="{48585B57-4B63-4D1B-B153-2CF94C9CDE9B}" type="slidenum">
               <a:rPr lang="zh-CN" altLang="en-US" smtClean="0"/>
-              <a:t>15</a:t>
+              <a:t>11</a:t>
             </a:fld>
             <a:endParaRPr lang="zh-CN" altLang="en-US"/>
           </a:p>
@@ -4012,7 +4375,175 @@
     </p:spTree>
     <p:extLst>
       <p:ext uri="{BB962C8B-B14F-4D97-AF65-F5344CB8AC3E}">
-        <p14:creationId xmlns:p14="http://schemas.microsoft.com/office/powerpoint/2010/main" val="378897993"/>
+        <p14:creationId xmlns:p14="http://schemas.microsoft.com/office/powerpoint/2010/main" val="2969623879"/>
+      </p:ext>
+    </p:extLst>
+  </p:cSld>
+  <p:clrMapOvr>
+    <a:masterClrMapping/>
+  </p:clrMapOvr>
+</p:notes>
+</file>
+
+<file path=ppt/notesSlides/notesSlide8.xml><?xml version="1.0" encoding="utf-8"?>
+<p:notes xmlns:a="http://schemas.openxmlformats.org/drawingml/2006/main" xmlns:r="http://schemas.openxmlformats.org/officeDocument/2006/relationships" xmlns:p="http://schemas.openxmlformats.org/presentationml/2006/main">
+  <p:cSld>
+    <p:spTree>
+      <p:nvGrpSpPr>
+        <p:cNvPr id="1" name=""/>
+        <p:cNvGrpSpPr/>
+        <p:nvPr/>
+      </p:nvGrpSpPr>
+      <p:grpSpPr>
+        <a:xfrm>
+          <a:off x="0" y="0"/>
+          <a:ext cx="0" cy="0"/>
+          <a:chOff x="0" y="0"/>
+          <a:chExt cx="0" cy="0"/>
+        </a:xfrm>
+      </p:grpSpPr>
+      <p:sp>
+        <p:nvSpPr>
+          <p:cNvPr id="2" name="幻灯片图像占位符 1"/>
+          <p:cNvSpPr>
+            <a:spLocks noGrp="1" noRot="1" noChangeAspect="1"/>
+          </p:cNvSpPr>
+          <p:nvPr>
+            <p:ph type="sldImg"/>
+          </p:nvPr>
+        </p:nvSpPr>
+        <p:spPr/>
+      </p:sp>
+      <p:sp>
+        <p:nvSpPr>
+          <p:cNvPr id="3" name="备注占位符 2"/>
+          <p:cNvSpPr>
+            <a:spLocks noGrp="1"/>
+          </p:cNvSpPr>
+          <p:nvPr>
+            <p:ph type="body" idx="1"/>
+          </p:nvPr>
+        </p:nvSpPr>
+        <p:spPr/>
+        <p:txBody>
+          <a:bodyPr/>
+          <a:lstStyle/>
+          <a:p>
+            <a:endParaRPr lang="zh-CN" altLang="en-US" dirty="0"/>
+          </a:p>
+        </p:txBody>
+      </p:sp>
+      <p:sp>
+        <p:nvSpPr>
+          <p:cNvPr id="4" name="灯片编号占位符 3"/>
+          <p:cNvSpPr>
+            <a:spLocks noGrp="1"/>
+          </p:cNvSpPr>
+          <p:nvPr>
+            <p:ph type="sldNum" sz="quarter" idx="5"/>
+          </p:nvPr>
+        </p:nvSpPr>
+        <p:spPr/>
+        <p:txBody>
+          <a:bodyPr/>
+          <a:lstStyle/>
+          <a:p>
+            <a:fld id="{48585B57-4B63-4D1B-B153-2CF94C9CDE9B}" type="slidenum">
+              <a:rPr lang="zh-CN" altLang="en-US" smtClean="0"/>
+              <a:t>12</a:t>
+            </a:fld>
+            <a:endParaRPr lang="zh-CN" altLang="en-US"/>
+          </a:p>
+        </p:txBody>
+      </p:sp>
+    </p:spTree>
+    <p:extLst>
+      <p:ext uri="{BB962C8B-B14F-4D97-AF65-F5344CB8AC3E}">
+        <p14:creationId xmlns:p14="http://schemas.microsoft.com/office/powerpoint/2010/main" val="1595774156"/>
+      </p:ext>
+    </p:extLst>
+  </p:cSld>
+  <p:clrMapOvr>
+    <a:masterClrMapping/>
+  </p:clrMapOvr>
+</p:notes>
+</file>
+
+<file path=ppt/notesSlides/notesSlide9.xml><?xml version="1.0" encoding="utf-8"?>
+<p:notes xmlns:a="http://schemas.openxmlformats.org/drawingml/2006/main" xmlns:r="http://schemas.openxmlformats.org/officeDocument/2006/relationships" xmlns:p="http://schemas.openxmlformats.org/presentationml/2006/main">
+  <p:cSld>
+    <p:spTree>
+      <p:nvGrpSpPr>
+        <p:cNvPr id="1" name=""/>
+        <p:cNvGrpSpPr/>
+        <p:nvPr/>
+      </p:nvGrpSpPr>
+      <p:grpSpPr>
+        <a:xfrm>
+          <a:off x="0" y="0"/>
+          <a:ext cx="0" cy="0"/>
+          <a:chOff x="0" y="0"/>
+          <a:chExt cx="0" cy="0"/>
+        </a:xfrm>
+      </p:grpSpPr>
+      <p:sp>
+        <p:nvSpPr>
+          <p:cNvPr id="2" name="幻灯片图像占位符 1"/>
+          <p:cNvSpPr>
+            <a:spLocks noGrp="1" noRot="1" noChangeAspect="1"/>
+          </p:cNvSpPr>
+          <p:nvPr>
+            <p:ph type="sldImg"/>
+          </p:nvPr>
+        </p:nvSpPr>
+        <p:spPr/>
+      </p:sp>
+      <p:sp>
+        <p:nvSpPr>
+          <p:cNvPr id="3" name="备注占位符 2"/>
+          <p:cNvSpPr>
+            <a:spLocks noGrp="1"/>
+          </p:cNvSpPr>
+          <p:nvPr>
+            <p:ph type="body" idx="1"/>
+          </p:nvPr>
+        </p:nvSpPr>
+        <p:spPr/>
+        <p:txBody>
+          <a:bodyPr/>
+          <a:lstStyle/>
+          <a:p>
+            <a:endParaRPr lang="zh-CN" altLang="en-US" dirty="0"/>
+          </a:p>
+        </p:txBody>
+      </p:sp>
+      <p:sp>
+        <p:nvSpPr>
+          <p:cNvPr id="4" name="灯片编号占位符 3"/>
+          <p:cNvSpPr>
+            <a:spLocks noGrp="1"/>
+          </p:cNvSpPr>
+          <p:nvPr>
+            <p:ph type="sldNum" sz="quarter" idx="5"/>
+          </p:nvPr>
+        </p:nvSpPr>
+        <p:spPr/>
+        <p:txBody>
+          <a:bodyPr/>
+          <a:lstStyle/>
+          <a:p>
+            <a:fld id="{48585B57-4B63-4D1B-B153-2CF94C9CDE9B}" type="slidenum">
+              <a:rPr lang="zh-CN" altLang="en-US" smtClean="0"/>
+              <a:t>13</a:t>
+            </a:fld>
+            <a:endParaRPr lang="zh-CN" altLang="en-US"/>
+          </a:p>
+        </p:txBody>
+      </p:sp>
+    </p:spTree>
+    <p:extLst>
+      <p:ext uri="{BB962C8B-B14F-4D97-AF65-F5344CB8AC3E}">
+        <p14:creationId xmlns:p14="http://schemas.microsoft.com/office/powerpoint/2010/main" val="3774502356"/>
       </p:ext>
     </p:extLst>
   </p:cSld>
@@ -4169,7 +4700,7 @@
           <a:p>
             <a:fld id="{5F50AF34-8686-49E9-B83C-95D067690792}" type="datetimeFigureOut">
               <a:rPr lang="zh-CN" altLang="en-US" smtClean="0"/>
-              <a:t>2020/10/22</a:t>
+              <a:t>2020/11/26</a:t>
             </a:fld>
             <a:endParaRPr lang="zh-CN" altLang="en-US"/>
           </a:p>
@@ -4367,7 +4898,7 @@
           <a:p>
             <a:fld id="{5F50AF34-8686-49E9-B83C-95D067690792}" type="datetimeFigureOut">
               <a:rPr lang="zh-CN" altLang="en-US" smtClean="0"/>
-              <a:t>2020/10/22</a:t>
+              <a:t>2020/11/26</a:t>
             </a:fld>
             <a:endParaRPr lang="zh-CN" altLang="en-US"/>
           </a:p>
@@ -4575,7 +5106,7 @@
           <a:p>
             <a:fld id="{5F50AF34-8686-49E9-B83C-95D067690792}" type="datetimeFigureOut">
               <a:rPr lang="zh-CN" altLang="en-US" smtClean="0"/>
-              <a:t>2020/10/22</a:t>
+              <a:t>2020/11/26</a:t>
             </a:fld>
             <a:endParaRPr lang="zh-CN" altLang="en-US"/>
           </a:p>
@@ -4773,7 +5304,7 @@
           <a:p>
             <a:fld id="{5F50AF34-8686-49E9-B83C-95D067690792}" type="datetimeFigureOut">
               <a:rPr lang="zh-CN" altLang="en-US" smtClean="0"/>
-              <a:t>2020/10/22</a:t>
+              <a:t>2020/11/26</a:t>
             </a:fld>
             <a:endParaRPr lang="zh-CN" altLang="en-US"/>
           </a:p>
@@ -5048,7 +5579,7 @@
           <a:p>
             <a:fld id="{5F50AF34-8686-49E9-B83C-95D067690792}" type="datetimeFigureOut">
               <a:rPr lang="zh-CN" altLang="en-US" smtClean="0"/>
-              <a:t>2020/10/22</a:t>
+              <a:t>2020/11/26</a:t>
             </a:fld>
             <a:endParaRPr lang="zh-CN" altLang="en-US"/>
           </a:p>
@@ -5313,7 +5844,7 @@
           <a:p>
             <a:fld id="{5F50AF34-8686-49E9-B83C-95D067690792}" type="datetimeFigureOut">
               <a:rPr lang="zh-CN" altLang="en-US" smtClean="0"/>
-              <a:t>2020/10/22</a:t>
+              <a:t>2020/11/26</a:t>
             </a:fld>
             <a:endParaRPr lang="zh-CN" altLang="en-US"/>
           </a:p>
@@ -5725,7 +6256,7 @@
           <a:p>
             <a:fld id="{5F50AF34-8686-49E9-B83C-95D067690792}" type="datetimeFigureOut">
               <a:rPr lang="zh-CN" altLang="en-US" smtClean="0"/>
-              <a:t>2020/10/22</a:t>
+              <a:t>2020/11/26</a:t>
             </a:fld>
             <a:endParaRPr lang="zh-CN" altLang="en-US"/>
           </a:p>
@@ -5866,7 +6397,7 @@
           <a:p>
             <a:fld id="{5F50AF34-8686-49E9-B83C-95D067690792}" type="datetimeFigureOut">
               <a:rPr lang="zh-CN" altLang="en-US" smtClean="0"/>
-              <a:t>2020/10/22</a:t>
+              <a:t>2020/11/26</a:t>
             </a:fld>
             <a:endParaRPr lang="zh-CN" altLang="en-US"/>
           </a:p>
@@ -5979,7 +6510,7 @@
           <a:p>
             <a:fld id="{5F50AF34-8686-49E9-B83C-95D067690792}" type="datetimeFigureOut">
               <a:rPr lang="zh-CN" altLang="en-US" smtClean="0"/>
-              <a:t>2020/10/22</a:t>
+              <a:t>2020/11/26</a:t>
             </a:fld>
             <a:endParaRPr lang="zh-CN" altLang="en-US"/>
           </a:p>
@@ -6290,7 +6821,7 @@
           <a:p>
             <a:fld id="{5F50AF34-8686-49E9-B83C-95D067690792}" type="datetimeFigureOut">
               <a:rPr lang="zh-CN" altLang="en-US" smtClean="0"/>
-              <a:t>2020/10/22</a:t>
+              <a:t>2020/11/26</a:t>
             </a:fld>
             <a:endParaRPr lang="zh-CN" altLang="en-US"/>
           </a:p>
@@ -6578,7 +7109,7 @@
           <a:p>
             <a:fld id="{5F50AF34-8686-49E9-B83C-95D067690792}" type="datetimeFigureOut">
               <a:rPr lang="zh-CN" altLang="en-US" smtClean="0"/>
-              <a:t>2020/10/22</a:t>
+              <a:t>2020/11/26</a:t>
             </a:fld>
             <a:endParaRPr lang="zh-CN" altLang="en-US"/>
           </a:p>
@@ -6819,7 +7350,7 @@
           <a:p>
             <a:fld id="{5F50AF34-8686-49E9-B83C-95D067690792}" type="datetimeFigureOut">
               <a:rPr lang="zh-CN" altLang="en-US" smtClean="0"/>
-              <a:t>2020/10/22</a:t>
+              <a:t>2020/11/26</a:t>
             </a:fld>
             <a:endParaRPr lang="zh-CN" altLang="en-US"/>
           </a:p>
@@ -7280,12 +7811,20 @@
             <p:ph type="subTitle" idx="1"/>
           </p:nvPr>
         </p:nvSpPr>
-        <p:spPr/>
+        <p:spPr>
+          <a:xfrm>
+            <a:off x="1524000" y="3916680"/>
+            <a:ext cx="9144000" cy="1341120"/>
+          </a:xfrm>
+        </p:spPr>
         <p:txBody>
           <a:bodyPr/>
           <a:lstStyle/>
           <a:p>
-            <a:endParaRPr lang="zh-CN" altLang="en-US"/>
+            <a:r>
+              <a:rPr lang="zh-CN" altLang="en-US" dirty="0"/>
+              <a:t>组员：李兴诚、胡鼎新、刘邦辰、赵宸阳</a:t>
+            </a:r>
           </a:p>
         </p:txBody>
       </p:sp>
@@ -7337,8 +7876,8 @@
         </p:nvSpPr>
         <p:spPr>
           <a:xfrm>
-            <a:off x="525709" y="518020"/>
-            <a:ext cx="5329807" cy="782273"/>
+            <a:off x="342830" y="294593"/>
+            <a:ext cx="2276214" cy="782273"/>
           </a:xfrm>
         </p:spPr>
         <p:txBody>
@@ -7348,20 +7887,8 @@
           <a:lstStyle/>
           <a:p>
             <a:r>
-              <a:rPr lang="en-US" altLang="zh-CN" sz="4000" dirty="0"/>
-              <a:t>MAPLE IR</a:t>
-            </a:r>
-            <a:r>
               <a:rPr lang="zh-CN" altLang="en-US" sz="4000" dirty="0"/>
-              <a:t>中的“</a:t>
-            </a:r>
-            <a:r>
-              <a:rPr lang="en-US" altLang="zh-CN" sz="4000" dirty="0"/>
-              <a:t>if</a:t>
-            </a:r>
-            <a:r>
-              <a:rPr lang="zh-CN" altLang="en-US" sz="4000" dirty="0"/>
-              <a:t>”语句</a:t>
+              <a:t>词法分析</a:t>
             </a:r>
           </a:p>
         </p:txBody>
@@ -7371,37 +7898,7 @@
           <p:cNvPr id="4" name="图片 3">
             <a:extLst>
               <a:ext uri="{FF2B5EF4-FFF2-40B4-BE49-F238E27FC236}">
-                <a16:creationId xmlns:a16="http://schemas.microsoft.com/office/drawing/2014/main" id="{88C4487F-14DC-430A-A3B0-20C63854B3A5}"/>
-              </a:ext>
-            </a:extLst>
-          </p:cNvPr>
-          <p:cNvPicPr>
-            <a:picLocks noChangeAspect="1"/>
-          </p:cNvPicPr>
-          <p:nvPr/>
-        </p:nvPicPr>
-        <p:blipFill>
-          <a:blip r:embed="rId2"/>
-          <a:stretch>
-            <a:fillRect/>
-          </a:stretch>
-        </p:blipFill>
-        <p:spPr>
-          <a:xfrm>
-            <a:off x="5385339" y="3633790"/>
-            <a:ext cx="5372100" cy="2247900"/>
-          </a:xfrm>
-          <a:prstGeom prst="rect">
-            <a:avLst/>
-          </a:prstGeom>
-        </p:spPr>
-      </p:pic>
-      <p:pic>
-        <p:nvPicPr>
-          <p:cNvPr id="8" name="图片 7">
-            <a:extLst>
-              <a:ext uri="{FF2B5EF4-FFF2-40B4-BE49-F238E27FC236}">
-                <a16:creationId xmlns:a16="http://schemas.microsoft.com/office/drawing/2014/main" id="{ECB94A28-B60C-49D8-8502-DE61DB1742D7}"/>
+                <a16:creationId xmlns:a16="http://schemas.microsoft.com/office/drawing/2014/main" id="{1FDAB6C4-916A-4BEC-8F14-A32FD0010EEF}"/>
               </a:ext>
             </a:extLst>
           </p:cNvPr>
@@ -7418,12 +7915,22 @@
         </p:blipFill>
         <p:spPr>
           <a:xfrm>
-            <a:off x="632364" y="3710292"/>
-            <a:ext cx="3810000" cy="1228725"/>
+            <a:off x="457116" y="1514127"/>
+            <a:ext cx="5532204" cy="5343874"/>
           </a:xfrm>
           <a:prstGeom prst="rect">
             <a:avLst/>
           </a:prstGeom>
+          <a:ln>
+            <a:noFill/>
+          </a:ln>
+          <a:effectLst>
+            <a:outerShdw blurRad="292100" dist="139700" dir="2700000" algn="tl" rotWithShape="0">
+              <a:srgbClr val="333333">
+                <a:alpha val="65000"/>
+              </a:srgbClr>
+            </a:outerShdw>
+          </a:effectLst>
         </p:spPr>
       </p:pic>
       <p:pic>
@@ -7431,7 +7938,7 @@
           <p:cNvPr id="10" name="图片 9">
             <a:extLst>
               <a:ext uri="{FF2B5EF4-FFF2-40B4-BE49-F238E27FC236}">
-                <a16:creationId xmlns:a16="http://schemas.microsoft.com/office/drawing/2014/main" id="{A8B172B0-4CFB-4F7B-BBE0-B8665754CC5F}"/>
+                <a16:creationId xmlns:a16="http://schemas.microsoft.com/office/drawing/2014/main" id="{3C49F8D7-B357-4244-870C-B072FD7F33AB}"/>
               </a:ext>
             </a:extLst>
           </p:cNvPr>
@@ -7448,114 +7955,53 @@
         </p:blipFill>
         <p:spPr>
           <a:xfrm>
-            <a:off x="632364" y="1385886"/>
-            <a:ext cx="10125075" cy="1838325"/>
+            <a:off x="4615814" y="2825114"/>
+            <a:ext cx="7323001" cy="2874645"/>
           </a:xfrm>
           <a:prstGeom prst="rect">
             <a:avLst/>
           </a:prstGeom>
+          <a:ln>
+            <a:noFill/>
+          </a:ln>
+          <a:effectLst>
+            <a:outerShdw blurRad="292100" dist="139700" dir="2700000" algn="tl" rotWithShape="0">
+              <a:srgbClr val="333333">
+                <a:alpha val="65000"/>
+              </a:srgbClr>
+            </a:outerShdw>
+          </a:effectLst>
         </p:spPr>
       </p:pic>
       <p:sp>
         <p:nvSpPr>
-          <p:cNvPr id="3" name="文本框 2">
-            <a:extLst>
-              <a:ext uri="{FF2B5EF4-FFF2-40B4-BE49-F238E27FC236}">
-                <a16:creationId xmlns:a16="http://schemas.microsoft.com/office/drawing/2014/main" id="{899E17A3-1804-4D20-BC25-C87C060B89B8}"/>
-              </a:ext>
-            </a:extLst>
-          </p:cNvPr>
-          <p:cNvSpPr txBox="1"/>
+          <p:cNvPr id="12" name="矩形 11">
+            <a:extLst>
+              <a:ext uri="{FF2B5EF4-FFF2-40B4-BE49-F238E27FC236}">
+                <a16:creationId xmlns:a16="http://schemas.microsoft.com/office/drawing/2014/main" id="{0ED6F8FA-EF52-43DD-9A5B-6A6524F44104}"/>
+              </a:ext>
+            </a:extLst>
+          </p:cNvPr>
+          <p:cNvSpPr/>
           <p:nvPr/>
         </p:nvSpPr>
         <p:spPr>
           <a:xfrm>
-            <a:off x="8869956" y="6091214"/>
-            <a:ext cx="3322044" cy="400110"/>
+            <a:off x="4800600" y="4924773"/>
+            <a:ext cx="3643508" cy="350520"/>
           </a:xfrm>
           <a:prstGeom prst="rect">
             <a:avLst/>
           </a:prstGeom>
-          <a:noFill/>
-        </p:spPr>
-        <p:txBody>
-          <a:bodyPr wrap="square" rtlCol="0">
-            <a:spAutoFit/>
-          </a:bodyPr>
-          <a:lstStyle/>
-          <a:p>
-            <a:r>
-              <a:rPr lang="en-US" altLang="zh-CN" sz="2000" b="0" i="0" dirty="0">
-                <a:solidFill>
-                  <a:srgbClr val="121212"/>
-                </a:solidFill>
-                <a:effectLst/>
-                <a:latin typeface="-apple-system"/>
-              </a:rPr>
-              <a:t>IR</a:t>
-            </a:r>
-            <a:r>
-              <a:rPr lang="zh-CN" altLang="en-US" sz="2000" b="0" i="0" dirty="0">
-                <a:solidFill>
-                  <a:srgbClr val="121212"/>
-                </a:solidFill>
-                <a:effectLst/>
-                <a:latin typeface="-apple-system"/>
-              </a:rPr>
-              <a:t>其他中</a:t>
-            </a:r>
-            <a:r>
-              <a:rPr lang="en-US" altLang="zh-CN" sz="2000" b="0" i="0" dirty="0">
-                <a:solidFill>
-                  <a:srgbClr val="121212"/>
-                </a:solidFill>
-                <a:effectLst/>
-                <a:latin typeface="-apple-system"/>
-              </a:rPr>
-              <a:t>if</a:t>
-            </a:r>
-            <a:r>
-              <a:rPr lang="zh-CN" altLang="en-US" sz="2000" b="0" i="0" dirty="0">
-                <a:solidFill>
-                  <a:srgbClr val="121212"/>
-                </a:solidFill>
-                <a:effectLst/>
-                <a:latin typeface="-apple-system"/>
-              </a:rPr>
-              <a:t>语句的表达方式</a:t>
-            </a:r>
-            <a:endParaRPr lang="zh-CN" altLang="en-US" sz="2000" dirty="0"/>
-          </a:p>
-        </p:txBody>
-      </p:sp>
-      <p:sp>
-        <p:nvSpPr>
-          <p:cNvPr id="5" name="矩形 4">
-            <a:extLst>
-              <a:ext uri="{FF2B5EF4-FFF2-40B4-BE49-F238E27FC236}">
-                <a16:creationId xmlns:a16="http://schemas.microsoft.com/office/drawing/2014/main" id="{AAF7B5F0-FED1-4F89-95C9-2245A7ED8B3A}"/>
-              </a:ext>
-            </a:extLst>
-          </p:cNvPr>
-          <p:cNvSpPr/>
-          <p:nvPr/>
-        </p:nvSpPr>
-        <p:spPr>
-          <a:xfrm>
-            <a:off x="525708" y="1300293"/>
-            <a:ext cx="10553771" cy="4790921"/>
-          </a:xfrm>
-          <a:prstGeom prst="rect">
-            <a:avLst/>
-          </a:prstGeom>
-          <a:noFill/>
-          <a:ln w="28575">
-            <a:solidFill>
-              <a:schemeClr val="accent1">
-                <a:lumMod val="60000"/>
-                <a:lumOff val="40000"/>
-              </a:schemeClr>
-            </a:solidFill>
+          <a:solidFill>
+            <a:schemeClr val="accent2">
+              <a:lumMod val="60000"/>
+              <a:lumOff val="40000"/>
+              <a:alpha val="41000"/>
+            </a:schemeClr>
+          </a:solidFill>
+          <a:ln>
+            <a:noFill/>
           </a:ln>
         </p:spPr>
         <p:style>
@@ -7579,18 +8025,14 @@
           <a:lstStyle/>
           <a:p>
             <a:pPr algn="ctr"/>
-            <a:endParaRPr lang="en-US" altLang="zh-CN" sz="2800" dirty="0">
-              <a:solidFill>
-                <a:schemeClr val="tx1"/>
-              </a:solidFill>
-            </a:endParaRPr>
+            <a:endParaRPr lang="zh-CN" altLang="en-US"/>
           </a:p>
         </p:txBody>
       </p:sp>
     </p:spTree>
     <p:extLst>
       <p:ext uri="{BB962C8B-B14F-4D97-AF65-F5344CB8AC3E}">
-        <p14:creationId xmlns:p14="http://schemas.microsoft.com/office/powerpoint/2010/main" val="2164611544"/>
+        <p14:creationId xmlns:p14="http://schemas.microsoft.com/office/powerpoint/2010/main" val="107092160"/>
       </p:ext>
     </p:extLst>
   </p:cSld>
@@ -7647,33 +8089,29 @@
         </p:nvSpPr>
         <p:spPr>
           <a:xfrm>
-            <a:off x="525709" y="518020"/>
-            <a:ext cx="5398436" cy="782273"/>
+            <a:off x="342830" y="294593"/>
+            <a:ext cx="2276214" cy="782273"/>
           </a:xfrm>
         </p:spPr>
         <p:txBody>
           <a:bodyPr>
-            <a:normAutofit fontScale="90000"/>
+            <a:normAutofit/>
           </a:bodyPr>
           <a:lstStyle/>
           <a:p>
             <a:r>
-              <a:rPr lang="en-US" altLang="zh-CN" sz="4000" dirty="0"/>
-              <a:t>MAPLE IR</a:t>
-            </a:r>
-            <a:r>
               <a:rPr lang="zh-CN" altLang="en-US" sz="4000" dirty="0"/>
-              <a:t>中的控制流语句</a:t>
-            </a:r>
-          </a:p>
-        </p:txBody>
-      </p:sp>
-      <p:sp>
-        <p:nvSpPr>
-          <p:cNvPr id="11" name="矩形 10">
-            <a:extLst>
-              <a:ext uri="{FF2B5EF4-FFF2-40B4-BE49-F238E27FC236}">
-                <a16:creationId xmlns:a16="http://schemas.microsoft.com/office/drawing/2014/main" id="{AB6498F5-FFFA-4390-B5E1-00E636996953}"/>
+              <a:t>语法分析</a:t>
+            </a:r>
+          </a:p>
+        </p:txBody>
+      </p:sp>
+      <p:sp>
+        <p:nvSpPr>
+          <p:cNvPr id="3" name="矩形 2">
+            <a:extLst>
+              <a:ext uri="{FF2B5EF4-FFF2-40B4-BE49-F238E27FC236}">
+                <a16:creationId xmlns:a16="http://schemas.microsoft.com/office/drawing/2014/main" id="{E8EAD142-E7B8-44FC-B031-1622B2A97FC2}"/>
               </a:ext>
             </a:extLst>
           </p:cNvPr>
@@ -7682,21 +8120,13 @@
         </p:nvSpPr>
         <p:spPr>
           <a:xfrm>
-            <a:off x="661481" y="1789889"/>
-            <a:ext cx="2402732" cy="622571"/>
+            <a:off x="2203451" y="1208993"/>
+            <a:ext cx="7785098" cy="4826047"/>
           </a:xfrm>
           <a:prstGeom prst="rect">
             <a:avLst/>
           </a:prstGeom>
           <a:noFill/>
-          <a:ln w="28575">
-            <a:solidFill>
-              <a:schemeClr val="accent1">
-                <a:lumMod val="60000"/>
-                <a:lumOff val="40000"/>
-              </a:schemeClr>
-            </a:solidFill>
-          </a:ln>
         </p:spPr>
         <p:style>
           <a:lnRef idx="2">
@@ -7719,20 +8149,16 @@
           <a:lstStyle/>
           <a:p>
             <a:pPr algn="ctr"/>
-            <a:endParaRPr lang="en-US" altLang="zh-CN" sz="2800" dirty="0">
-              <a:solidFill>
-                <a:schemeClr val="tx1"/>
-              </a:solidFill>
-            </a:endParaRPr>
-          </a:p>
-        </p:txBody>
-      </p:sp>
-      <p:sp>
-        <p:nvSpPr>
-          <p:cNvPr id="27" name="矩形 26">
-            <a:extLst>
-              <a:ext uri="{FF2B5EF4-FFF2-40B4-BE49-F238E27FC236}">
-                <a16:creationId xmlns:a16="http://schemas.microsoft.com/office/drawing/2014/main" id="{988CCAEC-A497-4FA7-9B7C-FD11FD561579}"/>
+            <a:endParaRPr lang="zh-CN" altLang="en-US"/>
+          </a:p>
+        </p:txBody>
+      </p:sp>
+      <p:sp>
+        <p:nvSpPr>
+          <p:cNvPr id="9" name="矩形 8">
+            <a:extLst>
+              <a:ext uri="{FF2B5EF4-FFF2-40B4-BE49-F238E27FC236}">
+                <a16:creationId xmlns:a16="http://schemas.microsoft.com/office/drawing/2014/main" id="{D78A480C-9098-4411-B61C-E944B23DFAF4}"/>
               </a:ext>
             </a:extLst>
           </p:cNvPr>
@@ -7741,23 +8167,13 @@
         </p:nvSpPr>
         <p:spPr>
           <a:xfrm>
-            <a:off x="661481" y="2590770"/>
-            <a:ext cx="2402732" cy="622571"/>
+            <a:off x="2349429" y="2987040"/>
+            <a:ext cx="4478092" cy="1052230"/>
           </a:xfrm>
           <a:prstGeom prst="rect">
             <a:avLst/>
           </a:prstGeom>
-          <a:solidFill>
-            <a:schemeClr val="bg1"/>
-          </a:solidFill>
-          <a:ln w="28575">
-            <a:solidFill>
-              <a:schemeClr val="accent1">
-                <a:lumMod val="60000"/>
-                <a:lumOff val="40000"/>
-              </a:schemeClr>
-            </a:solidFill>
-          </a:ln>
+          <a:noFill/>
         </p:spPr>
         <p:style>
           <a:lnRef idx="2">
@@ -7780,23 +8196,16 @@
           <a:lstStyle/>
           <a:p>
             <a:pPr algn="ctr"/>
-            <a:r>
-              <a:rPr lang="en-US" altLang="zh-CN" sz="2800" dirty="0">
-                <a:solidFill>
-                  <a:schemeClr val="tx1"/>
-                </a:solidFill>
-              </a:rPr>
-              <a:t>while</a:t>
-            </a:r>
-          </a:p>
-        </p:txBody>
-      </p:sp>
-      <p:sp>
-        <p:nvSpPr>
-          <p:cNvPr id="29" name="矩形 28">
-            <a:extLst>
-              <a:ext uri="{FF2B5EF4-FFF2-40B4-BE49-F238E27FC236}">
-                <a16:creationId xmlns:a16="http://schemas.microsoft.com/office/drawing/2014/main" id="{D8CBBE62-1D20-44E7-ABE5-75E21E7EDCA3}"/>
+            <a:endParaRPr lang="zh-CN" altLang="en-US"/>
+          </a:p>
+        </p:txBody>
+      </p:sp>
+      <p:sp>
+        <p:nvSpPr>
+          <p:cNvPr id="13" name="矩形 12">
+            <a:extLst>
+              <a:ext uri="{FF2B5EF4-FFF2-40B4-BE49-F238E27FC236}">
+                <a16:creationId xmlns:a16="http://schemas.microsoft.com/office/drawing/2014/main" id="{85A69B76-A522-464D-A53D-30D5094EEA88}"/>
               </a:ext>
             </a:extLst>
           </p:cNvPr>
@@ -7805,23 +8214,13 @@
         </p:nvSpPr>
         <p:spPr>
           <a:xfrm>
-            <a:off x="661481" y="3390090"/>
-            <a:ext cx="2402732" cy="622571"/>
+            <a:off x="2349428" y="4220654"/>
+            <a:ext cx="4478092" cy="1052231"/>
           </a:xfrm>
           <a:prstGeom prst="rect">
             <a:avLst/>
           </a:prstGeom>
-          <a:solidFill>
-            <a:schemeClr val="bg1"/>
-          </a:solidFill>
-          <a:ln w="28575">
-            <a:solidFill>
-              <a:schemeClr val="accent1">
-                <a:lumMod val="60000"/>
-                <a:lumOff val="40000"/>
-              </a:schemeClr>
-            </a:solidFill>
-          </a:ln>
+          <a:noFill/>
         </p:spPr>
         <p:style>
           <a:lnRef idx="2">
@@ -7844,28 +8243,16 @@
           <a:lstStyle/>
           <a:p>
             <a:pPr algn="ctr"/>
-            <a:r>
-              <a:rPr lang="en-US" altLang="zh-CN" sz="2800" dirty="0" err="1">
-                <a:solidFill>
-                  <a:schemeClr val="tx1"/>
-                </a:solidFill>
-              </a:rPr>
-              <a:t>dowhile</a:t>
-            </a:r>
-            <a:endParaRPr lang="en-US" altLang="zh-CN" sz="2800" dirty="0">
-              <a:solidFill>
-                <a:schemeClr val="tx1"/>
-              </a:solidFill>
-            </a:endParaRPr>
-          </a:p>
-        </p:txBody>
-      </p:sp>
-      <p:sp>
-        <p:nvSpPr>
-          <p:cNvPr id="31" name="矩形 30">
-            <a:extLst>
-              <a:ext uri="{FF2B5EF4-FFF2-40B4-BE49-F238E27FC236}">
-                <a16:creationId xmlns:a16="http://schemas.microsoft.com/office/drawing/2014/main" id="{3279BC87-83EA-4888-9012-D5BAA832A8DF}"/>
+            <a:endParaRPr lang="zh-CN" altLang="en-US"/>
+          </a:p>
+        </p:txBody>
+      </p:sp>
+      <p:sp>
+        <p:nvSpPr>
+          <p:cNvPr id="15" name="矩形 14">
+            <a:extLst>
+              <a:ext uri="{FF2B5EF4-FFF2-40B4-BE49-F238E27FC236}">
+                <a16:creationId xmlns:a16="http://schemas.microsoft.com/office/drawing/2014/main" id="{DA0732A0-5451-4DC6-AF5B-1A8046A11F45}"/>
               </a:ext>
             </a:extLst>
           </p:cNvPr>
@@ -7874,23 +8261,13 @@
         </p:nvSpPr>
         <p:spPr>
           <a:xfrm>
-            <a:off x="661481" y="4190971"/>
-            <a:ext cx="2402732" cy="622571"/>
+            <a:off x="2349428" y="1675871"/>
+            <a:ext cx="4478092" cy="1052230"/>
           </a:xfrm>
           <a:prstGeom prst="rect">
             <a:avLst/>
           </a:prstGeom>
-          <a:solidFill>
-            <a:schemeClr val="bg1"/>
-          </a:solidFill>
-          <a:ln w="28575">
-            <a:solidFill>
-              <a:schemeClr val="accent1">
-                <a:lumMod val="60000"/>
-                <a:lumOff val="40000"/>
-              </a:schemeClr>
-            </a:solidFill>
-          </a:ln>
+          <a:noFill/>
         </p:spPr>
         <p:style>
           <a:lnRef idx="2">
@@ -7913,53 +8290,186 @@
           <a:lstStyle/>
           <a:p>
             <a:pPr algn="ctr"/>
-            <a:r>
-              <a:rPr lang="en-US" altLang="zh-CN" sz="2800" dirty="0" err="1">
-                <a:solidFill>
-                  <a:schemeClr val="tx1"/>
-                </a:solidFill>
-              </a:rPr>
-              <a:t>doloop</a:t>
-            </a:r>
-            <a:endParaRPr lang="en-US" altLang="zh-CN" sz="2800" dirty="0">
-              <a:solidFill>
-                <a:schemeClr val="tx1"/>
-              </a:solidFill>
-            </a:endParaRPr>
-          </a:p>
-        </p:txBody>
-      </p:sp>
-      <p:sp>
-        <p:nvSpPr>
-          <p:cNvPr id="33" name="矩形 32">
-            <a:extLst>
-              <a:ext uri="{FF2B5EF4-FFF2-40B4-BE49-F238E27FC236}">
-                <a16:creationId xmlns:a16="http://schemas.microsoft.com/office/drawing/2014/main" id="{1DB3B045-55D7-4649-B0BF-BB794F7C753E}"/>
-              </a:ext>
-            </a:extLst>
-          </p:cNvPr>
-          <p:cNvSpPr/>
+            <a:endParaRPr lang="zh-CN" altLang="en-US"/>
+          </a:p>
+        </p:txBody>
+      </p:sp>
+      <p:sp>
+        <p:nvSpPr>
+          <p:cNvPr id="16" name="文本框 15">
+            <a:extLst>
+              <a:ext uri="{FF2B5EF4-FFF2-40B4-BE49-F238E27FC236}">
+                <a16:creationId xmlns:a16="http://schemas.microsoft.com/office/drawing/2014/main" id="{1DBC405A-1A84-4264-8A6F-5D8EB254390D}"/>
+              </a:ext>
+            </a:extLst>
+          </p:cNvPr>
+          <p:cNvSpPr txBox="1"/>
           <p:nvPr/>
         </p:nvSpPr>
         <p:spPr>
           <a:xfrm>
-            <a:off x="661481" y="4991852"/>
-            <a:ext cx="2402732" cy="622571"/>
+            <a:off x="2619044" y="1965161"/>
+            <a:ext cx="2526654" cy="584775"/>
           </a:xfrm>
           <a:prstGeom prst="rect">
             <a:avLst/>
           </a:prstGeom>
-          <a:solidFill>
-            <a:schemeClr val="bg1"/>
-          </a:solidFill>
-          <a:ln w="28575">
-            <a:solidFill>
-              <a:schemeClr val="accent1">
-                <a:lumMod val="60000"/>
-                <a:lumOff val="40000"/>
-              </a:schemeClr>
-            </a:solidFill>
-          </a:ln>
+          <a:noFill/>
+        </p:spPr>
+        <p:txBody>
+          <a:bodyPr wrap="square" rtlCol="0">
+            <a:spAutoFit/>
+          </a:bodyPr>
+          <a:lstStyle/>
+          <a:p>
+            <a:r>
+              <a:rPr lang="en-US" altLang="zh-CN" sz="3200" dirty="0"/>
+              <a:t>Block</a:t>
+            </a:r>
+            <a:endParaRPr lang="zh-CN" altLang="en-US" sz="3200" dirty="0"/>
+          </a:p>
+        </p:txBody>
+      </p:sp>
+      <p:sp>
+        <p:nvSpPr>
+          <p:cNvPr id="24" name="文本框 23">
+            <a:extLst>
+              <a:ext uri="{FF2B5EF4-FFF2-40B4-BE49-F238E27FC236}">
+                <a16:creationId xmlns:a16="http://schemas.microsoft.com/office/drawing/2014/main" id="{78215AAF-CE66-4038-B01D-DCFAAE6EED10}"/>
+              </a:ext>
+            </a:extLst>
+          </p:cNvPr>
+          <p:cNvSpPr txBox="1"/>
+          <p:nvPr/>
+        </p:nvSpPr>
+        <p:spPr>
+          <a:xfrm>
+            <a:off x="7717379" y="4765053"/>
+            <a:ext cx="2183611" cy="1015663"/>
+          </a:xfrm>
+          <a:prstGeom prst="rect">
+            <a:avLst/>
+          </a:prstGeom>
+          <a:noFill/>
+        </p:spPr>
+        <p:txBody>
+          <a:bodyPr wrap="square" rtlCol="0">
+            <a:spAutoFit/>
+          </a:bodyPr>
+          <a:lstStyle/>
+          <a:p>
+            <a:r>
+              <a:rPr lang="en-US" altLang="zh-CN" sz="2000" dirty="0"/>
+              <a:t>Leaf nodes/</a:t>
+            </a:r>
+          </a:p>
+          <a:p>
+            <a:r>
+              <a:rPr lang="en-US" altLang="zh-CN" sz="2000" dirty="0"/>
+              <a:t>Expression nodes/</a:t>
+            </a:r>
+          </a:p>
+          <a:p>
+            <a:r>
+              <a:rPr lang="en-US" altLang="zh-CN" sz="2000" dirty="0"/>
+              <a:t>Statement nodes</a:t>
+            </a:r>
+            <a:endParaRPr lang="zh-CN" altLang="en-US" sz="2000" dirty="0"/>
+          </a:p>
+        </p:txBody>
+      </p:sp>
+      <p:sp>
+        <p:nvSpPr>
+          <p:cNvPr id="17" name="文本框 16">
+            <a:extLst>
+              <a:ext uri="{FF2B5EF4-FFF2-40B4-BE49-F238E27FC236}">
+                <a16:creationId xmlns:a16="http://schemas.microsoft.com/office/drawing/2014/main" id="{B2D3E070-9FA1-40D6-9C96-1DDE7677EACF}"/>
+              </a:ext>
+            </a:extLst>
+          </p:cNvPr>
+          <p:cNvSpPr txBox="1"/>
+          <p:nvPr/>
+        </p:nvSpPr>
+        <p:spPr>
+          <a:xfrm>
+            <a:off x="2619044" y="3220767"/>
+            <a:ext cx="2526654" cy="584775"/>
+          </a:xfrm>
+          <a:prstGeom prst="rect">
+            <a:avLst/>
+          </a:prstGeom>
+          <a:noFill/>
+        </p:spPr>
+        <p:txBody>
+          <a:bodyPr wrap="square" rtlCol="0">
+            <a:spAutoFit/>
+          </a:bodyPr>
+          <a:lstStyle/>
+          <a:p>
+            <a:r>
+              <a:rPr lang="en-US" altLang="zh-CN" sz="3200" dirty="0"/>
+              <a:t>Statement</a:t>
+            </a:r>
+            <a:endParaRPr lang="zh-CN" altLang="en-US" sz="3200" dirty="0"/>
+          </a:p>
+        </p:txBody>
+      </p:sp>
+      <p:sp>
+        <p:nvSpPr>
+          <p:cNvPr id="19" name="文本框 18">
+            <a:extLst>
+              <a:ext uri="{FF2B5EF4-FFF2-40B4-BE49-F238E27FC236}">
+                <a16:creationId xmlns:a16="http://schemas.microsoft.com/office/drawing/2014/main" id="{6062BDF2-0156-47D6-BCE4-834E487DB6D4}"/>
+              </a:ext>
+            </a:extLst>
+          </p:cNvPr>
+          <p:cNvSpPr txBox="1"/>
+          <p:nvPr/>
+        </p:nvSpPr>
+        <p:spPr>
+          <a:xfrm>
+            <a:off x="2619044" y="4452379"/>
+            <a:ext cx="2526654" cy="584775"/>
+          </a:xfrm>
+          <a:prstGeom prst="rect">
+            <a:avLst/>
+          </a:prstGeom>
+          <a:noFill/>
+        </p:spPr>
+        <p:txBody>
+          <a:bodyPr wrap="square" rtlCol="0">
+            <a:spAutoFit/>
+          </a:bodyPr>
+          <a:lstStyle/>
+          <a:p>
+            <a:r>
+              <a:rPr lang="en-US" altLang="zh-CN" sz="3200" dirty="0"/>
+              <a:t>Expression</a:t>
+            </a:r>
+            <a:endParaRPr lang="zh-CN" altLang="en-US" sz="3200" dirty="0"/>
+          </a:p>
+        </p:txBody>
+      </p:sp>
+      <p:sp>
+        <p:nvSpPr>
+          <p:cNvPr id="14" name="箭头: 右弧形 13">
+            <a:extLst>
+              <a:ext uri="{FF2B5EF4-FFF2-40B4-BE49-F238E27FC236}">
+                <a16:creationId xmlns:a16="http://schemas.microsoft.com/office/drawing/2014/main" id="{CA0038B2-B131-4BBE-A06D-EC342647E3E9}"/>
+              </a:ext>
+            </a:extLst>
+          </p:cNvPr>
+          <p:cNvSpPr/>
+          <p:nvPr/>
+        </p:nvSpPr>
+        <p:spPr>
+          <a:xfrm>
+            <a:off x="6990113" y="2201316"/>
+            <a:ext cx="456171" cy="1227684"/>
+          </a:xfrm>
+          <a:prstGeom prst="curvedLeftArrow">
+            <a:avLst/>
+          </a:prstGeom>
         </p:spPr>
         <p:style>
           <a:lnRef idx="2">
@@ -7982,15 +8492,7 @@
           <a:lstStyle/>
           <a:p>
             <a:pPr algn="ctr"/>
-            <a:r>
-              <a:rPr lang="en-US" altLang="zh-CN" sz="2800" dirty="0" err="1">
-                <a:solidFill>
-                  <a:schemeClr val="tx1"/>
-                </a:solidFill>
-              </a:rPr>
-              <a:t>foreachelem</a:t>
-            </a:r>
-            <a:endParaRPr lang="en-US" altLang="zh-CN" sz="2800" dirty="0">
+            <a:endParaRPr lang="zh-CN" altLang="en-US">
               <a:solidFill>
                 <a:schemeClr val="tx1"/>
               </a:solidFill>
@@ -7998,376 +8500,60 @@
           </a:p>
         </p:txBody>
       </p:sp>
-      <p:pic>
-        <p:nvPicPr>
-          <p:cNvPr id="35" name="图片 34">
-            <a:extLst>
-              <a:ext uri="{FF2B5EF4-FFF2-40B4-BE49-F238E27FC236}">
-                <a16:creationId xmlns:a16="http://schemas.microsoft.com/office/drawing/2014/main" id="{2AEF9BF0-4093-490F-B8F7-0D6570B51DFB}"/>
-              </a:ext>
-            </a:extLst>
-          </p:cNvPr>
-          <p:cNvPicPr>
-            <a:picLocks noChangeAspect="1"/>
-          </p:cNvPicPr>
+      <p:sp>
+        <p:nvSpPr>
+          <p:cNvPr id="25" name="箭头: 右弧形 24">
+            <a:extLst>
+              <a:ext uri="{FF2B5EF4-FFF2-40B4-BE49-F238E27FC236}">
+                <a16:creationId xmlns:a16="http://schemas.microsoft.com/office/drawing/2014/main" id="{5E216676-6B68-4202-9EEF-798E7268BF53}"/>
+              </a:ext>
+            </a:extLst>
+          </p:cNvPr>
+          <p:cNvSpPr/>
           <p:nvPr/>
-        </p:nvPicPr>
-        <p:blipFill>
-          <a:blip r:embed="rId2"/>
-          <a:stretch>
-            <a:fillRect/>
-          </a:stretch>
-        </p:blipFill>
+        </p:nvSpPr>
         <p:spPr>
           <a:xfrm>
-            <a:off x="4668364" y="2123060"/>
-            <a:ext cx="4913381" cy="566003"/>
-          </a:xfrm>
-          <a:prstGeom prst="rect">
+            <a:off x="6990113" y="3805517"/>
+            <a:ext cx="456171" cy="1231612"/>
+          </a:xfrm>
+          <a:prstGeom prst="curvedLeftArrow">
             <a:avLst/>
           </a:prstGeom>
         </p:spPr>
-      </p:pic>
-      <p:pic>
-        <p:nvPicPr>
-          <p:cNvPr id="37" name="图片 36">
-            <a:extLst>
-              <a:ext uri="{FF2B5EF4-FFF2-40B4-BE49-F238E27FC236}">
-                <a16:creationId xmlns:a16="http://schemas.microsoft.com/office/drawing/2014/main" id="{FBF8D69B-286F-4F5F-ABD9-7C0F4B9CDDE3}"/>
-              </a:ext>
-            </a:extLst>
-          </p:cNvPr>
-          <p:cNvPicPr>
-            <a:picLocks noChangeAspect="1"/>
-          </p:cNvPicPr>
-          <p:nvPr/>
-        </p:nvPicPr>
-        <p:blipFill>
-          <a:blip r:embed="rId3"/>
-          <a:stretch>
-            <a:fillRect/>
-          </a:stretch>
-        </p:blipFill>
-        <p:spPr>
-          <a:xfrm>
-            <a:off x="4668364" y="3208477"/>
-            <a:ext cx="6393470" cy="2587557"/>
-          </a:xfrm>
-          <a:prstGeom prst="rect">
-            <a:avLst/>
-          </a:prstGeom>
-        </p:spPr>
-      </p:pic>
-      <p:sp>
-        <p:nvSpPr>
-          <p:cNvPr id="3" name="文本框 2">
-            <a:extLst>
-              <a:ext uri="{FF2B5EF4-FFF2-40B4-BE49-F238E27FC236}">
-                <a16:creationId xmlns:a16="http://schemas.microsoft.com/office/drawing/2014/main" id="{0C0087B0-2C08-4251-9B5C-EF8FE5E7B63D}"/>
-              </a:ext>
-            </a:extLst>
-          </p:cNvPr>
-          <p:cNvSpPr txBox="1"/>
-          <p:nvPr/>
-        </p:nvSpPr>
-        <p:spPr>
-          <a:xfrm>
-            <a:off x="8458200" y="6115393"/>
-            <a:ext cx="3733800" cy="400110"/>
-          </a:xfrm>
-          <a:prstGeom prst="rect">
-            <a:avLst/>
-          </a:prstGeom>
-          <a:noFill/>
-        </p:spPr>
-        <p:txBody>
-          <a:bodyPr wrap="square" rtlCol="0">
-            <a:spAutoFit/>
-          </a:bodyPr>
-          <a:lstStyle/>
-          <a:p>
-            <a:r>
-              <a:rPr lang="en-US" altLang="zh-CN" sz="2000" b="0" i="0" dirty="0">
-                <a:solidFill>
-                  <a:srgbClr val="121212"/>
-                </a:solidFill>
-                <a:effectLst/>
-                <a:latin typeface="-apple-system"/>
-              </a:rPr>
-              <a:t>IR</a:t>
-            </a:r>
-            <a:r>
-              <a:rPr lang="zh-CN" altLang="en-US" sz="2000" b="0" i="0" dirty="0">
-                <a:solidFill>
-                  <a:srgbClr val="121212"/>
-                </a:solidFill>
-                <a:effectLst/>
-                <a:latin typeface="-apple-system"/>
-              </a:rPr>
-              <a:t>其他其他类型的控制流语句</a:t>
-            </a:r>
-            <a:endParaRPr lang="zh-CN" altLang="en-US" sz="2000" dirty="0"/>
-          </a:p>
-        </p:txBody>
-      </p:sp>
-      <p:cxnSp>
-        <p:nvCxnSpPr>
-          <p:cNvPr id="5" name="直接箭头连接符 4">
-            <a:extLst>
-              <a:ext uri="{FF2B5EF4-FFF2-40B4-BE49-F238E27FC236}">
-                <a16:creationId xmlns:a16="http://schemas.microsoft.com/office/drawing/2014/main" id="{3EB9F11F-3F9B-47A9-9017-C92736CC263E}"/>
-              </a:ext>
-            </a:extLst>
-          </p:cNvPr>
-          <p:cNvCxnSpPr>
-            <a:stCxn id="11" idx="3"/>
-            <a:endCxn id="35" idx="1"/>
-          </p:cNvCxnSpPr>
-          <p:nvPr/>
-        </p:nvCxnSpPr>
-        <p:spPr>
-          <a:xfrm>
-            <a:off x="3064213" y="2101175"/>
-            <a:ext cx="1604151" cy="304887"/>
-          </a:xfrm>
-          <a:prstGeom prst="straightConnector1">
-            <a:avLst/>
-          </a:prstGeom>
-          <a:ln>
-            <a:tailEnd type="triangle"/>
-          </a:ln>
-        </p:spPr>
         <p:style>
-          <a:lnRef idx="1">
-            <a:schemeClr val="accent1"/>
+          <a:lnRef idx="2">
+            <a:schemeClr val="accent1">
+              <a:shade val="50000"/>
+            </a:schemeClr>
           </a:lnRef>
-          <a:fillRef idx="0">
+          <a:fillRef idx="1">
             <a:schemeClr val="accent1"/>
           </a:fillRef>
           <a:effectRef idx="0">
             <a:schemeClr val="accent1"/>
           </a:effectRef>
           <a:fontRef idx="minor">
-            <a:schemeClr val="tx1"/>
+            <a:schemeClr val="lt1"/>
           </a:fontRef>
         </p:style>
-      </p:cxnSp>
-      <p:cxnSp>
-        <p:nvCxnSpPr>
-          <p:cNvPr id="14" name="直接箭头连接符 13">
-            <a:extLst>
-              <a:ext uri="{FF2B5EF4-FFF2-40B4-BE49-F238E27FC236}">
-                <a16:creationId xmlns:a16="http://schemas.microsoft.com/office/drawing/2014/main" id="{B9D9262F-B72C-467E-88D0-433E7B3919F6}"/>
-              </a:ext>
-            </a:extLst>
-          </p:cNvPr>
-          <p:cNvCxnSpPr>
-            <a:cxnSpLocks/>
-            <a:stCxn id="27" idx="3"/>
-            <a:endCxn id="35" idx="1"/>
-          </p:cNvCxnSpPr>
-          <p:nvPr/>
-        </p:nvCxnSpPr>
-        <p:spPr>
-          <a:xfrm flipV="1">
-            <a:off x="3064213" y="2406062"/>
-            <a:ext cx="1604151" cy="495994"/>
-          </a:xfrm>
-          <a:prstGeom prst="straightConnector1">
-            <a:avLst/>
-          </a:prstGeom>
-          <a:ln>
-            <a:tailEnd type="triangle"/>
-          </a:ln>
-        </p:spPr>
-        <p:style>
-          <a:lnRef idx="1">
-            <a:schemeClr val="accent1"/>
-          </a:lnRef>
-          <a:fillRef idx="0">
-            <a:schemeClr val="accent1"/>
-          </a:fillRef>
-          <a:effectRef idx="0">
-            <a:schemeClr val="accent1"/>
-          </a:effectRef>
-          <a:fontRef idx="minor">
-            <a:schemeClr val="tx1"/>
-          </a:fontRef>
-        </p:style>
-      </p:cxnSp>
-      <p:cxnSp>
-        <p:nvCxnSpPr>
-          <p:cNvPr id="17" name="直接箭头连接符 16">
-            <a:extLst>
-              <a:ext uri="{FF2B5EF4-FFF2-40B4-BE49-F238E27FC236}">
-                <a16:creationId xmlns:a16="http://schemas.microsoft.com/office/drawing/2014/main" id="{E0DEC5D1-94B3-48F7-8AE5-64E7965F3CA2}"/>
-              </a:ext>
-            </a:extLst>
-          </p:cNvPr>
-          <p:cNvCxnSpPr>
-            <a:cxnSpLocks/>
-            <a:stCxn id="29" idx="3"/>
-            <a:endCxn id="35" idx="1"/>
-          </p:cNvCxnSpPr>
-          <p:nvPr/>
-        </p:nvCxnSpPr>
-        <p:spPr>
-          <a:xfrm flipV="1">
-            <a:off x="3064213" y="2406062"/>
-            <a:ext cx="1604151" cy="1295314"/>
-          </a:xfrm>
-          <a:prstGeom prst="straightConnector1">
-            <a:avLst/>
-          </a:prstGeom>
-          <a:ln>
-            <a:tailEnd type="triangle"/>
-          </a:ln>
-        </p:spPr>
-        <p:style>
-          <a:lnRef idx="1">
-            <a:schemeClr val="accent1"/>
-          </a:lnRef>
-          <a:fillRef idx="0">
-            <a:schemeClr val="accent1"/>
-          </a:fillRef>
-          <a:effectRef idx="0">
-            <a:schemeClr val="accent1"/>
-          </a:effectRef>
-          <a:fontRef idx="minor">
-            <a:schemeClr val="tx1"/>
-          </a:fontRef>
-        </p:style>
-      </p:cxnSp>
-      <p:cxnSp>
-        <p:nvCxnSpPr>
-          <p:cNvPr id="21" name="直接箭头连接符 20">
-            <a:extLst>
-              <a:ext uri="{FF2B5EF4-FFF2-40B4-BE49-F238E27FC236}">
-                <a16:creationId xmlns:a16="http://schemas.microsoft.com/office/drawing/2014/main" id="{4536B8C6-D846-4933-BB4F-33FA6ACAB10F}"/>
-              </a:ext>
-            </a:extLst>
-          </p:cNvPr>
-          <p:cNvCxnSpPr>
-            <a:cxnSpLocks/>
-            <a:stCxn id="31" idx="3"/>
-            <a:endCxn id="35" idx="1"/>
-          </p:cNvCxnSpPr>
-          <p:nvPr/>
-        </p:nvCxnSpPr>
-        <p:spPr>
-          <a:xfrm flipV="1">
-            <a:off x="3064213" y="2406062"/>
-            <a:ext cx="1604151" cy="2096195"/>
-          </a:xfrm>
-          <a:prstGeom prst="straightConnector1">
-            <a:avLst/>
-          </a:prstGeom>
-          <a:ln>
-            <a:tailEnd type="triangle"/>
-          </a:ln>
-        </p:spPr>
-        <p:style>
-          <a:lnRef idx="1">
-            <a:schemeClr val="accent1"/>
-          </a:lnRef>
-          <a:fillRef idx="0">
-            <a:schemeClr val="accent1"/>
-          </a:fillRef>
-          <a:effectRef idx="0">
-            <a:schemeClr val="accent1"/>
-          </a:effectRef>
-          <a:fontRef idx="minor">
-            <a:schemeClr val="tx1"/>
-          </a:fontRef>
-        </p:style>
-      </p:cxnSp>
-      <p:cxnSp>
-        <p:nvCxnSpPr>
-          <p:cNvPr id="24" name="直接箭头连接符 23">
-            <a:extLst>
-              <a:ext uri="{FF2B5EF4-FFF2-40B4-BE49-F238E27FC236}">
-                <a16:creationId xmlns:a16="http://schemas.microsoft.com/office/drawing/2014/main" id="{1223BB62-3D3A-4ACC-9916-3B16E680E41E}"/>
-              </a:ext>
-            </a:extLst>
-          </p:cNvPr>
-          <p:cNvCxnSpPr>
-            <a:cxnSpLocks/>
-            <a:stCxn id="33" idx="3"/>
-            <a:endCxn id="37" idx="1"/>
-          </p:cNvCxnSpPr>
-          <p:nvPr/>
-        </p:nvCxnSpPr>
-        <p:spPr>
-          <a:xfrm flipV="1">
-            <a:off x="3064213" y="4502256"/>
-            <a:ext cx="1604151" cy="800882"/>
-          </a:xfrm>
-          <a:prstGeom prst="straightConnector1">
-            <a:avLst/>
-          </a:prstGeom>
-          <a:ln>
-            <a:tailEnd type="triangle"/>
-          </a:ln>
-        </p:spPr>
-        <p:style>
-          <a:lnRef idx="1">
-            <a:schemeClr val="accent1"/>
-          </a:lnRef>
-          <a:fillRef idx="0">
-            <a:schemeClr val="accent1"/>
-          </a:fillRef>
-          <a:effectRef idx="0">
-            <a:schemeClr val="accent1"/>
-          </a:effectRef>
-          <a:fontRef idx="minor">
-            <a:schemeClr val="tx1"/>
-          </a:fontRef>
-        </p:style>
-      </p:cxnSp>
-      <p:sp>
-        <p:nvSpPr>
-          <p:cNvPr id="28" name="文本框 27">
-            <a:extLst>
-              <a:ext uri="{FF2B5EF4-FFF2-40B4-BE49-F238E27FC236}">
-                <a16:creationId xmlns:a16="http://schemas.microsoft.com/office/drawing/2014/main" id="{1405E66A-B215-4642-AA2C-81E4BF232B6B}"/>
-              </a:ext>
-            </a:extLst>
-          </p:cNvPr>
-          <p:cNvSpPr txBox="1"/>
-          <p:nvPr/>
-        </p:nvSpPr>
-        <p:spPr>
-          <a:xfrm>
-            <a:off x="1268487" y="1839564"/>
-            <a:ext cx="1188720" cy="523220"/>
-          </a:xfrm>
-          <a:prstGeom prst="rect">
-            <a:avLst/>
-          </a:prstGeom>
-          <a:noFill/>
-        </p:spPr>
-        <p:txBody>
-          <a:bodyPr wrap="square">
-            <a:spAutoFit/>
-          </a:bodyPr>
+        <p:txBody>
+          <a:bodyPr rtlCol="0" anchor="ctr"/>
           <a:lstStyle/>
           <a:p>
             <a:pPr algn="ctr"/>
-            <a:r>
-              <a:rPr lang="en-US" altLang="zh-CN" sz="2800" dirty="0">
-                <a:solidFill>
-                  <a:schemeClr val="tx1"/>
-                </a:solidFill>
-              </a:rPr>
-              <a:t>if</a:t>
-            </a:r>
+            <a:endParaRPr lang="zh-CN" altLang="en-US">
+              <a:solidFill>
+                <a:schemeClr val="tx1"/>
+              </a:solidFill>
+            </a:endParaRPr>
           </a:p>
         </p:txBody>
       </p:sp>
     </p:spTree>
     <p:extLst>
       <p:ext uri="{BB962C8B-B14F-4D97-AF65-F5344CB8AC3E}">
-        <p14:creationId xmlns:p14="http://schemas.microsoft.com/office/powerpoint/2010/main" val="805827801"/>
+        <p14:creationId xmlns:p14="http://schemas.microsoft.com/office/powerpoint/2010/main" val="2824452652"/>
       </p:ext>
     </p:extLst>
   </p:cSld>
@@ -8424,102 +8610,29 @@
         </p:nvSpPr>
         <p:spPr>
           <a:xfrm>
-            <a:off x="525708" y="518020"/>
-            <a:ext cx="6616791" cy="782273"/>
+            <a:off x="342830" y="294593"/>
+            <a:ext cx="2276214" cy="782273"/>
           </a:xfrm>
         </p:spPr>
         <p:txBody>
           <a:bodyPr>
-            <a:normAutofit fontScale="90000"/>
+            <a:normAutofit/>
           </a:bodyPr>
           <a:lstStyle/>
           <a:p>
             <a:r>
-              <a:rPr lang="en-US" altLang="zh-CN" sz="4000" dirty="0"/>
-              <a:t>MAPLE IR</a:t>
-            </a:r>
-            <a:r>
               <a:rPr lang="zh-CN" altLang="en-US" sz="4000" dirty="0"/>
-              <a:t>中的拓展数组管理语句</a:t>
-            </a:r>
-          </a:p>
-        </p:txBody>
-      </p:sp>
-      <p:sp>
-        <p:nvSpPr>
-          <p:cNvPr id="33" name="矩形 32">
-            <a:extLst>
-              <a:ext uri="{FF2B5EF4-FFF2-40B4-BE49-F238E27FC236}">
-                <a16:creationId xmlns:a16="http://schemas.microsoft.com/office/drawing/2014/main" id="{1DB3B045-55D7-4649-B0BF-BB794F7C753E}"/>
-              </a:ext>
-            </a:extLst>
-          </p:cNvPr>
-          <p:cNvSpPr/>
-          <p:nvPr/>
-        </p:nvSpPr>
-        <p:spPr>
-          <a:xfrm>
-            <a:off x="749030" y="1631813"/>
-            <a:ext cx="2402732" cy="622571"/>
-          </a:xfrm>
-          <a:prstGeom prst="rect">
-            <a:avLst/>
-          </a:prstGeom>
-          <a:solidFill>
-            <a:schemeClr val="bg1"/>
-          </a:solidFill>
-          <a:ln w="28575">
-            <a:solidFill>
-              <a:schemeClr val="accent1">
-                <a:lumMod val="60000"/>
-                <a:lumOff val="40000"/>
-              </a:schemeClr>
-            </a:solidFill>
-          </a:ln>
-        </p:spPr>
-        <p:style>
-          <a:lnRef idx="2">
-            <a:schemeClr val="accent1">
-              <a:shade val="50000"/>
-            </a:schemeClr>
-          </a:lnRef>
-          <a:fillRef idx="1">
-            <a:schemeClr val="accent1"/>
-          </a:fillRef>
-          <a:effectRef idx="0">
-            <a:schemeClr val="accent1"/>
-          </a:effectRef>
-          <a:fontRef idx="minor">
-            <a:schemeClr val="lt1"/>
-          </a:fontRef>
-        </p:style>
-        <p:txBody>
-          <a:bodyPr rtlCol="0" anchor="ctr"/>
-          <a:lstStyle/>
-          <a:p>
-            <a:pPr algn="ctr"/>
-            <a:r>
-              <a:rPr lang="en-US" altLang="zh-CN" sz="2800" dirty="0" err="1">
-                <a:solidFill>
-                  <a:schemeClr val="tx1"/>
-                </a:solidFill>
-              </a:rPr>
-              <a:t>foreachelem</a:t>
-            </a:r>
-            <a:endParaRPr lang="en-US" altLang="zh-CN" sz="2800" dirty="0">
-              <a:solidFill>
-                <a:schemeClr val="tx1"/>
-              </a:solidFill>
-            </a:endParaRPr>
+              <a:t>语法分析</a:t>
+            </a:r>
           </a:p>
         </p:txBody>
       </p:sp>
       <p:pic>
         <p:nvPicPr>
-          <p:cNvPr id="37" name="图片 36">
-            <a:extLst>
-              <a:ext uri="{FF2B5EF4-FFF2-40B4-BE49-F238E27FC236}">
-                <a16:creationId xmlns:a16="http://schemas.microsoft.com/office/drawing/2014/main" id="{FBF8D69B-286F-4F5F-ABD9-7C0F4B9CDDE3}"/>
+          <p:cNvPr id="5" name="图片 4">
+            <a:extLst>
+              <a:ext uri="{FF2B5EF4-FFF2-40B4-BE49-F238E27FC236}">
+                <a16:creationId xmlns:a16="http://schemas.microsoft.com/office/drawing/2014/main" id="{3025E8BB-82DF-42C2-A91B-E005101CC109}"/>
               </a:ext>
             </a:extLst>
           </p:cNvPr>
@@ -8536,20 +8649,30 @@
         </p:blipFill>
         <p:spPr>
           <a:xfrm>
-            <a:off x="525708" y="2585905"/>
-            <a:ext cx="4985467" cy="2017712"/>
+            <a:off x="464750" y="1474945"/>
+            <a:ext cx="8187880" cy="3908108"/>
           </a:xfrm>
           <a:prstGeom prst="rect">
             <a:avLst/>
           </a:prstGeom>
+          <a:ln>
+            <a:noFill/>
+          </a:ln>
+          <a:effectLst>
+            <a:outerShdw blurRad="292100" dist="139700" dir="2700000" algn="tl" rotWithShape="0">
+              <a:srgbClr val="333333">
+                <a:alpha val="65000"/>
+              </a:srgbClr>
+            </a:outerShdw>
+          </a:effectLst>
         </p:spPr>
       </p:pic>
       <p:pic>
         <p:nvPicPr>
-          <p:cNvPr id="6" name="图片 5">
-            <a:extLst>
-              <a:ext uri="{FF2B5EF4-FFF2-40B4-BE49-F238E27FC236}">
-                <a16:creationId xmlns:a16="http://schemas.microsoft.com/office/drawing/2014/main" id="{9B48C6BF-C5E2-4CA9-BCFC-DDE9318638DC}"/>
+          <p:cNvPr id="11" name="图片 10">
+            <a:extLst>
+              <a:ext uri="{FF2B5EF4-FFF2-40B4-BE49-F238E27FC236}">
+                <a16:creationId xmlns:a16="http://schemas.microsoft.com/office/drawing/2014/main" id="{9A152CA9-6405-4495-99A4-F8DE04DE22F2}"/>
               </a:ext>
             </a:extLst>
           </p:cNvPr>
@@ -8566,20 +8689,30 @@
         </p:blipFill>
         <p:spPr>
           <a:xfrm>
-            <a:off x="5811862" y="1465664"/>
-            <a:ext cx="5443040" cy="4797110"/>
+            <a:off x="9504115" y="688393"/>
+            <a:ext cx="2345055" cy="5481213"/>
           </a:xfrm>
           <a:prstGeom prst="rect">
             <a:avLst/>
           </a:prstGeom>
+          <a:ln>
+            <a:noFill/>
+          </a:ln>
+          <a:effectLst>
+            <a:outerShdw blurRad="292100" dist="139700" dir="2700000" algn="tl" rotWithShape="0">
+              <a:srgbClr val="333333">
+                <a:alpha val="65000"/>
+              </a:srgbClr>
+            </a:outerShdw>
+          </a:effectLst>
         </p:spPr>
       </p:pic>
       <p:sp>
         <p:nvSpPr>
-          <p:cNvPr id="7" name="矩形 6">
-            <a:extLst>
-              <a:ext uri="{FF2B5EF4-FFF2-40B4-BE49-F238E27FC236}">
-                <a16:creationId xmlns:a16="http://schemas.microsoft.com/office/drawing/2014/main" id="{BFEC728A-9DD5-46C5-A99E-EBA107568E01}"/>
+          <p:cNvPr id="12" name="矩形 11">
+            <a:extLst>
+              <a:ext uri="{FF2B5EF4-FFF2-40B4-BE49-F238E27FC236}">
+                <a16:creationId xmlns:a16="http://schemas.microsoft.com/office/drawing/2014/main" id="{F0B56128-7844-40B8-8120-A073122266D8}"/>
               </a:ext>
             </a:extLst>
           </p:cNvPr>
@@ -8588,8 +8721,8 @@
         </p:nvSpPr>
         <p:spPr>
           <a:xfrm>
-            <a:off x="2597700" y="3647873"/>
-            <a:ext cx="2548231" cy="282102"/>
+            <a:off x="9265920" y="5383054"/>
+            <a:ext cx="2126050" cy="406725"/>
           </a:xfrm>
           <a:prstGeom prst="rect">
             <a:avLst/>
@@ -8632,10 +8765,10 @@
       </p:sp>
       <p:sp>
         <p:nvSpPr>
-          <p:cNvPr id="8" name="矩形 7">
-            <a:extLst>
-              <a:ext uri="{FF2B5EF4-FFF2-40B4-BE49-F238E27FC236}">
-                <a16:creationId xmlns:a16="http://schemas.microsoft.com/office/drawing/2014/main" id="{F4A598B3-B052-4A55-A282-D316CD8D203B}"/>
+          <p:cNvPr id="13" name="矩形 12">
+            <a:extLst>
+              <a:ext uri="{FF2B5EF4-FFF2-40B4-BE49-F238E27FC236}">
+                <a16:creationId xmlns:a16="http://schemas.microsoft.com/office/drawing/2014/main" id="{80088882-8AE0-4527-8A6A-34CE6BFD4D57}"/>
               </a:ext>
             </a:extLst>
           </p:cNvPr>
@@ -8644,8 +8777,8 @@
         </p:nvSpPr>
         <p:spPr>
           <a:xfrm>
-            <a:off x="7652841" y="1465664"/>
-            <a:ext cx="1656529" cy="266379"/>
+            <a:off x="492994" y="3599974"/>
+            <a:ext cx="6746006" cy="408146"/>
           </a:xfrm>
           <a:prstGeom prst="rect">
             <a:avLst/>
@@ -8686,10 +8819,120 @@
           </a:p>
         </p:txBody>
       </p:sp>
+      <p:sp>
+        <p:nvSpPr>
+          <p:cNvPr id="14" name="矩形 13">
+            <a:extLst>
+              <a:ext uri="{FF2B5EF4-FFF2-40B4-BE49-F238E27FC236}">
+                <a16:creationId xmlns:a16="http://schemas.microsoft.com/office/drawing/2014/main" id="{36FCDDBD-CE5C-48E6-943C-1AED27D7A6BD}"/>
+              </a:ext>
+            </a:extLst>
+          </p:cNvPr>
+          <p:cNvSpPr/>
+          <p:nvPr/>
+        </p:nvSpPr>
+        <p:spPr>
+          <a:xfrm>
+            <a:off x="675874" y="2849880"/>
+            <a:ext cx="5176286" cy="408146"/>
+          </a:xfrm>
+          <a:prstGeom prst="rect">
+            <a:avLst/>
+          </a:prstGeom>
+          <a:solidFill>
+            <a:schemeClr val="accent2">
+              <a:lumMod val="60000"/>
+              <a:lumOff val="40000"/>
+              <a:alpha val="41000"/>
+            </a:schemeClr>
+          </a:solidFill>
+          <a:ln>
+            <a:noFill/>
+          </a:ln>
+        </p:spPr>
+        <p:style>
+          <a:lnRef idx="2">
+            <a:schemeClr val="accent1">
+              <a:shade val="50000"/>
+            </a:schemeClr>
+          </a:lnRef>
+          <a:fillRef idx="1">
+            <a:schemeClr val="accent1"/>
+          </a:fillRef>
+          <a:effectRef idx="0">
+            <a:schemeClr val="accent1"/>
+          </a:effectRef>
+          <a:fontRef idx="minor">
+            <a:schemeClr val="lt1"/>
+          </a:fontRef>
+        </p:style>
+        <p:txBody>
+          <a:bodyPr rtlCol="0" anchor="ctr"/>
+          <a:lstStyle/>
+          <a:p>
+            <a:pPr algn="ctr"/>
+            <a:endParaRPr lang="zh-CN" altLang="en-US"/>
+          </a:p>
+        </p:txBody>
+      </p:sp>
+      <p:sp>
+        <p:nvSpPr>
+          <p:cNvPr id="15" name="箭头: 右弧形 14">
+            <a:extLst>
+              <a:ext uri="{FF2B5EF4-FFF2-40B4-BE49-F238E27FC236}">
+                <a16:creationId xmlns:a16="http://schemas.microsoft.com/office/drawing/2014/main" id="{B9332ECA-CD7A-4E9D-9CD7-8BAB1833B91A}"/>
+              </a:ext>
+            </a:extLst>
+          </p:cNvPr>
+          <p:cNvSpPr/>
+          <p:nvPr/>
+        </p:nvSpPr>
+        <p:spPr>
+          <a:xfrm rot="10800000">
+            <a:off x="8809164" y="3053953"/>
+            <a:ext cx="575853" cy="2484120"/>
+          </a:xfrm>
+          <a:prstGeom prst="curvedLeftArrow">
+            <a:avLst>
+              <a:gd name="adj1" fmla="val 25000"/>
+              <a:gd name="adj2" fmla="val 63937"/>
+              <a:gd name="adj3" fmla="val 31352"/>
+            </a:avLst>
+          </a:prstGeom>
+        </p:spPr>
+        <p:style>
+          <a:lnRef idx="2">
+            <a:schemeClr val="accent1">
+              <a:shade val="50000"/>
+            </a:schemeClr>
+          </a:lnRef>
+          <a:fillRef idx="1">
+            <a:schemeClr val="accent1"/>
+          </a:fillRef>
+          <a:effectRef idx="0">
+            <a:schemeClr val="accent1"/>
+          </a:effectRef>
+          <a:fontRef idx="minor">
+            <a:schemeClr val="lt1"/>
+          </a:fontRef>
+        </p:style>
+        <p:txBody>
+          <a:bodyPr rtlCol="0" anchor="ctr"/>
+          <a:lstStyle/>
+          <a:p>
+            <a:pPr algn="ctr"/>
+            <a:endParaRPr lang="zh-CN" altLang="en-US">
+              <a:solidFill>
+                <a:schemeClr val="tx1"/>
+              </a:solidFill>
+            </a:endParaRPr>
+          </a:p>
+        </p:txBody>
+      </p:sp>
     </p:spTree>
     <p:extLst>
       <p:ext uri="{BB962C8B-B14F-4D97-AF65-F5344CB8AC3E}">
-        <p14:creationId xmlns:p14="http://schemas.microsoft.com/office/powerpoint/2010/main" val="4081796736"/>
+        <p14:creationId xmlns:p14="http://schemas.microsoft.com/office/powerpoint/2010/main" val="448793165"/>
       </p:ext>
     </p:extLst>
   </p:cSld>
@@ -8746,33 +8989,29 @@
         </p:nvSpPr>
         <p:spPr>
           <a:xfrm>
-            <a:off x="525708" y="518020"/>
-            <a:ext cx="6616791" cy="782273"/>
+            <a:off x="342830" y="294593"/>
+            <a:ext cx="2276214" cy="782273"/>
           </a:xfrm>
         </p:spPr>
         <p:txBody>
           <a:bodyPr>
-            <a:normAutofit fontScale="90000"/>
+            <a:normAutofit/>
           </a:bodyPr>
           <a:lstStyle/>
           <a:p>
             <a:r>
-              <a:rPr lang="en-US" altLang="zh-CN" sz="4000" dirty="0"/>
-              <a:t>MAPLE IR</a:t>
-            </a:r>
-            <a:r>
               <a:rPr lang="zh-CN" altLang="en-US" sz="4000" dirty="0"/>
-              <a:t>中的拓展数组管理语句</a:t>
+              <a:t>语法分析</a:t>
             </a:r>
           </a:p>
         </p:txBody>
       </p:sp>
       <p:pic>
         <p:nvPicPr>
-          <p:cNvPr id="6" name="图片 5">
-            <a:extLst>
-              <a:ext uri="{FF2B5EF4-FFF2-40B4-BE49-F238E27FC236}">
-                <a16:creationId xmlns:a16="http://schemas.microsoft.com/office/drawing/2014/main" id="{9B48C6BF-C5E2-4CA9-BCFC-DDE9318638DC}"/>
+          <p:cNvPr id="7" name="图片 6">
+            <a:extLst>
+              <a:ext uri="{FF2B5EF4-FFF2-40B4-BE49-F238E27FC236}">
+                <a16:creationId xmlns:a16="http://schemas.microsoft.com/office/drawing/2014/main" id="{16A3B3E2-B245-4667-8AE2-DACE771C29A2}"/>
               </a:ext>
             </a:extLst>
           </p:cNvPr>
@@ -8789,20 +9028,70 @@
         </p:blipFill>
         <p:spPr>
           <a:xfrm>
-            <a:off x="695096" y="1465664"/>
-            <a:ext cx="5443040" cy="4797110"/>
+            <a:off x="510471" y="1513946"/>
+            <a:ext cx="7828744" cy="5481213"/>
           </a:xfrm>
           <a:prstGeom prst="rect">
             <a:avLst/>
           </a:prstGeom>
+          <a:ln>
+            <a:noFill/>
+          </a:ln>
+          <a:effectLst>
+            <a:outerShdw blurRad="292100" dist="139700" dir="2700000" algn="tl" rotWithShape="0">
+              <a:srgbClr val="333333">
+                <a:alpha val="65000"/>
+              </a:srgbClr>
+            </a:outerShdw>
+          </a:effectLst>
         </p:spPr>
       </p:pic>
+      <p:pic>
+        <p:nvPicPr>
+          <p:cNvPr id="6" name="图片 5">
+            <a:extLst>
+              <a:ext uri="{FF2B5EF4-FFF2-40B4-BE49-F238E27FC236}">
+                <a16:creationId xmlns:a16="http://schemas.microsoft.com/office/drawing/2014/main" id="{790EA683-AE06-45CE-A4BA-BD5CD1B0C03F}"/>
+              </a:ext>
+            </a:extLst>
+          </p:cNvPr>
+          <p:cNvPicPr>
+            <a:picLocks noChangeAspect="1"/>
+          </p:cNvPicPr>
+          <p:nvPr/>
+        </p:nvPicPr>
+        <p:blipFill>
+          <a:blip r:embed="rId4"/>
+          <a:stretch>
+            <a:fillRect/>
+          </a:stretch>
+        </p:blipFill>
+        <p:spPr>
+          <a:xfrm>
+            <a:off x="9504115" y="688393"/>
+            <a:ext cx="2345055" cy="5481213"/>
+          </a:xfrm>
+          <a:prstGeom prst="rect">
+            <a:avLst/>
+          </a:prstGeom>
+          <a:ln>
+            <a:noFill/>
+          </a:ln>
+          <a:effectLst>
+            <a:outerShdw blurRad="292100" dist="139700" dir="2700000" algn="tl" rotWithShape="0">
+              <a:srgbClr val="333333">
+                <a:alpha val="65000"/>
+              </a:srgbClr>
+            </a:outerShdw>
+          </a:effectLst>
+        </p:spPr>
+      </p:pic>
       <p:sp>
         <p:nvSpPr>
           <p:cNvPr id="8" name="矩形 7">
             <a:extLst>
               <a:ext uri="{FF2B5EF4-FFF2-40B4-BE49-F238E27FC236}">
-                <a16:creationId xmlns:a16="http://schemas.microsoft.com/office/drawing/2014/main" id="{F4A598B3-B052-4A55-A282-D316CD8D203B}"/>
+                <a16:creationId xmlns:a16="http://schemas.microsoft.com/office/drawing/2014/main" id="{C0698B99-6274-432B-B670-1F029726BC24}"/>
               </a:ext>
             </a:extLst>
           </p:cNvPr>
@@ -8811,8 +9100,8 @@
         </p:nvSpPr>
         <p:spPr>
           <a:xfrm>
-            <a:off x="2536075" y="1465664"/>
-            <a:ext cx="1656529" cy="266379"/>
+            <a:off x="9387840" y="3022274"/>
+            <a:ext cx="2126050" cy="406725"/>
           </a:xfrm>
           <a:prstGeom prst="rect">
             <a:avLst/>
@@ -8853,42 +9142,12 @@
           </a:p>
         </p:txBody>
       </p:sp>
-      <p:pic>
-        <p:nvPicPr>
-          <p:cNvPr id="4" name="图片 3">
-            <a:extLst>
-              <a:ext uri="{FF2B5EF4-FFF2-40B4-BE49-F238E27FC236}">
-                <a16:creationId xmlns:a16="http://schemas.microsoft.com/office/drawing/2014/main" id="{791931FE-24F2-45B3-8F7A-E3D18AB07F24}"/>
-              </a:ext>
-            </a:extLst>
-          </p:cNvPr>
-          <p:cNvPicPr>
-            <a:picLocks noChangeAspect="1"/>
-          </p:cNvPicPr>
-          <p:nvPr/>
-        </p:nvPicPr>
-        <p:blipFill>
-          <a:blip r:embed="rId4"/>
-          <a:stretch>
-            <a:fillRect/>
-          </a:stretch>
-        </p:blipFill>
-        <p:spPr>
-          <a:xfrm>
-            <a:off x="7524547" y="1870446"/>
-            <a:ext cx="3524250" cy="1171575"/>
-          </a:xfrm>
-          <a:prstGeom prst="rect">
-            <a:avLst/>
-          </a:prstGeom>
-        </p:spPr>
-      </p:pic>
-      <p:sp>
-        <p:nvSpPr>
-          <p:cNvPr id="5" name="矩形 4">
-            <a:extLst>
-              <a:ext uri="{FF2B5EF4-FFF2-40B4-BE49-F238E27FC236}">
-                <a16:creationId xmlns:a16="http://schemas.microsoft.com/office/drawing/2014/main" id="{B3B7F17C-F975-45F4-9B58-4A9F56FA683F}"/>
+      <p:sp>
+        <p:nvSpPr>
+          <p:cNvPr id="9" name="矩形 8">
+            <a:extLst>
+              <a:ext uri="{FF2B5EF4-FFF2-40B4-BE49-F238E27FC236}">
+                <a16:creationId xmlns:a16="http://schemas.microsoft.com/office/drawing/2014/main" id="{1E321C2E-63BC-4D50-BAD7-1850FA97953B}"/>
               </a:ext>
             </a:extLst>
           </p:cNvPr>
@@ -8897,8 +9156,8 @@
         </p:nvSpPr>
         <p:spPr>
           <a:xfrm>
-            <a:off x="1094564" y="3864219"/>
-            <a:ext cx="5111683" cy="2475761"/>
+            <a:off x="843584" y="4526280"/>
+            <a:ext cx="4261816" cy="457200"/>
           </a:xfrm>
           <a:prstGeom prst="rect">
             <a:avLst/>
@@ -8939,120 +9198,10 @@
           </a:p>
         </p:txBody>
       </p:sp>
-      <p:pic>
-        <p:nvPicPr>
-          <p:cNvPr id="11" name="图片 10">
-            <a:extLst>
-              <a:ext uri="{FF2B5EF4-FFF2-40B4-BE49-F238E27FC236}">
-                <a16:creationId xmlns:a16="http://schemas.microsoft.com/office/drawing/2014/main" id="{916A50EA-9481-4879-81A6-EA1D1AB96DA2}"/>
-              </a:ext>
-            </a:extLst>
-          </p:cNvPr>
-          <p:cNvPicPr>
-            <a:picLocks noChangeAspect="1"/>
-          </p:cNvPicPr>
-          <p:nvPr/>
-        </p:nvPicPr>
-        <p:blipFill>
-          <a:blip r:embed="rId5"/>
-          <a:stretch>
-            <a:fillRect/>
-          </a:stretch>
-        </p:blipFill>
-        <p:spPr>
-          <a:xfrm>
-            <a:off x="7524547" y="4162020"/>
-            <a:ext cx="4305300" cy="1238250"/>
-          </a:xfrm>
-          <a:prstGeom prst="rect">
-            <a:avLst/>
-          </a:prstGeom>
-        </p:spPr>
-      </p:pic>
-      <p:cxnSp>
-        <p:nvCxnSpPr>
-          <p:cNvPr id="13" name="直接箭头连接符 12">
-            <a:extLst>
-              <a:ext uri="{FF2B5EF4-FFF2-40B4-BE49-F238E27FC236}">
-                <a16:creationId xmlns:a16="http://schemas.microsoft.com/office/drawing/2014/main" id="{821DE16F-C88B-4B05-817E-9B3A52B18D7F}"/>
-              </a:ext>
-            </a:extLst>
-          </p:cNvPr>
-          <p:cNvCxnSpPr/>
-          <p:nvPr/>
-        </p:nvCxnSpPr>
-        <p:spPr>
-          <a:xfrm flipV="1">
-            <a:off x="6371617" y="2675106"/>
-            <a:ext cx="972766" cy="2315183"/>
-          </a:xfrm>
-          <a:prstGeom prst="straightConnector1">
-            <a:avLst/>
-          </a:prstGeom>
-          <a:ln w="19050">
-            <a:tailEnd type="triangle"/>
-          </a:ln>
-        </p:spPr>
-        <p:style>
-          <a:lnRef idx="1">
-            <a:schemeClr val="accent1"/>
-          </a:lnRef>
-          <a:fillRef idx="0">
-            <a:schemeClr val="accent1"/>
-          </a:fillRef>
-          <a:effectRef idx="0">
-            <a:schemeClr val="accent1"/>
-          </a:effectRef>
-          <a:fontRef idx="minor">
-            <a:schemeClr val="tx1"/>
-          </a:fontRef>
-        </p:style>
-      </p:cxnSp>
-      <p:cxnSp>
-        <p:nvCxnSpPr>
-          <p:cNvPr id="16" name="直接箭头连接符 15">
-            <a:extLst>
-              <a:ext uri="{FF2B5EF4-FFF2-40B4-BE49-F238E27FC236}">
-                <a16:creationId xmlns:a16="http://schemas.microsoft.com/office/drawing/2014/main" id="{8E45C2DD-C565-4C9F-B3C7-1119821595A3}"/>
-              </a:ext>
-            </a:extLst>
-          </p:cNvPr>
-          <p:cNvCxnSpPr>
-            <a:cxnSpLocks/>
-          </p:cNvCxnSpPr>
-          <p:nvPr/>
-        </p:nvCxnSpPr>
-        <p:spPr>
-          <a:xfrm flipH="1">
-            <a:off x="9409889" y="3192420"/>
-            <a:ext cx="1" cy="819201"/>
-          </a:xfrm>
-          <a:prstGeom prst="straightConnector1">
-            <a:avLst/>
-          </a:prstGeom>
-          <a:ln w="19050">
-            <a:tailEnd type="triangle"/>
-          </a:ln>
-        </p:spPr>
-        <p:style>
-          <a:lnRef idx="1">
-            <a:schemeClr val="accent1"/>
-          </a:lnRef>
-          <a:fillRef idx="0">
-            <a:schemeClr val="accent1"/>
-          </a:fillRef>
-          <a:effectRef idx="0">
-            <a:schemeClr val="accent1"/>
-          </a:effectRef>
-          <a:fontRef idx="minor">
-            <a:schemeClr val="tx1"/>
-          </a:fontRef>
-        </p:style>
-      </p:cxnSp>
     </p:spTree>
     <p:extLst>
       <p:ext uri="{BB962C8B-B14F-4D97-AF65-F5344CB8AC3E}">
-        <p14:creationId xmlns:p14="http://schemas.microsoft.com/office/powerpoint/2010/main" val="1747350922"/>
+        <p14:creationId xmlns:p14="http://schemas.microsoft.com/office/powerpoint/2010/main" val="1352552645"/>
       </p:ext>
     </p:extLst>
   </p:cSld>
@@ -9109,8 +9258,8 @@
         </p:nvSpPr>
         <p:spPr>
           <a:xfrm>
-            <a:off x="123825" y="438011"/>
-            <a:ext cx="5932170" cy="782273"/>
+            <a:off x="281869" y="301973"/>
+            <a:ext cx="5329807" cy="782273"/>
           </a:xfrm>
         </p:spPr>
         <p:txBody>
@@ -9125,7 +9274,15 @@
             </a:r>
             <a:r>
               <a:rPr lang="zh-CN" altLang="en-US" sz="4000" dirty="0"/>
-              <a:t>中的向下转化</a:t>
+              <a:t>中的“</a:t>
+            </a:r>
+            <a:r>
+              <a:rPr lang="en-US" altLang="zh-CN" sz="4000" dirty="0"/>
+              <a:t>if</a:t>
+            </a:r>
+            <a:r>
+              <a:rPr lang="zh-CN" altLang="en-US" sz="4000" dirty="0"/>
+              <a:t>”语句</a:t>
             </a:r>
           </a:p>
         </p:txBody>
@@ -9135,7 +9292,7 @@
           <p:cNvPr id="10" name="图片 9">
             <a:extLst>
               <a:ext uri="{FF2B5EF4-FFF2-40B4-BE49-F238E27FC236}">
-                <a16:creationId xmlns:a16="http://schemas.microsoft.com/office/drawing/2014/main" id="{3CD24278-8BCF-4D58-AFF6-12EF62F56D72}"/>
+                <a16:creationId xmlns:a16="http://schemas.microsoft.com/office/drawing/2014/main" id="{CD148139-927A-4AB1-BD31-4E6EF84E6FAD}"/>
               </a:ext>
             </a:extLst>
           </p:cNvPr>
@@ -9145,81 +9302,42 @@
           <p:nvPr/>
         </p:nvPicPr>
         <p:blipFill>
-          <a:blip r:embed="rId3"/>
+          <a:blip r:embed="rId2"/>
           <a:stretch>
             <a:fillRect/>
           </a:stretch>
         </p:blipFill>
         <p:spPr>
           <a:xfrm>
-            <a:off x="584835" y="1666874"/>
-            <a:ext cx="5581650" cy="3838575"/>
+            <a:off x="7096390" y="2814637"/>
+            <a:ext cx="3810000" cy="1228725"/>
           </a:xfrm>
           <a:prstGeom prst="rect">
             <a:avLst/>
           </a:prstGeom>
         </p:spPr>
       </p:pic>
-      <p:pic>
-        <p:nvPicPr>
-          <p:cNvPr id="17" name="图片 16">
-            <a:extLst>
-              <a:ext uri="{FF2B5EF4-FFF2-40B4-BE49-F238E27FC236}">
-                <a16:creationId xmlns:a16="http://schemas.microsoft.com/office/drawing/2014/main" id="{0714518A-1418-44BD-95E8-85F646F30E81}"/>
-              </a:ext>
-            </a:extLst>
-          </p:cNvPr>
-          <p:cNvPicPr>
-            <a:picLocks noChangeAspect="1"/>
-          </p:cNvPicPr>
+      <p:sp>
+        <p:nvSpPr>
+          <p:cNvPr id="3" name="矩形 2">
+            <a:extLst>
+              <a:ext uri="{FF2B5EF4-FFF2-40B4-BE49-F238E27FC236}">
+                <a16:creationId xmlns:a16="http://schemas.microsoft.com/office/drawing/2014/main" id="{1326AB3A-B26C-4E75-A607-88EACE9121C0}"/>
+              </a:ext>
+            </a:extLst>
+          </p:cNvPr>
+          <p:cNvSpPr/>
           <p:nvPr/>
-        </p:nvPicPr>
-        <p:blipFill>
-          <a:blip r:embed="rId4"/>
-          <a:stretch>
-            <a:fillRect/>
-          </a:stretch>
-        </p:blipFill>
+        </p:nvSpPr>
         <p:spPr>
           <a:xfrm>
-            <a:off x="1925955" y="2815730"/>
-            <a:ext cx="4591050" cy="3524250"/>
+            <a:off x="890269" y="1617403"/>
+            <a:ext cx="1715771" cy="620482"/>
           </a:xfrm>
           <a:prstGeom prst="rect">
             <a:avLst/>
           </a:prstGeom>
-        </p:spPr>
-      </p:pic>
-      <p:sp>
-        <p:nvSpPr>
-          <p:cNvPr id="19" name="矩形 18">
-            <a:extLst>
-              <a:ext uri="{FF2B5EF4-FFF2-40B4-BE49-F238E27FC236}">
-                <a16:creationId xmlns:a16="http://schemas.microsoft.com/office/drawing/2014/main" id="{65EE8BEF-DD27-45F5-94FC-375248A15B7F}"/>
-              </a:ext>
-            </a:extLst>
-          </p:cNvPr>
-          <p:cNvSpPr/>
-          <p:nvPr/>
-        </p:nvSpPr>
-        <p:spPr>
-          <a:xfrm>
-            <a:off x="584835" y="1666874"/>
-            <a:ext cx="1457326" cy="314325"/>
-          </a:xfrm>
-          <a:prstGeom prst="rect">
-            <a:avLst/>
-          </a:prstGeom>
-          <a:solidFill>
-            <a:schemeClr val="accent2">
-              <a:lumMod val="60000"/>
-              <a:lumOff val="40000"/>
-              <a:alpha val="41000"/>
-            </a:schemeClr>
-          </a:solidFill>
-          <a:ln>
-            <a:noFill/>
-          </a:ln>
+          <a:noFill/>
         </p:spPr>
         <p:style>
           <a:lnRef idx="2">
@@ -9242,16 +9360,28 @@
           <a:lstStyle/>
           <a:p>
             <a:pPr algn="ctr"/>
-            <a:endParaRPr lang="zh-CN" altLang="en-US"/>
-          </a:p>
-        </p:txBody>
-      </p:sp>
-      <p:sp>
-        <p:nvSpPr>
-          <p:cNvPr id="21" name="矩形 20">
-            <a:extLst>
-              <a:ext uri="{FF2B5EF4-FFF2-40B4-BE49-F238E27FC236}">
-                <a16:creationId xmlns:a16="http://schemas.microsoft.com/office/drawing/2014/main" id="{13C3965C-7547-4766-942A-F88194CFAD33}"/>
+            <a:r>
+              <a:rPr lang="en-US" altLang="zh-CN" dirty="0" err="1">
+                <a:solidFill>
+                  <a:schemeClr val="tx1"/>
+                </a:solidFill>
+              </a:rPr>
+              <a:t>BaseNode</a:t>
+            </a:r>
+            <a:endParaRPr lang="zh-CN" altLang="en-US" dirty="0">
+              <a:solidFill>
+                <a:schemeClr val="tx1"/>
+              </a:solidFill>
+            </a:endParaRPr>
+          </a:p>
+        </p:txBody>
+      </p:sp>
+      <p:sp>
+        <p:nvSpPr>
+          <p:cNvPr id="6" name="矩形 5">
+            <a:extLst>
+              <a:ext uri="{FF2B5EF4-FFF2-40B4-BE49-F238E27FC236}">
+                <a16:creationId xmlns:a16="http://schemas.microsoft.com/office/drawing/2014/main" id="{82126375-4069-496B-80A3-57E9D4B74415}"/>
               </a:ext>
             </a:extLst>
           </p:cNvPr>
@@ -9260,22 +9390,13 @@
         </p:nvSpPr>
         <p:spPr>
           <a:xfrm>
-            <a:off x="1804555" y="2867164"/>
-            <a:ext cx="1656529" cy="266379"/>
+            <a:off x="3588866" y="1617403"/>
+            <a:ext cx="2266650" cy="620482"/>
           </a:xfrm>
           <a:prstGeom prst="rect">
             <a:avLst/>
           </a:prstGeom>
-          <a:solidFill>
-            <a:schemeClr val="accent2">
-              <a:lumMod val="60000"/>
-              <a:lumOff val="40000"/>
-              <a:alpha val="41000"/>
-            </a:schemeClr>
-          </a:solidFill>
-          <a:ln>
-            <a:noFill/>
-          </a:ln>
+          <a:noFill/>
         </p:spPr>
         <p:style>
           <a:lnRef idx="2">
@@ -9298,16 +9419,60 @@
           <a:lstStyle/>
           <a:p>
             <a:pPr algn="ctr"/>
-            <a:endParaRPr lang="zh-CN" altLang="en-US"/>
-          </a:p>
-        </p:txBody>
-      </p:sp>
-      <p:sp>
-        <p:nvSpPr>
-          <p:cNvPr id="31" name="矩形 30">
-            <a:extLst>
-              <a:ext uri="{FF2B5EF4-FFF2-40B4-BE49-F238E27FC236}">
-                <a16:creationId xmlns:a16="http://schemas.microsoft.com/office/drawing/2014/main" id="{FA2A8E50-9589-4FAD-A791-D003BCAD7DB7}"/>
+            <a:r>
+              <a:rPr lang="en-US" altLang="zh-CN" dirty="0" err="1">
+                <a:solidFill>
+                  <a:schemeClr val="tx1"/>
+                </a:solidFill>
+              </a:rPr>
+              <a:t>PtrListNodeBase</a:t>
+            </a:r>
+            <a:endParaRPr lang="en-US" altLang="zh-CN" dirty="0">
+              <a:solidFill>
+                <a:schemeClr val="tx1"/>
+              </a:solidFill>
+            </a:endParaRPr>
+          </a:p>
+          <a:p>
+            <a:pPr algn="ctr"/>
+            <a:r>
+              <a:rPr lang="en-US" altLang="zh-CN" dirty="0">
+                <a:solidFill>
+                  <a:schemeClr val="tx1"/>
+                </a:solidFill>
+              </a:rPr>
+              <a:t>&lt;</a:t>
+            </a:r>
+            <a:r>
+              <a:rPr lang="en-US" altLang="zh-CN" dirty="0" err="1">
+                <a:solidFill>
+                  <a:schemeClr val="tx1"/>
+                </a:solidFill>
+              </a:rPr>
+              <a:t>StmNode</a:t>
+            </a:r>
+            <a:r>
+              <a:rPr lang="en-US" altLang="zh-CN" dirty="0">
+                <a:solidFill>
+                  <a:schemeClr val="tx1"/>
+                </a:solidFill>
+              </a:rPr>
+              <a:t>&gt;</a:t>
+            </a:r>
+            <a:endParaRPr lang="zh-CN" altLang="en-US" dirty="0">
+              <a:solidFill>
+                <a:schemeClr val="tx1"/>
+              </a:solidFill>
+            </a:endParaRPr>
+          </a:p>
+        </p:txBody>
+      </p:sp>
+      <p:sp>
+        <p:nvSpPr>
+          <p:cNvPr id="8" name="矩形 7">
+            <a:extLst>
+              <a:ext uri="{FF2B5EF4-FFF2-40B4-BE49-F238E27FC236}">
+                <a16:creationId xmlns:a16="http://schemas.microsoft.com/office/drawing/2014/main" id="{7513BFDE-6EA9-4C95-BB6C-0FEA30AD8D96}"/>
               </a:ext>
             </a:extLst>
           </p:cNvPr>
@@ -9316,8 +9481,8 @@
         </p:nvSpPr>
         <p:spPr>
           <a:xfrm>
-            <a:off x="6955789" y="1768012"/>
-            <a:ext cx="1715771" cy="620482"/>
+            <a:off x="2276155" y="2895600"/>
+            <a:ext cx="1828913" cy="620482"/>
           </a:xfrm>
           <a:prstGeom prst="rect">
             <a:avLst/>
@@ -9351,7 +9516,7 @@
                   <a:schemeClr val="tx1"/>
                 </a:solidFill>
               </a:rPr>
-              <a:t>BaseNode</a:t>
+              <a:t>StmtNode</a:t>
             </a:r>
             <a:endParaRPr lang="zh-CN" altLang="en-US" dirty="0">
               <a:solidFill>
@@ -9363,10 +9528,10 @@
       </p:sp>
       <p:sp>
         <p:nvSpPr>
-          <p:cNvPr id="32" name="矩形 31">
-            <a:extLst>
-              <a:ext uri="{FF2B5EF4-FFF2-40B4-BE49-F238E27FC236}">
-                <a16:creationId xmlns:a16="http://schemas.microsoft.com/office/drawing/2014/main" id="{DDF9C8C6-EDF6-4E86-A8D3-4BA17B669C6B}"/>
+          <p:cNvPr id="12" name="矩形 11">
+            <a:extLst>
+              <a:ext uri="{FF2B5EF4-FFF2-40B4-BE49-F238E27FC236}">
+                <a16:creationId xmlns:a16="http://schemas.microsoft.com/office/drawing/2014/main" id="{2EC758F4-158B-48F7-9233-C1EBFFA7FB77}"/>
               </a:ext>
             </a:extLst>
           </p:cNvPr>
@@ -9375,8 +9540,8 @@
         </p:nvSpPr>
         <p:spPr>
           <a:xfrm>
-            <a:off x="9654386" y="1768012"/>
-            <a:ext cx="2266650" cy="620482"/>
+            <a:off x="2276154" y="3863556"/>
+            <a:ext cx="1828913" cy="620482"/>
           </a:xfrm>
           <a:prstGeom prst="rect">
             <a:avLst/>
@@ -9410,39 +9575,7 @@
                   <a:schemeClr val="tx1"/>
                 </a:solidFill>
               </a:rPr>
-              <a:t>PtrListNodeBase</a:t>
-            </a:r>
-            <a:endParaRPr lang="en-US" altLang="zh-CN" dirty="0">
-              <a:solidFill>
-                <a:schemeClr val="tx1"/>
-              </a:solidFill>
-            </a:endParaRPr>
-          </a:p>
-          <a:p>
-            <a:pPr algn="ctr"/>
-            <a:r>
-              <a:rPr lang="en-US" altLang="zh-CN" dirty="0">
-                <a:solidFill>
-                  <a:schemeClr val="tx1"/>
-                </a:solidFill>
-              </a:rPr>
-              <a:t>&lt;</a:t>
-            </a:r>
-            <a:r>
-              <a:rPr lang="en-US" altLang="zh-CN" dirty="0" err="1">
-                <a:solidFill>
-                  <a:schemeClr val="tx1"/>
-                </a:solidFill>
-              </a:rPr>
-              <a:t>StmNode</a:t>
-            </a:r>
-            <a:r>
-              <a:rPr lang="en-US" altLang="zh-CN" dirty="0">
-                <a:solidFill>
-                  <a:schemeClr val="tx1"/>
-                </a:solidFill>
-              </a:rPr>
-              <a:t>&gt;</a:t>
+              <a:t>UnaryStmtNode</a:t>
             </a:r>
             <a:endParaRPr lang="zh-CN" altLang="en-US" dirty="0">
               <a:solidFill>
@@ -9454,10 +9587,10 @@
       </p:sp>
       <p:sp>
         <p:nvSpPr>
-          <p:cNvPr id="33" name="矩形 32">
-            <a:extLst>
-              <a:ext uri="{FF2B5EF4-FFF2-40B4-BE49-F238E27FC236}">
-                <a16:creationId xmlns:a16="http://schemas.microsoft.com/office/drawing/2014/main" id="{5E5FA23C-BAAF-4327-88B1-432786A7C256}"/>
+          <p:cNvPr id="14" name="矩形 13">
+            <a:extLst>
+              <a:ext uri="{FF2B5EF4-FFF2-40B4-BE49-F238E27FC236}">
+                <a16:creationId xmlns:a16="http://schemas.microsoft.com/office/drawing/2014/main" id="{BD792E44-DC0D-4870-B320-7F58702148E5}"/>
               </a:ext>
             </a:extLst>
           </p:cNvPr>
@@ -9466,7 +9599,7 @@
         </p:nvSpPr>
         <p:spPr>
           <a:xfrm>
-            <a:off x="8341675" y="2863329"/>
+            <a:off x="2276154" y="4831512"/>
             <a:ext cx="1828913" cy="620482"/>
           </a:xfrm>
           <a:prstGeom prst="rect">
@@ -9501,7 +9634,7 @@
                   <a:schemeClr val="tx1"/>
                 </a:solidFill>
               </a:rPr>
-              <a:t>StmtNode</a:t>
+              <a:t>IfStmtNode</a:t>
             </a:r>
             <a:endParaRPr lang="zh-CN" altLang="en-US" dirty="0">
               <a:solidFill>
@@ -9511,144 +9644,26 @@
           </a:p>
         </p:txBody>
       </p:sp>
-      <p:sp>
-        <p:nvSpPr>
-          <p:cNvPr id="34" name="矩形 33">
-            <a:extLst>
-              <a:ext uri="{FF2B5EF4-FFF2-40B4-BE49-F238E27FC236}">
-                <a16:creationId xmlns:a16="http://schemas.microsoft.com/office/drawing/2014/main" id="{F16632E5-723E-46BA-BEB5-757B86F1A9C7}"/>
-              </a:ext>
-            </a:extLst>
-          </p:cNvPr>
-          <p:cNvSpPr/>
-          <p:nvPr/>
-        </p:nvSpPr>
-        <p:spPr>
-          <a:xfrm>
-            <a:off x="7046274" y="4014165"/>
-            <a:ext cx="1828913" cy="620482"/>
-          </a:xfrm>
-          <a:prstGeom prst="rect">
-            <a:avLst/>
-          </a:prstGeom>
-          <a:noFill/>
-        </p:spPr>
-        <p:style>
-          <a:lnRef idx="2">
-            <a:schemeClr val="accent1">
-              <a:shade val="50000"/>
-            </a:schemeClr>
-          </a:lnRef>
-          <a:fillRef idx="1">
-            <a:schemeClr val="accent1"/>
-          </a:fillRef>
-          <a:effectRef idx="0">
-            <a:schemeClr val="accent1"/>
-          </a:effectRef>
-          <a:fontRef idx="minor">
-            <a:schemeClr val="lt1"/>
-          </a:fontRef>
-        </p:style>
-        <p:txBody>
-          <a:bodyPr rtlCol="0" anchor="ctr"/>
-          <a:lstStyle/>
-          <a:p>
-            <a:pPr algn="ctr"/>
-            <a:r>
-              <a:rPr lang="en-US" altLang="zh-CN" dirty="0" err="1">
-                <a:solidFill>
-                  <a:schemeClr val="tx1"/>
-                </a:solidFill>
-              </a:rPr>
-              <a:t>UnaryStmtNode</a:t>
-            </a:r>
-            <a:endParaRPr lang="zh-CN" altLang="en-US" dirty="0">
-              <a:solidFill>
-                <a:schemeClr val="tx1"/>
-              </a:solidFill>
-            </a:endParaRPr>
-          </a:p>
-        </p:txBody>
-      </p:sp>
-      <p:sp>
-        <p:nvSpPr>
-          <p:cNvPr id="35" name="矩形 34">
-            <a:extLst>
-              <a:ext uri="{FF2B5EF4-FFF2-40B4-BE49-F238E27FC236}">
-                <a16:creationId xmlns:a16="http://schemas.microsoft.com/office/drawing/2014/main" id="{46E6C9CA-FB83-49C1-9A55-912186459DFE}"/>
-              </a:ext>
-            </a:extLst>
-          </p:cNvPr>
-          <p:cNvSpPr/>
-          <p:nvPr/>
-        </p:nvSpPr>
-        <p:spPr>
-          <a:xfrm>
-            <a:off x="7046274" y="4982121"/>
-            <a:ext cx="1828913" cy="620482"/>
-          </a:xfrm>
-          <a:prstGeom prst="rect">
-            <a:avLst/>
-          </a:prstGeom>
-          <a:noFill/>
-        </p:spPr>
-        <p:style>
-          <a:lnRef idx="2">
-            <a:schemeClr val="accent1">
-              <a:shade val="50000"/>
-            </a:schemeClr>
-          </a:lnRef>
-          <a:fillRef idx="1">
-            <a:schemeClr val="accent1"/>
-          </a:fillRef>
-          <a:effectRef idx="0">
-            <a:schemeClr val="accent1"/>
-          </a:effectRef>
-          <a:fontRef idx="minor">
-            <a:schemeClr val="lt1"/>
-          </a:fontRef>
-        </p:style>
-        <p:txBody>
-          <a:bodyPr rtlCol="0" anchor="ctr"/>
-          <a:lstStyle/>
-          <a:p>
-            <a:pPr algn="ctr"/>
-            <a:r>
-              <a:rPr lang="en-US" altLang="zh-CN" dirty="0" err="1">
-                <a:solidFill>
-                  <a:schemeClr val="tx1"/>
-                </a:solidFill>
-              </a:rPr>
-              <a:t>IfStmtNode</a:t>
-            </a:r>
-            <a:endParaRPr lang="zh-CN" altLang="en-US" dirty="0">
-              <a:solidFill>
-                <a:schemeClr val="tx1"/>
-              </a:solidFill>
-            </a:endParaRPr>
-          </a:p>
-        </p:txBody>
-      </p:sp>
       <p:cxnSp>
         <p:nvCxnSpPr>
-          <p:cNvPr id="36" name="直接箭头连接符 35">
-            <a:extLst>
-              <a:ext uri="{FF2B5EF4-FFF2-40B4-BE49-F238E27FC236}">
-                <a16:creationId xmlns:a16="http://schemas.microsoft.com/office/drawing/2014/main" id="{C5C9BDE4-E236-4181-9278-CAB46FF74728}"/>
+          <p:cNvPr id="16" name="直接箭头连接符 15">
+            <a:extLst>
+              <a:ext uri="{FF2B5EF4-FFF2-40B4-BE49-F238E27FC236}">
+                <a16:creationId xmlns:a16="http://schemas.microsoft.com/office/drawing/2014/main" id="{728236D1-92F6-43CE-9C4F-273C3819DF0F}"/>
               </a:ext>
             </a:extLst>
           </p:cNvPr>
           <p:cNvCxnSpPr>
             <a:cxnSpLocks/>
-            <a:stCxn id="33" idx="0"/>
-            <a:endCxn id="31" idx="2"/>
+            <a:stCxn id="8" idx="0"/>
+            <a:endCxn id="3" idx="2"/>
           </p:cNvCxnSpPr>
           <p:nvPr/>
         </p:nvCxnSpPr>
         <p:spPr>
           <a:xfrm flipH="1" flipV="1">
-            <a:off x="7813675" y="2388494"/>
-            <a:ext cx="1442457" cy="474835"/>
+            <a:off x="1748155" y="2237885"/>
+            <a:ext cx="1442457" cy="657715"/>
           </a:xfrm>
           <a:prstGeom prst="straightConnector1">
             <a:avLst/>
@@ -9674,24 +9689,24 @@
       </p:cxnSp>
       <p:cxnSp>
         <p:nvCxnSpPr>
-          <p:cNvPr id="37" name="直接箭头连接符 36">
-            <a:extLst>
-              <a:ext uri="{FF2B5EF4-FFF2-40B4-BE49-F238E27FC236}">
-                <a16:creationId xmlns:a16="http://schemas.microsoft.com/office/drawing/2014/main" id="{B949AAF8-8706-4DAA-951B-8D3B080DCF21}"/>
+          <p:cNvPr id="21" name="直接箭头连接符 20">
+            <a:extLst>
+              <a:ext uri="{FF2B5EF4-FFF2-40B4-BE49-F238E27FC236}">
+                <a16:creationId xmlns:a16="http://schemas.microsoft.com/office/drawing/2014/main" id="{EA035666-78D4-48D2-9CDC-1B1646B63F27}"/>
               </a:ext>
             </a:extLst>
           </p:cNvPr>
           <p:cNvCxnSpPr>
             <a:cxnSpLocks/>
-            <a:stCxn id="33" idx="0"/>
-            <a:endCxn id="32" idx="2"/>
+            <a:stCxn id="8" idx="0"/>
+            <a:endCxn id="6" idx="2"/>
           </p:cNvCxnSpPr>
           <p:nvPr/>
         </p:nvCxnSpPr>
         <p:spPr>
           <a:xfrm flipV="1">
-            <a:off x="9256132" y="2388494"/>
-            <a:ext cx="1531579" cy="474835"/>
+            <a:off x="3190612" y="2237885"/>
+            <a:ext cx="1531579" cy="657715"/>
           </a:xfrm>
           <a:prstGeom prst="straightConnector1">
             <a:avLst/>
@@ -9717,23 +9732,23 @@
       </p:cxnSp>
       <p:cxnSp>
         <p:nvCxnSpPr>
-          <p:cNvPr id="38" name="直接箭头连接符 37">
-            <a:extLst>
-              <a:ext uri="{FF2B5EF4-FFF2-40B4-BE49-F238E27FC236}">
-                <a16:creationId xmlns:a16="http://schemas.microsoft.com/office/drawing/2014/main" id="{F15F8E8E-BD71-4541-84A4-53AFDFC0AD2B}"/>
+          <p:cNvPr id="25" name="直接箭头连接符 24">
+            <a:extLst>
+              <a:ext uri="{FF2B5EF4-FFF2-40B4-BE49-F238E27FC236}">
+                <a16:creationId xmlns:a16="http://schemas.microsoft.com/office/drawing/2014/main" id="{48BDF622-8B5A-4772-BE4D-272F1385B5CE}"/>
               </a:ext>
             </a:extLst>
           </p:cNvPr>
           <p:cNvCxnSpPr>
-            <a:stCxn id="34" idx="0"/>
-            <a:endCxn id="33" idx="2"/>
+            <a:stCxn id="12" idx="0"/>
+            <a:endCxn id="8" idx="2"/>
           </p:cNvCxnSpPr>
           <p:nvPr/>
         </p:nvCxnSpPr>
         <p:spPr>
           <a:xfrm flipV="1">
-            <a:off x="7960731" y="3483811"/>
-            <a:ext cx="1295401" cy="530354"/>
+            <a:off x="3190611" y="3516082"/>
+            <a:ext cx="1" cy="347474"/>
           </a:xfrm>
           <a:prstGeom prst="straightConnector1">
             <a:avLst/>
@@ -9759,22 +9774,22 @@
       </p:cxnSp>
       <p:cxnSp>
         <p:nvCxnSpPr>
-          <p:cNvPr id="39" name="直接箭头连接符 38">
-            <a:extLst>
-              <a:ext uri="{FF2B5EF4-FFF2-40B4-BE49-F238E27FC236}">
-                <a16:creationId xmlns:a16="http://schemas.microsoft.com/office/drawing/2014/main" id="{211A917F-E19E-406F-82FD-D8D00D847DDA}"/>
+          <p:cNvPr id="27" name="直接箭头连接符 26">
+            <a:extLst>
+              <a:ext uri="{FF2B5EF4-FFF2-40B4-BE49-F238E27FC236}">
+                <a16:creationId xmlns:a16="http://schemas.microsoft.com/office/drawing/2014/main" id="{C0148670-C815-4577-A2F6-B83E17E88F75}"/>
               </a:ext>
             </a:extLst>
           </p:cNvPr>
           <p:cNvCxnSpPr>
-            <a:stCxn id="35" idx="0"/>
-            <a:endCxn id="34" idx="2"/>
+            <a:stCxn id="14" idx="0"/>
+            <a:endCxn id="12" idx="2"/>
           </p:cNvCxnSpPr>
           <p:nvPr/>
         </p:nvCxnSpPr>
         <p:spPr>
           <a:xfrm flipV="1">
-            <a:off x="7960731" y="4634647"/>
+            <a:off x="3190611" y="4484038"/>
             <a:ext cx="0" cy="347474"/>
           </a:xfrm>
           <a:prstGeom prst="straightConnector1">
@@ -9801,127 +9816,158 @@
       </p:cxnSp>
       <p:sp>
         <p:nvSpPr>
-          <p:cNvPr id="41" name="矩形 40">
-            <a:extLst>
-              <a:ext uri="{FF2B5EF4-FFF2-40B4-BE49-F238E27FC236}">
-                <a16:creationId xmlns:a16="http://schemas.microsoft.com/office/drawing/2014/main" id="{31C71ED2-A064-43B0-9CE4-C637D31F2E24}"/>
-              </a:ext>
-            </a:extLst>
-          </p:cNvPr>
-          <p:cNvSpPr/>
+          <p:cNvPr id="31" name="文本框 30">
+            <a:extLst>
+              <a:ext uri="{FF2B5EF4-FFF2-40B4-BE49-F238E27FC236}">
+                <a16:creationId xmlns:a16="http://schemas.microsoft.com/office/drawing/2014/main" id="{6489D59D-8FC4-4CFE-B853-1A12B934413E}"/>
+              </a:ext>
+            </a:extLst>
+          </p:cNvPr>
+          <p:cNvSpPr txBox="1"/>
           <p:nvPr/>
         </p:nvSpPr>
         <p:spPr>
           <a:xfrm>
-            <a:off x="9873254" y="4014165"/>
-            <a:ext cx="1828913" cy="620482"/>
+            <a:off x="1960589" y="5682725"/>
+            <a:ext cx="2761602" cy="400110"/>
           </a:xfrm>
           <a:prstGeom prst="rect">
             <a:avLst/>
           </a:prstGeom>
           <a:noFill/>
         </p:spPr>
-        <p:style>
-          <a:lnRef idx="2">
-            <a:schemeClr val="accent1">
-              <a:shade val="50000"/>
-            </a:schemeClr>
-          </a:lnRef>
-          <a:fillRef idx="1">
-            <a:schemeClr val="accent1"/>
-          </a:fillRef>
-          <a:effectRef idx="0">
-            <a:schemeClr val="accent1"/>
-          </a:effectRef>
-          <a:fontRef idx="minor">
-            <a:schemeClr val="lt1"/>
-          </a:fontRef>
-        </p:style>
-        <p:txBody>
-          <a:bodyPr rtlCol="0" anchor="ctr"/>
-          <a:lstStyle/>
-          <a:p>
-            <a:pPr algn="ctr"/>
-            <a:r>
-              <a:rPr lang="en-US" altLang="zh-CN" dirty="0" err="1">
-                <a:solidFill>
-                  <a:schemeClr val="tx1"/>
-                </a:solidFill>
-              </a:rPr>
-              <a:t>BlockNode</a:t>
-            </a:r>
-            <a:endParaRPr lang="zh-CN" altLang="en-US" dirty="0">
-              <a:solidFill>
-                <a:schemeClr val="tx1"/>
-              </a:solidFill>
-            </a:endParaRPr>
-          </a:p>
-        </p:txBody>
-      </p:sp>
-      <p:cxnSp>
-        <p:nvCxnSpPr>
-          <p:cNvPr id="43" name="直接箭头连接符 42">
-            <a:extLst>
-              <a:ext uri="{FF2B5EF4-FFF2-40B4-BE49-F238E27FC236}">
-                <a16:creationId xmlns:a16="http://schemas.microsoft.com/office/drawing/2014/main" id="{BE17CFD9-3F1C-4908-870B-2BA8F500AD1A}"/>
-              </a:ext>
-            </a:extLst>
-          </p:cNvPr>
-          <p:cNvCxnSpPr>
-            <a:stCxn id="41" idx="0"/>
-            <a:endCxn id="33" idx="2"/>
-          </p:cNvCxnSpPr>
+        <p:txBody>
+          <a:bodyPr wrap="square" rtlCol="0">
+            <a:spAutoFit/>
+          </a:bodyPr>
+          <a:lstStyle/>
+          <a:p>
+            <a:r>
+              <a:rPr lang="en-US" altLang="zh-CN" sz="2000" b="0" i="0" dirty="0" err="1">
+                <a:solidFill>
+                  <a:srgbClr val="121212"/>
+                </a:solidFill>
+                <a:effectLst/>
+                <a:latin typeface="-apple-system"/>
+              </a:rPr>
+              <a:t>IfStmtNode</a:t>
+            </a:r>
+            <a:r>
+              <a:rPr lang="zh-CN" altLang="en-US" sz="2000" b="0" i="0" dirty="0">
+                <a:solidFill>
+                  <a:srgbClr val="121212"/>
+                </a:solidFill>
+                <a:effectLst/>
+                <a:latin typeface="-apple-system"/>
+              </a:rPr>
+              <a:t>类继承关系</a:t>
+            </a:r>
+            <a:endParaRPr lang="zh-CN" altLang="en-US" sz="2000" dirty="0"/>
+          </a:p>
+        </p:txBody>
+      </p:sp>
+      <p:sp>
+        <p:nvSpPr>
+          <p:cNvPr id="33" name="文本框 32">
+            <a:extLst>
+              <a:ext uri="{FF2B5EF4-FFF2-40B4-BE49-F238E27FC236}">
+                <a16:creationId xmlns:a16="http://schemas.microsoft.com/office/drawing/2014/main" id="{67C76C3D-C44E-4AF9-B47E-4A3A05ED62A0}"/>
+              </a:ext>
+            </a:extLst>
+          </p:cNvPr>
+          <p:cNvSpPr txBox="1"/>
           <p:nvPr/>
-        </p:nvCxnSpPr>
-        <p:spPr>
-          <a:xfrm flipH="1" flipV="1">
-            <a:off x="9256132" y="3483811"/>
-            <a:ext cx="1531579" cy="530354"/>
-          </a:xfrm>
-          <a:prstGeom prst="straightConnector1">
+        </p:nvSpPr>
+        <p:spPr>
+          <a:xfrm>
+            <a:off x="6660156" y="5684800"/>
+            <a:ext cx="4682468" cy="400110"/>
+          </a:xfrm>
+          <a:prstGeom prst="rect">
             <a:avLst/>
           </a:prstGeom>
-          <a:ln>
-            <a:tailEnd type="triangle"/>
-          </a:ln>
-        </p:spPr>
-        <p:style>
-          <a:lnRef idx="1">
-            <a:schemeClr val="accent1"/>
-          </a:lnRef>
-          <a:fillRef idx="0">
-            <a:schemeClr val="accent1"/>
-          </a:fillRef>
-          <a:effectRef idx="0">
-            <a:schemeClr val="accent1"/>
-          </a:effectRef>
-          <a:fontRef idx="minor">
-            <a:schemeClr val="tx1"/>
-          </a:fontRef>
-        </p:style>
-      </p:cxnSp>
+          <a:noFill/>
+        </p:spPr>
+        <p:txBody>
+          <a:bodyPr wrap="square" rtlCol="0">
+            <a:spAutoFit/>
+          </a:bodyPr>
+          <a:lstStyle/>
+          <a:p>
+            <a:r>
+              <a:rPr lang="en-US" altLang="zh-CN" sz="2000" b="0" i="0" dirty="0">
+                <a:solidFill>
+                  <a:srgbClr val="121212"/>
+                </a:solidFill>
+                <a:effectLst/>
+                <a:latin typeface="-apple-system"/>
+              </a:rPr>
+              <a:t>else</a:t>
+            </a:r>
+            <a:r>
+              <a:rPr lang="zh-CN" altLang="en-US" sz="2000" b="0" i="0" dirty="0">
+                <a:solidFill>
+                  <a:srgbClr val="121212"/>
+                </a:solidFill>
+                <a:effectLst/>
+                <a:latin typeface="-apple-system"/>
+              </a:rPr>
+              <a:t>部分为空时，</a:t>
+            </a:r>
+            <a:r>
+              <a:rPr lang="en-US" altLang="zh-CN" sz="2000" b="0" i="0" dirty="0">
+                <a:solidFill>
+                  <a:srgbClr val="121212"/>
+                </a:solidFill>
+                <a:effectLst/>
+                <a:latin typeface="-apple-system"/>
+              </a:rPr>
+              <a:t>IR</a:t>
+            </a:r>
+            <a:r>
+              <a:rPr lang="zh-CN" altLang="en-US" sz="2000" b="0" i="0" dirty="0">
+                <a:solidFill>
+                  <a:srgbClr val="121212"/>
+                </a:solidFill>
+                <a:effectLst/>
+                <a:latin typeface="-apple-system"/>
+              </a:rPr>
+              <a:t>中</a:t>
+            </a:r>
+            <a:r>
+              <a:rPr lang="en-US" altLang="zh-CN" sz="2000" b="0" i="0" dirty="0">
+                <a:solidFill>
+                  <a:srgbClr val="121212"/>
+                </a:solidFill>
+                <a:effectLst/>
+                <a:latin typeface="-apple-system"/>
+              </a:rPr>
+              <a:t>if</a:t>
+            </a:r>
+            <a:r>
+              <a:rPr lang="zh-CN" altLang="en-US" sz="2000" b="0" i="0" dirty="0">
+                <a:solidFill>
+                  <a:srgbClr val="121212"/>
+                </a:solidFill>
+                <a:effectLst/>
+                <a:latin typeface="-apple-system"/>
+              </a:rPr>
+              <a:t>语句的表达方式</a:t>
+            </a:r>
+            <a:endParaRPr lang="zh-CN" altLang="en-US" sz="2000" dirty="0"/>
+          </a:p>
+        </p:txBody>
+      </p:sp>
     </p:spTree>
     <p:extLst>
       <p:ext uri="{BB962C8B-B14F-4D97-AF65-F5344CB8AC3E}">
-        <p14:creationId xmlns:p14="http://schemas.microsoft.com/office/powerpoint/2010/main" val="1291230774"/>
+        <p14:creationId xmlns:p14="http://schemas.microsoft.com/office/powerpoint/2010/main" val="3335267002"/>
       </p:ext>
     </p:extLst>
   </p:cSld>
   <p:clrMapOvr>
     <a:masterClrMapping/>
   </p:clrMapOvr>
-  <mc:AlternateContent xmlns:mc="http://schemas.openxmlformats.org/markup-compatibility/2006" xmlns:p159="http://schemas.microsoft.com/office/powerpoint/2015/09/main">
-    <mc:Choice Requires="p159">
-      <p:transition xmlns:p14="http://schemas.microsoft.com/office/powerpoint/2010/main" spd="slow" p14:dur="2000">
-        <p159:morph option="byObject"/>
-      </p:transition>
-    </mc:Choice>
-    <mc:Fallback xmlns="">
-      <p:transition spd="slow">
-        <p:fade/>
-      </p:transition>
-    </mc:Fallback>
-  </mc:AlternateContent>
 </p:sld>
 </file>
 
@@ -9960,8 +10006,8 @@
         </p:nvSpPr>
         <p:spPr>
           <a:xfrm>
-            <a:off x="123825" y="392291"/>
-            <a:ext cx="5932170" cy="782273"/>
+            <a:off x="525709" y="518020"/>
+            <a:ext cx="5329807" cy="782273"/>
           </a:xfrm>
         </p:spPr>
         <p:txBody>
@@ -9976,17 +10022,65 @@
             </a:r>
             <a:r>
               <a:rPr lang="zh-CN" altLang="en-US" sz="4000" dirty="0"/>
-              <a:t>中的向下转化</a:t>
-            </a:r>
-          </a:p>
-        </p:txBody>
-      </p:sp>
+              <a:t>中的“</a:t>
+            </a:r>
+            <a:r>
+              <a:rPr lang="en-US" altLang="zh-CN" sz="4000" dirty="0"/>
+              <a:t>if</a:t>
+            </a:r>
+            <a:r>
+              <a:rPr lang="zh-CN" altLang="en-US" sz="4000" dirty="0"/>
+              <a:t>”语句</a:t>
+            </a:r>
+          </a:p>
+        </p:txBody>
+      </p:sp>
+      <p:pic>
+        <p:nvPicPr>
+          <p:cNvPr id="7" name="图片 6">
+            <a:extLst>
+              <a:ext uri="{FF2B5EF4-FFF2-40B4-BE49-F238E27FC236}">
+                <a16:creationId xmlns:a16="http://schemas.microsoft.com/office/drawing/2014/main" id="{0C6E1D03-266E-4C2A-A6D9-F828D100D609}"/>
+              </a:ext>
+            </a:extLst>
+          </p:cNvPr>
+          <p:cNvPicPr>
+            <a:picLocks noChangeAspect="1"/>
+          </p:cNvPicPr>
+          <p:nvPr/>
+        </p:nvPicPr>
+        <p:blipFill>
+          <a:blip r:embed="rId2"/>
+          <a:stretch>
+            <a:fillRect/>
+          </a:stretch>
+        </p:blipFill>
+        <p:spPr>
+          <a:xfrm>
+            <a:off x="400400" y="1606578"/>
+            <a:ext cx="8572500" cy="3409950"/>
+          </a:xfrm>
+          <a:prstGeom prst="rect">
+            <a:avLst/>
+          </a:prstGeom>
+          <a:ln>
+            <a:noFill/>
+          </a:ln>
+          <a:effectLst>
+            <a:outerShdw blurRad="292100" dist="139700" dir="2700000" algn="tl" rotWithShape="0">
+              <a:srgbClr val="333333">
+                <a:alpha val="65000"/>
+              </a:srgbClr>
+            </a:outerShdw>
+          </a:effectLst>
+        </p:spPr>
+      </p:pic>
       <p:pic>
         <p:nvPicPr>
           <p:cNvPr id="9" name="图片 8">
             <a:extLst>
               <a:ext uri="{FF2B5EF4-FFF2-40B4-BE49-F238E27FC236}">
-                <a16:creationId xmlns:a16="http://schemas.microsoft.com/office/drawing/2014/main" id="{888BF2ED-F57D-478E-A2F6-8909869C454A}"/>
+                <a16:creationId xmlns:a16="http://schemas.microsoft.com/office/drawing/2014/main" id="{A5CA4D82-7A65-40C8-878A-8BD40A3D12B6}"/>
               </a:ext>
             </a:extLst>
           </p:cNvPr>
@@ -10003,8 +10097,8 @@
         </p:blipFill>
         <p:spPr>
           <a:xfrm>
-            <a:off x="585469" y="1753552"/>
-            <a:ext cx="4905375" cy="3990975"/>
+            <a:off x="7671910" y="4708450"/>
+            <a:ext cx="3810000" cy="1228725"/>
           </a:xfrm>
           <a:prstGeom prst="rect">
             <a:avLst/>
@@ -10013,10 +10107,10 @@
       </p:pic>
       <p:sp>
         <p:nvSpPr>
-          <p:cNvPr id="11" name="矩形 10">
-            <a:extLst>
-              <a:ext uri="{FF2B5EF4-FFF2-40B4-BE49-F238E27FC236}">
-                <a16:creationId xmlns:a16="http://schemas.microsoft.com/office/drawing/2014/main" id="{7C5E56D8-033D-441F-90A8-FCD97DA3FB6D}"/>
+          <p:cNvPr id="12" name="矩形 11">
+            <a:extLst>
+              <a:ext uri="{FF2B5EF4-FFF2-40B4-BE49-F238E27FC236}">
+                <a16:creationId xmlns:a16="http://schemas.microsoft.com/office/drawing/2014/main" id="{A0B67C02-37DC-4EDC-B253-818C035AA71A}"/>
               </a:ext>
             </a:extLst>
           </p:cNvPr>
@@ -10025,8 +10119,8 @@
         </p:nvSpPr>
         <p:spPr>
           <a:xfrm>
-            <a:off x="585469" y="1704558"/>
-            <a:ext cx="1457326" cy="314325"/>
+            <a:off x="525709" y="4068661"/>
+            <a:ext cx="5128471" cy="285225"/>
           </a:xfrm>
           <a:prstGeom prst="rect">
             <a:avLst/>
@@ -10069,10 +10163,10 @@
       </p:sp>
       <p:sp>
         <p:nvSpPr>
-          <p:cNvPr id="28" name="矩形 27">
-            <a:extLst>
-              <a:ext uri="{FF2B5EF4-FFF2-40B4-BE49-F238E27FC236}">
-                <a16:creationId xmlns:a16="http://schemas.microsoft.com/office/drawing/2014/main" id="{39DCE3A2-09A3-4CEC-BBA3-F679647A3C01}"/>
+          <p:cNvPr id="14" name="矩形 13">
+            <a:extLst>
+              <a:ext uri="{FF2B5EF4-FFF2-40B4-BE49-F238E27FC236}">
+                <a16:creationId xmlns:a16="http://schemas.microsoft.com/office/drawing/2014/main" id="{0C99482F-2F7B-4FE5-BA7D-F120BA384E93}"/>
               </a:ext>
             </a:extLst>
           </p:cNvPr>
@@ -10081,13 +10175,22 @@
         </p:nvSpPr>
         <p:spPr>
           <a:xfrm>
-            <a:off x="8401689" y="3331137"/>
-            <a:ext cx="1492883" cy="620482"/>
+            <a:off x="7450420" y="5214295"/>
+            <a:ext cx="1960226" cy="371260"/>
           </a:xfrm>
           <a:prstGeom prst="rect">
             <a:avLst/>
           </a:prstGeom>
-          <a:noFill/>
+          <a:solidFill>
+            <a:schemeClr val="accent2">
+              <a:lumMod val="60000"/>
+              <a:lumOff val="40000"/>
+              <a:alpha val="41000"/>
+            </a:schemeClr>
+          </a:solidFill>
+          <a:ln>
+            <a:noFill/>
+          </a:ln>
         </p:spPr>
         <p:style>
           <a:lnRef idx="2">
@@ -10110,434 +10213,56 @@
           <a:lstStyle/>
           <a:p>
             <a:pPr algn="ctr"/>
-            <a:r>
-              <a:rPr lang="en-US" altLang="zh-CN" dirty="0" err="1">
-                <a:solidFill>
-                  <a:schemeClr val="tx1"/>
-                </a:solidFill>
-              </a:rPr>
-              <a:t>BaseNode</a:t>
-            </a:r>
-            <a:endParaRPr lang="zh-CN" altLang="en-US" dirty="0">
-              <a:solidFill>
-                <a:schemeClr val="tx1"/>
-              </a:solidFill>
-            </a:endParaRPr>
-          </a:p>
-        </p:txBody>
-      </p:sp>
-      <p:sp>
-        <p:nvSpPr>
-          <p:cNvPr id="29" name="矩形 28">
-            <a:extLst>
-              <a:ext uri="{FF2B5EF4-FFF2-40B4-BE49-F238E27FC236}">
-                <a16:creationId xmlns:a16="http://schemas.microsoft.com/office/drawing/2014/main" id="{850D367E-F73C-4941-9B57-DFA7EFBB2E20}"/>
-              </a:ext>
-            </a:extLst>
-          </p:cNvPr>
-          <p:cNvSpPr/>
+            <a:endParaRPr lang="zh-CN" altLang="en-US"/>
+          </a:p>
+        </p:txBody>
+      </p:sp>
+      <p:sp>
+        <p:nvSpPr>
+          <p:cNvPr id="3" name="文本框 2">
+            <a:extLst>
+              <a:ext uri="{FF2B5EF4-FFF2-40B4-BE49-F238E27FC236}">
+                <a16:creationId xmlns:a16="http://schemas.microsoft.com/office/drawing/2014/main" id="{491ECE64-753A-4BED-94EB-858717837D23}"/>
+              </a:ext>
+            </a:extLst>
+          </p:cNvPr>
+          <p:cNvSpPr txBox="1"/>
           <p:nvPr/>
         </p:nvSpPr>
         <p:spPr>
           <a:xfrm>
-            <a:off x="6551132" y="1677585"/>
-            <a:ext cx="1715771" cy="620482"/>
+            <a:off x="10665596" y="6134350"/>
+            <a:ext cx="1632628" cy="400110"/>
           </a:xfrm>
           <a:prstGeom prst="rect">
             <a:avLst/>
           </a:prstGeom>
           <a:noFill/>
         </p:spPr>
-        <p:style>
-          <a:lnRef idx="2">
-            <a:schemeClr val="accent1">
-              <a:shade val="50000"/>
-            </a:schemeClr>
-          </a:lnRef>
-          <a:fillRef idx="1">
-            <a:schemeClr val="accent1"/>
-          </a:fillRef>
-          <a:effectRef idx="0">
-            <a:schemeClr val="accent1"/>
-          </a:effectRef>
-          <a:fontRef idx="minor">
-            <a:schemeClr val="lt1"/>
-          </a:fontRef>
-        </p:style>
-        <p:txBody>
-          <a:bodyPr rtlCol="0" anchor="ctr"/>
-          <a:lstStyle/>
-          <a:p>
-            <a:pPr algn="ctr"/>
-            <a:r>
-              <a:rPr lang="en-US" altLang="zh-CN" dirty="0" err="1">
-                <a:solidFill>
-                  <a:schemeClr val="tx1"/>
-                </a:solidFill>
-              </a:rPr>
-              <a:t>UnaryNode</a:t>
-            </a:r>
-            <a:endParaRPr lang="zh-CN" altLang="en-US" dirty="0">
-              <a:solidFill>
-                <a:schemeClr val="tx1"/>
-              </a:solidFill>
-            </a:endParaRPr>
-          </a:p>
-        </p:txBody>
-      </p:sp>
-      <p:sp>
-        <p:nvSpPr>
-          <p:cNvPr id="30" name="矩形 29">
-            <a:extLst>
-              <a:ext uri="{FF2B5EF4-FFF2-40B4-BE49-F238E27FC236}">
-                <a16:creationId xmlns:a16="http://schemas.microsoft.com/office/drawing/2014/main" id="{26109D28-D2EB-447C-A29A-3277A646B3DF}"/>
-              </a:ext>
-            </a:extLst>
-          </p:cNvPr>
-          <p:cNvSpPr/>
-          <p:nvPr/>
-        </p:nvSpPr>
-        <p:spPr>
-          <a:xfrm>
-            <a:off x="9666049" y="4824657"/>
-            <a:ext cx="1944295" cy="620482"/>
-          </a:xfrm>
-          <a:prstGeom prst="rect">
-            <a:avLst/>
-          </a:prstGeom>
-          <a:noFill/>
-        </p:spPr>
-        <p:style>
-          <a:lnRef idx="2">
-            <a:schemeClr val="accent1">
-              <a:shade val="50000"/>
-            </a:schemeClr>
-          </a:lnRef>
-          <a:fillRef idx="1">
-            <a:schemeClr val="accent1"/>
-          </a:fillRef>
-          <a:effectRef idx="0">
-            <a:schemeClr val="accent1"/>
-          </a:effectRef>
-          <a:fontRef idx="minor">
-            <a:schemeClr val="lt1"/>
-          </a:fontRef>
-        </p:style>
-        <p:txBody>
-          <a:bodyPr rtlCol="0" anchor="ctr"/>
-          <a:lstStyle/>
-          <a:p>
-            <a:pPr algn="ctr"/>
-            <a:r>
-              <a:rPr lang="en-US" altLang="zh-CN" dirty="0" err="1">
-                <a:solidFill>
-                  <a:schemeClr val="tx1"/>
-                </a:solidFill>
-              </a:rPr>
-              <a:t>StmtNode</a:t>
-            </a:r>
-            <a:endParaRPr lang="zh-CN" altLang="en-US" dirty="0">
-              <a:solidFill>
-                <a:schemeClr val="tx1"/>
-              </a:solidFill>
-            </a:endParaRPr>
-          </a:p>
-        </p:txBody>
-      </p:sp>
-      <p:cxnSp>
-        <p:nvCxnSpPr>
-          <p:cNvPr id="44" name="直接箭头连接符 43">
-            <a:extLst>
-              <a:ext uri="{FF2B5EF4-FFF2-40B4-BE49-F238E27FC236}">
-                <a16:creationId xmlns:a16="http://schemas.microsoft.com/office/drawing/2014/main" id="{C4DB6E2F-9560-4A2A-B278-6D852F04B638}"/>
-              </a:ext>
-            </a:extLst>
-          </p:cNvPr>
-          <p:cNvCxnSpPr>
-            <a:cxnSpLocks/>
-            <a:stCxn id="30" idx="0"/>
-            <a:endCxn id="28" idx="2"/>
-          </p:cNvCxnSpPr>
-          <p:nvPr/>
-        </p:nvCxnSpPr>
-        <p:spPr>
-          <a:xfrm flipH="1" flipV="1">
-            <a:off x="9148131" y="3951619"/>
-            <a:ext cx="1490066" cy="873038"/>
-          </a:xfrm>
-          <a:prstGeom prst="straightConnector1">
-            <a:avLst/>
-          </a:prstGeom>
-          <a:ln>
-            <a:tailEnd type="triangle"/>
-          </a:ln>
-        </p:spPr>
-        <p:style>
-          <a:lnRef idx="1">
-            <a:schemeClr val="accent1"/>
-          </a:lnRef>
-          <a:fillRef idx="0">
-            <a:schemeClr val="accent1"/>
-          </a:fillRef>
-          <a:effectRef idx="0">
-            <a:schemeClr val="accent1"/>
-          </a:effectRef>
-          <a:fontRef idx="minor">
-            <a:schemeClr val="tx1"/>
-          </a:fontRef>
-        </p:style>
-      </p:cxnSp>
-      <p:sp>
-        <p:nvSpPr>
-          <p:cNvPr id="14" name="矩形 13">
-            <a:extLst>
-              <a:ext uri="{FF2B5EF4-FFF2-40B4-BE49-F238E27FC236}">
-                <a16:creationId xmlns:a16="http://schemas.microsoft.com/office/drawing/2014/main" id="{EAA883FF-4873-433B-A2A3-0946686E73BC}"/>
-              </a:ext>
-            </a:extLst>
-          </p:cNvPr>
-          <p:cNvSpPr/>
-          <p:nvPr/>
-        </p:nvSpPr>
-        <p:spPr>
-          <a:xfrm>
-            <a:off x="6453982" y="4824657"/>
-            <a:ext cx="2141378" cy="620482"/>
-          </a:xfrm>
-          <a:prstGeom prst="rect">
-            <a:avLst/>
-          </a:prstGeom>
-          <a:noFill/>
-        </p:spPr>
-        <p:style>
-          <a:lnRef idx="2">
-            <a:schemeClr val="accent1">
-              <a:shade val="50000"/>
-            </a:schemeClr>
-          </a:lnRef>
-          <a:fillRef idx="1">
-            <a:schemeClr val="accent1"/>
-          </a:fillRef>
-          <a:effectRef idx="0">
-            <a:schemeClr val="accent1"/>
-          </a:effectRef>
-          <a:fontRef idx="minor">
-            <a:schemeClr val="lt1"/>
-          </a:fontRef>
-        </p:style>
-        <p:txBody>
-          <a:bodyPr rtlCol="0" anchor="ctr"/>
-          <a:lstStyle/>
-          <a:p>
-            <a:pPr algn="ctr"/>
-            <a:r>
-              <a:rPr lang="en-US" altLang="zh-CN" dirty="0" err="1">
-                <a:solidFill>
-                  <a:schemeClr val="tx1"/>
-                </a:solidFill>
-              </a:rPr>
-              <a:t>IreadFPoffNode</a:t>
-            </a:r>
-            <a:endParaRPr lang="zh-CN" altLang="en-US" dirty="0">
-              <a:solidFill>
-                <a:schemeClr val="tx1"/>
-              </a:solidFill>
-            </a:endParaRPr>
-          </a:p>
-        </p:txBody>
-      </p:sp>
-      <p:sp>
-        <p:nvSpPr>
-          <p:cNvPr id="55" name="矩形 54">
-            <a:extLst>
-              <a:ext uri="{FF2B5EF4-FFF2-40B4-BE49-F238E27FC236}">
-                <a16:creationId xmlns:a16="http://schemas.microsoft.com/office/drawing/2014/main" id="{72746924-84F6-4954-8339-3E40E361B5EF}"/>
-              </a:ext>
-            </a:extLst>
-          </p:cNvPr>
-          <p:cNvSpPr/>
-          <p:nvPr/>
-        </p:nvSpPr>
-        <p:spPr>
-          <a:xfrm>
-            <a:off x="9570720" y="1687151"/>
-            <a:ext cx="2039624" cy="620482"/>
-          </a:xfrm>
-          <a:prstGeom prst="rect">
-            <a:avLst/>
-          </a:prstGeom>
-          <a:noFill/>
-        </p:spPr>
-        <p:style>
-          <a:lnRef idx="2">
-            <a:schemeClr val="accent1">
-              <a:shade val="50000"/>
-            </a:schemeClr>
-          </a:lnRef>
-          <a:fillRef idx="1">
-            <a:schemeClr val="accent1"/>
-          </a:fillRef>
-          <a:effectRef idx="0">
-            <a:schemeClr val="accent1"/>
-          </a:effectRef>
-          <a:fontRef idx="minor">
-            <a:schemeClr val="lt1"/>
-          </a:fontRef>
-        </p:style>
-        <p:txBody>
-          <a:bodyPr rtlCol="0" anchor="ctr"/>
-          <a:lstStyle/>
-          <a:p>
-            <a:pPr algn="ctr"/>
-            <a:r>
-              <a:rPr lang="en-US" altLang="zh-CN" dirty="0" err="1">
-                <a:solidFill>
-                  <a:schemeClr val="tx1"/>
-                </a:solidFill>
-              </a:rPr>
-              <a:t>GCMallocNode</a:t>
-            </a:r>
-            <a:endParaRPr lang="zh-CN" altLang="en-US" dirty="0">
-              <a:solidFill>
-                <a:schemeClr val="tx1"/>
-              </a:solidFill>
-            </a:endParaRPr>
-          </a:p>
-        </p:txBody>
-      </p:sp>
-      <p:cxnSp>
-        <p:nvCxnSpPr>
-          <p:cNvPr id="60" name="直接箭头连接符 59">
-            <a:extLst>
-              <a:ext uri="{FF2B5EF4-FFF2-40B4-BE49-F238E27FC236}">
-                <a16:creationId xmlns:a16="http://schemas.microsoft.com/office/drawing/2014/main" id="{04E869D7-41A8-4066-BF52-2C6D1E6485FF}"/>
-              </a:ext>
-            </a:extLst>
-          </p:cNvPr>
-          <p:cNvCxnSpPr>
-            <a:cxnSpLocks/>
-            <a:stCxn id="14" idx="0"/>
-            <a:endCxn id="28" idx="2"/>
-          </p:cNvCxnSpPr>
-          <p:nvPr/>
-        </p:nvCxnSpPr>
-        <p:spPr>
-          <a:xfrm flipV="1">
-            <a:off x="7524671" y="3951619"/>
-            <a:ext cx="1623460" cy="873038"/>
-          </a:xfrm>
-          <a:prstGeom prst="straightConnector1">
-            <a:avLst/>
-          </a:prstGeom>
-          <a:ln>
-            <a:tailEnd type="triangle"/>
-          </a:ln>
-        </p:spPr>
-        <p:style>
-          <a:lnRef idx="1">
-            <a:schemeClr val="accent1"/>
-          </a:lnRef>
-          <a:fillRef idx="0">
-            <a:schemeClr val="accent1"/>
-          </a:fillRef>
-          <a:effectRef idx="0">
-            <a:schemeClr val="accent1"/>
-          </a:effectRef>
-          <a:fontRef idx="minor">
-            <a:schemeClr val="tx1"/>
-          </a:fontRef>
-        </p:style>
-      </p:cxnSp>
-      <p:cxnSp>
-        <p:nvCxnSpPr>
-          <p:cNvPr id="63" name="直接箭头连接符 62">
-            <a:extLst>
-              <a:ext uri="{FF2B5EF4-FFF2-40B4-BE49-F238E27FC236}">
-                <a16:creationId xmlns:a16="http://schemas.microsoft.com/office/drawing/2014/main" id="{7D595899-BF67-4134-B0B0-9B1410CD0B44}"/>
-              </a:ext>
-            </a:extLst>
-          </p:cNvPr>
-          <p:cNvCxnSpPr>
-            <a:cxnSpLocks/>
-            <a:stCxn id="29" idx="2"/>
-            <a:endCxn id="28" idx="0"/>
-          </p:cNvCxnSpPr>
-          <p:nvPr/>
-        </p:nvCxnSpPr>
-        <p:spPr>
-          <a:xfrm>
-            <a:off x="7409018" y="2298067"/>
-            <a:ext cx="1739113" cy="1033070"/>
-          </a:xfrm>
-          <a:prstGeom prst="straightConnector1">
-            <a:avLst/>
-          </a:prstGeom>
-          <a:ln>
-            <a:tailEnd type="triangle"/>
-          </a:ln>
-        </p:spPr>
-        <p:style>
-          <a:lnRef idx="1">
-            <a:schemeClr val="accent1"/>
-          </a:lnRef>
-          <a:fillRef idx="0">
-            <a:schemeClr val="accent1"/>
-          </a:fillRef>
-          <a:effectRef idx="0">
-            <a:schemeClr val="accent1"/>
-          </a:effectRef>
-          <a:fontRef idx="minor">
-            <a:schemeClr val="tx1"/>
-          </a:fontRef>
-        </p:style>
-      </p:cxnSp>
-      <p:cxnSp>
-        <p:nvCxnSpPr>
-          <p:cNvPr id="66" name="直接箭头连接符 65">
-            <a:extLst>
-              <a:ext uri="{FF2B5EF4-FFF2-40B4-BE49-F238E27FC236}">
-                <a16:creationId xmlns:a16="http://schemas.microsoft.com/office/drawing/2014/main" id="{070DDA22-3E9E-4BB4-93D6-EA74B47F2D15}"/>
-              </a:ext>
-            </a:extLst>
-          </p:cNvPr>
-          <p:cNvCxnSpPr>
-            <a:cxnSpLocks/>
-            <a:stCxn id="55" idx="2"/>
-            <a:endCxn id="28" idx="0"/>
-          </p:cNvCxnSpPr>
-          <p:nvPr/>
-        </p:nvCxnSpPr>
-        <p:spPr>
-          <a:xfrm flipH="1">
-            <a:off x="9148131" y="2307633"/>
-            <a:ext cx="1442401" cy="1023504"/>
-          </a:xfrm>
-          <a:prstGeom prst="straightConnector1">
-            <a:avLst/>
-          </a:prstGeom>
-          <a:ln>
-            <a:tailEnd type="triangle"/>
-          </a:ln>
-        </p:spPr>
-        <p:style>
-          <a:lnRef idx="1">
-            <a:schemeClr val="accent1"/>
-          </a:lnRef>
-          <a:fillRef idx="0">
-            <a:schemeClr val="accent1"/>
-          </a:fillRef>
-          <a:effectRef idx="0">
-            <a:schemeClr val="accent1"/>
-          </a:effectRef>
-          <a:fontRef idx="minor">
-            <a:schemeClr val="tx1"/>
-          </a:fontRef>
-        </p:style>
-      </p:cxnSp>
+        <p:txBody>
+          <a:bodyPr wrap="square" rtlCol="0">
+            <a:spAutoFit/>
+          </a:bodyPr>
+          <a:lstStyle/>
+          <a:p>
+            <a:r>
+              <a:rPr lang="zh-CN" altLang="en-US" sz="2000" b="0" i="0" dirty="0">
+                <a:solidFill>
+                  <a:srgbClr val="121212"/>
+                </a:solidFill>
+                <a:effectLst/>
+                <a:latin typeface="-apple-system"/>
+              </a:rPr>
+              <a:t>实现代码</a:t>
+            </a:r>
+            <a:endParaRPr lang="zh-CN" altLang="en-US" sz="2000" dirty="0"/>
+          </a:p>
+        </p:txBody>
+      </p:sp>
     </p:spTree>
     <p:extLst>
       <p:ext uri="{BB962C8B-B14F-4D97-AF65-F5344CB8AC3E}">
-        <p14:creationId xmlns:p14="http://schemas.microsoft.com/office/powerpoint/2010/main" val="1162473749"/>
+        <p14:creationId xmlns:p14="http://schemas.microsoft.com/office/powerpoint/2010/main" val="4157865328"/>
       </p:ext>
     </p:extLst>
   </p:cSld>
@@ -10594,8 +10319,8 @@
         </p:nvSpPr>
         <p:spPr>
           <a:xfrm>
-            <a:off x="4914829" y="3037863"/>
-            <a:ext cx="2729219" cy="782273"/>
+            <a:off x="525709" y="518020"/>
+            <a:ext cx="5329807" cy="782273"/>
           </a:xfrm>
         </p:spPr>
         <p:txBody>
@@ -10605,22 +10330,1729 @@
           <a:lstStyle/>
           <a:p>
             <a:r>
+              <a:rPr lang="en-US" altLang="zh-CN" sz="4000" dirty="0"/>
+              <a:t>MAPLE IR</a:t>
+            </a:r>
+            <a:r>
               <a:rPr lang="zh-CN" altLang="en-US" sz="4000" dirty="0"/>
-              <a:t>谢谢聆听</a:t>
-            </a:r>
+              <a:t>中的“</a:t>
+            </a:r>
+            <a:r>
+              <a:rPr lang="en-US" altLang="zh-CN" sz="4000" dirty="0"/>
+              <a:t>if</a:t>
+            </a:r>
+            <a:r>
+              <a:rPr lang="zh-CN" altLang="en-US" sz="4000" dirty="0"/>
+              <a:t>”语句</a:t>
+            </a:r>
+          </a:p>
+        </p:txBody>
+      </p:sp>
+      <p:pic>
+        <p:nvPicPr>
+          <p:cNvPr id="4" name="图片 3">
+            <a:extLst>
+              <a:ext uri="{FF2B5EF4-FFF2-40B4-BE49-F238E27FC236}">
+                <a16:creationId xmlns:a16="http://schemas.microsoft.com/office/drawing/2014/main" id="{88C4487F-14DC-430A-A3B0-20C63854B3A5}"/>
+              </a:ext>
+            </a:extLst>
+          </p:cNvPr>
+          <p:cNvPicPr>
+            <a:picLocks noChangeAspect="1"/>
+          </p:cNvPicPr>
+          <p:nvPr/>
+        </p:nvPicPr>
+        <p:blipFill>
+          <a:blip r:embed="rId2"/>
+          <a:stretch>
+            <a:fillRect/>
+          </a:stretch>
+        </p:blipFill>
+        <p:spPr>
+          <a:xfrm>
+            <a:off x="5385339" y="3633790"/>
+            <a:ext cx="5372100" cy="2247900"/>
+          </a:xfrm>
+          <a:prstGeom prst="rect">
+            <a:avLst/>
+          </a:prstGeom>
+        </p:spPr>
+      </p:pic>
+      <p:pic>
+        <p:nvPicPr>
+          <p:cNvPr id="8" name="图片 7">
+            <a:extLst>
+              <a:ext uri="{FF2B5EF4-FFF2-40B4-BE49-F238E27FC236}">
+                <a16:creationId xmlns:a16="http://schemas.microsoft.com/office/drawing/2014/main" id="{ECB94A28-B60C-49D8-8502-DE61DB1742D7}"/>
+              </a:ext>
+            </a:extLst>
+          </p:cNvPr>
+          <p:cNvPicPr>
+            <a:picLocks noChangeAspect="1"/>
+          </p:cNvPicPr>
+          <p:nvPr/>
+        </p:nvPicPr>
+        <p:blipFill>
+          <a:blip r:embed="rId3"/>
+          <a:stretch>
+            <a:fillRect/>
+          </a:stretch>
+        </p:blipFill>
+        <p:spPr>
+          <a:xfrm>
+            <a:off x="632364" y="3710292"/>
+            <a:ext cx="3810000" cy="1228725"/>
+          </a:xfrm>
+          <a:prstGeom prst="rect">
+            <a:avLst/>
+          </a:prstGeom>
+        </p:spPr>
+      </p:pic>
+      <p:pic>
+        <p:nvPicPr>
+          <p:cNvPr id="10" name="图片 9">
+            <a:extLst>
+              <a:ext uri="{FF2B5EF4-FFF2-40B4-BE49-F238E27FC236}">
+                <a16:creationId xmlns:a16="http://schemas.microsoft.com/office/drawing/2014/main" id="{A8B172B0-4CFB-4F7B-BBE0-B8665754CC5F}"/>
+              </a:ext>
+            </a:extLst>
+          </p:cNvPr>
+          <p:cNvPicPr>
+            <a:picLocks noChangeAspect="1"/>
+          </p:cNvPicPr>
+          <p:nvPr/>
+        </p:nvPicPr>
+        <p:blipFill>
+          <a:blip r:embed="rId4"/>
+          <a:stretch>
+            <a:fillRect/>
+          </a:stretch>
+        </p:blipFill>
+        <p:spPr>
+          <a:xfrm>
+            <a:off x="632364" y="1385886"/>
+            <a:ext cx="10125075" cy="1838325"/>
+          </a:xfrm>
+          <a:prstGeom prst="rect">
+            <a:avLst/>
+          </a:prstGeom>
+        </p:spPr>
+      </p:pic>
+      <p:sp>
+        <p:nvSpPr>
+          <p:cNvPr id="3" name="文本框 2">
+            <a:extLst>
+              <a:ext uri="{FF2B5EF4-FFF2-40B4-BE49-F238E27FC236}">
+                <a16:creationId xmlns:a16="http://schemas.microsoft.com/office/drawing/2014/main" id="{899E17A3-1804-4D20-BC25-C87C060B89B8}"/>
+              </a:ext>
+            </a:extLst>
+          </p:cNvPr>
+          <p:cNvSpPr txBox="1"/>
+          <p:nvPr/>
+        </p:nvSpPr>
+        <p:spPr>
+          <a:xfrm>
+            <a:off x="8869956" y="6091214"/>
+            <a:ext cx="3322044" cy="400110"/>
+          </a:xfrm>
+          <a:prstGeom prst="rect">
+            <a:avLst/>
+          </a:prstGeom>
+          <a:noFill/>
+        </p:spPr>
+        <p:txBody>
+          <a:bodyPr wrap="square" rtlCol="0">
+            <a:spAutoFit/>
+          </a:bodyPr>
+          <a:lstStyle/>
+          <a:p>
+            <a:r>
+              <a:rPr lang="en-US" altLang="zh-CN" sz="2000" b="0" i="0" dirty="0">
+                <a:solidFill>
+                  <a:srgbClr val="121212"/>
+                </a:solidFill>
+                <a:effectLst/>
+                <a:latin typeface="-apple-system"/>
+              </a:rPr>
+              <a:t>IR</a:t>
+            </a:r>
+            <a:r>
+              <a:rPr lang="zh-CN" altLang="en-US" sz="2000" b="0" i="0" dirty="0">
+                <a:solidFill>
+                  <a:srgbClr val="121212"/>
+                </a:solidFill>
+                <a:effectLst/>
+                <a:latin typeface="-apple-system"/>
+              </a:rPr>
+              <a:t>其他中</a:t>
+            </a:r>
+            <a:r>
+              <a:rPr lang="en-US" altLang="zh-CN" sz="2000" b="0" i="0" dirty="0">
+                <a:solidFill>
+                  <a:srgbClr val="121212"/>
+                </a:solidFill>
+                <a:effectLst/>
+                <a:latin typeface="-apple-system"/>
+              </a:rPr>
+              <a:t>if</a:t>
+            </a:r>
+            <a:r>
+              <a:rPr lang="zh-CN" altLang="en-US" sz="2000" b="0" i="0" dirty="0">
+                <a:solidFill>
+                  <a:srgbClr val="121212"/>
+                </a:solidFill>
+                <a:effectLst/>
+                <a:latin typeface="-apple-system"/>
+              </a:rPr>
+              <a:t>语句的表达方式</a:t>
+            </a:r>
+            <a:endParaRPr lang="zh-CN" altLang="en-US" sz="2000" dirty="0"/>
+          </a:p>
+        </p:txBody>
+      </p:sp>
+      <p:sp>
+        <p:nvSpPr>
+          <p:cNvPr id="5" name="矩形 4">
+            <a:extLst>
+              <a:ext uri="{FF2B5EF4-FFF2-40B4-BE49-F238E27FC236}">
+                <a16:creationId xmlns:a16="http://schemas.microsoft.com/office/drawing/2014/main" id="{AAF7B5F0-FED1-4F89-95C9-2245A7ED8B3A}"/>
+              </a:ext>
+            </a:extLst>
+          </p:cNvPr>
+          <p:cNvSpPr/>
+          <p:nvPr/>
+        </p:nvSpPr>
+        <p:spPr>
+          <a:xfrm>
+            <a:off x="525708" y="1300293"/>
+            <a:ext cx="10553771" cy="4790921"/>
+          </a:xfrm>
+          <a:prstGeom prst="rect">
+            <a:avLst/>
+          </a:prstGeom>
+          <a:noFill/>
+          <a:ln w="28575">
+            <a:solidFill>
+              <a:schemeClr val="accent1">
+                <a:lumMod val="60000"/>
+                <a:lumOff val="40000"/>
+              </a:schemeClr>
+            </a:solidFill>
+          </a:ln>
+        </p:spPr>
+        <p:style>
+          <a:lnRef idx="2">
+            <a:schemeClr val="accent1">
+              <a:shade val="50000"/>
+            </a:schemeClr>
+          </a:lnRef>
+          <a:fillRef idx="1">
+            <a:schemeClr val="accent1"/>
+          </a:fillRef>
+          <a:effectRef idx="0">
+            <a:schemeClr val="accent1"/>
+          </a:effectRef>
+          <a:fontRef idx="minor">
+            <a:schemeClr val="lt1"/>
+          </a:fontRef>
+        </p:style>
+        <p:txBody>
+          <a:bodyPr rtlCol="0" anchor="ctr"/>
+          <a:lstStyle/>
+          <a:p>
+            <a:pPr algn="ctr"/>
+            <a:endParaRPr lang="en-US" altLang="zh-CN" sz="2800" dirty="0">
+              <a:solidFill>
+                <a:schemeClr val="tx1"/>
+              </a:solidFill>
+            </a:endParaRPr>
           </a:p>
         </p:txBody>
       </p:sp>
     </p:spTree>
     <p:extLst>
       <p:ext uri="{BB962C8B-B14F-4D97-AF65-F5344CB8AC3E}">
-        <p14:creationId xmlns:p14="http://schemas.microsoft.com/office/powerpoint/2010/main" val="2720694284"/>
+        <p14:creationId xmlns:p14="http://schemas.microsoft.com/office/powerpoint/2010/main" val="2164611544"/>
       </p:ext>
     </p:extLst>
   </p:cSld>
   <p:clrMapOvr>
     <a:masterClrMapping/>
   </p:clrMapOvr>
+  <mc:AlternateContent xmlns:mc="http://schemas.openxmlformats.org/markup-compatibility/2006" xmlns:p159="http://schemas.microsoft.com/office/powerpoint/2015/09/main">
+    <mc:Choice Requires="p159">
+      <p:transition xmlns:p14="http://schemas.microsoft.com/office/powerpoint/2010/main" spd="slow" p14:dur="2000">
+        <p159:morph option="byObject"/>
+      </p:transition>
+    </mc:Choice>
+    <mc:Fallback xmlns="">
+      <p:transition spd="slow">
+        <p:fade/>
+      </p:transition>
+    </mc:Fallback>
+  </mc:AlternateContent>
+</p:sld>
+</file>
+
+<file path=ppt/slides/slide17.xml><?xml version="1.0" encoding="utf-8"?>
+<p:sld xmlns:a="http://schemas.openxmlformats.org/drawingml/2006/main" xmlns:r="http://schemas.openxmlformats.org/officeDocument/2006/relationships" xmlns:p="http://schemas.openxmlformats.org/presentationml/2006/main">
+  <p:cSld>
+    <p:spTree>
+      <p:nvGrpSpPr>
+        <p:cNvPr id="1" name=""/>
+        <p:cNvGrpSpPr/>
+        <p:nvPr/>
+      </p:nvGrpSpPr>
+      <p:grpSpPr>
+        <a:xfrm>
+          <a:off x="0" y="0"/>
+          <a:ext cx="0" cy="0"/>
+          <a:chOff x="0" y="0"/>
+          <a:chExt cx="0" cy="0"/>
+        </a:xfrm>
+      </p:grpSpPr>
+      <p:sp>
+        <p:nvSpPr>
+          <p:cNvPr id="2" name="标题 1">
+            <a:extLst>
+              <a:ext uri="{FF2B5EF4-FFF2-40B4-BE49-F238E27FC236}">
+                <a16:creationId xmlns:a16="http://schemas.microsoft.com/office/drawing/2014/main" id="{16177BAB-1C47-4361-BB6E-970B64C9D987}"/>
+              </a:ext>
+            </a:extLst>
+          </p:cNvPr>
+          <p:cNvSpPr>
+            <a:spLocks noGrp="1"/>
+          </p:cNvSpPr>
+          <p:nvPr>
+            <p:ph type="ctrTitle"/>
+          </p:nvPr>
+        </p:nvSpPr>
+        <p:spPr>
+          <a:xfrm>
+            <a:off x="525709" y="518020"/>
+            <a:ext cx="5398436" cy="782273"/>
+          </a:xfrm>
+        </p:spPr>
+        <p:txBody>
+          <a:bodyPr>
+            <a:normAutofit fontScale="90000"/>
+          </a:bodyPr>
+          <a:lstStyle/>
+          <a:p>
+            <a:r>
+              <a:rPr lang="en-US" altLang="zh-CN" sz="4000" dirty="0"/>
+              <a:t>MAPLE IR</a:t>
+            </a:r>
+            <a:r>
+              <a:rPr lang="zh-CN" altLang="en-US" sz="4000" dirty="0"/>
+              <a:t>中的控制流语句</a:t>
+            </a:r>
+          </a:p>
+        </p:txBody>
+      </p:sp>
+      <p:sp>
+        <p:nvSpPr>
+          <p:cNvPr id="11" name="矩形 10">
+            <a:extLst>
+              <a:ext uri="{FF2B5EF4-FFF2-40B4-BE49-F238E27FC236}">
+                <a16:creationId xmlns:a16="http://schemas.microsoft.com/office/drawing/2014/main" id="{AB6498F5-FFFA-4390-B5E1-00E636996953}"/>
+              </a:ext>
+            </a:extLst>
+          </p:cNvPr>
+          <p:cNvSpPr/>
+          <p:nvPr/>
+        </p:nvSpPr>
+        <p:spPr>
+          <a:xfrm>
+            <a:off x="661481" y="1789889"/>
+            <a:ext cx="2402732" cy="622571"/>
+          </a:xfrm>
+          <a:prstGeom prst="rect">
+            <a:avLst/>
+          </a:prstGeom>
+          <a:noFill/>
+          <a:ln w="28575">
+            <a:solidFill>
+              <a:schemeClr val="accent1">
+                <a:lumMod val="60000"/>
+                <a:lumOff val="40000"/>
+              </a:schemeClr>
+            </a:solidFill>
+          </a:ln>
+        </p:spPr>
+        <p:style>
+          <a:lnRef idx="2">
+            <a:schemeClr val="accent1">
+              <a:shade val="50000"/>
+            </a:schemeClr>
+          </a:lnRef>
+          <a:fillRef idx="1">
+            <a:schemeClr val="accent1"/>
+          </a:fillRef>
+          <a:effectRef idx="0">
+            <a:schemeClr val="accent1"/>
+          </a:effectRef>
+          <a:fontRef idx="minor">
+            <a:schemeClr val="lt1"/>
+          </a:fontRef>
+        </p:style>
+        <p:txBody>
+          <a:bodyPr rtlCol="0" anchor="ctr"/>
+          <a:lstStyle/>
+          <a:p>
+            <a:pPr algn="ctr"/>
+            <a:endParaRPr lang="en-US" altLang="zh-CN" sz="2800" dirty="0">
+              <a:solidFill>
+                <a:schemeClr val="tx1"/>
+              </a:solidFill>
+            </a:endParaRPr>
+          </a:p>
+        </p:txBody>
+      </p:sp>
+      <p:sp>
+        <p:nvSpPr>
+          <p:cNvPr id="27" name="矩形 26">
+            <a:extLst>
+              <a:ext uri="{FF2B5EF4-FFF2-40B4-BE49-F238E27FC236}">
+                <a16:creationId xmlns:a16="http://schemas.microsoft.com/office/drawing/2014/main" id="{988CCAEC-A497-4FA7-9B7C-FD11FD561579}"/>
+              </a:ext>
+            </a:extLst>
+          </p:cNvPr>
+          <p:cNvSpPr/>
+          <p:nvPr/>
+        </p:nvSpPr>
+        <p:spPr>
+          <a:xfrm>
+            <a:off x="661481" y="2590770"/>
+            <a:ext cx="2402732" cy="622571"/>
+          </a:xfrm>
+          <a:prstGeom prst="rect">
+            <a:avLst/>
+          </a:prstGeom>
+          <a:solidFill>
+            <a:schemeClr val="bg1"/>
+          </a:solidFill>
+          <a:ln w="28575">
+            <a:solidFill>
+              <a:schemeClr val="accent1">
+                <a:lumMod val="60000"/>
+                <a:lumOff val="40000"/>
+              </a:schemeClr>
+            </a:solidFill>
+          </a:ln>
+        </p:spPr>
+        <p:style>
+          <a:lnRef idx="2">
+            <a:schemeClr val="accent1">
+              <a:shade val="50000"/>
+            </a:schemeClr>
+          </a:lnRef>
+          <a:fillRef idx="1">
+            <a:schemeClr val="accent1"/>
+          </a:fillRef>
+          <a:effectRef idx="0">
+            <a:schemeClr val="accent1"/>
+          </a:effectRef>
+          <a:fontRef idx="minor">
+            <a:schemeClr val="lt1"/>
+          </a:fontRef>
+        </p:style>
+        <p:txBody>
+          <a:bodyPr rtlCol="0" anchor="ctr"/>
+          <a:lstStyle/>
+          <a:p>
+            <a:pPr algn="ctr"/>
+            <a:r>
+              <a:rPr lang="en-US" altLang="zh-CN" sz="2800" dirty="0">
+                <a:solidFill>
+                  <a:schemeClr val="tx1"/>
+                </a:solidFill>
+              </a:rPr>
+              <a:t>while</a:t>
+            </a:r>
+          </a:p>
+        </p:txBody>
+      </p:sp>
+      <p:sp>
+        <p:nvSpPr>
+          <p:cNvPr id="29" name="矩形 28">
+            <a:extLst>
+              <a:ext uri="{FF2B5EF4-FFF2-40B4-BE49-F238E27FC236}">
+                <a16:creationId xmlns:a16="http://schemas.microsoft.com/office/drawing/2014/main" id="{D8CBBE62-1D20-44E7-ABE5-75E21E7EDCA3}"/>
+              </a:ext>
+            </a:extLst>
+          </p:cNvPr>
+          <p:cNvSpPr/>
+          <p:nvPr/>
+        </p:nvSpPr>
+        <p:spPr>
+          <a:xfrm>
+            <a:off x="661481" y="3390090"/>
+            <a:ext cx="2402732" cy="622571"/>
+          </a:xfrm>
+          <a:prstGeom prst="rect">
+            <a:avLst/>
+          </a:prstGeom>
+          <a:solidFill>
+            <a:schemeClr val="bg1"/>
+          </a:solidFill>
+          <a:ln w="28575">
+            <a:solidFill>
+              <a:schemeClr val="accent1">
+                <a:lumMod val="60000"/>
+                <a:lumOff val="40000"/>
+              </a:schemeClr>
+            </a:solidFill>
+          </a:ln>
+        </p:spPr>
+        <p:style>
+          <a:lnRef idx="2">
+            <a:schemeClr val="accent1">
+              <a:shade val="50000"/>
+            </a:schemeClr>
+          </a:lnRef>
+          <a:fillRef idx="1">
+            <a:schemeClr val="accent1"/>
+          </a:fillRef>
+          <a:effectRef idx="0">
+            <a:schemeClr val="accent1"/>
+          </a:effectRef>
+          <a:fontRef idx="minor">
+            <a:schemeClr val="lt1"/>
+          </a:fontRef>
+        </p:style>
+        <p:txBody>
+          <a:bodyPr rtlCol="0" anchor="ctr"/>
+          <a:lstStyle/>
+          <a:p>
+            <a:pPr algn="ctr"/>
+            <a:r>
+              <a:rPr lang="en-US" altLang="zh-CN" sz="2800" dirty="0" err="1">
+                <a:solidFill>
+                  <a:schemeClr val="tx1"/>
+                </a:solidFill>
+              </a:rPr>
+              <a:t>dowhile</a:t>
+            </a:r>
+            <a:endParaRPr lang="en-US" altLang="zh-CN" sz="2800" dirty="0">
+              <a:solidFill>
+                <a:schemeClr val="tx1"/>
+              </a:solidFill>
+            </a:endParaRPr>
+          </a:p>
+        </p:txBody>
+      </p:sp>
+      <p:sp>
+        <p:nvSpPr>
+          <p:cNvPr id="31" name="矩形 30">
+            <a:extLst>
+              <a:ext uri="{FF2B5EF4-FFF2-40B4-BE49-F238E27FC236}">
+                <a16:creationId xmlns:a16="http://schemas.microsoft.com/office/drawing/2014/main" id="{3279BC87-83EA-4888-9012-D5BAA832A8DF}"/>
+              </a:ext>
+            </a:extLst>
+          </p:cNvPr>
+          <p:cNvSpPr/>
+          <p:nvPr/>
+        </p:nvSpPr>
+        <p:spPr>
+          <a:xfrm>
+            <a:off x="661481" y="4190971"/>
+            <a:ext cx="2402732" cy="622571"/>
+          </a:xfrm>
+          <a:prstGeom prst="rect">
+            <a:avLst/>
+          </a:prstGeom>
+          <a:solidFill>
+            <a:schemeClr val="bg1"/>
+          </a:solidFill>
+          <a:ln w="28575">
+            <a:solidFill>
+              <a:schemeClr val="accent1">
+                <a:lumMod val="60000"/>
+                <a:lumOff val="40000"/>
+              </a:schemeClr>
+            </a:solidFill>
+          </a:ln>
+        </p:spPr>
+        <p:style>
+          <a:lnRef idx="2">
+            <a:schemeClr val="accent1">
+              <a:shade val="50000"/>
+            </a:schemeClr>
+          </a:lnRef>
+          <a:fillRef idx="1">
+            <a:schemeClr val="accent1"/>
+          </a:fillRef>
+          <a:effectRef idx="0">
+            <a:schemeClr val="accent1"/>
+          </a:effectRef>
+          <a:fontRef idx="minor">
+            <a:schemeClr val="lt1"/>
+          </a:fontRef>
+        </p:style>
+        <p:txBody>
+          <a:bodyPr rtlCol="0" anchor="ctr"/>
+          <a:lstStyle/>
+          <a:p>
+            <a:pPr algn="ctr"/>
+            <a:r>
+              <a:rPr lang="en-US" altLang="zh-CN" sz="2800" dirty="0" err="1">
+                <a:solidFill>
+                  <a:schemeClr val="tx1"/>
+                </a:solidFill>
+              </a:rPr>
+              <a:t>doloop</a:t>
+            </a:r>
+            <a:endParaRPr lang="en-US" altLang="zh-CN" sz="2800" dirty="0">
+              <a:solidFill>
+                <a:schemeClr val="tx1"/>
+              </a:solidFill>
+            </a:endParaRPr>
+          </a:p>
+        </p:txBody>
+      </p:sp>
+      <p:sp>
+        <p:nvSpPr>
+          <p:cNvPr id="33" name="矩形 32">
+            <a:extLst>
+              <a:ext uri="{FF2B5EF4-FFF2-40B4-BE49-F238E27FC236}">
+                <a16:creationId xmlns:a16="http://schemas.microsoft.com/office/drawing/2014/main" id="{1DB3B045-55D7-4649-B0BF-BB794F7C753E}"/>
+              </a:ext>
+            </a:extLst>
+          </p:cNvPr>
+          <p:cNvSpPr/>
+          <p:nvPr/>
+        </p:nvSpPr>
+        <p:spPr>
+          <a:xfrm>
+            <a:off x="661481" y="4991852"/>
+            <a:ext cx="2402732" cy="622571"/>
+          </a:xfrm>
+          <a:prstGeom prst="rect">
+            <a:avLst/>
+          </a:prstGeom>
+          <a:solidFill>
+            <a:schemeClr val="bg1"/>
+          </a:solidFill>
+          <a:ln w="28575">
+            <a:solidFill>
+              <a:schemeClr val="accent1">
+                <a:lumMod val="60000"/>
+                <a:lumOff val="40000"/>
+              </a:schemeClr>
+            </a:solidFill>
+          </a:ln>
+        </p:spPr>
+        <p:style>
+          <a:lnRef idx="2">
+            <a:schemeClr val="accent1">
+              <a:shade val="50000"/>
+            </a:schemeClr>
+          </a:lnRef>
+          <a:fillRef idx="1">
+            <a:schemeClr val="accent1"/>
+          </a:fillRef>
+          <a:effectRef idx="0">
+            <a:schemeClr val="accent1"/>
+          </a:effectRef>
+          <a:fontRef idx="minor">
+            <a:schemeClr val="lt1"/>
+          </a:fontRef>
+        </p:style>
+        <p:txBody>
+          <a:bodyPr rtlCol="0" anchor="ctr"/>
+          <a:lstStyle/>
+          <a:p>
+            <a:pPr algn="ctr"/>
+            <a:r>
+              <a:rPr lang="en-US" altLang="zh-CN" sz="2800" dirty="0" err="1">
+                <a:solidFill>
+                  <a:schemeClr val="tx1"/>
+                </a:solidFill>
+              </a:rPr>
+              <a:t>foreachelem</a:t>
+            </a:r>
+            <a:endParaRPr lang="en-US" altLang="zh-CN" sz="2800" dirty="0">
+              <a:solidFill>
+                <a:schemeClr val="tx1"/>
+              </a:solidFill>
+            </a:endParaRPr>
+          </a:p>
+        </p:txBody>
+      </p:sp>
+      <p:pic>
+        <p:nvPicPr>
+          <p:cNvPr id="35" name="图片 34">
+            <a:extLst>
+              <a:ext uri="{FF2B5EF4-FFF2-40B4-BE49-F238E27FC236}">
+                <a16:creationId xmlns:a16="http://schemas.microsoft.com/office/drawing/2014/main" id="{2AEF9BF0-4093-490F-B8F7-0D6570B51DFB}"/>
+              </a:ext>
+            </a:extLst>
+          </p:cNvPr>
+          <p:cNvPicPr>
+            <a:picLocks noChangeAspect="1"/>
+          </p:cNvPicPr>
+          <p:nvPr/>
+        </p:nvPicPr>
+        <p:blipFill>
+          <a:blip r:embed="rId2"/>
+          <a:stretch>
+            <a:fillRect/>
+          </a:stretch>
+        </p:blipFill>
+        <p:spPr>
+          <a:xfrm>
+            <a:off x="4668364" y="2123060"/>
+            <a:ext cx="4913381" cy="566003"/>
+          </a:xfrm>
+          <a:prstGeom prst="rect">
+            <a:avLst/>
+          </a:prstGeom>
+        </p:spPr>
+      </p:pic>
+      <p:pic>
+        <p:nvPicPr>
+          <p:cNvPr id="37" name="图片 36">
+            <a:extLst>
+              <a:ext uri="{FF2B5EF4-FFF2-40B4-BE49-F238E27FC236}">
+                <a16:creationId xmlns:a16="http://schemas.microsoft.com/office/drawing/2014/main" id="{FBF8D69B-286F-4F5F-ABD9-7C0F4B9CDDE3}"/>
+              </a:ext>
+            </a:extLst>
+          </p:cNvPr>
+          <p:cNvPicPr>
+            <a:picLocks noChangeAspect="1"/>
+          </p:cNvPicPr>
+          <p:nvPr/>
+        </p:nvPicPr>
+        <p:blipFill>
+          <a:blip r:embed="rId3"/>
+          <a:stretch>
+            <a:fillRect/>
+          </a:stretch>
+        </p:blipFill>
+        <p:spPr>
+          <a:xfrm>
+            <a:off x="4668364" y="3208477"/>
+            <a:ext cx="6393470" cy="2587557"/>
+          </a:xfrm>
+          <a:prstGeom prst="rect">
+            <a:avLst/>
+          </a:prstGeom>
+        </p:spPr>
+      </p:pic>
+      <p:sp>
+        <p:nvSpPr>
+          <p:cNvPr id="3" name="文本框 2">
+            <a:extLst>
+              <a:ext uri="{FF2B5EF4-FFF2-40B4-BE49-F238E27FC236}">
+                <a16:creationId xmlns:a16="http://schemas.microsoft.com/office/drawing/2014/main" id="{0C0087B0-2C08-4251-9B5C-EF8FE5E7B63D}"/>
+              </a:ext>
+            </a:extLst>
+          </p:cNvPr>
+          <p:cNvSpPr txBox="1"/>
+          <p:nvPr/>
+        </p:nvSpPr>
+        <p:spPr>
+          <a:xfrm>
+            <a:off x="8458200" y="6115393"/>
+            <a:ext cx="3733800" cy="400110"/>
+          </a:xfrm>
+          <a:prstGeom prst="rect">
+            <a:avLst/>
+          </a:prstGeom>
+          <a:noFill/>
+        </p:spPr>
+        <p:txBody>
+          <a:bodyPr wrap="square" rtlCol="0">
+            <a:spAutoFit/>
+          </a:bodyPr>
+          <a:lstStyle/>
+          <a:p>
+            <a:r>
+              <a:rPr lang="en-US" altLang="zh-CN" sz="2000" b="0" i="0" dirty="0">
+                <a:solidFill>
+                  <a:srgbClr val="121212"/>
+                </a:solidFill>
+                <a:effectLst/>
+                <a:latin typeface="-apple-system"/>
+              </a:rPr>
+              <a:t>IR</a:t>
+            </a:r>
+            <a:r>
+              <a:rPr lang="zh-CN" altLang="en-US" sz="2000" b="0" i="0" dirty="0">
+                <a:solidFill>
+                  <a:srgbClr val="121212"/>
+                </a:solidFill>
+                <a:effectLst/>
+                <a:latin typeface="-apple-system"/>
+              </a:rPr>
+              <a:t>其他其他类型的控制流语句</a:t>
+            </a:r>
+            <a:endParaRPr lang="zh-CN" altLang="en-US" sz="2000" dirty="0"/>
+          </a:p>
+        </p:txBody>
+      </p:sp>
+      <p:cxnSp>
+        <p:nvCxnSpPr>
+          <p:cNvPr id="5" name="直接箭头连接符 4">
+            <a:extLst>
+              <a:ext uri="{FF2B5EF4-FFF2-40B4-BE49-F238E27FC236}">
+                <a16:creationId xmlns:a16="http://schemas.microsoft.com/office/drawing/2014/main" id="{3EB9F11F-3F9B-47A9-9017-C92736CC263E}"/>
+              </a:ext>
+            </a:extLst>
+          </p:cNvPr>
+          <p:cNvCxnSpPr>
+            <a:stCxn id="11" idx="3"/>
+            <a:endCxn id="35" idx="1"/>
+          </p:cNvCxnSpPr>
+          <p:nvPr/>
+        </p:nvCxnSpPr>
+        <p:spPr>
+          <a:xfrm>
+            <a:off x="3064213" y="2101175"/>
+            <a:ext cx="1604151" cy="304887"/>
+          </a:xfrm>
+          <a:prstGeom prst="straightConnector1">
+            <a:avLst/>
+          </a:prstGeom>
+          <a:ln>
+            <a:tailEnd type="triangle"/>
+          </a:ln>
+        </p:spPr>
+        <p:style>
+          <a:lnRef idx="1">
+            <a:schemeClr val="accent1"/>
+          </a:lnRef>
+          <a:fillRef idx="0">
+            <a:schemeClr val="accent1"/>
+          </a:fillRef>
+          <a:effectRef idx="0">
+            <a:schemeClr val="accent1"/>
+          </a:effectRef>
+          <a:fontRef idx="minor">
+            <a:schemeClr val="tx1"/>
+          </a:fontRef>
+        </p:style>
+      </p:cxnSp>
+      <p:cxnSp>
+        <p:nvCxnSpPr>
+          <p:cNvPr id="14" name="直接箭头连接符 13">
+            <a:extLst>
+              <a:ext uri="{FF2B5EF4-FFF2-40B4-BE49-F238E27FC236}">
+                <a16:creationId xmlns:a16="http://schemas.microsoft.com/office/drawing/2014/main" id="{B9D9262F-B72C-467E-88D0-433E7B3919F6}"/>
+              </a:ext>
+            </a:extLst>
+          </p:cNvPr>
+          <p:cNvCxnSpPr>
+            <a:cxnSpLocks/>
+            <a:stCxn id="27" idx="3"/>
+            <a:endCxn id="35" idx="1"/>
+          </p:cNvCxnSpPr>
+          <p:nvPr/>
+        </p:nvCxnSpPr>
+        <p:spPr>
+          <a:xfrm flipV="1">
+            <a:off x="3064213" y="2406062"/>
+            <a:ext cx="1604151" cy="495994"/>
+          </a:xfrm>
+          <a:prstGeom prst="straightConnector1">
+            <a:avLst/>
+          </a:prstGeom>
+          <a:ln>
+            <a:tailEnd type="triangle"/>
+          </a:ln>
+        </p:spPr>
+        <p:style>
+          <a:lnRef idx="1">
+            <a:schemeClr val="accent1"/>
+          </a:lnRef>
+          <a:fillRef idx="0">
+            <a:schemeClr val="accent1"/>
+          </a:fillRef>
+          <a:effectRef idx="0">
+            <a:schemeClr val="accent1"/>
+          </a:effectRef>
+          <a:fontRef idx="minor">
+            <a:schemeClr val="tx1"/>
+          </a:fontRef>
+        </p:style>
+      </p:cxnSp>
+      <p:cxnSp>
+        <p:nvCxnSpPr>
+          <p:cNvPr id="17" name="直接箭头连接符 16">
+            <a:extLst>
+              <a:ext uri="{FF2B5EF4-FFF2-40B4-BE49-F238E27FC236}">
+                <a16:creationId xmlns:a16="http://schemas.microsoft.com/office/drawing/2014/main" id="{E0DEC5D1-94B3-48F7-8AE5-64E7965F3CA2}"/>
+              </a:ext>
+            </a:extLst>
+          </p:cNvPr>
+          <p:cNvCxnSpPr>
+            <a:cxnSpLocks/>
+            <a:stCxn id="29" idx="3"/>
+            <a:endCxn id="35" idx="1"/>
+          </p:cNvCxnSpPr>
+          <p:nvPr/>
+        </p:nvCxnSpPr>
+        <p:spPr>
+          <a:xfrm flipV="1">
+            <a:off x="3064213" y="2406062"/>
+            <a:ext cx="1604151" cy="1295314"/>
+          </a:xfrm>
+          <a:prstGeom prst="straightConnector1">
+            <a:avLst/>
+          </a:prstGeom>
+          <a:ln>
+            <a:tailEnd type="triangle"/>
+          </a:ln>
+        </p:spPr>
+        <p:style>
+          <a:lnRef idx="1">
+            <a:schemeClr val="accent1"/>
+          </a:lnRef>
+          <a:fillRef idx="0">
+            <a:schemeClr val="accent1"/>
+          </a:fillRef>
+          <a:effectRef idx="0">
+            <a:schemeClr val="accent1"/>
+          </a:effectRef>
+          <a:fontRef idx="minor">
+            <a:schemeClr val="tx1"/>
+          </a:fontRef>
+        </p:style>
+      </p:cxnSp>
+      <p:cxnSp>
+        <p:nvCxnSpPr>
+          <p:cNvPr id="21" name="直接箭头连接符 20">
+            <a:extLst>
+              <a:ext uri="{FF2B5EF4-FFF2-40B4-BE49-F238E27FC236}">
+                <a16:creationId xmlns:a16="http://schemas.microsoft.com/office/drawing/2014/main" id="{4536B8C6-D846-4933-BB4F-33FA6ACAB10F}"/>
+              </a:ext>
+            </a:extLst>
+          </p:cNvPr>
+          <p:cNvCxnSpPr>
+            <a:cxnSpLocks/>
+            <a:stCxn id="31" idx="3"/>
+            <a:endCxn id="35" idx="1"/>
+          </p:cNvCxnSpPr>
+          <p:nvPr/>
+        </p:nvCxnSpPr>
+        <p:spPr>
+          <a:xfrm flipV="1">
+            <a:off x="3064213" y="2406062"/>
+            <a:ext cx="1604151" cy="2096195"/>
+          </a:xfrm>
+          <a:prstGeom prst="straightConnector1">
+            <a:avLst/>
+          </a:prstGeom>
+          <a:ln>
+            <a:tailEnd type="triangle"/>
+          </a:ln>
+        </p:spPr>
+        <p:style>
+          <a:lnRef idx="1">
+            <a:schemeClr val="accent1"/>
+          </a:lnRef>
+          <a:fillRef idx="0">
+            <a:schemeClr val="accent1"/>
+          </a:fillRef>
+          <a:effectRef idx="0">
+            <a:schemeClr val="accent1"/>
+          </a:effectRef>
+          <a:fontRef idx="minor">
+            <a:schemeClr val="tx1"/>
+          </a:fontRef>
+        </p:style>
+      </p:cxnSp>
+      <p:cxnSp>
+        <p:nvCxnSpPr>
+          <p:cNvPr id="24" name="直接箭头连接符 23">
+            <a:extLst>
+              <a:ext uri="{FF2B5EF4-FFF2-40B4-BE49-F238E27FC236}">
+                <a16:creationId xmlns:a16="http://schemas.microsoft.com/office/drawing/2014/main" id="{1223BB62-3D3A-4ACC-9916-3B16E680E41E}"/>
+              </a:ext>
+            </a:extLst>
+          </p:cNvPr>
+          <p:cNvCxnSpPr>
+            <a:cxnSpLocks/>
+            <a:stCxn id="33" idx="3"/>
+            <a:endCxn id="37" idx="1"/>
+          </p:cNvCxnSpPr>
+          <p:nvPr/>
+        </p:nvCxnSpPr>
+        <p:spPr>
+          <a:xfrm flipV="1">
+            <a:off x="3064213" y="4502256"/>
+            <a:ext cx="1604151" cy="800882"/>
+          </a:xfrm>
+          <a:prstGeom prst="straightConnector1">
+            <a:avLst/>
+          </a:prstGeom>
+          <a:ln>
+            <a:tailEnd type="triangle"/>
+          </a:ln>
+        </p:spPr>
+        <p:style>
+          <a:lnRef idx="1">
+            <a:schemeClr val="accent1"/>
+          </a:lnRef>
+          <a:fillRef idx="0">
+            <a:schemeClr val="accent1"/>
+          </a:fillRef>
+          <a:effectRef idx="0">
+            <a:schemeClr val="accent1"/>
+          </a:effectRef>
+          <a:fontRef idx="minor">
+            <a:schemeClr val="tx1"/>
+          </a:fontRef>
+        </p:style>
+      </p:cxnSp>
+      <p:sp>
+        <p:nvSpPr>
+          <p:cNvPr id="28" name="文本框 27">
+            <a:extLst>
+              <a:ext uri="{FF2B5EF4-FFF2-40B4-BE49-F238E27FC236}">
+                <a16:creationId xmlns:a16="http://schemas.microsoft.com/office/drawing/2014/main" id="{1405E66A-B215-4642-AA2C-81E4BF232B6B}"/>
+              </a:ext>
+            </a:extLst>
+          </p:cNvPr>
+          <p:cNvSpPr txBox="1"/>
+          <p:nvPr/>
+        </p:nvSpPr>
+        <p:spPr>
+          <a:xfrm>
+            <a:off x="1268487" y="1839564"/>
+            <a:ext cx="1188720" cy="523220"/>
+          </a:xfrm>
+          <a:prstGeom prst="rect">
+            <a:avLst/>
+          </a:prstGeom>
+          <a:noFill/>
+        </p:spPr>
+        <p:txBody>
+          <a:bodyPr wrap="square">
+            <a:spAutoFit/>
+          </a:bodyPr>
+          <a:lstStyle/>
+          <a:p>
+            <a:pPr algn="ctr"/>
+            <a:r>
+              <a:rPr lang="en-US" altLang="zh-CN" sz="2800" dirty="0">
+                <a:solidFill>
+                  <a:schemeClr val="tx1"/>
+                </a:solidFill>
+              </a:rPr>
+              <a:t>if</a:t>
+            </a:r>
+          </a:p>
+        </p:txBody>
+      </p:sp>
+    </p:spTree>
+    <p:extLst>
+      <p:ext uri="{BB962C8B-B14F-4D97-AF65-F5344CB8AC3E}">
+        <p14:creationId xmlns:p14="http://schemas.microsoft.com/office/powerpoint/2010/main" val="805827801"/>
+      </p:ext>
+    </p:extLst>
+  </p:cSld>
+  <p:clrMapOvr>
+    <a:masterClrMapping/>
+  </p:clrMapOvr>
+  <mc:AlternateContent xmlns:mc="http://schemas.openxmlformats.org/markup-compatibility/2006" xmlns:p159="http://schemas.microsoft.com/office/powerpoint/2015/09/main">
+    <mc:Choice Requires="p159">
+      <p:transition xmlns:p14="http://schemas.microsoft.com/office/powerpoint/2010/main" spd="slow" p14:dur="2000">
+        <p159:morph option="byObject"/>
+      </p:transition>
+    </mc:Choice>
+    <mc:Fallback xmlns="">
+      <p:transition spd="slow">
+        <p:fade/>
+      </p:transition>
+    </mc:Fallback>
+  </mc:AlternateContent>
+</p:sld>
+</file>
+
+<file path=ppt/slides/slide18.xml><?xml version="1.0" encoding="utf-8"?>
+<p:sld xmlns:a="http://schemas.openxmlformats.org/drawingml/2006/main" xmlns:r="http://schemas.openxmlformats.org/officeDocument/2006/relationships" xmlns:p="http://schemas.openxmlformats.org/presentationml/2006/main">
+  <p:cSld>
+    <p:spTree>
+      <p:nvGrpSpPr>
+        <p:cNvPr id="1" name=""/>
+        <p:cNvGrpSpPr/>
+        <p:nvPr/>
+      </p:nvGrpSpPr>
+      <p:grpSpPr>
+        <a:xfrm>
+          <a:off x="0" y="0"/>
+          <a:ext cx="0" cy="0"/>
+          <a:chOff x="0" y="0"/>
+          <a:chExt cx="0" cy="0"/>
+        </a:xfrm>
+      </p:grpSpPr>
+      <p:sp>
+        <p:nvSpPr>
+          <p:cNvPr id="2" name="标题 1">
+            <a:extLst>
+              <a:ext uri="{FF2B5EF4-FFF2-40B4-BE49-F238E27FC236}">
+                <a16:creationId xmlns:a16="http://schemas.microsoft.com/office/drawing/2014/main" id="{16177BAB-1C47-4361-BB6E-970B64C9D987}"/>
+              </a:ext>
+            </a:extLst>
+          </p:cNvPr>
+          <p:cNvSpPr>
+            <a:spLocks noGrp="1"/>
+          </p:cNvSpPr>
+          <p:nvPr>
+            <p:ph type="ctrTitle"/>
+          </p:nvPr>
+        </p:nvSpPr>
+        <p:spPr>
+          <a:xfrm>
+            <a:off x="525708" y="518020"/>
+            <a:ext cx="6616791" cy="782273"/>
+          </a:xfrm>
+        </p:spPr>
+        <p:txBody>
+          <a:bodyPr>
+            <a:normAutofit fontScale="90000"/>
+          </a:bodyPr>
+          <a:lstStyle/>
+          <a:p>
+            <a:r>
+              <a:rPr lang="en-US" altLang="zh-CN" sz="4000" dirty="0"/>
+              <a:t>MAPLE IR</a:t>
+            </a:r>
+            <a:r>
+              <a:rPr lang="zh-CN" altLang="en-US" sz="4000" dirty="0"/>
+              <a:t>中的拓展数组管理语句</a:t>
+            </a:r>
+          </a:p>
+        </p:txBody>
+      </p:sp>
+      <p:sp>
+        <p:nvSpPr>
+          <p:cNvPr id="33" name="矩形 32">
+            <a:extLst>
+              <a:ext uri="{FF2B5EF4-FFF2-40B4-BE49-F238E27FC236}">
+                <a16:creationId xmlns:a16="http://schemas.microsoft.com/office/drawing/2014/main" id="{1DB3B045-55D7-4649-B0BF-BB794F7C753E}"/>
+              </a:ext>
+            </a:extLst>
+          </p:cNvPr>
+          <p:cNvSpPr/>
+          <p:nvPr/>
+        </p:nvSpPr>
+        <p:spPr>
+          <a:xfrm>
+            <a:off x="749030" y="1631813"/>
+            <a:ext cx="2402732" cy="622571"/>
+          </a:xfrm>
+          <a:prstGeom prst="rect">
+            <a:avLst/>
+          </a:prstGeom>
+          <a:solidFill>
+            <a:schemeClr val="bg1"/>
+          </a:solidFill>
+          <a:ln w="28575">
+            <a:solidFill>
+              <a:schemeClr val="accent1">
+                <a:lumMod val="60000"/>
+                <a:lumOff val="40000"/>
+              </a:schemeClr>
+            </a:solidFill>
+          </a:ln>
+        </p:spPr>
+        <p:style>
+          <a:lnRef idx="2">
+            <a:schemeClr val="accent1">
+              <a:shade val="50000"/>
+            </a:schemeClr>
+          </a:lnRef>
+          <a:fillRef idx="1">
+            <a:schemeClr val="accent1"/>
+          </a:fillRef>
+          <a:effectRef idx="0">
+            <a:schemeClr val="accent1"/>
+          </a:effectRef>
+          <a:fontRef idx="minor">
+            <a:schemeClr val="lt1"/>
+          </a:fontRef>
+        </p:style>
+        <p:txBody>
+          <a:bodyPr rtlCol="0" anchor="ctr"/>
+          <a:lstStyle/>
+          <a:p>
+            <a:pPr algn="ctr"/>
+            <a:r>
+              <a:rPr lang="en-US" altLang="zh-CN" sz="2800" dirty="0" err="1">
+                <a:solidFill>
+                  <a:schemeClr val="tx1"/>
+                </a:solidFill>
+              </a:rPr>
+              <a:t>foreachelem</a:t>
+            </a:r>
+            <a:endParaRPr lang="en-US" altLang="zh-CN" sz="2800" dirty="0">
+              <a:solidFill>
+                <a:schemeClr val="tx1"/>
+              </a:solidFill>
+            </a:endParaRPr>
+          </a:p>
+        </p:txBody>
+      </p:sp>
+      <p:pic>
+        <p:nvPicPr>
+          <p:cNvPr id="37" name="图片 36">
+            <a:extLst>
+              <a:ext uri="{FF2B5EF4-FFF2-40B4-BE49-F238E27FC236}">
+                <a16:creationId xmlns:a16="http://schemas.microsoft.com/office/drawing/2014/main" id="{FBF8D69B-286F-4F5F-ABD9-7C0F4B9CDDE3}"/>
+              </a:ext>
+            </a:extLst>
+          </p:cNvPr>
+          <p:cNvPicPr>
+            <a:picLocks noChangeAspect="1"/>
+          </p:cNvPicPr>
+          <p:nvPr/>
+        </p:nvPicPr>
+        <p:blipFill>
+          <a:blip r:embed="rId3"/>
+          <a:stretch>
+            <a:fillRect/>
+          </a:stretch>
+        </p:blipFill>
+        <p:spPr>
+          <a:xfrm>
+            <a:off x="525708" y="2585905"/>
+            <a:ext cx="4985467" cy="2017712"/>
+          </a:xfrm>
+          <a:prstGeom prst="rect">
+            <a:avLst/>
+          </a:prstGeom>
+        </p:spPr>
+      </p:pic>
+      <p:pic>
+        <p:nvPicPr>
+          <p:cNvPr id="6" name="图片 5">
+            <a:extLst>
+              <a:ext uri="{FF2B5EF4-FFF2-40B4-BE49-F238E27FC236}">
+                <a16:creationId xmlns:a16="http://schemas.microsoft.com/office/drawing/2014/main" id="{9B48C6BF-C5E2-4CA9-BCFC-DDE9318638DC}"/>
+              </a:ext>
+            </a:extLst>
+          </p:cNvPr>
+          <p:cNvPicPr>
+            <a:picLocks noChangeAspect="1"/>
+          </p:cNvPicPr>
+          <p:nvPr/>
+        </p:nvPicPr>
+        <p:blipFill>
+          <a:blip r:embed="rId4"/>
+          <a:stretch>
+            <a:fillRect/>
+          </a:stretch>
+        </p:blipFill>
+        <p:spPr>
+          <a:xfrm>
+            <a:off x="5811862" y="1465664"/>
+            <a:ext cx="5443040" cy="4797110"/>
+          </a:xfrm>
+          <a:prstGeom prst="rect">
+            <a:avLst/>
+          </a:prstGeom>
+        </p:spPr>
+      </p:pic>
+      <p:sp>
+        <p:nvSpPr>
+          <p:cNvPr id="7" name="矩形 6">
+            <a:extLst>
+              <a:ext uri="{FF2B5EF4-FFF2-40B4-BE49-F238E27FC236}">
+                <a16:creationId xmlns:a16="http://schemas.microsoft.com/office/drawing/2014/main" id="{BFEC728A-9DD5-46C5-A99E-EBA107568E01}"/>
+              </a:ext>
+            </a:extLst>
+          </p:cNvPr>
+          <p:cNvSpPr/>
+          <p:nvPr/>
+        </p:nvSpPr>
+        <p:spPr>
+          <a:xfrm>
+            <a:off x="2597700" y="3647873"/>
+            <a:ext cx="2548231" cy="282102"/>
+          </a:xfrm>
+          <a:prstGeom prst="rect">
+            <a:avLst/>
+          </a:prstGeom>
+          <a:solidFill>
+            <a:schemeClr val="accent2">
+              <a:lumMod val="60000"/>
+              <a:lumOff val="40000"/>
+              <a:alpha val="41000"/>
+            </a:schemeClr>
+          </a:solidFill>
+          <a:ln>
+            <a:noFill/>
+          </a:ln>
+        </p:spPr>
+        <p:style>
+          <a:lnRef idx="2">
+            <a:schemeClr val="accent1">
+              <a:shade val="50000"/>
+            </a:schemeClr>
+          </a:lnRef>
+          <a:fillRef idx="1">
+            <a:schemeClr val="accent1"/>
+          </a:fillRef>
+          <a:effectRef idx="0">
+            <a:schemeClr val="accent1"/>
+          </a:effectRef>
+          <a:fontRef idx="minor">
+            <a:schemeClr val="lt1"/>
+          </a:fontRef>
+        </p:style>
+        <p:txBody>
+          <a:bodyPr rtlCol="0" anchor="ctr"/>
+          <a:lstStyle/>
+          <a:p>
+            <a:pPr algn="ctr"/>
+            <a:endParaRPr lang="zh-CN" altLang="en-US"/>
+          </a:p>
+        </p:txBody>
+      </p:sp>
+      <p:sp>
+        <p:nvSpPr>
+          <p:cNvPr id="8" name="矩形 7">
+            <a:extLst>
+              <a:ext uri="{FF2B5EF4-FFF2-40B4-BE49-F238E27FC236}">
+                <a16:creationId xmlns:a16="http://schemas.microsoft.com/office/drawing/2014/main" id="{F4A598B3-B052-4A55-A282-D316CD8D203B}"/>
+              </a:ext>
+            </a:extLst>
+          </p:cNvPr>
+          <p:cNvSpPr/>
+          <p:nvPr/>
+        </p:nvSpPr>
+        <p:spPr>
+          <a:xfrm>
+            <a:off x="7652841" y="1465664"/>
+            <a:ext cx="1656529" cy="266379"/>
+          </a:xfrm>
+          <a:prstGeom prst="rect">
+            <a:avLst/>
+          </a:prstGeom>
+          <a:solidFill>
+            <a:schemeClr val="accent2">
+              <a:lumMod val="60000"/>
+              <a:lumOff val="40000"/>
+              <a:alpha val="41000"/>
+            </a:schemeClr>
+          </a:solidFill>
+          <a:ln>
+            <a:noFill/>
+          </a:ln>
+        </p:spPr>
+        <p:style>
+          <a:lnRef idx="2">
+            <a:schemeClr val="accent1">
+              <a:shade val="50000"/>
+            </a:schemeClr>
+          </a:lnRef>
+          <a:fillRef idx="1">
+            <a:schemeClr val="accent1"/>
+          </a:fillRef>
+          <a:effectRef idx="0">
+            <a:schemeClr val="accent1"/>
+          </a:effectRef>
+          <a:fontRef idx="minor">
+            <a:schemeClr val="lt1"/>
+          </a:fontRef>
+        </p:style>
+        <p:txBody>
+          <a:bodyPr rtlCol="0" anchor="ctr"/>
+          <a:lstStyle/>
+          <a:p>
+            <a:pPr algn="ctr"/>
+            <a:endParaRPr lang="zh-CN" altLang="en-US"/>
+          </a:p>
+        </p:txBody>
+      </p:sp>
+    </p:spTree>
+    <p:extLst>
+      <p:ext uri="{BB962C8B-B14F-4D97-AF65-F5344CB8AC3E}">
+        <p14:creationId xmlns:p14="http://schemas.microsoft.com/office/powerpoint/2010/main" val="4081796736"/>
+      </p:ext>
+    </p:extLst>
+  </p:cSld>
+  <p:clrMapOvr>
+    <a:masterClrMapping/>
+  </p:clrMapOvr>
+  <mc:AlternateContent xmlns:mc="http://schemas.openxmlformats.org/markup-compatibility/2006" xmlns:p159="http://schemas.microsoft.com/office/powerpoint/2015/09/main">
+    <mc:Choice Requires="p159">
+      <p:transition xmlns:p14="http://schemas.microsoft.com/office/powerpoint/2010/main" spd="slow" p14:dur="2000">
+        <p159:morph option="byObject"/>
+      </p:transition>
+    </mc:Choice>
+    <mc:Fallback xmlns="">
+      <p:transition spd="slow">
+        <p:fade/>
+      </p:transition>
+    </mc:Fallback>
+  </mc:AlternateContent>
+</p:sld>
+</file>
+
+<file path=ppt/slides/slide19.xml><?xml version="1.0" encoding="utf-8"?>
+<p:sld xmlns:a="http://schemas.openxmlformats.org/drawingml/2006/main" xmlns:r="http://schemas.openxmlformats.org/officeDocument/2006/relationships" xmlns:p="http://schemas.openxmlformats.org/presentationml/2006/main">
+  <p:cSld>
+    <p:spTree>
+      <p:nvGrpSpPr>
+        <p:cNvPr id="1" name=""/>
+        <p:cNvGrpSpPr/>
+        <p:nvPr/>
+      </p:nvGrpSpPr>
+      <p:grpSpPr>
+        <a:xfrm>
+          <a:off x="0" y="0"/>
+          <a:ext cx="0" cy="0"/>
+          <a:chOff x="0" y="0"/>
+          <a:chExt cx="0" cy="0"/>
+        </a:xfrm>
+      </p:grpSpPr>
+      <p:sp>
+        <p:nvSpPr>
+          <p:cNvPr id="2" name="标题 1">
+            <a:extLst>
+              <a:ext uri="{FF2B5EF4-FFF2-40B4-BE49-F238E27FC236}">
+                <a16:creationId xmlns:a16="http://schemas.microsoft.com/office/drawing/2014/main" id="{16177BAB-1C47-4361-BB6E-970B64C9D987}"/>
+              </a:ext>
+            </a:extLst>
+          </p:cNvPr>
+          <p:cNvSpPr>
+            <a:spLocks noGrp="1"/>
+          </p:cNvSpPr>
+          <p:nvPr>
+            <p:ph type="ctrTitle"/>
+          </p:nvPr>
+        </p:nvSpPr>
+        <p:spPr>
+          <a:xfrm>
+            <a:off x="525708" y="518020"/>
+            <a:ext cx="6616791" cy="782273"/>
+          </a:xfrm>
+        </p:spPr>
+        <p:txBody>
+          <a:bodyPr>
+            <a:normAutofit fontScale="90000"/>
+          </a:bodyPr>
+          <a:lstStyle/>
+          <a:p>
+            <a:r>
+              <a:rPr lang="en-US" altLang="zh-CN" sz="4000" dirty="0"/>
+              <a:t>MAPLE IR</a:t>
+            </a:r>
+            <a:r>
+              <a:rPr lang="zh-CN" altLang="en-US" sz="4000" dirty="0"/>
+              <a:t>中的拓展数组管理语句</a:t>
+            </a:r>
+          </a:p>
+        </p:txBody>
+      </p:sp>
+      <p:pic>
+        <p:nvPicPr>
+          <p:cNvPr id="6" name="图片 5">
+            <a:extLst>
+              <a:ext uri="{FF2B5EF4-FFF2-40B4-BE49-F238E27FC236}">
+                <a16:creationId xmlns:a16="http://schemas.microsoft.com/office/drawing/2014/main" id="{9B48C6BF-C5E2-4CA9-BCFC-DDE9318638DC}"/>
+              </a:ext>
+            </a:extLst>
+          </p:cNvPr>
+          <p:cNvPicPr>
+            <a:picLocks noChangeAspect="1"/>
+          </p:cNvPicPr>
+          <p:nvPr/>
+        </p:nvPicPr>
+        <p:blipFill>
+          <a:blip r:embed="rId3"/>
+          <a:stretch>
+            <a:fillRect/>
+          </a:stretch>
+        </p:blipFill>
+        <p:spPr>
+          <a:xfrm>
+            <a:off x="695096" y="1465664"/>
+            <a:ext cx="5443040" cy="4797110"/>
+          </a:xfrm>
+          <a:prstGeom prst="rect">
+            <a:avLst/>
+          </a:prstGeom>
+        </p:spPr>
+      </p:pic>
+      <p:sp>
+        <p:nvSpPr>
+          <p:cNvPr id="8" name="矩形 7">
+            <a:extLst>
+              <a:ext uri="{FF2B5EF4-FFF2-40B4-BE49-F238E27FC236}">
+                <a16:creationId xmlns:a16="http://schemas.microsoft.com/office/drawing/2014/main" id="{F4A598B3-B052-4A55-A282-D316CD8D203B}"/>
+              </a:ext>
+            </a:extLst>
+          </p:cNvPr>
+          <p:cNvSpPr/>
+          <p:nvPr/>
+        </p:nvSpPr>
+        <p:spPr>
+          <a:xfrm>
+            <a:off x="2536075" y="1465664"/>
+            <a:ext cx="1656529" cy="266379"/>
+          </a:xfrm>
+          <a:prstGeom prst="rect">
+            <a:avLst/>
+          </a:prstGeom>
+          <a:solidFill>
+            <a:schemeClr val="accent2">
+              <a:lumMod val="60000"/>
+              <a:lumOff val="40000"/>
+              <a:alpha val="41000"/>
+            </a:schemeClr>
+          </a:solidFill>
+          <a:ln>
+            <a:noFill/>
+          </a:ln>
+        </p:spPr>
+        <p:style>
+          <a:lnRef idx="2">
+            <a:schemeClr val="accent1">
+              <a:shade val="50000"/>
+            </a:schemeClr>
+          </a:lnRef>
+          <a:fillRef idx="1">
+            <a:schemeClr val="accent1"/>
+          </a:fillRef>
+          <a:effectRef idx="0">
+            <a:schemeClr val="accent1"/>
+          </a:effectRef>
+          <a:fontRef idx="minor">
+            <a:schemeClr val="lt1"/>
+          </a:fontRef>
+        </p:style>
+        <p:txBody>
+          <a:bodyPr rtlCol="0" anchor="ctr"/>
+          <a:lstStyle/>
+          <a:p>
+            <a:pPr algn="ctr"/>
+            <a:endParaRPr lang="zh-CN" altLang="en-US"/>
+          </a:p>
+        </p:txBody>
+      </p:sp>
+      <p:pic>
+        <p:nvPicPr>
+          <p:cNvPr id="4" name="图片 3">
+            <a:extLst>
+              <a:ext uri="{FF2B5EF4-FFF2-40B4-BE49-F238E27FC236}">
+                <a16:creationId xmlns:a16="http://schemas.microsoft.com/office/drawing/2014/main" id="{791931FE-24F2-45B3-8F7A-E3D18AB07F24}"/>
+              </a:ext>
+            </a:extLst>
+          </p:cNvPr>
+          <p:cNvPicPr>
+            <a:picLocks noChangeAspect="1"/>
+          </p:cNvPicPr>
+          <p:nvPr/>
+        </p:nvPicPr>
+        <p:blipFill>
+          <a:blip r:embed="rId4"/>
+          <a:stretch>
+            <a:fillRect/>
+          </a:stretch>
+        </p:blipFill>
+        <p:spPr>
+          <a:xfrm>
+            <a:off x="7524547" y="1870446"/>
+            <a:ext cx="3524250" cy="1171575"/>
+          </a:xfrm>
+          <a:prstGeom prst="rect">
+            <a:avLst/>
+          </a:prstGeom>
+        </p:spPr>
+      </p:pic>
+      <p:sp>
+        <p:nvSpPr>
+          <p:cNvPr id="5" name="矩形 4">
+            <a:extLst>
+              <a:ext uri="{FF2B5EF4-FFF2-40B4-BE49-F238E27FC236}">
+                <a16:creationId xmlns:a16="http://schemas.microsoft.com/office/drawing/2014/main" id="{B3B7F17C-F975-45F4-9B58-4A9F56FA683F}"/>
+              </a:ext>
+            </a:extLst>
+          </p:cNvPr>
+          <p:cNvSpPr/>
+          <p:nvPr/>
+        </p:nvSpPr>
+        <p:spPr>
+          <a:xfrm>
+            <a:off x="1094564" y="3864219"/>
+            <a:ext cx="5111683" cy="2475761"/>
+          </a:xfrm>
+          <a:prstGeom prst="rect">
+            <a:avLst/>
+          </a:prstGeom>
+          <a:solidFill>
+            <a:schemeClr val="accent2">
+              <a:lumMod val="60000"/>
+              <a:lumOff val="40000"/>
+              <a:alpha val="41000"/>
+            </a:schemeClr>
+          </a:solidFill>
+          <a:ln>
+            <a:noFill/>
+          </a:ln>
+        </p:spPr>
+        <p:style>
+          <a:lnRef idx="2">
+            <a:schemeClr val="accent1">
+              <a:shade val="50000"/>
+            </a:schemeClr>
+          </a:lnRef>
+          <a:fillRef idx="1">
+            <a:schemeClr val="accent1"/>
+          </a:fillRef>
+          <a:effectRef idx="0">
+            <a:schemeClr val="accent1"/>
+          </a:effectRef>
+          <a:fontRef idx="minor">
+            <a:schemeClr val="lt1"/>
+          </a:fontRef>
+        </p:style>
+        <p:txBody>
+          <a:bodyPr rtlCol="0" anchor="ctr"/>
+          <a:lstStyle/>
+          <a:p>
+            <a:pPr algn="ctr"/>
+            <a:endParaRPr lang="zh-CN" altLang="en-US"/>
+          </a:p>
+        </p:txBody>
+      </p:sp>
+      <p:pic>
+        <p:nvPicPr>
+          <p:cNvPr id="11" name="图片 10">
+            <a:extLst>
+              <a:ext uri="{FF2B5EF4-FFF2-40B4-BE49-F238E27FC236}">
+                <a16:creationId xmlns:a16="http://schemas.microsoft.com/office/drawing/2014/main" id="{916A50EA-9481-4879-81A6-EA1D1AB96DA2}"/>
+              </a:ext>
+            </a:extLst>
+          </p:cNvPr>
+          <p:cNvPicPr>
+            <a:picLocks noChangeAspect="1"/>
+          </p:cNvPicPr>
+          <p:nvPr/>
+        </p:nvPicPr>
+        <p:blipFill>
+          <a:blip r:embed="rId5"/>
+          <a:stretch>
+            <a:fillRect/>
+          </a:stretch>
+        </p:blipFill>
+        <p:spPr>
+          <a:xfrm>
+            <a:off x="7524547" y="4162020"/>
+            <a:ext cx="4305300" cy="1238250"/>
+          </a:xfrm>
+          <a:prstGeom prst="rect">
+            <a:avLst/>
+          </a:prstGeom>
+        </p:spPr>
+      </p:pic>
+      <p:cxnSp>
+        <p:nvCxnSpPr>
+          <p:cNvPr id="13" name="直接箭头连接符 12">
+            <a:extLst>
+              <a:ext uri="{FF2B5EF4-FFF2-40B4-BE49-F238E27FC236}">
+                <a16:creationId xmlns:a16="http://schemas.microsoft.com/office/drawing/2014/main" id="{821DE16F-C88B-4B05-817E-9B3A52B18D7F}"/>
+              </a:ext>
+            </a:extLst>
+          </p:cNvPr>
+          <p:cNvCxnSpPr/>
+          <p:nvPr/>
+        </p:nvCxnSpPr>
+        <p:spPr>
+          <a:xfrm flipV="1">
+            <a:off x="6371617" y="2675106"/>
+            <a:ext cx="972766" cy="2315183"/>
+          </a:xfrm>
+          <a:prstGeom prst="straightConnector1">
+            <a:avLst/>
+          </a:prstGeom>
+          <a:ln w="19050">
+            <a:tailEnd type="triangle"/>
+          </a:ln>
+        </p:spPr>
+        <p:style>
+          <a:lnRef idx="1">
+            <a:schemeClr val="accent1"/>
+          </a:lnRef>
+          <a:fillRef idx="0">
+            <a:schemeClr val="accent1"/>
+          </a:fillRef>
+          <a:effectRef idx="0">
+            <a:schemeClr val="accent1"/>
+          </a:effectRef>
+          <a:fontRef idx="minor">
+            <a:schemeClr val="tx1"/>
+          </a:fontRef>
+        </p:style>
+      </p:cxnSp>
+      <p:cxnSp>
+        <p:nvCxnSpPr>
+          <p:cNvPr id="16" name="直接箭头连接符 15">
+            <a:extLst>
+              <a:ext uri="{FF2B5EF4-FFF2-40B4-BE49-F238E27FC236}">
+                <a16:creationId xmlns:a16="http://schemas.microsoft.com/office/drawing/2014/main" id="{8E45C2DD-C565-4C9F-B3C7-1119821595A3}"/>
+              </a:ext>
+            </a:extLst>
+          </p:cNvPr>
+          <p:cNvCxnSpPr>
+            <a:cxnSpLocks/>
+          </p:cNvCxnSpPr>
+          <p:nvPr/>
+        </p:nvCxnSpPr>
+        <p:spPr>
+          <a:xfrm flipH="1">
+            <a:off x="9409889" y="3192420"/>
+            <a:ext cx="1" cy="819201"/>
+          </a:xfrm>
+          <a:prstGeom prst="straightConnector1">
+            <a:avLst/>
+          </a:prstGeom>
+          <a:ln w="19050">
+            <a:tailEnd type="triangle"/>
+          </a:ln>
+        </p:spPr>
+        <p:style>
+          <a:lnRef idx="1">
+            <a:schemeClr val="accent1"/>
+          </a:lnRef>
+          <a:fillRef idx="0">
+            <a:schemeClr val="accent1"/>
+          </a:fillRef>
+          <a:effectRef idx="0">
+            <a:schemeClr val="accent1"/>
+          </a:effectRef>
+          <a:fontRef idx="minor">
+            <a:schemeClr val="tx1"/>
+          </a:fontRef>
+        </p:style>
+      </p:cxnSp>
+    </p:spTree>
+    <p:extLst>
+      <p:ext uri="{BB962C8B-B14F-4D97-AF65-F5344CB8AC3E}">
+        <p14:creationId xmlns:p14="http://schemas.microsoft.com/office/powerpoint/2010/main" val="1747350922"/>
+      </p:ext>
+    </p:extLst>
+  </p:cSld>
+  <p:clrMapOvr>
+    <a:masterClrMapping/>
+  </p:clrMapOvr>
+  <mc:AlternateContent xmlns:mc="http://schemas.openxmlformats.org/markup-compatibility/2006" xmlns:p159="http://schemas.microsoft.com/office/powerpoint/2015/09/main">
+    <mc:Choice Requires="p159">
+      <p:transition xmlns:p14="http://schemas.microsoft.com/office/powerpoint/2010/main" spd="slow" p14:dur="2000">
+        <p159:morph option="byObject"/>
+      </p:transition>
+    </mc:Choice>
+    <mc:Fallback xmlns="">
+      <p:transition spd="slow">
+        <p:fade/>
+      </p:transition>
+    </mc:Fallback>
+  </mc:AlternateContent>
 </p:sld>
 </file>
 
@@ -10773,6 +12205,1586 @@
     <p:extLst>
       <p:ext uri="{BB962C8B-B14F-4D97-AF65-F5344CB8AC3E}">
         <p14:creationId xmlns:p14="http://schemas.microsoft.com/office/powerpoint/2010/main" val="3851381751"/>
+      </p:ext>
+    </p:extLst>
+  </p:cSld>
+  <p:clrMapOvr>
+    <a:masterClrMapping/>
+  </p:clrMapOvr>
+</p:sld>
+</file>
+
+<file path=ppt/slides/slide20.xml><?xml version="1.0" encoding="utf-8"?>
+<p:sld xmlns:a="http://schemas.openxmlformats.org/drawingml/2006/main" xmlns:r="http://schemas.openxmlformats.org/officeDocument/2006/relationships" xmlns:p="http://schemas.openxmlformats.org/presentationml/2006/main">
+  <p:cSld>
+    <p:spTree>
+      <p:nvGrpSpPr>
+        <p:cNvPr id="1" name=""/>
+        <p:cNvGrpSpPr/>
+        <p:nvPr/>
+      </p:nvGrpSpPr>
+      <p:grpSpPr>
+        <a:xfrm>
+          <a:off x="0" y="0"/>
+          <a:ext cx="0" cy="0"/>
+          <a:chOff x="0" y="0"/>
+          <a:chExt cx="0" cy="0"/>
+        </a:xfrm>
+      </p:grpSpPr>
+      <p:sp>
+        <p:nvSpPr>
+          <p:cNvPr id="2" name="标题 1">
+            <a:extLst>
+              <a:ext uri="{FF2B5EF4-FFF2-40B4-BE49-F238E27FC236}">
+                <a16:creationId xmlns:a16="http://schemas.microsoft.com/office/drawing/2014/main" id="{16177BAB-1C47-4361-BB6E-970B64C9D987}"/>
+              </a:ext>
+            </a:extLst>
+          </p:cNvPr>
+          <p:cNvSpPr>
+            <a:spLocks noGrp="1"/>
+          </p:cNvSpPr>
+          <p:nvPr>
+            <p:ph type="ctrTitle"/>
+          </p:nvPr>
+        </p:nvSpPr>
+        <p:spPr>
+          <a:xfrm>
+            <a:off x="123825" y="438011"/>
+            <a:ext cx="5932170" cy="782273"/>
+          </a:xfrm>
+        </p:spPr>
+        <p:txBody>
+          <a:bodyPr>
+            <a:normAutofit/>
+          </a:bodyPr>
+          <a:lstStyle/>
+          <a:p>
+            <a:r>
+              <a:rPr lang="en-US" altLang="zh-CN" sz="4000" dirty="0"/>
+              <a:t>MAPLE IR</a:t>
+            </a:r>
+            <a:r>
+              <a:rPr lang="zh-CN" altLang="en-US" sz="4000" dirty="0"/>
+              <a:t>中的向下转化</a:t>
+            </a:r>
+          </a:p>
+        </p:txBody>
+      </p:sp>
+      <p:pic>
+        <p:nvPicPr>
+          <p:cNvPr id="10" name="图片 9">
+            <a:extLst>
+              <a:ext uri="{FF2B5EF4-FFF2-40B4-BE49-F238E27FC236}">
+                <a16:creationId xmlns:a16="http://schemas.microsoft.com/office/drawing/2014/main" id="{3CD24278-8BCF-4D58-AFF6-12EF62F56D72}"/>
+              </a:ext>
+            </a:extLst>
+          </p:cNvPr>
+          <p:cNvPicPr>
+            <a:picLocks noChangeAspect="1"/>
+          </p:cNvPicPr>
+          <p:nvPr/>
+        </p:nvPicPr>
+        <p:blipFill>
+          <a:blip r:embed="rId3"/>
+          <a:stretch>
+            <a:fillRect/>
+          </a:stretch>
+        </p:blipFill>
+        <p:spPr>
+          <a:xfrm>
+            <a:off x="584835" y="1666874"/>
+            <a:ext cx="5581650" cy="3838575"/>
+          </a:xfrm>
+          <a:prstGeom prst="rect">
+            <a:avLst/>
+          </a:prstGeom>
+          <a:ln>
+            <a:noFill/>
+          </a:ln>
+          <a:effectLst>
+            <a:outerShdw blurRad="292100" dist="139700" dir="2700000" algn="tl" rotWithShape="0">
+              <a:srgbClr val="333333">
+                <a:alpha val="65000"/>
+              </a:srgbClr>
+            </a:outerShdw>
+          </a:effectLst>
+        </p:spPr>
+      </p:pic>
+      <p:pic>
+        <p:nvPicPr>
+          <p:cNvPr id="17" name="图片 16">
+            <a:extLst>
+              <a:ext uri="{FF2B5EF4-FFF2-40B4-BE49-F238E27FC236}">
+                <a16:creationId xmlns:a16="http://schemas.microsoft.com/office/drawing/2014/main" id="{0714518A-1418-44BD-95E8-85F646F30E81}"/>
+              </a:ext>
+            </a:extLst>
+          </p:cNvPr>
+          <p:cNvPicPr>
+            <a:picLocks noChangeAspect="1"/>
+          </p:cNvPicPr>
+          <p:nvPr/>
+        </p:nvPicPr>
+        <p:blipFill>
+          <a:blip r:embed="rId4"/>
+          <a:stretch>
+            <a:fillRect/>
+          </a:stretch>
+        </p:blipFill>
+        <p:spPr>
+          <a:xfrm>
+            <a:off x="1925955" y="2815730"/>
+            <a:ext cx="4591050" cy="3524250"/>
+          </a:xfrm>
+          <a:prstGeom prst="rect">
+            <a:avLst/>
+          </a:prstGeom>
+          <a:ln>
+            <a:noFill/>
+          </a:ln>
+          <a:effectLst>
+            <a:outerShdw blurRad="292100" dist="139700" dir="2700000" algn="tl" rotWithShape="0">
+              <a:srgbClr val="333333">
+                <a:alpha val="65000"/>
+              </a:srgbClr>
+            </a:outerShdw>
+          </a:effectLst>
+        </p:spPr>
+      </p:pic>
+      <p:sp>
+        <p:nvSpPr>
+          <p:cNvPr id="19" name="矩形 18">
+            <a:extLst>
+              <a:ext uri="{FF2B5EF4-FFF2-40B4-BE49-F238E27FC236}">
+                <a16:creationId xmlns:a16="http://schemas.microsoft.com/office/drawing/2014/main" id="{65EE8BEF-DD27-45F5-94FC-375248A15B7F}"/>
+              </a:ext>
+            </a:extLst>
+          </p:cNvPr>
+          <p:cNvSpPr/>
+          <p:nvPr/>
+        </p:nvSpPr>
+        <p:spPr>
+          <a:xfrm>
+            <a:off x="584835" y="1666874"/>
+            <a:ext cx="1457326" cy="314325"/>
+          </a:xfrm>
+          <a:prstGeom prst="rect">
+            <a:avLst/>
+          </a:prstGeom>
+          <a:solidFill>
+            <a:schemeClr val="accent2">
+              <a:lumMod val="60000"/>
+              <a:lumOff val="40000"/>
+              <a:alpha val="41000"/>
+            </a:schemeClr>
+          </a:solidFill>
+          <a:ln>
+            <a:noFill/>
+          </a:ln>
+        </p:spPr>
+        <p:style>
+          <a:lnRef idx="2">
+            <a:schemeClr val="accent1">
+              <a:shade val="50000"/>
+            </a:schemeClr>
+          </a:lnRef>
+          <a:fillRef idx="1">
+            <a:schemeClr val="accent1"/>
+          </a:fillRef>
+          <a:effectRef idx="0">
+            <a:schemeClr val="accent1"/>
+          </a:effectRef>
+          <a:fontRef idx="minor">
+            <a:schemeClr val="lt1"/>
+          </a:fontRef>
+        </p:style>
+        <p:txBody>
+          <a:bodyPr rtlCol="0" anchor="ctr"/>
+          <a:lstStyle/>
+          <a:p>
+            <a:pPr algn="ctr"/>
+            <a:endParaRPr lang="zh-CN" altLang="en-US"/>
+          </a:p>
+        </p:txBody>
+      </p:sp>
+      <p:sp>
+        <p:nvSpPr>
+          <p:cNvPr id="21" name="矩形 20">
+            <a:extLst>
+              <a:ext uri="{FF2B5EF4-FFF2-40B4-BE49-F238E27FC236}">
+                <a16:creationId xmlns:a16="http://schemas.microsoft.com/office/drawing/2014/main" id="{13C3965C-7547-4766-942A-F88194CFAD33}"/>
+              </a:ext>
+            </a:extLst>
+          </p:cNvPr>
+          <p:cNvSpPr/>
+          <p:nvPr/>
+        </p:nvSpPr>
+        <p:spPr>
+          <a:xfrm>
+            <a:off x="1804555" y="2867164"/>
+            <a:ext cx="1656529" cy="266379"/>
+          </a:xfrm>
+          <a:prstGeom prst="rect">
+            <a:avLst/>
+          </a:prstGeom>
+          <a:solidFill>
+            <a:schemeClr val="accent2">
+              <a:lumMod val="60000"/>
+              <a:lumOff val="40000"/>
+              <a:alpha val="41000"/>
+            </a:schemeClr>
+          </a:solidFill>
+          <a:ln>
+            <a:noFill/>
+          </a:ln>
+        </p:spPr>
+        <p:style>
+          <a:lnRef idx="2">
+            <a:schemeClr val="accent1">
+              <a:shade val="50000"/>
+            </a:schemeClr>
+          </a:lnRef>
+          <a:fillRef idx="1">
+            <a:schemeClr val="accent1"/>
+          </a:fillRef>
+          <a:effectRef idx="0">
+            <a:schemeClr val="accent1"/>
+          </a:effectRef>
+          <a:fontRef idx="minor">
+            <a:schemeClr val="lt1"/>
+          </a:fontRef>
+        </p:style>
+        <p:txBody>
+          <a:bodyPr rtlCol="0" anchor="ctr"/>
+          <a:lstStyle/>
+          <a:p>
+            <a:pPr algn="ctr"/>
+            <a:endParaRPr lang="zh-CN" altLang="en-US"/>
+          </a:p>
+        </p:txBody>
+      </p:sp>
+      <p:sp>
+        <p:nvSpPr>
+          <p:cNvPr id="31" name="矩形 30">
+            <a:extLst>
+              <a:ext uri="{FF2B5EF4-FFF2-40B4-BE49-F238E27FC236}">
+                <a16:creationId xmlns:a16="http://schemas.microsoft.com/office/drawing/2014/main" id="{FA2A8E50-9589-4FAD-A791-D003BCAD7DB7}"/>
+              </a:ext>
+            </a:extLst>
+          </p:cNvPr>
+          <p:cNvSpPr/>
+          <p:nvPr/>
+        </p:nvSpPr>
+        <p:spPr>
+          <a:xfrm>
+            <a:off x="6955789" y="1768012"/>
+            <a:ext cx="1715771" cy="620482"/>
+          </a:xfrm>
+          <a:prstGeom prst="rect">
+            <a:avLst/>
+          </a:prstGeom>
+          <a:noFill/>
+        </p:spPr>
+        <p:style>
+          <a:lnRef idx="2">
+            <a:schemeClr val="accent1">
+              <a:shade val="50000"/>
+            </a:schemeClr>
+          </a:lnRef>
+          <a:fillRef idx="1">
+            <a:schemeClr val="accent1"/>
+          </a:fillRef>
+          <a:effectRef idx="0">
+            <a:schemeClr val="accent1"/>
+          </a:effectRef>
+          <a:fontRef idx="minor">
+            <a:schemeClr val="lt1"/>
+          </a:fontRef>
+        </p:style>
+        <p:txBody>
+          <a:bodyPr rtlCol="0" anchor="ctr"/>
+          <a:lstStyle/>
+          <a:p>
+            <a:pPr algn="ctr"/>
+            <a:r>
+              <a:rPr lang="en-US" altLang="zh-CN" dirty="0" err="1">
+                <a:solidFill>
+                  <a:schemeClr val="tx1"/>
+                </a:solidFill>
+              </a:rPr>
+              <a:t>BaseNode</a:t>
+            </a:r>
+            <a:endParaRPr lang="zh-CN" altLang="en-US" dirty="0">
+              <a:solidFill>
+                <a:schemeClr val="tx1"/>
+              </a:solidFill>
+            </a:endParaRPr>
+          </a:p>
+        </p:txBody>
+      </p:sp>
+      <p:sp>
+        <p:nvSpPr>
+          <p:cNvPr id="32" name="矩形 31">
+            <a:extLst>
+              <a:ext uri="{FF2B5EF4-FFF2-40B4-BE49-F238E27FC236}">
+                <a16:creationId xmlns:a16="http://schemas.microsoft.com/office/drawing/2014/main" id="{DDF9C8C6-EDF6-4E86-A8D3-4BA17B669C6B}"/>
+              </a:ext>
+            </a:extLst>
+          </p:cNvPr>
+          <p:cNvSpPr/>
+          <p:nvPr/>
+        </p:nvSpPr>
+        <p:spPr>
+          <a:xfrm>
+            <a:off x="9654386" y="1768012"/>
+            <a:ext cx="2266650" cy="620482"/>
+          </a:xfrm>
+          <a:prstGeom prst="rect">
+            <a:avLst/>
+          </a:prstGeom>
+          <a:noFill/>
+        </p:spPr>
+        <p:style>
+          <a:lnRef idx="2">
+            <a:schemeClr val="accent1">
+              <a:shade val="50000"/>
+            </a:schemeClr>
+          </a:lnRef>
+          <a:fillRef idx="1">
+            <a:schemeClr val="accent1"/>
+          </a:fillRef>
+          <a:effectRef idx="0">
+            <a:schemeClr val="accent1"/>
+          </a:effectRef>
+          <a:fontRef idx="minor">
+            <a:schemeClr val="lt1"/>
+          </a:fontRef>
+        </p:style>
+        <p:txBody>
+          <a:bodyPr rtlCol="0" anchor="ctr"/>
+          <a:lstStyle/>
+          <a:p>
+            <a:pPr algn="ctr"/>
+            <a:r>
+              <a:rPr lang="en-US" altLang="zh-CN" dirty="0" err="1">
+                <a:solidFill>
+                  <a:schemeClr val="tx1"/>
+                </a:solidFill>
+              </a:rPr>
+              <a:t>PtrListNodeBase</a:t>
+            </a:r>
+            <a:endParaRPr lang="en-US" altLang="zh-CN" dirty="0">
+              <a:solidFill>
+                <a:schemeClr val="tx1"/>
+              </a:solidFill>
+            </a:endParaRPr>
+          </a:p>
+          <a:p>
+            <a:pPr algn="ctr"/>
+            <a:r>
+              <a:rPr lang="en-US" altLang="zh-CN" dirty="0">
+                <a:solidFill>
+                  <a:schemeClr val="tx1"/>
+                </a:solidFill>
+              </a:rPr>
+              <a:t>&lt;</a:t>
+            </a:r>
+            <a:r>
+              <a:rPr lang="en-US" altLang="zh-CN" dirty="0" err="1">
+                <a:solidFill>
+                  <a:schemeClr val="tx1"/>
+                </a:solidFill>
+              </a:rPr>
+              <a:t>StmNode</a:t>
+            </a:r>
+            <a:r>
+              <a:rPr lang="en-US" altLang="zh-CN" dirty="0">
+                <a:solidFill>
+                  <a:schemeClr val="tx1"/>
+                </a:solidFill>
+              </a:rPr>
+              <a:t>&gt;</a:t>
+            </a:r>
+            <a:endParaRPr lang="zh-CN" altLang="en-US" dirty="0">
+              <a:solidFill>
+                <a:schemeClr val="tx1"/>
+              </a:solidFill>
+            </a:endParaRPr>
+          </a:p>
+        </p:txBody>
+      </p:sp>
+      <p:sp>
+        <p:nvSpPr>
+          <p:cNvPr id="33" name="矩形 32">
+            <a:extLst>
+              <a:ext uri="{FF2B5EF4-FFF2-40B4-BE49-F238E27FC236}">
+                <a16:creationId xmlns:a16="http://schemas.microsoft.com/office/drawing/2014/main" id="{5E5FA23C-BAAF-4327-88B1-432786A7C256}"/>
+              </a:ext>
+            </a:extLst>
+          </p:cNvPr>
+          <p:cNvSpPr/>
+          <p:nvPr/>
+        </p:nvSpPr>
+        <p:spPr>
+          <a:xfrm>
+            <a:off x="8341675" y="2863329"/>
+            <a:ext cx="1828913" cy="620482"/>
+          </a:xfrm>
+          <a:prstGeom prst="rect">
+            <a:avLst/>
+          </a:prstGeom>
+          <a:noFill/>
+        </p:spPr>
+        <p:style>
+          <a:lnRef idx="2">
+            <a:schemeClr val="accent1">
+              <a:shade val="50000"/>
+            </a:schemeClr>
+          </a:lnRef>
+          <a:fillRef idx="1">
+            <a:schemeClr val="accent1"/>
+          </a:fillRef>
+          <a:effectRef idx="0">
+            <a:schemeClr val="accent1"/>
+          </a:effectRef>
+          <a:fontRef idx="minor">
+            <a:schemeClr val="lt1"/>
+          </a:fontRef>
+        </p:style>
+        <p:txBody>
+          <a:bodyPr rtlCol="0" anchor="ctr"/>
+          <a:lstStyle/>
+          <a:p>
+            <a:pPr algn="ctr"/>
+            <a:r>
+              <a:rPr lang="en-US" altLang="zh-CN" dirty="0" err="1">
+                <a:solidFill>
+                  <a:schemeClr val="tx1"/>
+                </a:solidFill>
+              </a:rPr>
+              <a:t>StmtNode</a:t>
+            </a:r>
+            <a:endParaRPr lang="zh-CN" altLang="en-US" dirty="0">
+              <a:solidFill>
+                <a:schemeClr val="tx1"/>
+              </a:solidFill>
+            </a:endParaRPr>
+          </a:p>
+        </p:txBody>
+      </p:sp>
+      <p:sp>
+        <p:nvSpPr>
+          <p:cNvPr id="34" name="矩形 33">
+            <a:extLst>
+              <a:ext uri="{FF2B5EF4-FFF2-40B4-BE49-F238E27FC236}">
+                <a16:creationId xmlns:a16="http://schemas.microsoft.com/office/drawing/2014/main" id="{F16632E5-723E-46BA-BEB5-757B86F1A9C7}"/>
+              </a:ext>
+            </a:extLst>
+          </p:cNvPr>
+          <p:cNvSpPr/>
+          <p:nvPr/>
+        </p:nvSpPr>
+        <p:spPr>
+          <a:xfrm>
+            <a:off x="7046274" y="4014165"/>
+            <a:ext cx="1828913" cy="620482"/>
+          </a:xfrm>
+          <a:prstGeom prst="rect">
+            <a:avLst/>
+          </a:prstGeom>
+          <a:noFill/>
+        </p:spPr>
+        <p:style>
+          <a:lnRef idx="2">
+            <a:schemeClr val="accent1">
+              <a:shade val="50000"/>
+            </a:schemeClr>
+          </a:lnRef>
+          <a:fillRef idx="1">
+            <a:schemeClr val="accent1"/>
+          </a:fillRef>
+          <a:effectRef idx="0">
+            <a:schemeClr val="accent1"/>
+          </a:effectRef>
+          <a:fontRef idx="minor">
+            <a:schemeClr val="lt1"/>
+          </a:fontRef>
+        </p:style>
+        <p:txBody>
+          <a:bodyPr rtlCol="0" anchor="ctr"/>
+          <a:lstStyle/>
+          <a:p>
+            <a:pPr algn="ctr"/>
+            <a:r>
+              <a:rPr lang="en-US" altLang="zh-CN" dirty="0" err="1">
+                <a:solidFill>
+                  <a:schemeClr val="tx1"/>
+                </a:solidFill>
+              </a:rPr>
+              <a:t>UnaryStmtNode</a:t>
+            </a:r>
+            <a:endParaRPr lang="zh-CN" altLang="en-US" dirty="0">
+              <a:solidFill>
+                <a:schemeClr val="tx1"/>
+              </a:solidFill>
+            </a:endParaRPr>
+          </a:p>
+        </p:txBody>
+      </p:sp>
+      <p:sp>
+        <p:nvSpPr>
+          <p:cNvPr id="35" name="矩形 34">
+            <a:extLst>
+              <a:ext uri="{FF2B5EF4-FFF2-40B4-BE49-F238E27FC236}">
+                <a16:creationId xmlns:a16="http://schemas.microsoft.com/office/drawing/2014/main" id="{46E6C9CA-FB83-49C1-9A55-912186459DFE}"/>
+              </a:ext>
+            </a:extLst>
+          </p:cNvPr>
+          <p:cNvSpPr/>
+          <p:nvPr/>
+        </p:nvSpPr>
+        <p:spPr>
+          <a:xfrm>
+            <a:off x="7046274" y="4982121"/>
+            <a:ext cx="1828913" cy="620482"/>
+          </a:xfrm>
+          <a:prstGeom prst="rect">
+            <a:avLst/>
+          </a:prstGeom>
+          <a:noFill/>
+        </p:spPr>
+        <p:style>
+          <a:lnRef idx="2">
+            <a:schemeClr val="accent1">
+              <a:shade val="50000"/>
+            </a:schemeClr>
+          </a:lnRef>
+          <a:fillRef idx="1">
+            <a:schemeClr val="accent1"/>
+          </a:fillRef>
+          <a:effectRef idx="0">
+            <a:schemeClr val="accent1"/>
+          </a:effectRef>
+          <a:fontRef idx="minor">
+            <a:schemeClr val="lt1"/>
+          </a:fontRef>
+        </p:style>
+        <p:txBody>
+          <a:bodyPr rtlCol="0" anchor="ctr"/>
+          <a:lstStyle/>
+          <a:p>
+            <a:pPr algn="ctr"/>
+            <a:r>
+              <a:rPr lang="en-US" altLang="zh-CN" dirty="0" err="1">
+                <a:solidFill>
+                  <a:schemeClr val="tx1"/>
+                </a:solidFill>
+              </a:rPr>
+              <a:t>IfStmtNode</a:t>
+            </a:r>
+            <a:endParaRPr lang="zh-CN" altLang="en-US" dirty="0">
+              <a:solidFill>
+                <a:schemeClr val="tx1"/>
+              </a:solidFill>
+            </a:endParaRPr>
+          </a:p>
+        </p:txBody>
+      </p:sp>
+      <p:cxnSp>
+        <p:nvCxnSpPr>
+          <p:cNvPr id="36" name="直接箭头连接符 35">
+            <a:extLst>
+              <a:ext uri="{FF2B5EF4-FFF2-40B4-BE49-F238E27FC236}">
+                <a16:creationId xmlns:a16="http://schemas.microsoft.com/office/drawing/2014/main" id="{C5C9BDE4-E236-4181-9278-CAB46FF74728}"/>
+              </a:ext>
+            </a:extLst>
+          </p:cNvPr>
+          <p:cNvCxnSpPr>
+            <a:cxnSpLocks/>
+            <a:stCxn id="33" idx="0"/>
+            <a:endCxn id="31" idx="2"/>
+          </p:cNvCxnSpPr>
+          <p:nvPr/>
+        </p:nvCxnSpPr>
+        <p:spPr>
+          <a:xfrm flipH="1" flipV="1">
+            <a:off x="7813675" y="2388494"/>
+            <a:ext cx="1442457" cy="474835"/>
+          </a:xfrm>
+          <a:prstGeom prst="straightConnector1">
+            <a:avLst/>
+          </a:prstGeom>
+          <a:ln>
+            <a:tailEnd type="triangle"/>
+          </a:ln>
+        </p:spPr>
+        <p:style>
+          <a:lnRef idx="1">
+            <a:schemeClr val="accent1"/>
+          </a:lnRef>
+          <a:fillRef idx="0">
+            <a:schemeClr val="accent1"/>
+          </a:fillRef>
+          <a:effectRef idx="0">
+            <a:schemeClr val="accent1"/>
+          </a:effectRef>
+          <a:fontRef idx="minor">
+            <a:schemeClr val="tx1"/>
+          </a:fontRef>
+        </p:style>
+      </p:cxnSp>
+      <p:cxnSp>
+        <p:nvCxnSpPr>
+          <p:cNvPr id="37" name="直接箭头连接符 36">
+            <a:extLst>
+              <a:ext uri="{FF2B5EF4-FFF2-40B4-BE49-F238E27FC236}">
+                <a16:creationId xmlns:a16="http://schemas.microsoft.com/office/drawing/2014/main" id="{B949AAF8-8706-4DAA-951B-8D3B080DCF21}"/>
+              </a:ext>
+            </a:extLst>
+          </p:cNvPr>
+          <p:cNvCxnSpPr>
+            <a:cxnSpLocks/>
+            <a:stCxn id="33" idx="0"/>
+            <a:endCxn id="32" idx="2"/>
+          </p:cNvCxnSpPr>
+          <p:nvPr/>
+        </p:nvCxnSpPr>
+        <p:spPr>
+          <a:xfrm flipV="1">
+            <a:off x="9256132" y="2388494"/>
+            <a:ext cx="1531579" cy="474835"/>
+          </a:xfrm>
+          <a:prstGeom prst="straightConnector1">
+            <a:avLst/>
+          </a:prstGeom>
+          <a:ln>
+            <a:tailEnd type="triangle"/>
+          </a:ln>
+        </p:spPr>
+        <p:style>
+          <a:lnRef idx="1">
+            <a:schemeClr val="accent1"/>
+          </a:lnRef>
+          <a:fillRef idx="0">
+            <a:schemeClr val="accent1"/>
+          </a:fillRef>
+          <a:effectRef idx="0">
+            <a:schemeClr val="accent1"/>
+          </a:effectRef>
+          <a:fontRef idx="minor">
+            <a:schemeClr val="tx1"/>
+          </a:fontRef>
+        </p:style>
+      </p:cxnSp>
+      <p:cxnSp>
+        <p:nvCxnSpPr>
+          <p:cNvPr id="38" name="直接箭头连接符 37">
+            <a:extLst>
+              <a:ext uri="{FF2B5EF4-FFF2-40B4-BE49-F238E27FC236}">
+                <a16:creationId xmlns:a16="http://schemas.microsoft.com/office/drawing/2014/main" id="{F15F8E8E-BD71-4541-84A4-53AFDFC0AD2B}"/>
+              </a:ext>
+            </a:extLst>
+          </p:cNvPr>
+          <p:cNvCxnSpPr>
+            <a:stCxn id="34" idx="0"/>
+            <a:endCxn id="33" idx="2"/>
+          </p:cNvCxnSpPr>
+          <p:nvPr/>
+        </p:nvCxnSpPr>
+        <p:spPr>
+          <a:xfrm flipV="1">
+            <a:off x="7960731" y="3483811"/>
+            <a:ext cx="1295401" cy="530354"/>
+          </a:xfrm>
+          <a:prstGeom prst="straightConnector1">
+            <a:avLst/>
+          </a:prstGeom>
+          <a:ln>
+            <a:tailEnd type="triangle"/>
+          </a:ln>
+        </p:spPr>
+        <p:style>
+          <a:lnRef idx="1">
+            <a:schemeClr val="accent1"/>
+          </a:lnRef>
+          <a:fillRef idx="0">
+            <a:schemeClr val="accent1"/>
+          </a:fillRef>
+          <a:effectRef idx="0">
+            <a:schemeClr val="accent1"/>
+          </a:effectRef>
+          <a:fontRef idx="minor">
+            <a:schemeClr val="tx1"/>
+          </a:fontRef>
+        </p:style>
+      </p:cxnSp>
+      <p:cxnSp>
+        <p:nvCxnSpPr>
+          <p:cNvPr id="39" name="直接箭头连接符 38">
+            <a:extLst>
+              <a:ext uri="{FF2B5EF4-FFF2-40B4-BE49-F238E27FC236}">
+                <a16:creationId xmlns:a16="http://schemas.microsoft.com/office/drawing/2014/main" id="{211A917F-E19E-406F-82FD-D8D00D847DDA}"/>
+              </a:ext>
+            </a:extLst>
+          </p:cNvPr>
+          <p:cNvCxnSpPr>
+            <a:stCxn id="35" idx="0"/>
+            <a:endCxn id="34" idx="2"/>
+          </p:cNvCxnSpPr>
+          <p:nvPr/>
+        </p:nvCxnSpPr>
+        <p:spPr>
+          <a:xfrm flipV="1">
+            <a:off x="7960731" y="4634647"/>
+            <a:ext cx="0" cy="347474"/>
+          </a:xfrm>
+          <a:prstGeom prst="straightConnector1">
+            <a:avLst/>
+          </a:prstGeom>
+          <a:ln>
+            <a:tailEnd type="triangle"/>
+          </a:ln>
+        </p:spPr>
+        <p:style>
+          <a:lnRef idx="1">
+            <a:schemeClr val="accent1"/>
+          </a:lnRef>
+          <a:fillRef idx="0">
+            <a:schemeClr val="accent1"/>
+          </a:fillRef>
+          <a:effectRef idx="0">
+            <a:schemeClr val="accent1"/>
+          </a:effectRef>
+          <a:fontRef idx="minor">
+            <a:schemeClr val="tx1"/>
+          </a:fontRef>
+        </p:style>
+      </p:cxnSp>
+      <p:sp>
+        <p:nvSpPr>
+          <p:cNvPr id="41" name="矩形 40">
+            <a:extLst>
+              <a:ext uri="{FF2B5EF4-FFF2-40B4-BE49-F238E27FC236}">
+                <a16:creationId xmlns:a16="http://schemas.microsoft.com/office/drawing/2014/main" id="{31C71ED2-A064-43B0-9CE4-C637D31F2E24}"/>
+              </a:ext>
+            </a:extLst>
+          </p:cNvPr>
+          <p:cNvSpPr/>
+          <p:nvPr/>
+        </p:nvSpPr>
+        <p:spPr>
+          <a:xfrm>
+            <a:off x="9873254" y="4014165"/>
+            <a:ext cx="1828913" cy="620482"/>
+          </a:xfrm>
+          <a:prstGeom prst="rect">
+            <a:avLst/>
+          </a:prstGeom>
+          <a:noFill/>
+        </p:spPr>
+        <p:style>
+          <a:lnRef idx="2">
+            <a:schemeClr val="accent1">
+              <a:shade val="50000"/>
+            </a:schemeClr>
+          </a:lnRef>
+          <a:fillRef idx="1">
+            <a:schemeClr val="accent1"/>
+          </a:fillRef>
+          <a:effectRef idx="0">
+            <a:schemeClr val="accent1"/>
+          </a:effectRef>
+          <a:fontRef idx="minor">
+            <a:schemeClr val="lt1"/>
+          </a:fontRef>
+        </p:style>
+        <p:txBody>
+          <a:bodyPr rtlCol="0" anchor="ctr"/>
+          <a:lstStyle/>
+          <a:p>
+            <a:pPr algn="ctr"/>
+            <a:r>
+              <a:rPr lang="en-US" altLang="zh-CN" dirty="0" err="1">
+                <a:solidFill>
+                  <a:schemeClr val="tx1"/>
+                </a:solidFill>
+              </a:rPr>
+              <a:t>BlockNode</a:t>
+            </a:r>
+            <a:endParaRPr lang="zh-CN" altLang="en-US" dirty="0">
+              <a:solidFill>
+                <a:schemeClr val="tx1"/>
+              </a:solidFill>
+            </a:endParaRPr>
+          </a:p>
+        </p:txBody>
+      </p:sp>
+      <p:cxnSp>
+        <p:nvCxnSpPr>
+          <p:cNvPr id="43" name="直接箭头连接符 42">
+            <a:extLst>
+              <a:ext uri="{FF2B5EF4-FFF2-40B4-BE49-F238E27FC236}">
+                <a16:creationId xmlns:a16="http://schemas.microsoft.com/office/drawing/2014/main" id="{BE17CFD9-3F1C-4908-870B-2BA8F500AD1A}"/>
+              </a:ext>
+            </a:extLst>
+          </p:cNvPr>
+          <p:cNvCxnSpPr>
+            <a:stCxn id="41" idx="0"/>
+            <a:endCxn id="33" idx="2"/>
+          </p:cNvCxnSpPr>
+          <p:nvPr/>
+        </p:nvCxnSpPr>
+        <p:spPr>
+          <a:xfrm flipH="1" flipV="1">
+            <a:off x="9256132" y="3483811"/>
+            <a:ext cx="1531579" cy="530354"/>
+          </a:xfrm>
+          <a:prstGeom prst="straightConnector1">
+            <a:avLst/>
+          </a:prstGeom>
+          <a:ln>
+            <a:tailEnd type="triangle"/>
+          </a:ln>
+        </p:spPr>
+        <p:style>
+          <a:lnRef idx="1">
+            <a:schemeClr val="accent1"/>
+          </a:lnRef>
+          <a:fillRef idx="0">
+            <a:schemeClr val="accent1"/>
+          </a:fillRef>
+          <a:effectRef idx="0">
+            <a:schemeClr val="accent1"/>
+          </a:effectRef>
+          <a:fontRef idx="minor">
+            <a:schemeClr val="tx1"/>
+          </a:fontRef>
+        </p:style>
+      </p:cxnSp>
+    </p:spTree>
+    <p:extLst>
+      <p:ext uri="{BB962C8B-B14F-4D97-AF65-F5344CB8AC3E}">
+        <p14:creationId xmlns:p14="http://schemas.microsoft.com/office/powerpoint/2010/main" val="1291230774"/>
+      </p:ext>
+    </p:extLst>
+  </p:cSld>
+  <p:clrMapOvr>
+    <a:masterClrMapping/>
+  </p:clrMapOvr>
+  <mc:AlternateContent xmlns:mc="http://schemas.openxmlformats.org/markup-compatibility/2006" xmlns:p159="http://schemas.microsoft.com/office/powerpoint/2015/09/main">
+    <mc:Choice Requires="p159">
+      <p:transition xmlns:p14="http://schemas.microsoft.com/office/powerpoint/2010/main" spd="slow" p14:dur="2000">
+        <p159:morph option="byObject"/>
+      </p:transition>
+    </mc:Choice>
+    <mc:Fallback xmlns="">
+      <p:transition spd="slow">
+        <p:fade/>
+      </p:transition>
+    </mc:Fallback>
+  </mc:AlternateContent>
+</p:sld>
+</file>
+
+<file path=ppt/slides/slide21.xml><?xml version="1.0" encoding="utf-8"?>
+<p:sld xmlns:a="http://schemas.openxmlformats.org/drawingml/2006/main" xmlns:r="http://schemas.openxmlformats.org/officeDocument/2006/relationships" xmlns:p="http://schemas.openxmlformats.org/presentationml/2006/main">
+  <p:cSld>
+    <p:spTree>
+      <p:nvGrpSpPr>
+        <p:cNvPr id="1" name=""/>
+        <p:cNvGrpSpPr/>
+        <p:nvPr/>
+      </p:nvGrpSpPr>
+      <p:grpSpPr>
+        <a:xfrm>
+          <a:off x="0" y="0"/>
+          <a:ext cx="0" cy="0"/>
+          <a:chOff x="0" y="0"/>
+          <a:chExt cx="0" cy="0"/>
+        </a:xfrm>
+      </p:grpSpPr>
+      <p:sp>
+        <p:nvSpPr>
+          <p:cNvPr id="2" name="标题 1">
+            <a:extLst>
+              <a:ext uri="{FF2B5EF4-FFF2-40B4-BE49-F238E27FC236}">
+                <a16:creationId xmlns:a16="http://schemas.microsoft.com/office/drawing/2014/main" id="{16177BAB-1C47-4361-BB6E-970B64C9D987}"/>
+              </a:ext>
+            </a:extLst>
+          </p:cNvPr>
+          <p:cNvSpPr>
+            <a:spLocks noGrp="1"/>
+          </p:cNvSpPr>
+          <p:nvPr>
+            <p:ph type="ctrTitle"/>
+          </p:nvPr>
+        </p:nvSpPr>
+        <p:spPr>
+          <a:xfrm>
+            <a:off x="123825" y="392291"/>
+            <a:ext cx="5932170" cy="782273"/>
+          </a:xfrm>
+        </p:spPr>
+        <p:txBody>
+          <a:bodyPr>
+            <a:normAutofit/>
+          </a:bodyPr>
+          <a:lstStyle/>
+          <a:p>
+            <a:r>
+              <a:rPr lang="en-US" altLang="zh-CN" sz="4000" dirty="0"/>
+              <a:t>MAPLE IR</a:t>
+            </a:r>
+            <a:r>
+              <a:rPr lang="zh-CN" altLang="en-US" sz="4000" dirty="0"/>
+              <a:t>中的向下转化</a:t>
+            </a:r>
+          </a:p>
+        </p:txBody>
+      </p:sp>
+      <p:pic>
+        <p:nvPicPr>
+          <p:cNvPr id="9" name="图片 8">
+            <a:extLst>
+              <a:ext uri="{FF2B5EF4-FFF2-40B4-BE49-F238E27FC236}">
+                <a16:creationId xmlns:a16="http://schemas.microsoft.com/office/drawing/2014/main" id="{888BF2ED-F57D-478E-A2F6-8909869C454A}"/>
+              </a:ext>
+            </a:extLst>
+          </p:cNvPr>
+          <p:cNvPicPr>
+            <a:picLocks noChangeAspect="1"/>
+          </p:cNvPicPr>
+          <p:nvPr/>
+        </p:nvPicPr>
+        <p:blipFill>
+          <a:blip r:embed="rId3"/>
+          <a:stretch>
+            <a:fillRect/>
+          </a:stretch>
+        </p:blipFill>
+        <p:spPr>
+          <a:xfrm>
+            <a:off x="585469" y="1753552"/>
+            <a:ext cx="4905375" cy="3990975"/>
+          </a:xfrm>
+          <a:prstGeom prst="rect">
+            <a:avLst/>
+          </a:prstGeom>
+          <a:ln>
+            <a:noFill/>
+          </a:ln>
+          <a:effectLst>
+            <a:outerShdw blurRad="292100" dist="139700" dir="2700000" algn="tl" rotWithShape="0">
+              <a:srgbClr val="333333">
+                <a:alpha val="65000"/>
+              </a:srgbClr>
+            </a:outerShdw>
+          </a:effectLst>
+        </p:spPr>
+      </p:pic>
+      <p:sp>
+        <p:nvSpPr>
+          <p:cNvPr id="11" name="矩形 10">
+            <a:extLst>
+              <a:ext uri="{FF2B5EF4-FFF2-40B4-BE49-F238E27FC236}">
+                <a16:creationId xmlns:a16="http://schemas.microsoft.com/office/drawing/2014/main" id="{7C5E56D8-033D-441F-90A8-FCD97DA3FB6D}"/>
+              </a:ext>
+            </a:extLst>
+          </p:cNvPr>
+          <p:cNvSpPr/>
+          <p:nvPr/>
+        </p:nvSpPr>
+        <p:spPr>
+          <a:xfrm>
+            <a:off x="585469" y="1704558"/>
+            <a:ext cx="1457326" cy="314325"/>
+          </a:xfrm>
+          <a:prstGeom prst="rect">
+            <a:avLst/>
+          </a:prstGeom>
+          <a:solidFill>
+            <a:schemeClr val="accent2">
+              <a:lumMod val="60000"/>
+              <a:lumOff val="40000"/>
+              <a:alpha val="41000"/>
+            </a:schemeClr>
+          </a:solidFill>
+          <a:ln>
+            <a:noFill/>
+          </a:ln>
+        </p:spPr>
+        <p:style>
+          <a:lnRef idx="2">
+            <a:schemeClr val="accent1">
+              <a:shade val="50000"/>
+            </a:schemeClr>
+          </a:lnRef>
+          <a:fillRef idx="1">
+            <a:schemeClr val="accent1"/>
+          </a:fillRef>
+          <a:effectRef idx="0">
+            <a:schemeClr val="accent1"/>
+          </a:effectRef>
+          <a:fontRef idx="minor">
+            <a:schemeClr val="lt1"/>
+          </a:fontRef>
+        </p:style>
+        <p:txBody>
+          <a:bodyPr rtlCol="0" anchor="ctr"/>
+          <a:lstStyle/>
+          <a:p>
+            <a:pPr algn="ctr"/>
+            <a:endParaRPr lang="zh-CN" altLang="en-US"/>
+          </a:p>
+        </p:txBody>
+      </p:sp>
+      <p:sp>
+        <p:nvSpPr>
+          <p:cNvPr id="28" name="矩形 27">
+            <a:extLst>
+              <a:ext uri="{FF2B5EF4-FFF2-40B4-BE49-F238E27FC236}">
+                <a16:creationId xmlns:a16="http://schemas.microsoft.com/office/drawing/2014/main" id="{39DCE3A2-09A3-4CEC-BBA3-F679647A3C01}"/>
+              </a:ext>
+            </a:extLst>
+          </p:cNvPr>
+          <p:cNvSpPr/>
+          <p:nvPr/>
+        </p:nvSpPr>
+        <p:spPr>
+          <a:xfrm>
+            <a:off x="8401689" y="3331137"/>
+            <a:ext cx="1492883" cy="620482"/>
+          </a:xfrm>
+          <a:prstGeom prst="rect">
+            <a:avLst/>
+          </a:prstGeom>
+          <a:noFill/>
+        </p:spPr>
+        <p:style>
+          <a:lnRef idx="2">
+            <a:schemeClr val="accent1">
+              <a:shade val="50000"/>
+            </a:schemeClr>
+          </a:lnRef>
+          <a:fillRef idx="1">
+            <a:schemeClr val="accent1"/>
+          </a:fillRef>
+          <a:effectRef idx="0">
+            <a:schemeClr val="accent1"/>
+          </a:effectRef>
+          <a:fontRef idx="minor">
+            <a:schemeClr val="lt1"/>
+          </a:fontRef>
+        </p:style>
+        <p:txBody>
+          <a:bodyPr rtlCol="0" anchor="ctr"/>
+          <a:lstStyle/>
+          <a:p>
+            <a:pPr algn="ctr"/>
+            <a:r>
+              <a:rPr lang="en-US" altLang="zh-CN" dirty="0" err="1">
+                <a:solidFill>
+                  <a:schemeClr val="tx1"/>
+                </a:solidFill>
+              </a:rPr>
+              <a:t>BaseNode</a:t>
+            </a:r>
+            <a:endParaRPr lang="zh-CN" altLang="en-US" dirty="0">
+              <a:solidFill>
+                <a:schemeClr val="tx1"/>
+              </a:solidFill>
+            </a:endParaRPr>
+          </a:p>
+        </p:txBody>
+      </p:sp>
+      <p:sp>
+        <p:nvSpPr>
+          <p:cNvPr id="29" name="矩形 28">
+            <a:extLst>
+              <a:ext uri="{FF2B5EF4-FFF2-40B4-BE49-F238E27FC236}">
+                <a16:creationId xmlns:a16="http://schemas.microsoft.com/office/drawing/2014/main" id="{850D367E-F73C-4941-9B57-DFA7EFBB2E20}"/>
+              </a:ext>
+            </a:extLst>
+          </p:cNvPr>
+          <p:cNvSpPr/>
+          <p:nvPr/>
+        </p:nvSpPr>
+        <p:spPr>
+          <a:xfrm>
+            <a:off x="6551132" y="1677585"/>
+            <a:ext cx="1715771" cy="620482"/>
+          </a:xfrm>
+          <a:prstGeom prst="rect">
+            <a:avLst/>
+          </a:prstGeom>
+          <a:noFill/>
+        </p:spPr>
+        <p:style>
+          <a:lnRef idx="2">
+            <a:schemeClr val="accent1">
+              <a:shade val="50000"/>
+            </a:schemeClr>
+          </a:lnRef>
+          <a:fillRef idx="1">
+            <a:schemeClr val="accent1"/>
+          </a:fillRef>
+          <a:effectRef idx="0">
+            <a:schemeClr val="accent1"/>
+          </a:effectRef>
+          <a:fontRef idx="minor">
+            <a:schemeClr val="lt1"/>
+          </a:fontRef>
+        </p:style>
+        <p:txBody>
+          <a:bodyPr rtlCol="0" anchor="ctr"/>
+          <a:lstStyle/>
+          <a:p>
+            <a:pPr algn="ctr"/>
+            <a:r>
+              <a:rPr lang="en-US" altLang="zh-CN" dirty="0" err="1">
+                <a:solidFill>
+                  <a:schemeClr val="tx1"/>
+                </a:solidFill>
+              </a:rPr>
+              <a:t>UnaryNode</a:t>
+            </a:r>
+            <a:endParaRPr lang="zh-CN" altLang="en-US" dirty="0">
+              <a:solidFill>
+                <a:schemeClr val="tx1"/>
+              </a:solidFill>
+            </a:endParaRPr>
+          </a:p>
+        </p:txBody>
+      </p:sp>
+      <p:sp>
+        <p:nvSpPr>
+          <p:cNvPr id="30" name="矩形 29">
+            <a:extLst>
+              <a:ext uri="{FF2B5EF4-FFF2-40B4-BE49-F238E27FC236}">
+                <a16:creationId xmlns:a16="http://schemas.microsoft.com/office/drawing/2014/main" id="{26109D28-D2EB-447C-A29A-3277A646B3DF}"/>
+              </a:ext>
+            </a:extLst>
+          </p:cNvPr>
+          <p:cNvSpPr/>
+          <p:nvPr/>
+        </p:nvSpPr>
+        <p:spPr>
+          <a:xfrm>
+            <a:off x="9666049" y="4824657"/>
+            <a:ext cx="1944295" cy="620482"/>
+          </a:xfrm>
+          <a:prstGeom prst="rect">
+            <a:avLst/>
+          </a:prstGeom>
+          <a:noFill/>
+        </p:spPr>
+        <p:style>
+          <a:lnRef idx="2">
+            <a:schemeClr val="accent1">
+              <a:shade val="50000"/>
+            </a:schemeClr>
+          </a:lnRef>
+          <a:fillRef idx="1">
+            <a:schemeClr val="accent1"/>
+          </a:fillRef>
+          <a:effectRef idx="0">
+            <a:schemeClr val="accent1"/>
+          </a:effectRef>
+          <a:fontRef idx="minor">
+            <a:schemeClr val="lt1"/>
+          </a:fontRef>
+        </p:style>
+        <p:txBody>
+          <a:bodyPr rtlCol="0" anchor="ctr"/>
+          <a:lstStyle/>
+          <a:p>
+            <a:pPr algn="ctr"/>
+            <a:r>
+              <a:rPr lang="en-US" altLang="zh-CN" dirty="0" err="1">
+                <a:solidFill>
+                  <a:schemeClr val="tx1"/>
+                </a:solidFill>
+              </a:rPr>
+              <a:t>StmtNode</a:t>
+            </a:r>
+            <a:endParaRPr lang="zh-CN" altLang="en-US" dirty="0">
+              <a:solidFill>
+                <a:schemeClr val="tx1"/>
+              </a:solidFill>
+            </a:endParaRPr>
+          </a:p>
+        </p:txBody>
+      </p:sp>
+      <p:cxnSp>
+        <p:nvCxnSpPr>
+          <p:cNvPr id="44" name="直接箭头连接符 43">
+            <a:extLst>
+              <a:ext uri="{FF2B5EF4-FFF2-40B4-BE49-F238E27FC236}">
+                <a16:creationId xmlns:a16="http://schemas.microsoft.com/office/drawing/2014/main" id="{C4DB6E2F-9560-4A2A-B278-6D852F04B638}"/>
+              </a:ext>
+            </a:extLst>
+          </p:cNvPr>
+          <p:cNvCxnSpPr>
+            <a:cxnSpLocks/>
+            <a:stCxn id="30" idx="0"/>
+            <a:endCxn id="28" idx="2"/>
+          </p:cNvCxnSpPr>
+          <p:nvPr/>
+        </p:nvCxnSpPr>
+        <p:spPr>
+          <a:xfrm flipH="1" flipV="1">
+            <a:off x="9148131" y="3951619"/>
+            <a:ext cx="1490066" cy="873038"/>
+          </a:xfrm>
+          <a:prstGeom prst="straightConnector1">
+            <a:avLst/>
+          </a:prstGeom>
+          <a:ln>
+            <a:tailEnd type="triangle"/>
+          </a:ln>
+        </p:spPr>
+        <p:style>
+          <a:lnRef idx="1">
+            <a:schemeClr val="accent1"/>
+          </a:lnRef>
+          <a:fillRef idx="0">
+            <a:schemeClr val="accent1"/>
+          </a:fillRef>
+          <a:effectRef idx="0">
+            <a:schemeClr val="accent1"/>
+          </a:effectRef>
+          <a:fontRef idx="minor">
+            <a:schemeClr val="tx1"/>
+          </a:fontRef>
+        </p:style>
+      </p:cxnSp>
+      <p:sp>
+        <p:nvSpPr>
+          <p:cNvPr id="14" name="矩形 13">
+            <a:extLst>
+              <a:ext uri="{FF2B5EF4-FFF2-40B4-BE49-F238E27FC236}">
+                <a16:creationId xmlns:a16="http://schemas.microsoft.com/office/drawing/2014/main" id="{EAA883FF-4873-433B-A2A3-0946686E73BC}"/>
+              </a:ext>
+            </a:extLst>
+          </p:cNvPr>
+          <p:cNvSpPr/>
+          <p:nvPr/>
+        </p:nvSpPr>
+        <p:spPr>
+          <a:xfrm>
+            <a:off x="6453982" y="4824657"/>
+            <a:ext cx="2141378" cy="620482"/>
+          </a:xfrm>
+          <a:prstGeom prst="rect">
+            <a:avLst/>
+          </a:prstGeom>
+          <a:noFill/>
+        </p:spPr>
+        <p:style>
+          <a:lnRef idx="2">
+            <a:schemeClr val="accent1">
+              <a:shade val="50000"/>
+            </a:schemeClr>
+          </a:lnRef>
+          <a:fillRef idx="1">
+            <a:schemeClr val="accent1"/>
+          </a:fillRef>
+          <a:effectRef idx="0">
+            <a:schemeClr val="accent1"/>
+          </a:effectRef>
+          <a:fontRef idx="minor">
+            <a:schemeClr val="lt1"/>
+          </a:fontRef>
+        </p:style>
+        <p:txBody>
+          <a:bodyPr rtlCol="0" anchor="ctr"/>
+          <a:lstStyle/>
+          <a:p>
+            <a:pPr algn="ctr"/>
+            <a:r>
+              <a:rPr lang="en-US" altLang="zh-CN" dirty="0" err="1">
+                <a:solidFill>
+                  <a:schemeClr val="tx1"/>
+                </a:solidFill>
+              </a:rPr>
+              <a:t>IreadFPoffNode</a:t>
+            </a:r>
+            <a:endParaRPr lang="zh-CN" altLang="en-US" dirty="0">
+              <a:solidFill>
+                <a:schemeClr val="tx1"/>
+              </a:solidFill>
+            </a:endParaRPr>
+          </a:p>
+        </p:txBody>
+      </p:sp>
+      <p:sp>
+        <p:nvSpPr>
+          <p:cNvPr id="55" name="矩形 54">
+            <a:extLst>
+              <a:ext uri="{FF2B5EF4-FFF2-40B4-BE49-F238E27FC236}">
+                <a16:creationId xmlns:a16="http://schemas.microsoft.com/office/drawing/2014/main" id="{72746924-84F6-4954-8339-3E40E361B5EF}"/>
+              </a:ext>
+            </a:extLst>
+          </p:cNvPr>
+          <p:cNvSpPr/>
+          <p:nvPr/>
+        </p:nvSpPr>
+        <p:spPr>
+          <a:xfrm>
+            <a:off x="9570720" y="1687151"/>
+            <a:ext cx="2039624" cy="620482"/>
+          </a:xfrm>
+          <a:prstGeom prst="rect">
+            <a:avLst/>
+          </a:prstGeom>
+          <a:noFill/>
+        </p:spPr>
+        <p:style>
+          <a:lnRef idx="2">
+            <a:schemeClr val="accent1">
+              <a:shade val="50000"/>
+            </a:schemeClr>
+          </a:lnRef>
+          <a:fillRef idx="1">
+            <a:schemeClr val="accent1"/>
+          </a:fillRef>
+          <a:effectRef idx="0">
+            <a:schemeClr val="accent1"/>
+          </a:effectRef>
+          <a:fontRef idx="minor">
+            <a:schemeClr val="lt1"/>
+          </a:fontRef>
+        </p:style>
+        <p:txBody>
+          <a:bodyPr rtlCol="0" anchor="ctr"/>
+          <a:lstStyle/>
+          <a:p>
+            <a:pPr algn="ctr"/>
+            <a:r>
+              <a:rPr lang="en-US" altLang="zh-CN" dirty="0" err="1">
+                <a:solidFill>
+                  <a:schemeClr val="tx1"/>
+                </a:solidFill>
+              </a:rPr>
+              <a:t>GCMallocNode</a:t>
+            </a:r>
+            <a:endParaRPr lang="zh-CN" altLang="en-US" dirty="0">
+              <a:solidFill>
+                <a:schemeClr val="tx1"/>
+              </a:solidFill>
+            </a:endParaRPr>
+          </a:p>
+        </p:txBody>
+      </p:sp>
+      <p:cxnSp>
+        <p:nvCxnSpPr>
+          <p:cNvPr id="60" name="直接箭头连接符 59">
+            <a:extLst>
+              <a:ext uri="{FF2B5EF4-FFF2-40B4-BE49-F238E27FC236}">
+                <a16:creationId xmlns:a16="http://schemas.microsoft.com/office/drawing/2014/main" id="{04E869D7-41A8-4066-BF52-2C6D1E6485FF}"/>
+              </a:ext>
+            </a:extLst>
+          </p:cNvPr>
+          <p:cNvCxnSpPr>
+            <a:cxnSpLocks/>
+            <a:stCxn id="14" idx="0"/>
+            <a:endCxn id="28" idx="2"/>
+          </p:cNvCxnSpPr>
+          <p:nvPr/>
+        </p:nvCxnSpPr>
+        <p:spPr>
+          <a:xfrm flipV="1">
+            <a:off x="7524671" y="3951619"/>
+            <a:ext cx="1623460" cy="873038"/>
+          </a:xfrm>
+          <a:prstGeom prst="straightConnector1">
+            <a:avLst/>
+          </a:prstGeom>
+          <a:ln>
+            <a:tailEnd type="triangle"/>
+          </a:ln>
+        </p:spPr>
+        <p:style>
+          <a:lnRef idx="1">
+            <a:schemeClr val="accent1"/>
+          </a:lnRef>
+          <a:fillRef idx="0">
+            <a:schemeClr val="accent1"/>
+          </a:fillRef>
+          <a:effectRef idx="0">
+            <a:schemeClr val="accent1"/>
+          </a:effectRef>
+          <a:fontRef idx="minor">
+            <a:schemeClr val="tx1"/>
+          </a:fontRef>
+        </p:style>
+      </p:cxnSp>
+      <p:cxnSp>
+        <p:nvCxnSpPr>
+          <p:cNvPr id="63" name="直接箭头连接符 62">
+            <a:extLst>
+              <a:ext uri="{FF2B5EF4-FFF2-40B4-BE49-F238E27FC236}">
+                <a16:creationId xmlns:a16="http://schemas.microsoft.com/office/drawing/2014/main" id="{7D595899-BF67-4134-B0B0-9B1410CD0B44}"/>
+              </a:ext>
+            </a:extLst>
+          </p:cNvPr>
+          <p:cNvCxnSpPr>
+            <a:cxnSpLocks/>
+            <a:stCxn id="29" idx="2"/>
+            <a:endCxn id="28" idx="0"/>
+          </p:cNvCxnSpPr>
+          <p:nvPr/>
+        </p:nvCxnSpPr>
+        <p:spPr>
+          <a:xfrm>
+            <a:off x="7409018" y="2298067"/>
+            <a:ext cx="1739113" cy="1033070"/>
+          </a:xfrm>
+          <a:prstGeom prst="straightConnector1">
+            <a:avLst/>
+          </a:prstGeom>
+          <a:ln>
+            <a:tailEnd type="triangle"/>
+          </a:ln>
+        </p:spPr>
+        <p:style>
+          <a:lnRef idx="1">
+            <a:schemeClr val="accent1"/>
+          </a:lnRef>
+          <a:fillRef idx="0">
+            <a:schemeClr val="accent1"/>
+          </a:fillRef>
+          <a:effectRef idx="0">
+            <a:schemeClr val="accent1"/>
+          </a:effectRef>
+          <a:fontRef idx="minor">
+            <a:schemeClr val="tx1"/>
+          </a:fontRef>
+        </p:style>
+      </p:cxnSp>
+      <p:cxnSp>
+        <p:nvCxnSpPr>
+          <p:cNvPr id="66" name="直接箭头连接符 65">
+            <a:extLst>
+              <a:ext uri="{FF2B5EF4-FFF2-40B4-BE49-F238E27FC236}">
+                <a16:creationId xmlns:a16="http://schemas.microsoft.com/office/drawing/2014/main" id="{070DDA22-3E9E-4BB4-93D6-EA74B47F2D15}"/>
+              </a:ext>
+            </a:extLst>
+          </p:cNvPr>
+          <p:cNvCxnSpPr>
+            <a:cxnSpLocks/>
+            <a:stCxn id="55" idx="2"/>
+            <a:endCxn id="28" idx="0"/>
+          </p:cNvCxnSpPr>
+          <p:nvPr/>
+        </p:nvCxnSpPr>
+        <p:spPr>
+          <a:xfrm flipH="1">
+            <a:off x="9148131" y="2307633"/>
+            <a:ext cx="1442401" cy="1023504"/>
+          </a:xfrm>
+          <a:prstGeom prst="straightConnector1">
+            <a:avLst/>
+          </a:prstGeom>
+          <a:ln>
+            <a:tailEnd type="triangle"/>
+          </a:ln>
+        </p:spPr>
+        <p:style>
+          <a:lnRef idx="1">
+            <a:schemeClr val="accent1"/>
+          </a:lnRef>
+          <a:fillRef idx="0">
+            <a:schemeClr val="accent1"/>
+          </a:fillRef>
+          <a:effectRef idx="0">
+            <a:schemeClr val="accent1"/>
+          </a:effectRef>
+          <a:fontRef idx="minor">
+            <a:schemeClr val="tx1"/>
+          </a:fontRef>
+        </p:style>
+      </p:cxnSp>
+    </p:spTree>
+    <p:extLst>
+      <p:ext uri="{BB962C8B-B14F-4D97-AF65-F5344CB8AC3E}">
+        <p14:creationId xmlns:p14="http://schemas.microsoft.com/office/powerpoint/2010/main" val="1162473749"/>
+      </p:ext>
+    </p:extLst>
+  </p:cSld>
+  <p:clrMapOvr>
+    <a:masterClrMapping/>
+  </p:clrMapOvr>
+  <mc:AlternateContent xmlns:mc="http://schemas.openxmlformats.org/markup-compatibility/2006" xmlns:p159="http://schemas.microsoft.com/office/powerpoint/2015/09/main">
+    <mc:Choice Requires="p159">
+      <p:transition xmlns:p14="http://schemas.microsoft.com/office/powerpoint/2010/main" spd="slow" p14:dur="2000">
+        <p159:morph option="byObject"/>
+      </p:transition>
+    </mc:Choice>
+    <mc:Fallback xmlns="">
+      <p:transition spd="slow">
+        <p:fade/>
+      </p:transition>
+    </mc:Fallback>
+  </mc:AlternateContent>
+</p:sld>
+</file>
+
+<file path=ppt/slides/slide22.xml><?xml version="1.0" encoding="utf-8"?>
+<p:sld xmlns:a="http://schemas.openxmlformats.org/drawingml/2006/main" xmlns:r="http://schemas.openxmlformats.org/officeDocument/2006/relationships" xmlns:p="http://schemas.openxmlformats.org/presentationml/2006/main">
+  <p:cSld>
+    <p:spTree>
+      <p:nvGrpSpPr>
+        <p:cNvPr id="1" name=""/>
+        <p:cNvGrpSpPr/>
+        <p:nvPr/>
+      </p:nvGrpSpPr>
+      <p:grpSpPr>
+        <a:xfrm>
+          <a:off x="0" y="0"/>
+          <a:ext cx="0" cy="0"/>
+          <a:chOff x="0" y="0"/>
+          <a:chExt cx="0" cy="0"/>
+        </a:xfrm>
+      </p:grpSpPr>
+      <p:sp>
+        <p:nvSpPr>
+          <p:cNvPr id="2" name="标题 1">
+            <a:extLst>
+              <a:ext uri="{FF2B5EF4-FFF2-40B4-BE49-F238E27FC236}">
+                <a16:creationId xmlns:a16="http://schemas.microsoft.com/office/drawing/2014/main" id="{16177BAB-1C47-4361-BB6E-970B64C9D987}"/>
+              </a:ext>
+            </a:extLst>
+          </p:cNvPr>
+          <p:cNvSpPr>
+            <a:spLocks noGrp="1"/>
+          </p:cNvSpPr>
+          <p:nvPr>
+            <p:ph type="ctrTitle"/>
+          </p:nvPr>
+        </p:nvSpPr>
+        <p:spPr>
+          <a:xfrm>
+            <a:off x="4731390" y="2397783"/>
+            <a:ext cx="2729219" cy="782273"/>
+          </a:xfrm>
+        </p:spPr>
+        <p:txBody>
+          <a:bodyPr>
+            <a:normAutofit/>
+          </a:bodyPr>
+          <a:lstStyle/>
+          <a:p>
+            <a:r>
+              <a:rPr lang="zh-CN" altLang="en-US" sz="4000" dirty="0"/>
+              <a:t>谢谢聆听</a:t>
+            </a:r>
+          </a:p>
+        </p:txBody>
+      </p:sp>
+    </p:spTree>
+    <p:extLst>
+      <p:ext uri="{BB962C8B-B14F-4D97-AF65-F5344CB8AC3E}">
+        <p14:creationId xmlns:p14="http://schemas.microsoft.com/office/powerpoint/2010/main" val="2720694284"/>
       </p:ext>
     </p:extLst>
   </p:cSld>
@@ -12881,8 +15893,8 @@
         </p:nvSpPr>
         <p:spPr>
           <a:xfrm>
-            <a:off x="281869" y="301973"/>
-            <a:ext cx="5329807" cy="782273"/>
+            <a:off x="342830" y="294593"/>
+            <a:ext cx="2276214" cy="782273"/>
           </a:xfrm>
         </p:spPr>
         <p:txBody>
@@ -12892,30 +15904,18 @@
           <a:lstStyle/>
           <a:p>
             <a:r>
-              <a:rPr lang="en-US" altLang="zh-CN" sz="4000" dirty="0"/>
-              <a:t>MAPLE IR</a:t>
-            </a:r>
-            <a:r>
               <a:rPr lang="zh-CN" altLang="en-US" sz="4000" dirty="0"/>
-              <a:t>中的“</a:t>
-            </a:r>
-            <a:r>
-              <a:rPr lang="en-US" altLang="zh-CN" sz="4000" dirty="0"/>
-              <a:t>if</a:t>
-            </a:r>
-            <a:r>
-              <a:rPr lang="zh-CN" altLang="en-US" sz="4000" dirty="0"/>
-              <a:t>”语句</a:t>
+              <a:t>词法分析</a:t>
             </a:r>
           </a:p>
         </p:txBody>
       </p:sp>
       <p:pic>
         <p:nvPicPr>
-          <p:cNvPr id="10" name="图片 9">
-            <a:extLst>
-              <a:ext uri="{FF2B5EF4-FFF2-40B4-BE49-F238E27FC236}">
-                <a16:creationId xmlns:a16="http://schemas.microsoft.com/office/drawing/2014/main" id="{CD148139-927A-4AB1-BD31-4E6EF84E6FAD}"/>
+          <p:cNvPr id="4" name="图片 3">
+            <a:extLst>
+              <a:ext uri="{FF2B5EF4-FFF2-40B4-BE49-F238E27FC236}">
+                <a16:creationId xmlns:a16="http://schemas.microsoft.com/office/drawing/2014/main" id="{50E67623-2357-4F01-AD26-6C5A6C886EAA}"/>
               </a:ext>
             </a:extLst>
           </p:cNvPr>
@@ -12925,27 +15925,158 @@
           <p:nvPr/>
         </p:nvPicPr>
         <p:blipFill>
-          <a:blip r:embed="rId2"/>
+          <a:blip r:embed="rId3"/>
           <a:stretch>
             <a:fillRect/>
           </a:stretch>
         </p:blipFill>
         <p:spPr>
           <a:xfrm>
-            <a:off x="7096390" y="2814637"/>
-            <a:ext cx="3810000" cy="1228725"/>
+            <a:off x="342830" y="1427386"/>
+            <a:ext cx="6801121" cy="6858000"/>
           </a:xfrm>
           <a:prstGeom prst="rect">
             <a:avLst/>
           </a:prstGeom>
+          <a:ln>
+            <a:noFill/>
+          </a:ln>
+          <a:effectLst>
+            <a:outerShdw blurRad="292100" dist="139700" dir="2700000" algn="tl" rotWithShape="0">
+              <a:srgbClr val="333333">
+                <a:alpha val="65000"/>
+              </a:srgbClr>
+            </a:outerShdw>
+          </a:effectLst>
         </p:spPr>
       </p:pic>
-      <p:sp>
-        <p:nvSpPr>
-          <p:cNvPr id="3" name="矩形 2">
-            <a:extLst>
-              <a:ext uri="{FF2B5EF4-FFF2-40B4-BE49-F238E27FC236}">
-                <a16:creationId xmlns:a16="http://schemas.microsoft.com/office/drawing/2014/main" id="{1326AB3A-B26C-4E75-A607-88EACE9121C0}"/>
+      <p:pic>
+        <p:nvPicPr>
+          <p:cNvPr id="8" name="图片 7">
+            <a:extLst>
+              <a:ext uri="{FF2B5EF4-FFF2-40B4-BE49-F238E27FC236}">
+                <a16:creationId xmlns:a16="http://schemas.microsoft.com/office/drawing/2014/main" id="{0115DC57-7ECB-4851-91BE-2B1386DD192E}"/>
+              </a:ext>
+            </a:extLst>
+          </p:cNvPr>
+          <p:cNvPicPr>
+            <a:picLocks noChangeAspect="1"/>
+          </p:cNvPicPr>
+          <p:nvPr/>
+        </p:nvPicPr>
+        <p:blipFill>
+          <a:blip r:embed="rId4"/>
+          <a:stretch>
+            <a:fillRect/>
+          </a:stretch>
+        </p:blipFill>
+        <p:spPr>
+          <a:xfrm>
+            <a:off x="7574071" y="1376492"/>
+            <a:ext cx="4201343" cy="1027748"/>
+          </a:xfrm>
+          <a:prstGeom prst="rect">
+            <a:avLst/>
+          </a:prstGeom>
+          <a:ln>
+            <a:noFill/>
+          </a:ln>
+          <a:effectLst>
+            <a:outerShdw blurRad="292100" dist="139700" dir="2700000" algn="tl" rotWithShape="0">
+              <a:srgbClr val="333333">
+                <a:alpha val="65000"/>
+              </a:srgbClr>
+            </a:outerShdw>
+          </a:effectLst>
+        </p:spPr>
+      </p:pic>
+      <p:pic>
+        <p:nvPicPr>
+          <p:cNvPr id="13" name="图片 12">
+            <a:extLst>
+              <a:ext uri="{FF2B5EF4-FFF2-40B4-BE49-F238E27FC236}">
+                <a16:creationId xmlns:a16="http://schemas.microsoft.com/office/drawing/2014/main" id="{5B542FFF-2FBF-40D2-BB71-BBF880E4C94F}"/>
+              </a:ext>
+            </a:extLst>
+          </p:cNvPr>
+          <p:cNvPicPr>
+            <a:picLocks noChangeAspect="1"/>
+          </p:cNvPicPr>
+          <p:nvPr/>
+        </p:nvPicPr>
+        <p:blipFill>
+          <a:blip r:embed="rId5"/>
+          <a:stretch>
+            <a:fillRect/>
+          </a:stretch>
+        </p:blipFill>
+        <p:spPr>
+          <a:xfrm>
+            <a:off x="7707831" y="3860785"/>
+            <a:ext cx="3933825" cy="2505075"/>
+          </a:xfrm>
+          <a:prstGeom prst="rect">
+            <a:avLst/>
+          </a:prstGeom>
+          <a:ln>
+            <a:noFill/>
+          </a:ln>
+          <a:effectLst>
+            <a:outerShdw blurRad="292100" dist="139700" dir="2700000" algn="tl" rotWithShape="0">
+              <a:srgbClr val="333333">
+                <a:alpha val="65000"/>
+              </a:srgbClr>
+            </a:outerShdw>
+          </a:effectLst>
+        </p:spPr>
+      </p:pic>
+      <p:cxnSp>
+        <p:nvCxnSpPr>
+          <p:cNvPr id="18" name="直接箭头连接符 17">
+            <a:extLst>
+              <a:ext uri="{FF2B5EF4-FFF2-40B4-BE49-F238E27FC236}">
+                <a16:creationId xmlns:a16="http://schemas.microsoft.com/office/drawing/2014/main" id="{4491B576-C126-4D69-9486-AAE7117ACDA7}"/>
+              </a:ext>
+            </a:extLst>
+          </p:cNvPr>
+          <p:cNvCxnSpPr>
+            <a:cxnSpLocks/>
+          </p:cNvCxnSpPr>
+          <p:nvPr/>
+        </p:nvCxnSpPr>
+        <p:spPr>
+          <a:xfrm flipV="1">
+            <a:off x="4770120" y="2148840"/>
+            <a:ext cx="2606040" cy="2148840"/>
+          </a:xfrm>
+          <a:prstGeom prst="straightConnector1">
+            <a:avLst/>
+          </a:prstGeom>
+          <a:ln w="57150">
+            <a:tailEnd type="triangle"/>
+          </a:ln>
+        </p:spPr>
+        <p:style>
+          <a:lnRef idx="1">
+            <a:schemeClr val="accent1"/>
+          </a:lnRef>
+          <a:fillRef idx="0">
+            <a:schemeClr val="accent1"/>
+          </a:fillRef>
+          <a:effectRef idx="0">
+            <a:schemeClr val="accent1"/>
+          </a:effectRef>
+          <a:fontRef idx="minor">
+            <a:schemeClr val="tx1"/>
+          </a:fontRef>
+        </p:style>
+      </p:cxnSp>
+      <p:sp>
+        <p:nvSpPr>
+          <p:cNvPr id="20" name="矩形 19">
+            <a:extLst>
+              <a:ext uri="{FF2B5EF4-FFF2-40B4-BE49-F238E27FC236}">
+                <a16:creationId xmlns:a16="http://schemas.microsoft.com/office/drawing/2014/main" id="{029AF8CF-8930-4B03-B3EB-E10DF679F6E6}"/>
               </a:ext>
             </a:extLst>
           </p:cNvPr>
@@ -12954,13 +16085,21 @@
         </p:nvSpPr>
         <p:spPr>
           <a:xfrm>
-            <a:off x="890269" y="1617403"/>
-            <a:ext cx="1715771" cy="620482"/>
+            <a:off x="702579" y="4453761"/>
+            <a:ext cx="3832930" cy="895480"/>
           </a:xfrm>
           <a:prstGeom prst="rect">
             <a:avLst/>
           </a:prstGeom>
           <a:noFill/>
+          <a:ln w="57150">
+            <a:solidFill>
+              <a:schemeClr val="accent1">
+                <a:lumMod val="60000"/>
+                <a:lumOff val="40000"/>
+              </a:schemeClr>
+            </a:solidFill>
+          </a:ln>
         </p:spPr>
         <p:style>
           <a:lnRef idx="2">
@@ -12983,614 +16122,32 @@
           <a:lstStyle/>
           <a:p>
             <a:pPr algn="ctr"/>
-            <a:r>
-              <a:rPr lang="en-US" altLang="zh-CN" dirty="0" err="1">
-                <a:solidFill>
-                  <a:schemeClr val="tx1"/>
-                </a:solidFill>
-              </a:rPr>
-              <a:t>BaseNode</a:t>
-            </a:r>
-            <a:endParaRPr lang="zh-CN" altLang="en-US" dirty="0">
-              <a:solidFill>
-                <a:schemeClr val="tx1"/>
-              </a:solidFill>
-            </a:endParaRPr>
-          </a:p>
-        </p:txBody>
-      </p:sp>
-      <p:sp>
-        <p:nvSpPr>
-          <p:cNvPr id="6" name="矩形 5">
-            <a:extLst>
-              <a:ext uri="{FF2B5EF4-FFF2-40B4-BE49-F238E27FC236}">
-                <a16:creationId xmlns:a16="http://schemas.microsoft.com/office/drawing/2014/main" id="{82126375-4069-496B-80A3-57E9D4B74415}"/>
-              </a:ext>
-            </a:extLst>
-          </p:cNvPr>
-          <p:cNvSpPr/>
-          <p:nvPr/>
-        </p:nvSpPr>
-        <p:spPr>
-          <a:xfrm>
-            <a:off x="3588866" y="1617403"/>
-            <a:ext cx="2266650" cy="620482"/>
-          </a:xfrm>
-          <a:prstGeom prst="rect">
-            <a:avLst/>
-          </a:prstGeom>
-          <a:noFill/>
-        </p:spPr>
-        <p:style>
-          <a:lnRef idx="2">
-            <a:schemeClr val="accent1">
-              <a:shade val="50000"/>
-            </a:schemeClr>
-          </a:lnRef>
-          <a:fillRef idx="1">
-            <a:schemeClr val="accent1"/>
-          </a:fillRef>
-          <a:effectRef idx="0">
-            <a:schemeClr val="accent1"/>
-          </a:effectRef>
-          <a:fontRef idx="minor">
-            <a:schemeClr val="lt1"/>
-          </a:fontRef>
-        </p:style>
-        <p:txBody>
-          <a:bodyPr rtlCol="0" anchor="ctr"/>
-          <a:lstStyle/>
-          <a:p>
-            <a:pPr algn="ctr"/>
-            <a:r>
-              <a:rPr lang="en-US" altLang="zh-CN" dirty="0" err="1">
-                <a:solidFill>
-                  <a:schemeClr val="tx1"/>
-                </a:solidFill>
-              </a:rPr>
-              <a:t>PtrListNodeBase</a:t>
-            </a:r>
-            <a:endParaRPr lang="en-US" altLang="zh-CN" dirty="0">
-              <a:solidFill>
-                <a:schemeClr val="tx1"/>
-              </a:solidFill>
-            </a:endParaRPr>
-          </a:p>
-          <a:p>
-            <a:pPr algn="ctr"/>
-            <a:r>
-              <a:rPr lang="en-US" altLang="zh-CN" dirty="0">
-                <a:solidFill>
-                  <a:schemeClr val="tx1"/>
-                </a:solidFill>
-              </a:rPr>
-              <a:t>&lt;</a:t>
-            </a:r>
-            <a:r>
-              <a:rPr lang="en-US" altLang="zh-CN" dirty="0" err="1">
-                <a:solidFill>
-                  <a:schemeClr val="tx1"/>
-                </a:solidFill>
-              </a:rPr>
-              <a:t>StmNode</a:t>
-            </a:r>
-            <a:r>
-              <a:rPr lang="en-US" altLang="zh-CN" dirty="0">
-                <a:solidFill>
-                  <a:schemeClr val="tx1"/>
-                </a:solidFill>
-              </a:rPr>
-              <a:t>&gt;</a:t>
-            </a:r>
-            <a:endParaRPr lang="zh-CN" altLang="en-US" dirty="0">
-              <a:solidFill>
-                <a:schemeClr val="tx1"/>
-              </a:solidFill>
-            </a:endParaRPr>
-          </a:p>
-        </p:txBody>
-      </p:sp>
-      <p:sp>
-        <p:nvSpPr>
-          <p:cNvPr id="8" name="矩形 7">
-            <a:extLst>
-              <a:ext uri="{FF2B5EF4-FFF2-40B4-BE49-F238E27FC236}">
-                <a16:creationId xmlns:a16="http://schemas.microsoft.com/office/drawing/2014/main" id="{7513BFDE-6EA9-4C95-BB6C-0FEA30AD8D96}"/>
-              </a:ext>
-            </a:extLst>
-          </p:cNvPr>
-          <p:cNvSpPr/>
-          <p:nvPr/>
-        </p:nvSpPr>
-        <p:spPr>
-          <a:xfrm>
-            <a:off x="2276155" y="2895600"/>
-            <a:ext cx="1828913" cy="620482"/>
-          </a:xfrm>
-          <a:prstGeom prst="rect">
-            <a:avLst/>
-          </a:prstGeom>
-          <a:noFill/>
-        </p:spPr>
-        <p:style>
-          <a:lnRef idx="2">
-            <a:schemeClr val="accent1">
-              <a:shade val="50000"/>
-            </a:schemeClr>
-          </a:lnRef>
-          <a:fillRef idx="1">
-            <a:schemeClr val="accent1"/>
-          </a:fillRef>
-          <a:effectRef idx="0">
-            <a:schemeClr val="accent1"/>
-          </a:effectRef>
-          <a:fontRef idx="minor">
-            <a:schemeClr val="lt1"/>
-          </a:fontRef>
-        </p:style>
-        <p:txBody>
-          <a:bodyPr rtlCol="0" anchor="ctr"/>
-          <a:lstStyle/>
-          <a:p>
-            <a:pPr algn="ctr"/>
-            <a:r>
-              <a:rPr lang="en-US" altLang="zh-CN" dirty="0" err="1">
-                <a:solidFill>
-                  <a:schemeClr val="tx1"/>
-                </a:solidFill>
-              </a:rPr>
-              <a:t>StmtNode</a:t>
-            </a:r>
-            <a:endParaRPr lang="zh-CN" altLang="en-US" dirty="0">
-              <a:solidFill>
-                <a:schemeClr val="tx1"/>
-              </a:solidFill>
-            </a:endParaRPr>
-          </a:p>
-        </p:txBody>
-      </p:sp>
-      <p:sp>
-        <p:nvSpPr>
-          <p:cNvPr id="12" name="矩形 11">
-            <a:extLst>
-              <a:ext uri="{FF2B5EF4-FFF2-40B4-BE49-F238E27FC236}">
-                <a16:creationId xmlns:a16="http://schemas.microsoft.com/office/drawing/2014/main" id="{2EC758F4-158B-48F7-9233-C1EBFFA7FB77}"/>
-              </a:ext>
-            </a:extLst>
-          </p:cNvPr>
-          <p:cNvSpPr/>
-          <p:nvPr/>
-        </p:nvSpPr>
-        <p:spPr>
-          <a:xfrm>
-            <a:off x="2276154" y="3863556"/>
-            <a:ext cx="1828913" cy="620482"/>
-          </a:xfrm>
-          <a:prstGeom prst="rect">
-            <a:avLst/>
-          </a:prstGeom>
-          <a:noFill/>
-        </p:spPr>
-        <p:style>
-          <a:lnRef idx="2">
-            <a:schemeClr val="accent1">
-              <a:shade val="50000"/>
-            </a:schemeClr>
-          </a:lnRef>
-          <a:fillRef idx="1">
-            <a:schemeClr val="accent1"/>
-          </a:fillRef>
-          <a:effectRef idx="0">
-            <a:schemeClr val="accent1"/>
-          </a:effectRef>
-          <a:fontRef idx="minor">
-            <a:schemeClr val="lt1"/>
-          </a:fontRef>
-        </p:style>
-        <p:txBody>
-          <a:bodyPr rtlCol="0" anchor="ctr"/>
-          <a:lstStyle/>
-          <a:p>
-            <a:pPr algn="ctr"/>
-            <a:r>
-              <a:rPr lang="en-US" altLang="zh-CN" dirty="0" err="1">
-                <a:solidFill>
-                  <a:schemeClr val="tx1"/>
-                </a:solidFill>
-              </a:rPr>
-              <a:t>UnaryStmtNode</a:t>
-            </a:r>
-            <a:endParaRPr lang="zh-CN" altLang="en-US" dirty="0">
-              <a:solidFill>
-                <a:schemeClr val="tx1"/>
-              </a:solidFill>
-            </a:endParaRPr>
-          </a:p>
-        </p:txBody>
-      </p:sp>
-      <p:sp>
-        <p:nvSpPr>
-          <p:cNvPr id="14" name="矩形 13">
-            <a:extLst>
-              <a:ext uri="{FF2B5EF4-FFF2-40B4-BE49-F238E27FC236}">
-                <a16:creationId xmlns:a16="http://schemas.microsoft.com/office/drawing/2014/main" id="{BD792E44-DC0D-4870-B320-7F58702148E5}"/>
-              </a:ext>
-            </a:extLst>
-          </p:cNvPr>
-          <p:cNvSpPr/>
-          <p:nvPr/>
-        </p:nvSpPr>
-        <p:spPr>
-          <a:xfrm>
-            <a:off x="2276154" y="4831512"/>
-            <a:ext cx="1828913" cy="620482"/>
-          </a:xfrm>
-          <a:prstGeom prst="rect">
-            <a:avLst/>
-          </a:prstGeom>
-          <a:noFill/>
-        </p:spPr>
-        <p:style>
-          <a:lnRef idx="2">
-            <a:schemeClr val="accent1">
-              <a:shade val="50000"/>
-            </a:schemeClr>
-          </a:lnRef>
-          <a:fillRef idx="1">
-            <a:schemeClr val="accent1"/>
-          </a:fillRef>
-          <a:effectRef idx="0">
-            <a:schemeClr val="accent1"/>
-          </a:effectRef>
-          <a:fontRef idx="minor">
-            <a:schemeClr val="lt1"/>
-          </a:fontRef>
-        </p:style>
-        <p:txBody>
-          <a:bodyPr rtlCol="0" anchor="ctr"/>
-          <a:lstStyle/>
-          <a:p>
-            <a:pPr algn="ctr"/>
-            <a:r>
-              <a:rPr lang="en-US" altLang="zh-CN" dirty="0" err="1">
-                <a:solidFill>
-                  <a:schemeClr val="tx1"/>
-                </a:solidFill>
-              </a:rPr>
-              <a:t>IfStmtNode</a:t>
-            </a:r>
-            <a:endParaRPr lang="zh-CN" altLang="en-US" dirty="0">
-              <a:solidFill>
-                <a:schemeClr val="tx1"/>
-              </a:solidFill>
-            </a:endParaRPr>
-          </a:p>
-        </p:txBody>
-      </p:sp>
-      <p:cxnSp>
-        <p:nvCxnSpPr>
-          <p:cNvPr id="16" name="直接箭头连接符 15">
-            <a:extLst>
-              <a:ext uri="{FF2B5EF4-FFF2-40B4-BE49-F238E27FC236}">
-                <a16:creationId xmlns:a16="http://schemas.microsoft.com/office/drawing/2014/main" id="{728236D1-92F6-43CE-9C4F-273C3819DF0F}"/>
-              </a:ext>
-            </a:extLst>
-          </p:cNvPr>
-          <p:cNvCxnSpPr>
-            <a:cxnSpLocks/>
-            <a:stCxn id="8" idx="0"/>
-            <a:endCxn id="3" idx="2"/>
-          </p:cNvCxnSpPr>
-          <p:nvPr/>
-        </p:nvCxnSpPr>
-        <p:spPr>
-          <a:xfrm flipH="1" flipV="1">
-            <a:off x="1748155" y="2237885"/>
-            <a:ext cx="1442457" cy="657715"/>
-          </a:xfrm>
-          <a:prstGeom prst="straightConnector1">
-            <a:avLst/>
-          </a:prstGeom>
-          <a:ln>
-            <a:tailEnd type="triangle"/>
-          </a:ln>
-        </p:spPr>
-        <p:style>
-          <a:lnRef idx="1">
-            <a:schemeClr val="accent1"/>
-          </a:lnRef>
-          <a:fillRef idx="0">
-            <a:schemeClr val="accent1"/>
-          </a:fillRef>
-          <a:effectRef idx="0">
-            <a:schemeClr val="accent1"/>
-          </a:effectRef>
-          <a:fontRef idx="minor">
-            <a:schemeClr val="tx1"/>
-          </a:fontRef>
-        </p:style>
-      </p:cxnSp>
-      <p:cxnSp>
-        <p:nvCxnSpPr>
-          <p:cNvPr id="21" name="直接箭头连接符 20">
-            <a:extLst>
-              <a:ext uri="{FF2B5EF4-FFF2-40B4-BE49-F238E27FC236}">
-                <a16:creationId xmlns:a16="http://schemas.microsoft.com/office/drawing/2014/main" id="{EA035666-78D4-48D2-9CDC-1B1646B63F27}"/>
-              </a:ext>
-            </a:extLst>
-          </p:cNvPr>
-          <p:cNvCxnSpPr>
-            <a:cxnSpLocks/>
-            <a:stCxn id="8" idx="0"/>
-            <a:endCxn id="6" idx="2"/>
-          </p:cNvCxnSpPr>
-          <p:nvPr/>
-        </p:nvCxnSpPr>
-        <p:spPr>
-          <a:xfrm flipV="1">
-            <a:off x="3190612" y="2237885"/>
-            <a:ext cx="1531579" cy="657715"/>
-          </a:xfrm>
-          <a:prstGeom prst="straightConnector1">
-            <a:avLst/>
-          </a:prstGeom>
-          <a:ln>
-            <a:tailEnd type="triangle"/>
-          </a:ln>
-        </p:spPr>
-        <p:style>
-          <a:lnRef idx="1">
-            <a:schemeClr val="accent1"/>
-          </a:lnRef>
-          <a:fillRef idx="0">
-            <a:schemeClr val="accent1"/>
-          </a:fillRef>
-          <a:effectRef idx="0">
-            <a:schemeClr val="accent1"/>
-          </a:effectRef>
-          <a:fontRef idx="minor">
-            <a:schemeClr val="tx1"/>
-          </a:fontRef>
-        </p:style>
-      </p:cxnSp>
-      <p:cxnSp>
-        <p:nvCxnSpPr>
-          <p:cNvPr id="25" name="直接箭头连接符 24">
-            <a:extLst>
-              <a:ext uri="{FF2B5EF4-FFF2-40B4-BE49-F238E27FC236}">
-                <a16:creationId xmlns:a16="http://schemas.microsoft.com/office/drawing/2014/main" id="{48BDF622-8B5A-4772-BE4D-272F1385B5CE}"/>
-              </a:ext>
-            </a:extLst>
-          </p:cNvPr>
-          <p:cNvCxnSpPr>
-            <a:stCxn id="12" idx="0"/>
-            <a:endCxn id="8" idx="2"/>
-          </p:cNvCxnSpPr>
-          <p:nvPr/>
-        </p:nvCxnSpPr>
-        <p:spPr>
-          <a:xfrm flipV="1">
-            <a:off x="3190611" y="3516082"/>
-            <a:ext cx="1" cy="347474"/>
-          </a:xfrm>
-          <a:prstGeom prst="straightConnector1">
-            <a:avLst/>
-          </a:prstGeom>
-          <a:ln>
-            <a:tailEnd type="triangle"/>
-          </a:ln>
-        </p:spPr>
-        <p:style>
-          <a:lnRef idx="1">
-            <a:schemeClr val="accent1"/>
-          </a:lnRef>
-          <a:fillRef idx="0">
-            <a:schemeClr val="accent1"/>
-          </a:fillRef>
-          <a:effectRef idx="0">
-            <a:schemeClr val="accent1"/>
-          </a:effectRef>
-          <a:fontRef idx="minor">
-            <a:schemeClr val="tx1"/>
-          </a:fontRef>
-        </p:style>
-      </p:cxnSp>
-      <p:cxnSp>
-        <p:nvCxnSpPr>
-          <p:cNvPr id="27" name="直接箭头连接符 26">
-            <a:extLst>
-              <a:ext uri="{FF2B5EF4-FFF2-40B4-BE49-F238E27FC236}">
-                <a16:creationId xmlns:a16="http://schemas.microsoft.com/office/drawing/2014/main" id="{C0148670-C815-4577-A2F6-B83E17E88F75}"/>
-              </a:ext>
-            </a:extLst>
-          </p:cNvPr>
-          <p:cNvCxnSpPr>
-            <a:stCxn id="14" idx="0"/>
-            <a:endCxn id="12" idx="2"/>
-          </p:cNvCxnSpPr>
-          <p:nvPr/>
-        </p:nvCxnSpPr>
-        <p:spPr>
-          <a:xfrm flipV="1">
-            <a:off x="3190611" y="4484038"/>
-            <a:ext cx="0" cy="347474"/>
-          </a:xfrm>
-          <a:prstGeom prst="straightConnector1">
-            <a:avLst/>
-          </a:prstGeom>
-          <a:ln>
-            <a:tailEnd type="triangle"/>
-          </a:ln>
-        </p:spPr>
-        <p:style>
-          <a:lnRef idx="1">
-            <a:schemeClr val="accent1"/>
-          </a:lnRef>
-          <a:fillRef idx="0">
-            <a:schemeClr val="accent1"/>
-          </a:fillRef>
-          <a:effectRef idx="0">
-            <a:schemeClr val="accent1"/>
-          </a:effectRef>
-          <a:fontRef idx="minor">
-            <a:schemeClr val="tx1"/>
-          </a:fontRef>
-        </p:style>
-      </p:cxnSp>
-      <p:sp>
-        <p:nvSpPr>
-          <p:cNvPr id="31" name="文本框 30">
-            <a:extLst>
-              <a:ext uri="{FF2B5EF4-FFF2-40B4-BE49-F238E27FC236}">
-                <a16:creationId xmlns:a16="http://schemas.microsoft.com/office/drawing/2014/main" id="{6489D59D-8FC4-4CFE-B853-1A12B934413E}"/>
-              </a:ext>
-            </a:extLst>
-          </p:cNvPr>
-          <p:cNvSpPr txBox="1"/>
-          <p:nvPr/>
-        </p:nvSpPr>
-        <p:spPr>
-          <a:xfrm>
-            <a:off x="1960589" y="5682725"/>
-            <a:ext cx="2761602" cy="400110"/>
-          </a:xfrm>
-          <a:prstGeom prst="rect">
-            <a:avLst/>
-          </a:prstGeom>
-          <a:noFill/>
-        </p:spPr>
-        <p:txBody>
-          <a:bodyPr wrap="square" rtlCol="0">
-            <a:spAutoFit/>
-          </a:bodyPr>
-          <a:lstStyle/>
-          <a:p>
-            <a:r>
-              <a:rPr lang="en-US" altLang="zh-CN" sz="2000" b="0" i="0" dirty="0" err="1">
-                <a:solidFill>
-                  <a:srgbClr val="121212"/>
-                </a:solidFill>
-                <a:effectLst/>
-                <a:latin typeface="-apple-system"/>
-              </a:rPr>
-              <a:t>IfStmtNode</a:t>
-            </a:r>
-            <a:r>
-              <a:rPr lang="zh-CN" altLang="en-US" sz="2000" b="0" i="0" dirty="0">
-                <a:solidFill>
-                  <a:srgbClr val="121212"/>
-                </a:solidFill>
-                <a:effectLst/>
-                <a:latin typeface="-apple-system"/>
-              </a:rPr>
-              <a:t>类继承关系</a:t>
-            </a:r>
-            <a:endParaRPr lang="zh-CN" altLang="en-US" sz="2000" dirty="0"/>
-          </a:p>
-        </p:txBody>
-      </p:sp>
-      <p:sp>
-        <p:nvSpPr>
-          <p:cNvPr id="33" name="文本框 32">
-            <a:extLst>
-              <a:ext uri="{FF2B5EF4-FFF2-40B4-BE49-F238E27FC236}">
-                <a16:creationId xmlns:a16="http://schemas.microsoft.com/office/drawing/2014/main" id="{67C76C3D-C44E-4AF9-B47E-4A3A05ED62A0}"/>
-              </a:ext>
-            </a:extLst>
-          </p:cNvPr>
-          <p:cNvSpPr txBox="1"/>
-          <p:nvPr/>
-        </p:nvSpPr>
-        <p:spPr>
-          <a:xfrm>
-            <a:off x="6660156" y="5684800"/>
-            <a:ext cx="4682468" cy="400110"/>
-          </a:xfrm>
-          <a:prstGeom prst="rect">
-            <a:avLst/>
-          </a:prstGeom>
-          <a:noFill/>
-        </p:spPr>
-        <p:txBody>
-          <a:bodyPr wrap="square" rtlCol="0">
-            <a:spAutoFit/>
-          </a:bodyPr>
-          <a:lstStyle/>
-          <a:p>
-            <a:r>
-              <a:rPr lang="en-US" altLang="zh-CN" sz="2000" b="0" i="0" dirty="0">
-                <a:solidFill>
-                  <a:srgbClr val="121212"/>
-                </a:solidFill>
-                <a:effectLst/>
-                <a:latin typeface="-apple-system"/>
-              </a:rPr>
-              <a:t>else</a:t>
-            </a:r>
-            <a:r>
-              <a:rPr lang="zh-CN" altLang="en-US" sz="2000" b="0" i="0" dirty="0">
-                <a:solidFill>
-                  <a:srgbClr val="121212"/>
-                </a:solidFill>
-                <a:effectLst/>
-                <a:latin typeface="-apple-system"/>
-              </a:rPr>
-              <a:t>部分为空时，</a:t>
-            </a:r>
-            <a:r>
-              <a:rPr lang="en-US" altLang="zh-CN" sz="2000" b="0" i="0" dirty="0">
-                <a:solidFill>
-                  <a:srgbClr val="121212"/>
-                </a:solidFill>
-                <a:effectLst/>
-                <a:latin typeface="-apple-system"/>
-              </a:rPr>
-              <a:t>IR</a:t>
-            </a:r>
-            <a:r>
-              <a:rPr lang="zh-CN" altLang="en-US" sz="2000" b="0" i="0" dirty="0">
-                <a:solidFill>
-                  <a:srgbClr val="121212"/>
-                </a:solidFill>
-                <a:effectLst/>
-                <a:latin typeface="-apple-system"/>
-              </a:rPr>
-              <a:t>中</a:t>
-            </a:r>
-            <a:r>
-              <a:rPr lang="en-US" altLang="zh-CN" sz="2000" b="0" i="0" dirty="0">
-                <a:solidFill>
-                  <a:srgbClr val="121212"/>
-                </a:solidFill>
-                <a:effectLst/>
-                <a:latin typeface="-apple-system"/>
-              </a:rPr>
-              <a:t>if</a:t>
-            </a:r>
-            <a:r>
-              <a:rPr lang="zh-CN" altLang="en-US" sz="2000" b="0" i="0" dirty="0">
-                <a:solidFill>
-                  <a:srgbClr val="121212"/>
-                </a:solidFill>
-                <a:effectLst/>
-                <a:latin typeface="-apple-system"/>
-              </a:rPr>
-              <a:t>语句的表达方式</a:t>
-            </a:r>
-            <a:endParaRPr lang="zh-CN" altLang="en-US" sz="2000" dirty="0"/>
+            <a:endParaRPr lang="zh-CN" altLang="en-US"/>
           </a:p>
         </p:txBody>
       </p:sp>
     </p:spTree>
     <p:extLst>
       <p:ext uri="{BB962C8B-B14F-4D97-AF65-F5344CB8AC3E}">
-        <p14:creationId xmlns:p14="http://schemas.microsoft.com/office/powerpoint/2010/main" val="3335267002"/>
+        <p14:creationId xmlns:p14="http://schemas.microsoft.com/office/powerpoint/2010/main" val="1641941559"/>
       </p:ext>
     </p:extLst>
   </p:cSld>
   <p:clrMapOvr>
     <a:masterClrMapping/>
   </p:clrMapOvr>
+  <mc:AlternateContent xmlns:mc="http://schemas.openxmlformats.org/markup-compatibility/2006" xmlns:p159="http://schemas.microsoft.com/office/powerpoint/2015/09/main">
+    <mc:Choice Requires="p159">
+      <p:transition xmlns:p14="http://schemas.microsoft.com/office/powerpoint/2010/main" spd="slow" p14:dur="2000">
+        <p159:morph option="byObject"/>
+      </p:transition>
+    </mc:Choice>
+    <mc:Fallback xmlns="">
+      <p:transition spd="slow">
+        <p:fade/>
+      </p:transition>
+    </mc:Fallback>
+  </mc:AlternateContent>
 </p:sld>
 </file>
 
@@ -13629,8 +16186,8 @@
         </p:nvSpPr>
         <p:spPr>
           <a:xfrm>
-            <a:off x="525709" y="518020"/>
-            <a:ext cx="5329807" cy="782273"/>
+            <a:off x="342830" y="294593"/>
+            <a:ext cx="2276214" cy="782273"/>
           </a:xfrm>
         </p:spPr>
         <p:txBody>
@@ -13640,60 +16197,18 @@
           <a:lstStyle/>
           <a:p>
             <a:r>
-              <a:rPr lang="en-US" altLang="zh-CN" sz="4000" dirty="0"/>
-              <a:t>MAPLE IR</a:t>
-            </a:r>
-            <a:r>
               <a:rPr lang="zh-CN" altLang="en-US" sz="4000" dirty="0"/>
-              <a:t>中的“</a:t>
-            </a:r>
-            <a:r>
-              <a:rPr lang="en-US" altLang="zh-CN" sz="4000" dirty="0"/>
-              <a:t>if</a:t>
-            </a:r>
-            <a:r>
-              <a:rPr lang="zh-CN" altLang="en-US" sz="4000" dirty="0"/>
-              <a:t>”语句</a:t>
+              <a:t>词法分析</a:t>
             </a:r>
           </a:p>
         </p:txBody>
       </p:sp>
       <p:pic>
         <p:nvPicPr>
-          <p:cNvPr id="7" name="图片 6">
-            <a:extLst>
-              <a:ext uri="{FF2B5EF4-FFF2-40B4-BE49-F238E27FC236}">
-                <a16:creationId xmlns:a16="http://schemas.microsoft.com/office/drawing/2014/main" id="{0C6E1D03-266E-4C2A-A6D9-F828D100D609}"/>
-              </a:ext>
-            </a:extLst>
-          </p:cNvPr>
-          <p:cNvPicPr>
-            <a:picLocks noChangeAspect="1"/>
-          </p:cNvPicPr>
-          <p:nvPr/>
-        </p:nvPicPr>
-        <p:blipFill>
-          <a:blip r:embed="rId2"/>
-          <a:stretch>
-            <a:fillRect/>
-          </a:stretch>
-        </p:blipFill>
-        <p:spPr>
-          <a:xfrm>
-            <a:off x="400400" y="1606578"/>
-            <a:ext cx="8572500" cy="3409950"/>
-          </a:xfrm>
-          <a:prstGeom prst="rect">
-            <a:avLst/>
-          </a:prstGeom>
-        </p:spPr>
-      </p:pic>
-      <p:pic>
-        <p:nvPicPr>
-          <p:cNvPr id="9" name="图片 8">
-            <a:extLst>
-              <a:ext uri="{FF2B5EF4-FFF2-40B4-BE49-F238E27FC236}">
-                <a16:creationId xmlns:a16="http://schemas.microsoft.com/office/drawing/2014/main" id="{A5CA4D82-7A65-40C8-878A-8BD40A3D12B6}"/>
+          <p:cNvPr id="13" name="图片 12">
+            <a:extLst>
+              <a:ext uri="{FF2B5EF4-FFF2-40B4-BE49-F238E27FC236}">
+                <a16:creationId xmlns:a16="http://schemas.microsoft.com/office/drawing/2014/main" id="{5B542FFF-2FBF-40D2-BB71-BBF880E4C94F}"/>
               </a:ext>
             </a:extLst>
           </p:cNvPr>
@@ -13710,172 +16225,109 @@
         </p:blipFill>
         <p:spPr>
           <a:xfrm>
-            <a:off x="7671910" y="4708450"/>
-            <a:ext cx="3810000" cy="1228725"/>
+            <a:off x="652131" y="2534905"/>
+            <a:ext cx="3933825" cy="2505075"/>
           </a:xfrm>
           <a:prstGeom prst="rect">
             <a:avLst/>
           </a:prstGeom>
+          <a:ln>
+            <a:noFill/>
+          </a:ln>
+          <a:effectLst>
+            <a:outerShdw blurRad="292100" dist="139700" dir="2700000" algn="tl" rotWithShape="0">
+              <a:srgbClr val="333333">
+                <a:alpha val="65000"/>
+              </a:srgbClr>
+            </a:outerShdw>
+          </a:effectLst>
         </p:spPr>
       </p:pic>
-      <p:sp>
-        <p:nvSpPr>
-          <p:cNvPr id="12" name="矩形 11">
-            <a:extLst>
-              <a:ext uri="{FF2B5EF4-FFF2-40B4-BE49-F238E27FC236}">
-                <a16:creationId xmlns:a16="http://schemas.microsoft.com/office/drawing/2014/main" id="{A0B67C02-37DC-4EDC-B253-818C035AA71A}"/>
-              </a:ext>
-            </a:extLst>
-          </p:cNvPr>
-          <p:cNvSpPr/>
+      <p:pic>
+        <p:nvPicPr>
+          <p:cNvPr id="5" name="图片 4">
+            <a:extLst>
+              <a:ext uri="{FF2B5EF4-FFF2-40B4-BE49-F238E27FC236}">
+                <a16:creationId xmlns:a16="http://schemas.microsoft.com/office/drawing/2014/main" id="{F8393A38-4B98-4BD3-9A5F-F7E3C8522AA0}"/>
+              </a:ext>
+            </a:extLst>
+          </p:cNvPr>
+          <p:cNvPicPr>
+            <a:picLocks noChangeAspect="1"/>
+          </p:cNvPicPr>
           <p:nvPr/>
-        </p:nvSpPr>
+        </p:nvPicPr>
+        <p:blipFill>
+          <a:blip r:embed="rId4"/>
+          <a:stretch>
+            <a:fillRect/>
+          </a:stretch>
+        </p:blipFill>
         <p:spPr>
           <a:xfrm>
-            <a:off x="525709" y="4068661"/>
-            <a:ext cx="5128471" cy="285225"/>
+            <a:off x="5622948" y="1076866"/>
+            <a:ext cx="6226222" cy="6858000"/>
           </a:xfrm>
           <a:prstGeom prst="rect">
             <a:avLst/>
           </a:prstGeom>
-          <a:solidFill>
-            <a:schemeClr val="accent2">
-              <a:lumMod val="60000"/>
-              <a:lumOff val="40000"/>
-              <a:alpha val="41000"/>
-            </a:schemeClr>
-          </a:solidFill>
           <a:ln>
             <a:noFill/>
           </a:ln>
+          <a:effectLst>
+            <a:outerShdw blurRad="292100" dist="139700" dir="2700000" algn="tl" rotWithShape="0">
+              <a:srgbClr val="333333">
+                <a:alpha val="65000"/>
+              </a:srgbClr>
+            </a:outerShdw>
+          </a:effectLst>
+        </p:spPr>
+      </p:pic>
+      <p:cxnSp>
+        <p:nvCxnSpPr>
+          <p:cNvPr id="9" name="直接箭头连接符 8">
+            <a:extLst>
+              <a:ext uri="{FF2B5EF4-FFF2-40B4-BE49-F238E27FC236}">
+                <a16:creationId xmlns:a16="http://schemas.microsoft.com/office/drawing/2014/main" id="{6F8C1636-F977-44B2-AD19-5D6E12B15C98}"/>
+              </a:ext>
+            </a:extLst>
+          </p:cNvPr>
+          <p:cNvCxnSpPr>
+            <a:cxnSpLocks/>
+          </p:cNvCxnSpPr>
+          <p:nvPr/>
+        </p:nvCxnSpPr>
+        <p:spPr>
+          <a:xfrm flipV="1">
+            <a:off x="3032760" y="1417321"/>
+            <a:ext cx="2590188" cy="1752599"/>
+          </a:xfrm>
+          <a:prstGeom prst="straightConnector1">
+            <a:avLst/>
+          </a:prstGeom>
+          <a:ln w="57150">
+            <a:tailEnd type="triangle"/>
+          </a:ln>
         </p:spPr>
         <p:style>
-          <a:lnRef idx="2">
-            <a:schemeClr val="accent1">
-              <a:shade val="50000"/>
-            </a:schemeClr>
+          <a:lnRef idx="1">
+            <a:schemeClr val="accent1"/>
           </a:lnRef>
-          <a:fillRef idx="1">
+          <a:fillRef idx="0">
             <a:schemeClr val="accent1"/>
           </a:fillRef>
           <a:effectRef idx="0">
             <a:schemeClr val="accent1"/>
           </a:effectRef>
           <a:fontRef idx="minor">
-            <a:schemeClr val="lt1"/>
+            <a:schemeClr val="tx1"/>
           </a:fontRef>
         </p:style>
-        <p:txBody>
-          <a:bodyPr rtlCol="0" anchor="ctr"/>
-          <a:lstStyle/>
-          <a:p>
-            <a:pPr algn="ctr"/>
-            <a:endParaRPr lang="zh-CN" altLang="en-US"/>
-          </a:p>
-        </p:txBody>
-      </p:sp>
-      <p:sp>
-        <p:nvSpPr>
-          <p:cNvPr id="14" name="矩形 13">
-            <a:extLst>
-              <a:ext uri="{FF2B5EF4-FFF2-40B4-BE49-F238E27FC236}">
-                <a16:creationId xmlns:a16="http://schemas.microsoft.com/office/drawing/2014/main" id="{0C99482F-2F7B-4FE5-BA7D-F120BA384E93}"/>
-              </a:ext>
-            </a:extLst>
-          </p:cNvPr>
-          <p:cNvSpPr/>
-          <p:nvPr/>
-        </p:nvSpPr>
-        <p:spPr>
-          <a:xfrm>
-            <a:off x="7450420" y="5214295"/>
-            <a:ext cx="1960226" cy="371260"/>
-          </a:xfrm>
-          <a:prstGeom prst="rect">
-            <a:avLst/>
-          </a:prstGeom>
-          <a:solidFill>
-            <a:schemeClr val="accent2">
-              <a:lumMod val="60000"/>
-              <a:lumOff val="40000"/>
-              <a:alpha val="41000"/>
-            </a:schemeClr>
-          </a:solidFill>
-          <a:ln>
-            <a:noFill/>
-          </a:ln>
-        </p:spPr>
-        <p:style>
-          <a:lnRef idx="2">
-            <a:schemeClr val="accent1">
-              <a:shade val="50000"/>
-            </a:schemeClr>
-          </a:lnRef>
-          <a:fillRef idx="1">
-            <a:schemeClr val="accent1"/>
-          </a:fillRef>
-          <a:effectRef idx="0">
-            <a:schemeClr val="accent1"/>
-          </a:effectRef>
-          <a:fontRef idx="minor">
-            <a:schemeClr val="lt1"/>
-          </a:fontRef>
-        </p:style>
-        <p:txBody>
-          <a:bodyPr rtlCol="0" anchor="ctr"/>
-          <a:lstStyle/>
-          <a:p>
-            <a:pPr algn="ctr"/>
-            <a:endParaRPr lang="zh-CN" altLang="en-US"/>
-          </a:p>
-        </p:txBody>
-      </p:sp>
-      <p:sp>
-        <p:nvSpPr>
-          <p:cNvPr id="3" name="文本框 2">
-            <a:extLst>
-              <a:ext uri="{FF2B5EF4-FFF2-40B4-BE49-F238E27FC236}">
-                <a16:creationId xmlns:a16="http://schemas.microsoft.com/office/drawing/2014/main" id="{491ECE64-753A-4BED-94EB-858717837D23}"/>
-              </a:ext>
-            </a:extLst>
-          </p:cNvPr>
-          <p:cNvSpPr txBox="1"/>
-          <p:nvPr/>
-        </p:nvSpPr>
-        <p:spPr>
-          <a:xfrm>
-            <a:off x="10665596" y="6134350"/>
-            <a:ext cx="1632628" cy="400110"/>
-          </a:xfrm>
-          <a:prstGeom prst="rect">
-            <a:avLst/>
-          </a:prstGeom>
-          <a:noFill/>
-        </p:spPr>
-        <p:txBody>
-          <a:bodyPr wrap="square" rtlCol="0">
-            <a:spAutoFit/>
-          </a:bodyPr>
-          <a:lstStyle/>
-          <a:p>
-            <a:r>
-              <a:rPr lang="zh-CN" altLang="en-US" sz="2000" b="0" i="0" dirty="0">
-                <a:solidFill>
-                  <a:srgbClr val="121212"/>
-                </a:solidFill>
-                <a:effectLst/>
-                <a:latin typeface="-apple-system"/>
-              </a:rPr>
-              <a:t>实现代码</a:t>
-            </a:r>
-            <a:endParaRPr lang="zh-CN" altLang="en-US" sz="2000" dirty="0"/>
-          </a:p>
-        </p:txBody>
-      </p:sp>
+      </p:cxnSp>
     </p:spTree>
     <p:extLst>
       <p:ext uri="{BB962C8B-B14F-4D97-AF65-F5344CB8AC3E}">
-        <p14:creationId xmlns:p14="http://schemas.microsoft.com/office/powerpoint/2010/main" val="4157865328"/>
+        <p14:creationId xmlns:p14="http://schemas.microsoft.com/office/powerpoint/2010/main" val="207732676"/>
       </p:ext>
     </p:extLst>
   </p:cSld>

--- a/方舟编译器源码分析初稿.pptx
+++ b/方舟编译器源码分析初稿.pptx
@@ -5,7 +5,7 @@
     <p:sldMasterId id="2147483648" r:id="rId1"/>
   </p:sldMasterIdLst>
   <p:notesMasterIdLst>
-    <p:notesMasterId r:id="rId22"/>
+    <p:notesMasterId r:id="rId21"/>
   </p:notesMasterIdLst>
   <p:sldIdLst>
     <p:sldId id="256" r:id="rId2"/>
@@ -22,12 +22,11 @@
     <p:sldId id="276" r:id="rId13"/>
     <p:sldId id="275" r:id="rId14"/>
     <p:sldId id="262" r:id="rId15"/>
-    <p:sldId id="264" r:id="rId16"/>
-    <p:sldId id="269" r:id="rId17"/>
-    <p:sldId id="272" r:id="rId18"/>
-    <p:sldId id="273" r:id="rId19"/>
-    <p:sldId id="274" r:id="rId20"/>
-    <p:sldId id="259" r:id="rId21"/>
+    <p:sldId id="269" r:id="rId16"/>
+    <p:sldId id="272" r:id="rId17"/>
+    <p:sldId id="273" r:id="rId18"/>
+    <p:sldId id="274" r:id="rId19"/>
+    <p:sldId id="259" r:id="rId20"/>
   </p:sldIdLst>
   <p:sldSz cx="12192000" cy="6858000"/>
   <p:notesSz cx="6858000" cy="9144000"/>
@@ -216,7 +215,7 @@
           <a:p>
             <a:fld id="{5C5FF114-D26A-48CC-A6D9-6F5B7E9C7C8C}" type="datetimeFigureOut">
               <a:rPr lang="zh-CN" altLang="en-US" smtClean="0"/>
-              <a:t>2020/11/29</a:t>
+              <a:t>2020/12/2</a:t>
             </a:fld>
             <a:endParaRPr lang="zh-CN" altLang="en-US"/>
           </a:p>
@@ -664,7 +663,7 @@
           <a:p>
             <a:r>
               <a:rPr lang="zh-CN" altLang="en-US" dirty="0"/>
-              <a:t>接着这是一个处理</a:t>
+              <a:t>而上面这个文件则是负责处理</a:t>
             </a:r>
             <a:r>
               <a:rPr lang="en-US" altLang="zh-CN" dirty="0"/>
@@ -672,7 +671,7 @@
             </a:r>
             <a:r>
               <a:rPr lang="zh-CN" altLang="en-US" dirty="0"/>
-              <a:t>语法单元的代码</a:t>
+              <a:t>代码的语法分析部分</a:t>
             </a:r>
             <a:endParaRPr lang="en-US" altLang="zh-CN" dirty="0"/>
           </a:p>
@@ -804,7 +803,7 @@
                 <a:effectLst/>
                 <a:latin typeface="-apple-system"/>
               </a:rPr>
-              <a:t>这就引出了</a:t>
+              <a:t>这样的向下转化策略在</a:t>
             </a:r>
             <a:r>
               <a:rPr lang="en-US" altLang="zh-CN" b="0" i="0" dirty="0">
@@ -824,7 +823,7 @@
                 <a:effectLst/>
                 <a:latin typeface="-apple-system"/>
               </a:rPr>
-              <a:t>编译中常用策略，向下转化</a:t>
+              <a:t>中十分常见</a:t>
             </a:r>
             <a:endParaRPr lang="en-US" altLang="zh-CN" b="0" i="0" dirty="0">
               <a:solidFill>
@@ -893,7 +892,27 @@
                 <a:effectLst/>
                 <a:latin typeface="-apple-system"/>
               </a:rPr>
-              <a:t>集成而来</a:t>
+              <a:t>继承而来，而在处理各类结点时，也就采用将其向上转化成</a:t>
+            </a:r>
+            <a:r>
+              <a:rPr lang="en-US" altLang="zh-CN" b="0" i="0" dirty="0" err="1">
+                <a:solidFill>
+                  <a:srgbClr val="121212"/>
+                </a:solidFill>
+                <a:effectLst/>
+                <a:latin typeface="-apple-system"/>
+              </a:rPr>
+              <a:t>basenode</a:t>
+            </a:r>
+            <a:r>
+              <a:rPr lang="zh-CN" altLang="en-US" b="0" i="0" dirty="0">
+                <a:solidFill>
+                  <a:srgbClr val="121212"/>
+                </a:solidFill>
+                <a:effectLst/>
+                <a:latin typeface="-apple-system"/>
+              </a:rPr>
+              <a:t>的策略</a:t>
             </a:r>
             <a:endParaRPr lang="en-US" altLang="zh-CN" b="0" i="0" dirty="0">
               <a:solidFill>
@@ -987,6 +1006,13 @@
           <a:p>
             <a:r>
               <a:rPr lang="zh-CN" altLang="en-US" dirty="0"/>
+              <a:t>当然，这样的继承关系一般是复杂的</a:t>
+            </a:r>
+            <a:endParaRPr lang="en-US" altLang="zh-CN" dirty="0"/>
+          </a:p>
+          <a:p>
+            <a:r>
+              <a:rPr lang="zh-CN" altLang="en-US" dirty="0"/>
               <a:t>一些处理特殊语句的结点，如后面我们将要介绍</a:t>
             </a:r>
             <a:r>
@@ -995,7 +1021,23 @@
             </a:r>
             <a:r>
               <a:rPr lang="zh-CN" altLang="en-US" dirty="0"/>
-              <a:t>语句的结点，就有着复杂的继承关系，而在处理时，则会不断地向下转化</a:t>
+              <a:t>语句的结点，就没有经过</a:t>
+            </a:r>
+            <a:r>
+              <a:rPr lang="en-US" altLang="zh-CN" dirty="0" err="1"/>
+              <a:t>BlockNode</a:t>
+            </a:r>
+            <a:r>
+              <a:rPr lang="zh-CN" altLang="en-US" dirty="0"/>
+              <a:t>，而间接从</a:t>
+            </a:r>
+            <a:r>
+              <a:rPr lang="en-US" altLang="zh-CN" dirty="0"/>
+              <a:t>statement</a:t>
+            </a:r>
+            <a:r>
+              <a:rPr lang="zh-CN" altLang="en-US" dirty="0"/>
+              <a:t>结点继承</a:t>
             </a:r>
           </a:p>
         </p:txBody>
@@ -1089,7 +1131,7 @@
                 <a:effectLst/>
                 <a:latin typeface="-apple-system"/>
               </a:rPr>
-              <a:t>在介绍</a:t>
+              <a:t>我们接下来会介绍</a:t>
             </a:r>
             <a:r>
               <a:rPr lang="en-US" altLang="zh-CN" b="0" i="0" dirty="0">
@@ -1109,6 +1151,26 @@
                 <a:effectLst/>
                 <a:latin typeface="-apple-system"/>
               </a:rPr>
+              <a:t>语句的处理细节，在介绍</a:t>
+            </a:r>
+            <a:r>
+              <a:rPr lang="en-US" altLang="zh-CN" b="0" i="0" dirty="0">
+                <a:solidFill>
+                  <a:srgbClr val="121212"/>
+                </a:solidFill>
+                <a:effectLst/>
+                <a:latin typeface="-apple-system"/>
+              </a:rPr>
+              <a:t>if</a:t>
+            </a:r>
+            <a:r>
+              <a:rPr lang="zh-CN" altLang="en-US" b="0" i="0" dirty="0">
+                <a:solidFill>
+                  <a:srgbClr val="121212"/>
+                </a:solidFill>
+                <a:effectLst/>
+                <a:latin typeface="-apple-system"/>
+              </a:rPr>
               <a:t>语句地处理细节之前，我们先得对</a:t>
             </a:r>
             <a:r>
@@ -1169,7 +1231,7 @@
                 <a:effectLst/>
                 <a:latin typeface="-apple-system"/>
               </a:rPr>
-              <a:t>是采用的是类似</a:t>
+              <a:t>有着类似</a:t>
             </a:r>
             <a:r>
               <a:rPr lang="en-US" altLang="zh-CN" b="0" i="0" dirty="0">
@@ -1189,7 +1251,7 @@
                 <a:effectLst/>
                 <a:latin typeface="-apple-system"/>
               </a:rPr>
-              <a:t>语言的形式（并不遵循</a:t>
+              <a:t>语言的形式，但并不完全遵循</a:t>
             </a:r>
             <a:r>
               <a:rPr lang="en-US" altLang="zh-CN" b="0" i="0" dirty="0">
@@ -1209,7 +1271,7 @@
                 <a:effectLst/>
                 <a:latin typeface="-apple-system"/>
               </a:rPr>
-              <a:t>的语法），将</a:t>
+              <a:t>的语法，</a:t>
             </a:r>
             <a:r>
               <a:rPr lang="en-US" altLang="zh-CN" b="0" i="0" dirty="0">
@@ -1349,7 +1411,7 @@
                 <a:effectLst/>
                 <a:latin typeface="-apple-system"/>
               </a:rPr>
-              <a:t>文件对应一个</a:t>
+              <a:t>文件对应一个编译单元（</a:t>
             </a:r>
             <a:r>
               <a:rPr lang="en-US" altLang="zh-CN" b="0" i="0" dirty="0">
@@ -1369,27 +1431,7 @@
                 <a:effectLst/>
                 <a:latin typeface="-apple-system"/>
               </a:rPr>
-              <a:t>（</a:t>
-            </a:r>
-            <a:r>
-              <a:rPr lang="en-US" altLang="zh-CN" b="0" i="0" dirty="0">
-                <a:solidFill>
-                  <a:srgbClr val="121212"/>
-                </a:solidFill>
-                <a:effectLst/>
-                <a:latin typeface="-apple-system"/>
-              </a:rPr>
-              <a:t>compilation unit, </a:t>
-            </a:r>
-            <a:r>
-              <a:rPr lang="zh-CN" altLang="en-US" b="0" i="0" dirty="0">
-                <a:solidFill>
-                  <a:srgbClr val="121212"/>
-                </a:solidFill>
-                <a:effectLst/>
-                <a:latin typeface="-apple-system"/>
-              </a:rPr>
-              <a:t>编译单元），其中含有全局变量，接着是函数的声明，执行语句就在其中我们之前介绍的</a:t>
+              <a:t>），其中含有全局变量，接着是函数的声明，执行语句就在其中我们之前介绍的</a:t>
             </a:r>
             <a:r>
               <a:rPr lang="en-US" altLang="zh-CN" b="0" i="0" dirty="0">
@@ -1515,9 +1557,26 @@
           <a:bodyPr/>
           <a:lstStyle/>
           <a:p>
+            <a:pPr marL="0" marR="0" lvl="0" indent="0" algn="l" defTabSz="914400" rtl="0" eaLnBrk="1" fontAlgn="auto" latinLnBrk="0" hangingPunct="1">
+              <a:lnSpc>
+                <a:spcPct val="100000"/>
+              </a:lnSpc>
+              <a:spcBef>
+                <a:spcPts val="0"/>
+              </a:spcBef>
+              <a:spcAft>
+                <a:spcPts val="0"/>
+              </a:spcAft>
+              <a:buClrTx/>
+              <a:buSzTx/>
+              <a:buFontTx/>
+              <a:buNone/>
+              <a:tabLst/>
+              <a:defRPr/>
+            </a:pPr>
             <a:r>
               <a:rPr lang="zh-CN" altLang="en-US" dirty="0"/>
-              <a:t>右侧是</a:t>
+              <a:t>下方是</a:t>
             </a:r>
             <a:r>
               <a:rPr lang="en-US" altLang="zh-CN" dirty="0"/>
@@ -1541,13 +1600,22 @@
             </a:r>
             <a:r>
               <a:rPr lang="zh-CN" altLang="en-US" dirty="0"/>
-              <a:t>的表示方式</a:t>
-            </a:r>
+              <a:t>的表示方式，上面则是处理这种情形的代码</a:t>
+            </a:r>
+            <a:endParaRPr lang="en-US" altLang="zh-CN" dirty="0"/>
           </a:p>
           <a:p>
             <a:r>
               <a:rPr lang="zh-CN" altLang="en-US" dirty="0"/>
-              <a:t>而在</a:t>
+              <a:t>处理代码中依次读取了</a:t>
+            </a:r>
+            <a:r>
+              <a:rPr lang="en-US" altLang="zh-CN" dirty="0"/>
+              <a:t>if</a:t>
+            </a:r>
+            <a:r>
+              <a:rPr lang="zh-CN" altLang="en-US" dirty="0"/>
+              <a:t>类中的信息，与</a:t>
             </a:r>
             <a:r>
               <a:rPr lang="en-US" altLang="zh-CN" dirty="0"/>
@@ -1555,16 +1623,24 @@
             </a:r>
             <a:r>
               <a:rPr lang="zh-CN" altLang="en-US" dirty="0"/>
-              <a:t>的编译器中则是专门定义了</a:t>
+              <a:t>代码中的逻辑顺序一一对应</a:t>
+            </a:r>
+            <a:endParaRPr lang="en-US" altLang="zh-CN" dirty="0"/>
+          </a:p>
+          <a:p>
+            <a:r>
+              <a:rPr lang="zh-CN" altLang="en-US" dirty="0"/>
+              <a:t>例如图中的标红部分就是将</a:t>
             </a:r>
             <a:r>
               <a:rPr lang="en-US" altLang="zh-CN" dirty="0"/>
-              <a:t>if</a:t>
+              <a:t>then</a:t>
             </a:r>
             <a:r>
               <a:rPr lang="zh-CN" altLang="en-US" dirty="0"/>
-              <a:t>语句的处理类，左侧是其继承关系</a:t>
-            </a:r>
+              <a:t>中的信息读入，并构建语法树</a:t>
+            </a:r>
+            <a:endParaRPr lang="en-US" altLang="zh-CN" dirty="0"/>
           </a:p>
         </p:txBody>
       </p:sp>
@@ -1594,7 +1670,7 @@
     </p:spTree>
     <p:extLst>
       <p:ext uri="{BB962C8B-B14F-4D97-AF65-F5344CB8AC3E}">
-        <p14:creationId xmlns:p14="http://schemas.microsoft.com/office/powerpoint/2010/main" val="827852433"/>
+        <p14:creationId xmlns:p14="http://schemas.microsoft.com/office/powerpoint/2010/main" val="1451712834"/>
       </p:ext>
     </p:extLst>
   </p:cSld>
@@ -1650,14 +1726,7 @@
           <a:p>
             <a:r>
               <a:rPr lang="zh-CN" altLang="en-US" dirty="0"/>
-              <a:t>这个对应处理这个部分的源码</a:t>
-            </a:r>
-            <a:endParaRPr lang="en-US" altLang="zh-CN" dirty="0"/>
-          </a:p>
-          <a:p>
-            <a:r>
-              <a:rPr lang="zh-CN" altLang="en-US" dirty="0"/>
-              <a:t>处理代码中依次读取</a:t>
+              <a:t>除了</a:t>
             </a:r>
             <a:r>
               <a:rPr lang="en-US" altLang="zh-CN" dirty="0"/>
@@ -1665,14 +1734,45 @@
             </a:r>
             <a:r>
               <a:rPr lang="zh-CN" altLang="en-US" dirty="0"/>
-              <a:t>类中的信息，并构建语法树</a:t>
+              <a:t>之外，还有其他的控制流语句，而对于这些语句，所采用的流程基本类似</a:t>
             </a:r>
             <a:endParaRPr lang="en-US" altLang="zh-CN" dirty="0"/>
           </a:p>
           <a:p>
             <a:r>
               <a:rPr lang="zh-CN" altLang="en-US" dirty="0"/>
-              <a:t>可以看到语句其实是有一个一一对应的关系的，按照操作，依次进行</a:t>
+              <a:t>有一个特殊的语句 </a:t>
+            </a:r>
+            <a:r>
+              <a:rPr lang="en-US" altLang="zh-CN" dirty="0" err="1"/>
+              <a:t>foreachelem</a:t>
+            </a:r>
+            <a:r>
+              <a:rPr lang="zh-CN" altLang="en-US" dirty="0"/>
+              <a:t>语句，它则涉及到了数组的管理，</a:t>
+            </a:r>
+            <a:endParaRPr lang="en-US" altLang="zh-CN" dirty="0"/>
+          </a:p>
+          <a:p>
+            <a:r>
+              <a:rPr lang="zh-CN" altLang="en-US" dirty="0"/>
+              <a:t>看名字可能觉得它与</a:t>
+            </a:r>
+            <a:r>
+              <a:rPr lang="en-US" altLang="zh-CN" dirty="0"/>
+              <a:t>for</a:t>
+            </a:r>
+            <a:r>
+              <a:rPr lang="zh-CN" altLang="en-US" dirty="0"/>
+              <a:t>挺像的，它并不是高级语言中实现遍历的</a:t>
+            </a:r>
+            <a:r>
+              <a:rPr lang="en-US" altLang="zh-CN" dirty="0"/>
+              <a:t>for</a:t>
+            </a:r>
+            <a:r>
+              <a:rPr lang="zh-CN" altLang="en-US" dirty="0"/>
+              <a:t>语句，而是负责控制流语句的嵌套</a:t>
             </a:r>
           </a:p>
         </p:txBody>
@@ -1703,7 +1803,7 @@
     </p:spTree>
     <p:extLst>
       <p:ext uri="{BB962C8B-B14F-4D97-AF65-F5344CB8AC3E}">
-        <p14:creationId xmlns:p14="http://schemas.microsoft.com/office/powerpoint/2010/main" val="1451712834"/>
+        <p14:creationId xmlns:p14="http://schemas.microsoft.com/office/powerpoint/2010/main" val="1476649313"/>
       </p:ext>
     </p:extLst>
   </p:cSld>
@@ -1758,39 +1858,115 @@
           <a:lstStyle/>
           <a:p>
             <a:r>
-              <a:rPr lang="zh-CN" altLang="en-US" dirty="0"/>
-              <a:t>而对于其他的控制流语句，所采用的流程基本类似</a:t>
-            </a:r>
-            <a:endParaRPr lang="en-US" altLang="zh-CN" dirty="0"/>
-          </a:p>
-          <a:p>
-            <a:r>
-              <a:rPr lang="zh-CN" altLang="en-US" dirty="0"/>
-              <a:t>有一个特殊的语句 </a:t>
-            </a:r>
-            <a:r>
-              <a:rPr lang="en-US" altLang="zh-CN" dirty="0" err="1"/>
-              <a:t>foreachelem</a:t>
-            </a:r>
-            <a:r>
-              <a:rPr lang="zh-CN" altLang="en-US" dirty="0"/>
-              <a:t>语句，它则涉及到了数组的管理，</a:t>
-            </a:r>
-            <a:endParaRPr lang="en-US" altLang="zh-CN" dirty="0"/>
-          </a:p>
-          <a:p>
-            <a:r>
-              <a:rPr lang="zh-CN" altLang="en-US" dirty="0"/>
-              <a:t>它并不是高级语言中实现遍历的</a:t>
-            </a:r>
-            <a:r>
-              <a:rPr lang="en-US" altLang="zh-CN" dirty="0"/>
-              <a:t>for</a:t>
-            </a:r>
-            <a:r>
-              <a:rPr lang="zh-CN" altLang="en-US" dirty="0"/>
-              <a:t>语句，而是负责控制流语句的嵌套</a:t>
-            </a:r>
+              <a:rPr lang="zh-CN" altLang="en-US" b="0" i="0" dirty="0">
+                <a:solidFill>
+                  <a:srgbClr val="121212"/>
+                </a:solidFill>
+                <a:effectLst/>
+                <a:latin typeface="-apple-system"/>
+              </a:rPr>
+              <a:t>上图是其核心的调用函数</a:t>
+            </a:r>
+            <a:endParaRPr lang="en-US" altLang="zh-CN" b="0" i="0" dirty="0">
+              <a:solidFill>
+                <a:srgbClr val="121212"/>
+              </a:solidFill>
+              <a:effectLst/>
+              <a:latin typeface="-apple-system"/>
+            </a:endParaRPr>
+          </a:p>
+          <a:p>
+            <a:r>
+              <a:rPr lang="zh-CN" altLang="en-US" b="0" i="0" dirty="0">
+                <a:solidFill>
+                  <a:srgbClr val="121212"/>
+                </a:solidFill>
+                <a:effectLst/>
+                <a:latin typeface="-apple-system"/>
+              </a:rPr>
+              <a:t>该函数会先识别控制符号，然后有递归调用了自身以实现将流控制语句嵌套中的内容依次执行。只不过前</a:t>
+            </a:r>
+            <a:r>
+              <a:rPr lang="en-US" altLang="zh-CN" b="0" i="0" dirty="0">
+                <a:solidFill>
+                  <a:srgbClr val="121212"/>
+                </a:solidFill>
+                <a:effectLst/>
+                <a:latin typeface="-apple-system"/>
+              </a:rPr>
+              <a:t>5</a:t>
+            </a:r>
+            <a:r>
+              <a:rPr lang="zh-CN" altLang="en-US" b="0" i="0" dirty="0">
+                <a:solidFill>
+                  <a:srgbClr val="121212"/>
+                </a:solidFill>
+                <a:effectLst/>
+                <a:latin typeface="-apple-system"/>
+              </a:rPr>
+              <a:t>个，如</a:t>
+            </a:r>
+            <a:r>
+              <a:rPr lang="en-US" altLang="zh-CN" b="0" i="0" dirty="0">
+                <a:solidFill>
+                  <a:srgbClr val="121212"/>
+                </a:solidFill>
+                <a:effectLst/>
+                <a:latin typeface="-apple-system"/>
+              </a:rPr>
+              <a:t>if</a:t>
+            </a:r>
+            <a:r>
+              <a:rPr lang="zh-CN" altLang="en-US" b="0" i="0" dirty="0">
+                <a:solidFill>
+                  <a:srgbClr val="121212"/>
+                </a:solidFill>
+                <a:effectLst/>
+                <a:latin typeface="-apple-system"/>
+              </a:rPr>
+              <a:t>，</a:t>
+            </a:r>
+            <a:r>
+              <a:rPr lang="en-US" altLang="zh-CN" b="0" i="0" dirty="0">
+                <a:solidFill>
+                  <a:srgbClr val="121212"/>
+                </a:solidFill>
+                <a:effectLst/>
+                <a:latin typeface="-apple-system"/>
+              </a:rPr>
+              <a:t>while</a:t>
+            </a:r>
+            <a:r>
+              <a:rPr lang="zh-CN" altLang="en-US" b="0" i="0" dirty="0">
+                <a:solidFill>
+                  <a:srgbClr val="121212"/>
+                </a:solidFill>
+                <a:effectLst/>
+                <a:latin typeface="-apple-system"/>
+              </a:rPr>
+              <a:t>是有选择的调用，而</a:t>
+            </a:r>
+            <a:r>
+              <a:rPr lang="en-US" altLang="zh-CN" b="0" i="0" dirty="0" err="1">
+                <a:solidFill>
+                  <a:srgbClr val="121212"/>
+                </a:solidFill>
+                <a:effectLst/>
+                <a:latin typeface="-apple-system"/>
+              </a:rPr>
+              <a:t>OP_block</a:t>
+            </a:r>
+            <a:r>
+              <a:rPr lang="zh-CN" altLang="en-US" b="0" i="0" dirty="0">
+                <a:solidFill>
+                  <a:srgbClr val="121212"/>
+                </a:solidFill>
+                <a:effectLst/>
+                <a:latin typeface="-apple-system"/>
+              </a:rPr>
+              <a:t>是直接递归调用。</a:t>
+            </a:r>
+            <a:endParaRPr lang="zh-CN" altLang="en-US" dirty="0"/>
           </a:p>
         </p:txBody>
       </p:sp>
@@ -1820,7 +1996,7 @@
     </p:spTree>
     <p:extLst>
       <p:ext uri="{BB962C8B-B14F-4D97-AF65-F5344CB8AC3E}">
-        <p14:creationId xmlns:p14="http://schemas.microsoft.com/office/powerpoint/2010/main" val="1476649313"/>
+        <p14:creationId xmlns:p14="http://schemas.microsoft.com/office/powerpoint/2010/main" val="4173404824"/>
       </p:ext>
     </p:extLst>
   </p:cSld>
@@ -1882,152 +2058,7 @@
                 <a:effectLst/>
                 <a:latin typeface="-apple-system"/>
               </a:rPr>
-              <a:t>核心是调用</a:t>
-            </a:r>
-            <a:r>
-              <a:rPr lang="en-US" altLang="zh-CN" b="0" i="0" dirty="0" err="1">
-                <a:solidFill>
-                  <a:srgbClr val="121212"/>
-                </a:solidFill>
-                <a:effectLst/>
-                <a:latin typeface="-apple-system"/>
-              </a:rPr>
-              <a:t>ExpandArrayMrtBlock</a:t>
-            </a:r>
-            <a:endParaRPr lang="en-US" altLang="zh-CN" b="0" i="0" dirty="0">
-              <a:solidFill>
-                <a:srgbClr val="121212"/>
-              </a:solidFill>
-              <a:effectLst/>
-              <a:latin typeface="-apple-system"/>
-            </a:endParaRPr>
-          </a:p>
-          <a:p>
-            <a:pPr marL="0" marR="0" lvl="0" indent="0" algn="l" defTabSz="914400" rtl="0" eaLnBrk="1" fontAlgn="auto" latinLnBrk="0" hangingPunct="1">
-              <a:lnSpc>
-                <a:spcPct val="100000"/>
-              </a:lnSpc>
-              <a:spcBef>
-                <a:spcPts val="0"/>
-              </a:spcBef>
-              <a:spcAft>
-                <a:spcPts val="0"/>
-              </a:spcAft>
-              <a:buClrTx/>
-              <a:buSzTx/>
-              <a:buFontTx/>
-              <a:buNone/>
-              <a:tabLst/>
-              <a:defRPr/>
-            </a:pPr>
-            <a:r>
-              <a:rPr lang="zh-CN" altLang="en-US" b="0" i="0" dirty="0">
-                <a:solidFill>
-                  <a:srgbClr val="121212"/>
-                </a:solidFill>
-                <a:effectLst/>
-                <a:latin typeface="-apple-system"/>
-              </a:rPr>
-              <a:t>我们可以看看</a:t>
-            </a:r>
-            <a:r>
-              <a:rPr lang="en-US" altLang="zh-CN" b="0" i="0" dirty="0" err="1">
-                <a:solidFill>
-                  <a:srgbClr val="121212"/>
-                </a:solidFill>
-                <a:effectLst/>
-                <a:latin typeface="-apple-system"/>
-              </a:rPr>
-              <a:t>OP_foreachelem</a:t>
-            </a:r>
-            <a:r>
-              <a:rPr lang="zh-CN" altLang="en-US" b="0" i="0" dirty="0">
-                <a:solidFill>
-                  <a:srgbClr val="121212"/>
-                </a:solidFill>
-                <a:effectLst/>
-                <a:latin typeface="-apple-system"/>
-              </a:rPr>
-              <a:t>之中的</a:t>
-            </a:r>
-            <a:r>
-              <a:rPr lang="en-US" altLang="zh-CN" b="0" i="0" dirty="0" err="1">
-                <a:solidFill>
-                  <a:srgbClr val="121212"/>
-                </a:solidFill>
-                <a:effectLst/>
-                <a:latin typeface="-apple-system"/>
-              </a:rPr>
-              <a:t>ExpandArrayMrtForeachelemBlock</a:t>
-            </a:r>
-            <a:r>
-              <a:rPr lang="zh-CN" altLang="en-US" b="0" i="0" dirty="0">
-                <a:solidFill>
-                  <a:srgbClr val="121212"/>
-                </a:solidFill>
-                <a:effectLst/>
-                <a:latin typeface="-apple-system"/>
-              </a:rPr>
-              <a:t>函数的实现：</a:t>
-            </a:r>
-            <a:endParaRPr lang="en-US" altLang="zh-CN" b="0" i="0" dirty="0">
-              <a:solidFill>
-                <a:srgbClr val="121212"/>
-              </a:solidFill>
-              <a:effectLst/>
-              <a:latin typeface="-apple-system"/>
-            </a:endParaRPr>
-          </a:p>
-          <a:p>
-            <a:r>
-              <a:rPr lang="zh-CN" altLang="en-US" b="0" i="0" dirty="0">
-                <a:solidFill>
-                  <a:srgbClr val="121212"/>
-                </a:solidFill>
-                <a:effectLst/>
-                <a:latin typeface="-apple-system"/>
-              </a:rPr>
-              <a:t>这个函数中会先识别控制符号，然后有递归调用了自身以实现将嵌套中的内容依次执行。只不过前</a:t>
-            </a:r>
-            <a:r>
-              <a:rPr lang="en-US" altLang="zh-CN" b="0" i="0" dirty="0">
-                <a:solidFill>
-                  <a:srgbClr val="121212"/>
-                </a:solidFill>
-                <a:effectLst/>
-                <a:latin typeface="-apple-system"/>
-              </a:rPr>
-              <a:t>5</a:t>
-            </a:r>
-            <a:r>
-              <a:rPr lang="zh-CN" altLang="en-US" b="0" i="0" dirty="0">
-                <a:solidFill>
-                  <a:srgbClr val="121212"/>
-                </a:solidFill>
-                <a:effectLst/>
-                <a:latin typeface="-apple-system"/>
-              </a:rPr>
-              <a:t>个是有选择的调用，而</a:t>
-            </a:r>
-            <a:r>
-              <a:rPr lang="en-US" altLang="zh-CN" b="0" i="0" dirty="0" err="1">
-                <a:solidFill>
-                  <a:srgbClr val="121212"/>
-                </a:solidFill>
-                <a:effectLst/>
-                <a:latin typeface="-apple-system"/>
-              </a:rPr>
-              <a:t>OP_block</a:t>
-            </a:r>
-            <a:r>
-              <a:rPr lang="zh-CN" altLang="en-US" b="0" i="0" dirty="0">
-                <a:solidFill>
-                  <a:srgbClr val="121212"/>
-                </a:solidFill>
-                <a:effectLst/>
-                <a:latin typeface="-apple-system"/>
-              </a:rPr>
-              <a:t>是直接递归调用。</a:t>
+              <a:t>最终当这个函数不再读取控制符号时，退出递归调用</a:t>
             </a:r>
             <a:endParaRPr lang="zh-CN" altLang="en-US" dirty="0"/>
           </a:p>
@@ -2059,7 +2090,7 @@
     </p:spTree>
     <p:extLst>
       <p:ext uri="{BB962C8B-B14F-4D97-AF65-F5344CB8AC3E}">
-        <p14:creationId xmlns:p14="http://schemas.microsoft.com/office/powerpoint/2010/main" val="4173404824"/>
+        <p14:creationId xmlns:p14="http://schemas.microsoft.com/office/powerpoint/2010/main" val="3126982020"/>
       </p:ext>
     </p:extLst>
   </p:cSld>
@@ -2114,16 +2145,9 @@
           <a:lstStyle/>
           <a:p>
             <a:r>
-              <a:rPr lang="zh-CN" altLang="en-US" b="0" i="0" dirty="0">
-                <a:solidFill>
-                  <a:srgbClr val="121212"/>
-                </a:solidFill>
-                <a:effectLst/>
-                <a:latin typeface="-apple-system"/>
-              </a:rPr>
-              <a:t>最终当这个函数不再读取控制符号时，退出递归调用</a:t>
-            </a:r>
-            <a:endParaRPr lang="zh-CN" altLang="en-US" dirty="0"/>
+              <a:rPr lang="zh-CN" altLang="en-US" dirty="0"/>
+              <a:t>以上便是我们组的全部内容</a:t>
+            </a:r>
           </a:p>
         </p:txBody>
       </p:sp>
@@ -2153,7 +2177,7 @@
     </p:spTree>
     <p:extLst>
       <p:ext uri="{BB962C8B-B14F-4D97-AF65-F5344CB8AC3E}">
-        <p14:creationId xmlns:p14="http://schemas.microsoft.com/office/powerpoint/2010/main" val="3126982020"/>
+        <p14:creationId xmlns:p14="http://schemas.microsoft.com/office/powerpoint/2010/main" val="4054047302"/>
       </p:ext>
     </p:extLst>
   </p:cSld>
@@ -2312,7 +2336,7 @@
                 <a:effectLst/>
                 <a:latin typeface="-apple-system"/>
               </a:rPr>
-              <a:t>先介绍这个开源项目中的说明文档，可以看到它的说明文档是比较全面的，对我们理解它的源码起到了不小的作用</a:t>
+              <a:t>方舟编译器的开源项目中有比较丰富的开发文档，对我们理解它的源码起到了不小的作用</a:t>
             </a:r>
             <a:endParaRPr lang="en-US" altLang="zh-CN" b="0" i="0" dirty="0">
               <a:solidFill>
@@ -2663,7 +2687,7 @@
                 <a:effectLst/>
                 <a:latin typeface="-apple-system"/>
               </a:rPr>
-              <a:t>目录是主要源代码的所在位置，</a:t>
+              <a:t>目录是可执行程序的所在位置，</a:t>
             </a:r>
             <a:r>
               <a:rPr lang="en-US" altLang="zh-CN" b="0" i="0" dirty="0" err="1">
@@ -2887,7 +2911,7 @@
           <a:p>
             <a:r>
               <a:rPr lang="zh-CN" altLang="en-US" dirty="0"/>
-              <a:t>例如，如果判断读到的是数字，它会先复位，再调用专门负责产量判断的函数</a:t>
+              <a:t>例如，如果判断读到的是数字，它会先复位，再调用专门负责常类判断的函数</a:t>
             </a:r>
           </a:p>
         </p:txBody>
@@ -2981,7 +3005,7 @@
           <a:p>
             <a:r>
               <a:rPr lang="zh-CN" altLang="en-US" dirty="0"/>
-              <a:t>这个函数的目的是在报错是，能够更准确地反馈出错误类型</a:t>
+              <a:t>这个函数的目的是在报错时，能够更准确地反馈出错误类型</a:t>
             </a:r>
           </a:p>
         </p:txBody>
@@ -3068,14 +3092,21 @@
           <a:p>
             <a:r>
               <a:rPr lang="zh-CN" altLang="en-US" dirty="0"/>
-              <a:t>接着是语法分析的部分</a:t>
+              <a:t>词法分析生成符号表，接着就是又语法分析识别出各种语法成分</a:t>
             </a:r>
             <a:endParaRPr lang="en-US" altLang="zh-CN" dirty="0"/>
           </a:p>
           <a:p>
             <a:r>
               <a:rPr lang="zh-CN" altLang="en-US" dirty="0"/>
-              <a:t>它所采用的是自顶向下的语法分析策略，将语法块逐级拆解</a:t>
+              <a:t>不同于我们实验中对算数式进行语法分析，真正的编程语言的语法分析要复杂得多</a:t>
+            </a:r>
+            <a:endParaRPr lang="en-US" altLang="zh-CN" dirty="0"/>
+          </a:p>
+          <a:p>
+            <a:r>
+              <a:rPr lang="zh-CN" altLang="en-US" dirty="0"/>
+              <a:t>在语法分析部分，它所采用的策略是自顶向下的语法分析策略，先从一个个语法块入手，将语法块逐级拆解，向下转化</a:t>
             </a:r>
             <a:endParaRPr lang="en-US" altLang="zh-CN" dirty="0"/>
           </a:p>
@@ -3176,7 +3207,7 @@
           <a:p>
             <a:r>
               <a:rPr lang="zh-CN" altLang="en-US" dirty="0"/>
-              <a:t>我们推测下面这个是面向高级程序语言的，而上面这个则是负责处理</a:t>
+              <a:t>下面这个是面向高级程序语言的，而上面这个则是负责处理</a:t>
             </a:r>
             <a:r>
               <a:rPr lang="en-US" altLang="zh-CN" dirty="0"/>
@@ -3202,23 +3233,7 @@
           <a:p>
             <a:r>
               <a:rPr lang="zh-CN" altLang="en-US" dirty="0"/>
-              <a:t>我们可以看到它尝试检查这个</a:t>
-            </a:r>
-            <a:r>
-              <a:rPr lang="en-US" altLang="zh-CN" dirty="0"/>
-              <a:t>Java</a:t>
-            </a:r>
-            <a:r>
-              <a:rPr lang="zh-CN" altLang="en-US" dirty="0"/>
-              <a:t>类是否已经存在，并尝试将这个类加入</a:t>
-            </a:r>
-            <a:r>
-              <a:rPr lang="en-US" altLang="zh-CN" dirty="0"/>
-              <a:t>Table</a:t>
-            </a:r>
-            <a:r>
-              <a:rPr lang="zh-CN" altLang="en-US" dirty="0"/>
-              <a:t>中</a:t>
+              <a:t>我们可以看到它首先便引用了全局得符号表，尝试检查这个类是否已经存在，并尝试将这个类加入符号表中</a:t>
             </a:r>
           </a:p>
         </p:txBody>
@@ -3406,7 +3421,7 @@
           <a:p>
             <a:fld id="{5F50AF34-8686-49E9-B83C-95D067690792}" type="datetimeFigureOut">
               <a:rPr lang="zh-CN" altLang="en-US" smtClean="0"/>
-              <a:t>2020/11/29</a:t>
+              <a:t>2020/12/2</a:t>
             </a:fld>
             <a:endParaRPr lang="zh-CN" altLang="en-US"/>
           </a:p>
@@ -3604,7 +3619,7 @@
           <a:p>
             <a:fld id="{5F50AF34-8686-49E9-B83C-95D067690792}" type="datetimeFigureOut">
               <a:rPr lang="zh-CN" altLang="en-US" smtClean="0"/>
-              <a:t>2020/11/29</a:t>
+              <a:t>2020/12/2</a:t>
             </a:fld>
             <a:endParaRPr lang="zh-CN" altLang="en-US"/>
           </a:p>
@@ -3812,7 +3827,7 @@
           <a:p>
             <a:fld id="{5F50AF34-8686-49E9-B83C-95D067690792}" type="datetimeFigureOut">
               <a:rPr lang="zh-CN" altLang="en-US" smtClean="0"/>
-              <a:t>2020/11/29</a:t>
+              <a:t>2020/12/2</a:t>
             </a:fld>
             <a:endParaRPr lang="zh-CN" altLang="en-US"/>
           </a:p>
@@ -4010,7 +4025,7 @@
           <a:p>
             <a:fld id="{5F50AF34-8686-49E9-B83C-95D067690792}" type="datetimeFigureOut">
               <a:rPr lang="zh-CN" altLang="en-US" smtClean="0"/>
-              <a:t>2020/11/29</a:t>
+              <a:t>2020/12/2</a:t>
             </a:fld>
             <a:endParaRPr lang="zh-CN" altLang="en-US"/>
           </a:p>
@@ -4285,7 +4300,7 @@
           <a:p>
             <a:fld id="{5F50AF34-8686-49E9-B83C-95D067690792}" type="datetimeFigureOut">
               <a:rPr lang="zh-CN" altLang="en-US" smtClean="0"/>
-              <a:t>2020/11/29</a:t>
+              <a:t>2020/12/2</a:t>
             </a:fld>
             <a:endParaRPr lang="zh-CN" altLang="en-US"/>
           </a:p>
@@ -4550,7 +4565,7 @@
           <a:p>
             <a:fld id="{5F50AF34-8686-49E9-B83C-95D067690792}" type="datetimeFigureOut">
               <a:rPr lang="zh-CN" altLang="en-US" smtClean="0"/>
-              <a:t>2020/11/29</a:t>
+              <a:t>2020/12/2</a:t>
             </a:fld>
             <a:endParaRPr lang="zh-CN" altLang="en-US"/>
           </a:p>
@@ -4962,7 +4977,7 @@
           <a:p>
             <a:fld id="{5F50AF34-8686-49E9-B83C-95D067690792}" type="datetimeFigureOut">
               <a:rPr lang="zh-CN" altLang="en-US" smtClean="0"/>
-              <a:t>2020/11/29</a:t>
+              <a:t>2020/12/2</a:t>
             </a:fld>
             <a:endParaRPr lang="zh-CN" altLang="en-US"/>
           </a:p>
@@ -5103,7 +5118,7 @@
           <a:p>
             <a:fld id="{5F50AF34-8686-49E9-B83C-95D067690792}" type="datetimeFigureOut">
               <a:rPr lang="zh-CN" altLang="en-US" smtClean="0"/>
-              <a:t>2020/11/29</a:t>
+              <a:t>2020/12/2</a:t>
             </a:fld>
             <a:endParaRPr lang="zh-CN" altLang="en-US"/>
           </a:p>
@@ -5216,7 +5231,7 @@
           <a:p>
             <a:fld id="{5F50AF34-8686-49E9-B83C-95D067690792}" type="datetimeFigureOut">
               <a:rPr lang="zh-CN" altLang="en-US" smtClean="0"/>
-              <a:t>2020/11/29</a:t>
+              <a:t>2020/12/2</a:t>
             </a:fld>
             <a:endParaRPr lang="zh-CN" altLang="en-US"/>
           </a:p>
@@ -5527,7 +5542,7 @@
           <a:p>
             <a:fld id="{5F50AF34-8686-49E9-B83C-95D067690792}" type="datetimeFigureOut">
               <a:rPr lang="zh-CN" altLang="en-US" smtClean="0"/>
-              <a:t>2020/11/29</a:t>
+              <a:t>2020/12/2</a:t>
             </a:fld>
             <a:endParaRPr lang="zh-CN" altLang="en-US"/>
           </a:p>
@@ -5815,7 +5830,7 @@
           <a:p>
             <a:fld id="{5F50AF34-8686-49E9-B83C-95D067690792}" type="datetimeFigureOut">
               <a:rPr lang="zh-CN" altLang="en-US" smtClean="0"/>
-              <a:t>2020/11/29</a:t>
+              <a:t>2020/12/2</a:t>
             </a:fld>
             <a:endParaRPr lang="zh-CN" altLang="en-US"/>
           </a:p>
@@ -6056,7 +6071,7 @@
           <a:p>
             <a:fld id="{5F50AF34-8686-49E9-B83C-95D067690792}" type="datetimeFigureOut">
               <a:rPr lang="zh-CN" altLang="en-US" smtClean="0"/>
-              <a:t>2020/11/29</a:t>
+              <a:t>2020/12/2</a:t>
             </a:fld>
             <a:endParaRPr lang="zh-CN" altLang="en-US"/>
           </a:p>
@@ -7184,7 +7199,7 @@
         </p:nvSpPr>
         <p:spPr>
           <a:xfrm>
-            <a:off x="2017064" y="1450393"/>
+            <a:off x="2017064" y="1424940"/>
             <a:ext cx="4261816" cy="381000"/>
           </a:xfrm>
           <a:prstGeom prst="rect">
@@ -9932,7 +9947,7 @@
         </p:nvSpPr>
         <p:spPr>
           <a:xfrm>
-            <a:off x="281869" y="301973"/>
+            <a:off x="525709" y="518020"/>
             <a:ext cx="5329807" cy="782273"/>
           </a:xfrm>
         </p:spPr>
@@ -9963,10 +9978,10 @@
       </p:sp>
       <p:pic>
         <p:nvPicPr>
-          <p:cNvPr id="10" name="图片 9">
-            <a:extLst>
-              <a:ext uri="{FF2B5EF4-FFF2-40B4-BE49-F238E27FC236}">
-                <a16:creationId xmlns:a16="http://schemas.microsoft.com/office/drawing/2014/main" id="{CD148139-927A-4AB1-BD31-4E6EF84E6FAD}"/>
+          <p:cNvPr id="7" name="图片 6">
+            <a:extLst>
+              <a:ext uri="{FF2B5EF4-FFF2-40B4-BE49-F238E27FC236}">
+                <a16:creationId xmlns:a16="http://schemas.microsoft.com/office/drawing/2014/main" id="{0C6E1D03-266E-4C2A-A6D9-F828D100D609}"/>
               </a:ext>
             </a:extLst>
           </p:cNvPr>
@@ -9983,35 +9998,84 @@
         </p:blipFill>
         <p:spPr>
           <a:xfrm>
-            <a:off x="7096390" y="2814637"/>
-            <a:ext cx="3810000" cy="1228725"/>
+            <a:off x="400400" y="1606578"/>
+            <a:ext cx="8572500" cy="3409950"/>
           </a:xfrm>
           <a:prstGeom prst="rect">
             <a:avLst/>
           </a:prstGeom>
+          <a:ln>
+            <a:noFill/>
+          </a:ln>
+          <a:effectLst>
+            <a:outerShdw blurRad="292100" dist="139700" dir="2700000" algn="tl" rotWithShape="0">
+              <a:srgbClr val="333333">
+                <a:alpha val="65000"/>
+              </a:srgbClr>
+            </a:outerShdw>
+          </a:effectLst>
         </p:spPr>
       </p:pic>
-      <p:sp>
-        <p:nvSpPr>
-          <p:cNvPr id="3" name="矩形 2">
-            <a:extLst>
-              <a:ext uri="{FF2B5EF4-FFF2-40B4-BE49-F238E27FC236}">
-                <a16:creationId xmlns:a16="http://schemas.microsoft.com/office/drawing/2014/main" id="{1326AB3A-B26C-4E75-A607-88EACE9121C0}"/>
-              </a:ext>
-            </a:extLst>
-          </p:cNvPr>
-          <p:cNvSpPr/>
+      <p:pic>
+        <p:nvPicPr>
+          <p:cNvPr id="9" name="图片 8">
+            <a:extLst>
+              <a:ext uri="{FF2B5EF4-FFF2-40B4-BE49-F238E27FC236}">
+                <a16:creationId xmlns:a16="http://schemas.microsoft.com/office/drawing/2014/main" id="{A5CA4D82-7A65-40C8-878A-8BD40A3D12B6}"/>
+              </a:ext>
+            </a:extLst>
+          </p:cNvPr>
+          <p:cNvPicPr>
+            <a:picLocks noChangeAspect="1"/>
+          </p:cNvPicPr>
           <p:nvPr/>
-        </p:nvSpPr>
-        <p:spPr>
-          <a:xfrm>
-            <a:off x="890269" y="1617403"/>
-            <a:ext cx="1715771" cy="620482"/>
+        </p:nvPicPr>
+        <p:blipFill>
+          <a:blip r:embed="rId4"/>
+          <a:stretch>
+            <a:fillRect/>
+          </a:stretch>
+        </p:blipFill>
+        <p:spPr>
+          <a:xfrm>
+            <a:off x="7671910" y="4815130"/>
+            <a:ext cx="3810000" cy="1228725"/>
           </a:xfrm>
           <a:prstGeom prst="rect">
             <a:avLst/>
           </a:prstGeom>
-          <a:noFill/>
+        </p:spPr>
+      </p:pic>
+      <p:sp>
+        <p:nvSpPr>
+          <p:cNvPr id="12" name="矩形 11">
+            <a:extLst>
+              <a:ext uri="{FF2B5EF4-FFF2-40B4-BE49-F238E27FC236}">
+                <a16:creationId xmlns:a16="http://schemas.microsoft.com/office/drawing/2014/main" id="{A0B67C02-37DC-4EDC-B253-818C035AA71A}"/>
+              </a:ext>
+            </a:extLst>
+          </p:cNvPr>
+          <p:cNvSpPr/>
+          <p:nvPr/>
+        </p:nvSpPr>
+        <p:spPr>
+          <a:xfrm>
+            <a:off x="525709" y="4068661"/>
+            <a:ext cx="5128471" cy="285225"/>
+          </a:xfrm>
+          <a:prstGeom prst="rect">
+            <a:avLst/>
+          </a:prstGeom>
+          <a:solidFill>
+            <a:schemeClr val="accent2">
+              <a:lumMod val="60000"/>
+              <a:lumOff val="40000"/>
+              <a:alpha val="41000"/>
+            </a:schemeClr>
+          </a:solidFill>
+          <a:ln>
+            <a:noFill/>
+          </a:ln>
         </p:spPr>
         <p:style>
           <a:lnRef idx="2">
@@ -10034,28 +10098,16 @@
           <a:lstStyle/>
           <a:p>
             <a:pPr algn="ctr"/>
-            <a:r>
-              <a:rPr lang="en-US" altLang="zh-CN" dirty="0" err="1">
-                <a:solidFill>
-                  <a:schemeClr val="tx1"/>
-                </a:solidFill>
-              </a:rPr>
-              <a:t>BaseNode</a:t>
-            </a:r>
-            <a:endParaRPr lang="zh-CN" altLang="en-US" dirty="0">
-              <a:solidFill>
-                <a:schemeClr val="tx1"/>
-              </a:solidFill>
-            </a:endParaRPr>
-          </a:p>
-        </p:txBody>
-      </p:sp>
-      <p:sp>
-        <p:nvSpPr>
-          <p:cNvPr id="6" name="矩形 5">
-            <a:extLst>
-              <a:ext uri="{FF2B5EF4-FFF2-40B4-BE49-F238E27FC236}">
-                <a16:creationId xmlns:a16="http://schemas.microsoft.com/office/drawing/2014/main" id="{82126375-4069-496B-80A3-57E9D4B74415}"/>
+            <a:endParaRPr lang="zh-CN" altLang="en-US"/>
+          </a:p>
+        </p:txBody>
+      </p:sp>
+      <p:sp>
+        <p:nvSpPr>
+          <p:cNvPr id="14" name="矩形 13">
+            <a:extLst>
+              <a:ext uri="{FF2B5EF4-FFF2-40B4-BE49-F238E27FC236}">
+                <a16:creationId xmlns:a16="http://schemas.microsoft.com/office/drawing/2014/main" id="{0C99482F-2F7B-4FE5-BA7D-F120BA384E93}"/>
               </a:ext>
             </a:extLst>
           </p:cNvPr>
@@ -10064,13 +10116,22 @@
         </p:nvSpPr>
         <p:spPr>
           <a:xfrm>
-            <a:off x="3588866" y="1617403"/>
-            <a:ext cx="2266650" cy="620482"/>
+            <a:off x="7400366" y="5297142"/>
+            <a:ext cx="1960226" cy="371260"/>
           </a:xfrm>
           <a:prstGeom prst="rect">
             <a:avLst/>
           </a:prstGeom>
-          <a:noFill/>
+          <a:solidFill>
+            <a:schemeClr val="accent2">
+              <a:lumMod val="60000"/>
+              <a:lumOff val="40000"/>
+              <a:alpha val="41000"/>
+            </a:schemeClr>
+          </a:solidFill>
+          <a:ln>
+            <a:noFill/>
+          </a:ln>
         </p:spPr>
         <p:style>
           <a:lnRef idx="2">
@@ -10093,439 +10154,38 @@
           <a:lstStyle/>
           <a:p>
             <a:pPr algn="ctr"/>
-            <a:r>
-              <a:rPr lang="en-US" altLang="zh-CN" dirty="0" err="1">
-                <a:solidFill>
-                  <a:schemeClr val="tx1"/>
-                </a:solidFill>
-              </a:rPr>
-              <a:t>PtrListNodeBase</a:t>
-            </a:r>
-            <a:endParaRPr lang="en-US" altLang="zh-CN" dirty="0">
-              <a:solidFill>
-                <a:schemeClr val="tx1"/>
-              </a:solidFill>
-            </a:endParaRPr>
-          </a:p>
-          <a:p>
-            <a:pPr algn="ctr"/>
-            <a:r>
-              <a:rPr lang="en-US" altLang="zh-CN" dirty="0">
-                <a:solidFill>
-                  <a:schemeClr val="tx1"/>
-                </a:solidFill>
-              </a:rPr>
-              <a:t>&lt;</a:t>
-            </a:r>
-            <a:r>
-              <a:rPr lang="en-US" altLang="zh-CN" dirty="0" err="1">
-                <a:solidFill>
-                  <a:schemeClr val="tx1"/>
-                </a:solidFill>
-              </a:rPr>
-              <a:t>StmNode</a:t>
-            </a:r>
-            <a:r>
-              <a:rPr lang="en-US" altLang="zh-CN" dirty="0">
-                <a:solidFill>
-                  <a:schemeClr val="tx1"/>
-                </a:solidFill>
-              </a:rPr>
-              <a:t>&gt;</a:t>
-            </a:r>
-            <a:endParaRPr lang="zh-CN" altLang="en-US" dirty="0">
-              <a:solidFill>
-                <a:schemeClr val="tx1"/>
-              </a:solidFill>
-            </a:endParaRPr>
-          </a:p>
-        </p:txBody>
-      </p:sp>
-      <p:sp>
-        <p:nvSpPr>
-          <p:cNvPr id="8" name="矩形 7">
-            <a:extLst>
-              <a:ext uri="{FF2B5EF4-FFF2-40B4-BE49-F238E27FC236}">
-                <a16:creationId xmlns:a16="http://schemas.microsoft.com/office/drawing/2014/main" id="{7513BFDE-6EA9-4C95-BB6C-0FEA30AD8D96}"/>
-              </a:ext>
-            </a:extLst>
-          </p:cNvPr>
-          <p:cNvSpPr/>
+            <a:endParaRPr lang="zh-CN" altLang="en-US"/>
+          </a:p>
+        </p:txBody>
+      </p:sp>
+      <p:sp>
+        <p:nvSpPr>
+          <p:cNvPr id="3" name="文本框 2">
+            <a:extLst>
+              <a:ext uri="{FF2B5EF4-FFF2-40B4-BE49-F238E27FC236}">
+                <a16:creationId xmlns:a16="http://schemas.microsoft.com/office/drawing/2014/main" id="{491ECE64-753A-4BED-94EB-858717837D23}"/>
+              </a:ext>
+            </a:extLst>
+          </p:cNvPr>
+          <p:cNvSpPr txBox="1"/>
           <p:nvPr/>
         </p:nvSpPr>
         <p:spPr>
           <a:xfrm>
-            <a:off x="2276155" y="2895600"/>
-            <a:ext cx="1828913" cy="620482"/>
+            <a:off x="10665596" y="6134350"/>
+            <a:ext cx="1632628" cy="400110"/>
           </a:xfrm>
           <a:prstGeom prst="rect">
             <a:avLst/>
           </a:prstGeom>
           <a:noFill/>
         </p:spPr>
-        <p:style>
-          <a:lnRef idx="2">
-            <a:schemeClr val="accent1">
-              <a:shade val="50000"/>
-            </a:schemeClr>
-          </a:lnRef>
-          <a:fillRef idx="1">
-            <a:schemeClr val="accent1"/>
-          </a:fillRef>
-          <a:effectRef idx="0">
-            <a:schemeClr val="accent1"/>
-          </a:effectRef>
-          <a:fontRef idx="minor">
-            <a:schemeClr val="lt1"/>
-          </a:fontRef>
-        </p:style>
-        <p:txBody>
-          <a:bodyPr rtlCol="0" anchor="ctr"/>
-          <a:lstStyle/>
-          <a:p>
-            <a:pPr algn="ctr"/>
-            <a:r>
-              <a:rPr lang="en-US" altLang="zh-CN" dirty="0" err="1">
-                <a:solidFill>
-                  <a:schemeClr val="tx1"/>
-                </a:solidFill>
-              </a:rPr>
-              <a:t>StmtNode</a:t>
-            </a:r>
-            <a:endParaRPr lang="zh-CN" altLang="en-US" dirty="0">
-              <a:solidFill>
-                <a:schemeClr val="tx1"/>
-              </a:solidFill>
-            </a:endParaRPr>
-          </a:p>
-        </p:txBody>
-      </p:sp>
-      <p:sp>
-        <p:nvSpPr>
-          <p:cNvPr id="12" name="矩形 11">
-            <a:extLst>
-              <a:ext uri="{FF2B5EF4-FFF2-40B4-BE49-F238E27FC236}">
-                <a16:creationId xmlns:a16="http://schemas.microsoft.com/office/drawing/2014/main" id="{2EC758F4-158B-48F7-9233-C1EBFFA7FB77}"/>
-              </a:ext>
-            </a:extLst>
-          </p:cNvPr>
-          <p:cNvSpPr/>
-          <p:nvPr/>
-        </p:nvSpPr>
-        <p:spPr>
-          <a:xfrm>
-            <a:off x="2276154" y="3863556"/>
-            <a:ext cx="1828913" cy="620482"/>
-          </a:xfrm>
-          <a:prstGeom prst="rect">
-            <a:avLst/>
-          </a:prstGeom>
-          <a:noFill/>
-        </p:spPr>
-        <p:style>
-          <a:lnRef idx="2">
-            <a:schemeClr val="accent1">
-              <a:shade val="50000"/>
-            </a:schemeClr>
-          </a:lnRef>
-          <a:fillRef idx="1">
-            <a:schemeClr val="accent1"/>
-          </a:fillRef>
-          <a:effectRef idx="0">
-            <a:schemeClr val="accent1"/>
-          </a:effectRef>
-          <a:fontRef idx="minor">
-            <a:schemeClr val="lt1"/>
-          </a:fontRef>
-        </p:style>
-        <p:txBody>
-          <a:bodyPr rtlCol="0" anchor="ctr"/>
-          <a:lstStyle/>
-          <a:p>
-            <a:pPr algn="ctr"/>
-            <a:r>
-              <a:rPr lang="en-US" altLang="zh-CN" dirty="0" err="1">
-                <a:solidFill>
-                  <a:schemeClr val="tx1"/>
-                </a:solidFill>
-              </a:rPr>
-              <a:t>UnaryStmtNode</a:t>
-            </a:r>
-            <a:endParaRPr lang="zh-CN" altLang="en-US" dirty="0">
-              <a:solidFill>
-                <a:schemeClr val="tx1"/>
-              </a:solidFill>
-            </a:endParaRPr>
-          </a:p>
-        </p:txBody>
-      </p:sp>
-      <p:sp>
-        <p:nvSpPr>
-          <p:cNvPr id="14" name="矩形 13">
-            <a:extLst>
-              <a:ext uri="{FF2B5EF4-FFF2-40B4-BE49-F238E27FC236}">
-                <a16:creationId xmlns:a16="http://schemas.microsoft.com/office/drawing/2014/main" id="{BD792E44-DC0D-4870-B320-7F58702148E5}"/>
-              </a:ext>
-            </a:extLst>
-          </p:cNvPr>
-          <p:cNvSpPr/>
-          <p:nvPr/>
-        </p:nvSpPr>
-        <p:spPr>
-          <a:xfrm>
-            <a:off x="2276154" y="4831512"/>
-            <a:ext cx="1828913" cy="620482"/>
-          </a:xfrm>
-          <a:prstGeom prst="rect">
-            <a:avLst/>
-          </a:prstGeom>
-          <a:noFill/>
-        </p:spPr>
-        <p:style>
-          <a:lnRef idx="2">
-            <a:schemeClr val="accent1">
-              <a:shade val="50000"/>
-            </a:schemeClr>
-          </a:lnRef>
-          <a:fillRef idx="1">
-            <a:schemeClr val="accent1"/>
-          </a:fillRef>
-          <a:effectRef idx="0">
-            <a:schemeClr val="accent1"/>
-          </a:effectRef>
-          <a:fontRef idx="minor">
-            <a:schemeClr val="lt1"/>
-          </a:fontRef>
-        </p:style>
-        <p:txBody>
-          <a:bodyPr rtlCol="0" anchor="ctr"/>
-          <a:lstStyle/>
-          <a:p>
-            <a:pPr algn="ctr"/>
-            <a:r>
-              <a:rPr lang="en-US" altLang="zh-CN" dirty="0" err="1">
-                <a:solidFill>
-                  <a:schemeClr val="tx1"/>
-                </a:solidFill>
-              </a:rPr>
-              <a:t>IfStmtNode</a:t>
-            </a:r>
-            <a:endParaRPr lang="zh-CN" altLang="en-US" dirty="0">
-              <a:solidFill>
-                <a:schemeClr val="tx1"/>
-              </a:solidFill>
-            </a:endParaRPr>
-          </a:p>
-        </p:txBody>
-      </p:sp>
-      <p:cxnSp>
-        <p:nvCxnSpPr>
-          <p:cNvPr id="16" name="直接箭头连接符 15">
-            <a:extLst>
-              <a:ext uri="{FF2B5EF4-FFF2-40B4-BE49-F238E27FC236}">
-                <a16:creationId xmlns:a16="http://schemas.microsoft.com/office/drawing/2014/main" id="{728236D1-92F6-43CE-9C4F-273C3819DF0F}"/>
-              </a:ext>
-            </a:extLst>
-          </p:cNvPr>
-          <p:cNvCxnSpPr>
-            <a:cxnSpLocks/>
-            <a:stCxn id="8" idx="0"/>
-            <a:endCxn id="3" idx="2"/>
-          </p:cNvCxnSpPr>
-          <p:nvPr/>
-        </p:nvCxnSpPr>
-        <p:spPr>
-          <a:xfrm flipH="1" flipV="1">
-            <a:off x="1748155" y="2237885"/>
-            <a:ext cx="1442457" cy="657715"/>
-          </a:xfrm>
-          <a:prstGeom prst="straightConnector1">
-            <a:avLst/>
-          </a:prstGeom>
-          <a:ln>
-            <a:tailEnd type="triangle"/>
-          </a:ln>
-        </p:spPr>
-        <p:style>
-          <a:lnRef idx="1">
-            <a:schemeClr val="accent1"/>
-          </a:lnRef>
-          <a:fillRef idx="0">
-            <a:schemeClr val="accent1"/>
-          </a:fillRef>
-          <a:effectRef idx="0">
-            <a:schemeClr val="accent1"/>
-          </a:effectRef>
-          <a:fontRef idx="minor">
-            <a:schemeClr val="tx1"/>
-          </a:fontRef>
-        </p:style>
-      </p:cxnSp>
-      <p:cxnSp>
-        <p:nvCxnSpPr>
-          <p:cNvPr id="21" name="直接箭头连接符 20">
-            <a:extLst>
-              <a:ext uri="{FF2B5EF4-FFF2-40B4-BE49-F238E27FC236}">
-                <a16:creationId xmlns:a16="http://schemas.microsoft.com/office/drawing/2014/main" id="{EA035666-78D4-48D2-9CDC-1B1646B63F27}"/>
-              </a:ext>
-            </a:extLst>
-          </p:cNvPr>
-          <p:cNvCxnSpPr>
-            <a:cxnSpLocks/>
-            <a:stCxn id="8" idx="0"/>
-            <a:endCxn id="6" idx="2"/>
-          </p:cNvCxnSpPr>
-          <p:nvPr/>
-        </p:nvCxnSpPr>
-        <p:spPr>
-          <a:xfrm flipV="1">
-            <a:off x="3190612" y="2237885"/>
-            <a:ext cx="1531579" cy="657715"/>
-          </a:xfrm>
-          <a:prstGeom prst="straightConnector1">
-            <a:avLst/>
-          </a:prstGeom>
-          <a:ln>
-            <a:tailEnd type="triangle"/>
-          </a:ln>
-        </p:spPr>
-        <p:style>
-          <a:lnRef idx="1">
-            <a:schemeClr val="accent1"/>
-          </a:lnRef>
-          <a:fillRef idx="0">
-            <a:schemeClr val="accent1"/>
-          </a:fillRef>
-          <a:effectRef idx="0">
-            <a:schemeClr val="accent1"/>
-          </a:effectRef>
-          <a:fontRef idx="minor">
-            <a:schemeClr val="tx1"/>
-          </a:fontRef>
-        </p:style>
-      </p:cxnSp>
-      <p:cxnSp>
-        <p:nvCxnSpPr>
-          <p:cNvPr id="25" name="直接箭头连接符 24">
-            <a:extLst>
-              <a:ext uri="{FF2B5EF4-FFF2-40B4-BE49-F238E27FC236}">
-                <a16:creationId xmlns:a16="http://schemas.microsoft.com/office/drawing/2014/main" id="{48BDF622-8B5A-4772-BE4D-272F1385B5CE}"/>
-              </a:ext>
-            </a:extLst>
-          </p:cNvPr>
-          <p:cNvCxnSpPr>
-            <a:stCxn id="12" idx="0"/>
-            <a:endCxn id="8" idx="2"/>
-          </p:cNvCxnSpPr>
-          <p:nvPr/>
-        </p:nvCxnSpPr>
-        <p:spPr>
-          <a:xfrm flipV="1">
-            <a:off x="3190611" y="3516082"/>
-            <a:ext cx="1" cy="347474"/>
-          </a:xfrm>
-          <a:prstGeom prst="straightConnector1">
-            <a:avLst/>
-          </a:prstGeom>
-          <a:ln>
-            <a:tailEnd type="triangle"/>
-          </a:ln>
-        </p:spPr>
-        <p:style>
-          <a:lnRef idx="1">
-            <a:schemeClr val="accent1"/>
-          </a:lnRef>
-          <a:fillRef idx="0">
-            <a:schemeClr val="accent1"/>
-          </a:fillRef>
-          <a:effectRef idx="0">
-            <a:schemeClr val="accent1"/>
-          </a:effectRef>
-          <a:fontRef idx="minor">
-            <a:schemeClr val="tx1"/>
-          </a:fontRef>
-        </p:style>
-      </p:cxnSp>
-      <p:cxnSp>
-        <p:nvCxnSpPr>
-          <p:cNvPr id="27" name="直接箭头连接符 26">
-            <a:extLst>
-              <a:ext uri="{FF2B5EF4-FFF2-40B4-BE49-F238E27FC236}">
-                <a16:creationId xmlns:a16="http://schemas.microsoft.com/office/drawing/2014/main" id="{C0148670-C815-4577-A2F6-B83E17E88F75}"/>
-              </a:ext>
-            </a:extLst>
-          </p:cNvPr>
-          <p:cNvCxnSpPr>
-            <a:stCxn id="14" idx="0"/>
-            <a:endCxn id="12" idx="2"/>
-          </p:cNvCxnSpPr>
-          <p:nvPr/>
-        </p:nvCxnSpPr>
-        <p:spPr>
-          <a:xfrm flipV="1">
-            <a:off x="3190611" y="4484038"/>
-            <a:ext cx="0" cy="347474"/>
-          </a:xfrm>
-          <a:prstGeom prst="straightConnector1">
-            <a:avLst/>
-          </a:prstGeom>
-          <a:ln>
-            <a:tailEnd type="triangle"/>
-          </a:ln>
-        </p:spPr>
-        <p:style>
-          <a:lnRef idx="1">
-            <a:schemeClr val="accent1"/>
-          </a:lnRef>
-          <a:fillRef idx="0">
-            <a:schemeClr val="accent1"/>
-          </a:fillRef>
-          <a:effectRef idx="0">
-            <a:schemeClr val="accent1"/>
-          </a:effectRef>
-          <a:fontRef idx="minor">
-            <a:schemeClr val="tx1"/>
-          </a:fontRef>
-        </p:style>
-      </p:cxnSp>
-      <p:sp>
-        <p:nvSpPr>
-          <p:cNvPr id="31" name="文本框 30">
-            <a:extLst>
-              <a:ext uri="{FF2B5EF4-FFF2-40B4-BE49-F238E27FC236}">
-                <a16:creationId xmlns:a16="http://schemas.microsoft.com/office/drawing/2014/main" id="{6489D59D-8FC4-4CFE-B853-1A12B934413E}"/>
-              </a:ext>
-            </a:extLst>
-          </p:cNvPr>
-          <p:cNvSpPr txBox="1"/>
-          <p:nvPr/>
-        </p:nvSpPr>
-        <p:spPr>
-          <a:xfrm>
-            <a:off x="1960589" y="5682725"/>
-            <a:ext cx="2761602" cy="400110"/>
-          </a:xfrm>
-          <a:prstGeom prst="rect">
-            <a:avLst/>
-          </a:prstGeom>
-          <a:noFill/>
-        </p:spPr>
         <p:txBody>
           <a:bodyPr wrap="square" rtlCol="0">
             <a:spAutoFit/>
           </a:bodyPr>
           <a:lstStyle/>
           <a:p>
-            <a:r>
-              <a:rPr lang="en-US" altLang="zh-CN" sz="2000" b="0" i="0" dirty="0" err="1">
-                <a:solidFill>
-                  <a:srgbClr val="121212"/>
-                </a:solidFill>
-                <a:effectLst/>
-                <a:latin typeface="-apple-system"/>
-              </a:rPr>
-              <a:t>IfStmtNode</a:t>
-            </a:r>
             <a:r>
               <a:rPr lang="zh-CN" altLang="en-US" sz="2000" b="0" i="0" dirty="0">
                 <a:solidFill>
@@ -10534,121 +10194,71 @@
                 <a:effectLst/>
                 <a:latin typeface="-apple-system"/>
               </a:rPr>
-              <a:t>类继承关系</a:t>
+              <a:t>实现代码</a:t>
             </a:r>
             <a:endParaRPr lang="zh-CN" altLang="en-US" sz="2000" dirty="0"/>
           </a:p>
         </p:txBody>
       </p:sp>
-      <p:sp>
-        <p:nvSpPr>
-          <p:cNvPr id="33" name="文本框 32">
-            <a:extLst>
-              <a:ext uri="{FF2B5EF4-FFF2-40B4-BE49-F238E27FC236}">
-                <a16:creationId xmlns:a16="http://schemas.microsoft.com/office/drawing/2014/main" id="{67C76C3D-C44E-4AF9-B47E-4A3A05ED62A0}"/>
-              </a:ext>
-            </a:extLst>
-          </p:cNvPr>
-          <p:cNvSpPr txBox="1"/>
+      <p:cxnSp>
+        <p:nvCxnSpPr>
+          <p:cNvPr id="5" name="直接箭头连接符 4">
+            <a:extLst>
+              <a:ext uri="{FF2B5EF4-FFF2-40B4-BE49-F238E27FC236}">
+                <a16:creationId xmlns:a16="http://schemas.microsoft.com/office/drawing/2014/main" id="{C4ADE4A4-A480-461D-8F43-46903E97CE09}"/>
+              </a:ext>
+            </a:extLst>
+          </p:cNvPr>
+          <p:cNvCxnSpPr>
+            <a:cxnSpLocks/>
+          </p:cNvCxnSpPr>
           <p:nvPr/>
-        </p:nvSpPr>
-        <p:spPr>
-          <a:xfrm>
-            <a:off x="6660156" y="5684800"/>
-            <a:ext cx="4682468" cy="400110"/>
-          </a:xfrm>
-          <a:prstGeom prst="rect">
+        </p:nvCxnSpPr>
+        <p:spPr>
+          <a:xfrm>
+            <a:off x="5861266" y="4691506"/>
+            <a:ext cx="1539100" cy="840614"/>
+          </a:xfrm>
+          <a:prstGeom prst="straightConnector1">
             <a:avLst/>
           </a:prstGeom>
-          <a:noFill/>
-        </p:spPr>
-        <p:txBody>
-          <a:bodyPr wrap="square" rtlCol="0">
-            <a:spAutoFit/>
-          </a:bodyPr>
-          <a:lstStyle/>
-          <a:p>
-            <a:r>
-              <a:rPr lang="en-US" altLang="zh-CN" sz="2000" b="0" i="0" dirty="0">
-                <a:solidFill>
-                  <a:srgbClr val="121212"/>
-                </a:solidFill>
-                <a:effectLst/>
-                <a:latin typeface="-apple-system"/>
-              </a:rPr>
-              <a:t>else</a:t>
-            </a:r>
-            <a:r>
-              <a:rPr lang="zh-CN" altLang="en-US" sz="2000" b="0" i="0" dirty="0">
-                <a:solidFill>
-                  <a:srgbClr val="121212"/>
-                </a:solidFill>
-                <a:effectLst/>
-                <a:latin typeface="-apple-system"/>
-              </a:rPr>
-              <a:t>部分为空时，</a:t>
-            </a:r>
-            <a:r>
-              <a:rPr lang="en-US" altLang="zh-CN" sz="2000" b="0" i="0" dirty="0">
-                <a:solidFill>
-                  <a:srgbClr val="121212"/>
-                </a:solidFill>
-                <a:effectLst/>
-                <a:latin typeface="-apple-system"/>
-              </a:rPr>
-              <a:t>IR</a:t>
-            </a:r>
-            <a:r>
-              <a:rPr lang="zh-CN" altLang="en-US" sz="2000" b="0" i="0" dirty="0">
-                <a:solidFill>
-                  <a:srgbClr val="121212"/>
-                </a:solidFill>
-                <a:effectLst/>
-                <a:latin typeface="-apple-system"/>
-              </a:rPr>
-              <a:t>中</a:t>
-            </a:r>
-            <a:r>
-              <a:rPr lang="en-US" altLang="zh-CN" sz="2000" b="0" i="0" dirty="0">
-                <a:solidFill>
-                  <a:srgbClr val="121212"/>
-                </a:solidFill>
-                <a:effectLst/>
-                <a:latin typeface="-apple-system"/>
-              </a:rPr>
-              <a:t>if</a:t>
-            </a:r>
-            <a:r>
-              <a:rPr lang="zh-CN" altLang="en-US" sz="2000" b="0" i="0" dirty="0">
-                <a:solidFill>
-                  <a:srgbClr val="121212"/>
-                </a:solidFill>
-                <a:effectLst/>
-                <a:latin typeface="-apple-system"/>
-              </a:rPr>
-              <a:t>语句的表达方式</a:t>
-            </a:r>
-            <a:endParaRPr lang="zh-CN" altLang="en-US" sz="2000" dirty="0"/>
-          </a:p>
-        </p:txBody>
-      </p:sp>
+          <a:ln w="28575">
+            <a:headEnd type="triangle"/>
+            <a:tailEnd type="triangle"/>
+          </a:ln>
+        </p:spPr>
+        <p:style>
+          <a:lnRef idx="1">
+            <a:schemeClr val="accent1"/>
+          </a:lnRef>
+          <a:fillRef idx="0">
+            <a:schemeClr val="accent1"/>
+          </a:fillRef>
+          <a:effectRef idx="0">
+            <a:schemeClr val="accent1"/>
+          </a:effectRef>
+          <a:fontRef idx="minor">
+            <a:schemeClr val="tx1"/>
+          </a:fontRef>
+        </p:style>
+      </p:cxnSp>
     </p:spTree>
     <p:extLst>
       <p:ext uri="{BB962C8B-B14F-4D97-AF65-F5344CB8AC3E}">
-        <p14:creationId xmlns:p14="http://schemas.microsoft.com/office/powerpoint/2010/main" val="3335267002"/>
+        <p14:creationId xmlns:p14="http://schemas.microsoft.com/office/powerpoint/2010/main" val="4157865328"/>
       </p:ext>
     </p:extLst>
   </p:cSld>
   <p:clrMapOvr>
     <a:masterClrMapping/>
   </p:clrMapOvr>
-  <mc:AlternateContent xmlns:mc="http://schemas.openxmlformats.org/markup-compatibility/2006">
-    <mc:Choice xmlns:p159="http://schemas.microsoft.com/office/powerpoint/2015/09/main" Requires="p159">
+  <mc:AlternateContent xmlns:mc="http://schemas.openxmlformats.org/markup-compatibility/2006" xmlns:p159="http://schemas.microsoft.com/office/powerpoint/2015/09/main">
+    <mc:Choice Requires="p159">
       <p:transition xmlns:p14="http://schemas.microsoft.com/office/powerpoint/2010/main" spd="slow" p14:dur="2000">
         <p159:morph option="byObject"/>
       </p:transition>
     </mc:Choice>
-    <mc:Fallback>
+    <mc:Fallback xmlns="">
       <p:transition spd="slow">
         <p:fade/>
       </p:transition>
@@ -10693,12 +10303,12 @@
         <p:spPr>
           <a:xfrm>
             <a:off x="525709" y="518020"/>
-            <a:ext cx="5329807" cy="782273"/>
+            <a:ext cx="5398436" cy="782273"/>
           </a:xfrm>
         </p:spPr>
         <p:txBody>
           <a:bodyPr>
-            <a:normAutofit/>
+            <a:normAutofit fontScale="90000"/>
           </a:bodyPr>
           <a:lstStyle/>
           <a:p>
@@ -10708,25 +10318,347 @@
             </a:r>
             <a:r>
               <a:rPr lang="zh-CN" altLang="en-US" sz="4000" dirty="0"/>
-              <a:t>中的“</a:t>
-            </a:r>
-            <a:r>
-              <a:rPr lang="en-US" altLang="zh-CN" sz="4000" dirty="0"/>
-              <a:t>if</a:t>
-            </a:r>
-            <a:r>
-              <a:rPr lang="zh-CN" altLang="en-US" sz="4000" dirty="0"/>
-              <a:t>”语句</a:t>
-            </a:r>
+              <a:t>中的控制流语句</a:t>
+            </a:r>
+          </a:p>
+        </p:txBody>
+      </p:sp>
+      <p:sp>
+        <p:nvSpPr>
+          <p:cNvPr id="11" name="矩形 10">
+            <a:extLst>
+              <a:ext uri="{FF2B5EF4-FFF2-40B4-BE49-F238E27FC236}">
+                <a16:creationId xmlns:a16="http://schemas.microsoft.com/office/drawing/2014/main" id="{AB6498F5-FFFA-4390-B5E1-00E636996953}"/>
+              </a:ext>
+            </a:extLst>
+          </p:cNvPr>
+          <p:cNvSpPr/>
+          <p:nvPr/>
+        </p:nvSpPr>
+        <p:spPr>
+          <a:xfrm>
+            <a:off x="661481" y="1789889"/>
+            <a:ext cx="2402732" cy="622571"/>
+          </a:xfrm>
+          <a:prstGeom prst="rect">
+            <a:avLst/>
+          </a:prstGeom>
+          <a:noFill/>
+          <a:ln w="28575">
+            <a:solidFill>
+              <a:schemeClr val="accent1">
+                <a:lumMod val="60000"/>
+                <a:lumOff val="40000"/>
+              </a:schemeClr>
+            </a:solidFill>
+          </a:ln>
+        </p:spPr>
+        <p:style>
+          <a:lnRef idx="2">
+            <a:schemeClr val="accent1">
+              <a:shade val="50000"/>
+            </a:schemeClr>
+          </a:lnRef>
+          <a:fillRef idx="1">
+            <a:schemeClr val="accent1"/>
+          </a:fillRef>
+          <a:effectRef idx="0">
+            <a:schemeClr val="accent1"/>
+          </a:effectRef>
+          <a:fontRef idx="minor">
+            <a:schemeClr val="lt1"/>
+          </a:fontRef>
+        </p:style>
+        <p:txBody>
+          <a:bodyPr rtlCol="0" anchor="ctr"/>
+          <a:lstStyle/>
+          <a:p>
+            <a:pPr algn="ctr"/>
+            <a:endParaRPr lang="en-US" altLang="zh-CN" sz="2800" dirty="0">
+              <a:solidFill>
+                <a:schemeClr val="tx1"/>
+              </a:solidFill>
+            </a:endParaRPr>
+          </a:p>
+        </p:txBody>
+      </p:sp>
+      <p:sp>
+        <p:nvSpPr>
+          <p:cNvPr id="27" name="矩形 26">
+            <a:extLst>
+              <a:ext uri="{FF2B5EF4-FFF2-40B4-BE49-F238E27FC236}">
+                <a16:creationId xmlns:a16="http://schemas.microsoft.com/office/drawing/2014/main" id="{988CCAEC-A497-4FA7-9B7C-FD11FD561579}"/>
+              </a:ext>
+            </a:extLst>
+          </p:cNvPr>
+          <p:cNvSpPr/>
+          <p:nvPr/>
+        </p:nvSpPr>
+        <p:spPr>
+          <a:xfrm>
+            <a:off x="661481" y="2590770"/>
+            <a:ext cx="2402732" cy="622571"/>
+          </a:xfrm>
+          <a:prstGeom prst="rect">
+            <a:avLst/>
+          </a:prstGeom>
+          <a:solidFill>
+            <a:schemeClr val="bg1"/>
+          </a:solidFill>
+          <a:ln w="28575">
+            <a:solidFill>
+              <a:schemeClr val="accent1">
+                <a:lumMod val="60000"/>
+                <a:lumOff val="40000"/>
+              </a:schemeClr>
+            </a:solidFill>
+          </a:ln>
+        </p:spPr>
+        <p:style>
+          <a:lnRef idx="2">
+            <a:schemeClr val="accent1">
+              <a:shade val="50000"/>
+            </a:schemeClr>
+          </a:lnRef>
+          <a:fillRef idx="1">
+            <a:schemeClr val="accent1"/>
+          </a:fillRef>
+          <a:effectRef idx="0">
+            <a:schemeClr val="accent1"/>
+          </a:effectRef>
+          <a:fontRef idx="minor">
+            <a:schemeClr val="lt1"/>
+          </a:fontRef>
+        </p:style>
+        <p:txBody>
+          <a:bodyPr rtlCol="0" anchor="ctr"/>
+          <a:lstStyle/>
+          <a:p>
+            <a:pPr algn="ctr"/>
+            <a:r>
+              <a:rPr lang="en-US" altLang="zh-CN" sz="2800" dirty="0">
+                <a:solidFill>
+                  <a:schemeClr val="tx1"/>
+                </a:solidFill>
+              </a:rPr>
+              <a:t>while</a:t>
+            </a:r>
+          </a:p>
+        </p:txBody>
+      </p:sp>
+      <p:sp>
+        <p:nvSpPr>
+          <p:cNvPr id="29" name="矩形 28">
+            <a:extLst>
+              <a:ext uri="{FF2B5EF4-FFF2-40B4-BE49-F238E27FC236}">
+                <a16:creationId xmlns:a16="http://schemas.microsoft.com/office/drawing/2014/main" id="{D8CBBE62-1D20-44E7-ABE5-75E21E7EDCA3}"/>
+              </a:ext>
+            </a:extLst>
+          </p:cNvPr>
+          <p:cNvSpPr/>
+          <p:nvPr/>
+        </p:nvSpPr>
+        <p:spPr>
+          <a:xfrm>
+            <a:off x="661481" y="3390090"/>
+            <a:ext cx="2402732" cy="622571"/>
+          </a:xfrm>
+          <a:prstGeom prst="rect">
+            <a:avLst/>
+          </a:prstGeom>
+          <a:solidFill>
+            <a:schemeClr val="bg1"/>
+          </a:solidFill>
+          <a:ln w="28575">
+            <a:solidFill>
+              <a:schemeClr val="accent1">
+                <a:lumMod val="60000"/>
+                <a:lumOff val="40000"/>
+              </a:schemeClr>
+            </a:solidFill>
+          </a:ln>
+        </p:spPr>
+        <p:style>
+          <a:lnRef idx="2">
+            <a:schemeClr val="accent1">
+              <a:shade val="50000"/>
+            </a:schemeClr>
+          </a:lnRef>
+          <a:fillRef idx="1">
+            <a:schemeClr val="accent1"/>
+          </a:fillRef>
+          <a:effectRef idx="0">
+            <a:schemeClr val="accent1"/>
+          </a:effectRef>
+          <a:fontRef idx="minor">
+            <a:schemeClr val="lt1"/>
+          </a:fontRef>
+        </p:style>
+        <p:txBody>
+          <a:bodyPr rtlCol="0" anchor="ctr"/>
+          <a:lstStyle/>
+          <a:p>
+            <a:pPr algn="ctr"/>
+            <a:r>
+              <a:rPr lang="en-US" altLang="zh-CN" sz="2800" dirty="0" err="1">
+                <a:solidFill>
+                  <a:schemeClr val="tx1"/>
+                </a:solidFill>
+              </a:rPr>
+              <a:t>dowhile</a:t>
+            </a:r>
+            <a:endParaRPr lang="en-US" altLang="zh-CN" sz="2800" dirty="0">
+              <a:solidFill>
+                <a:schemeClr val="tx1"/>
+              </a:solidFill>
+            </a:endParaRPr>
+          </a:p>
+        </p:txBody>
+      </p:sp>
+      <p:sp>
+        <p:nvSpPr>
+          <p:cNvPr id="31" name="矩形 30">
+            <a:extLst>
+              <a:ext uri="{FF2B5EF4-FFF2-40B4-BE49-F238E27FC236}">
+                <a16:creationId xmlns:a16="http://schemas.microsoft.com/office/drawing/2014/main" id="{3279BC87-83EA-4888-9012-D5BAA832A8DF}"/>
+              </a:ext>
+            </a:extLst>
+          </p:cNvPr>
+          <p:cNvSpPr/>
+          <p:nvPr/>
+        </p:nvSpPr>
+        <p:spPr>
+          <a:xfrm>
+            <a:off x="661481" y="4190971"/>
+            <a:ext cx="2402732" cy="622571"/>
+          </a:xfrm>
+          <a:prstGeom prst="rect">
+            <a:avLst/>
+          </a:prstGeom>
+          <a:solidFill>
+            <a:schemeClr val="bg1"/>
+          </a:solidFill>
+          <a:ln w="28575">
+            <a:solidFill>
+              <a:schemeClr val="accent1">
+                <a:lumMod val="60000"/>
+                <a:lumOff val="40000"/>
+              </a:schemeClr>
+            </a:solidFill>
+          </a:ln>
+        </p:spPr>
+        <p:style>
+          <a:lnRef idx="2">
+            <a:schemeClr val="accent1">
+              <a:shade val="50000"/>
+            </a:schemeClr>
+          </a:lnRef>
+          <a:fillRef idx="1">
+            <a:schemeClr val="accent1"/>
+          </a:fillRef>
+          <a:effectRef idx="0">
+            <a:schemeClr val="accent1"/>
+          </a:effectRef>
+          <a:fontRef idx="minor">
+            <a:schemeClr val="lt1"/>
+          </a:fontRef>
+        </p:style>
+        <p:txBody>
+          <a:bodyPr rtlCol="0" anchor="ctr"/>
+          <a:lstStyle/>
+          <a:p>
+            <a:pPr algn="ctr"/>
+            <a:r>
+              <a:rPr lang="en-US" altLang="zh-CN" sz="2800" dirty="0" err="1">
+                <a:solidFill>
+                  <a:schemeClr val="tx1"/>
+                </a:solidFill>
+              </a:rPr>
+              <a:t>doloop</a:t>
+            </a:r>
+            <a:endParaRPr lang="en-US" altLang="zh-CN" sz="2800" dirty="0">
+              <a:solidFill>
+                <a:schemeClr val="tx1"/>
+              </a:solidFill>
+            </a:endParaRPr>
+          </a:p>
+        </p:txBody>
+      </p:sp>
+      <p:sp>
+        <p:nvSpPr>
+          <p:cNvPr id="33" name="矩形 32">
+            <a:extLst>
+              <a:ext uri="{FF2B5EF4-FFF2-40B4-BE49-F238E27FC236}">
+                <a16:creationId xmlns:a16="http://schemas.microsoft.com/office/drawing/2014/main" id="{1DB3B045-55D7-4649-B0BF-BB794F7C753E}"/>
+              </a:ext>
+            </a:extLst>
+          </p:cNvPr>
+          <p:cNvSpPr/>
+          <p:nvPr/>
+        </p:nvSpPr>
+        <p:spPr>
+          <a:xfrm>
+            <a:off x="661481" y="4991852"/>
+            <a:ext cx="2402732" cy="622571"/>
+          </a:xfrm>
+          <a:prstGeom prst="rect">
+            <a:avLst/>
+          </a:prstGeom>
+          <a:solidFill>
+            <a:schemeClr val="bg1"/>
+          </a:solidFill>
+          <a:ln w="28575">
+            <a:solidFill>
+              <a:schemeClr val="accent1">
+                <a:lumMod val="60000"/>
+                <a:lumOff val="40000"/>
+              </a:schemeClr>
+            </a:solidFill>
+          </a:ln>
+        </p:spPr>
+        <p:style>
+          <a:lnRef idx="2">
+            <a:schemeClr val="accent1">
+              <a:shade val="50000"/>
+            </a:schemeClr>
+          </a:lnRef>
+          <a:fillRef idx="1">
+            <a:schemeClr val="accent1"/>
+          </a:fillRef>
+          <a:effectRef idx="0">
+            <a:schemeClr val="accent1"/>
+          </a:effectRef>
+          <a:fontRef idx="minor">
+            <a:schemeClr val="lt1"/>
+          </a:fontRef>
+        </p:style>
+        <p:txBody>
+          <a:bodyPr rtlCol="0" anchor="ctr"/>
+          <a:lstStyle/>
+          <a:p>
+            <a:pPr algn="ctr"/>
+            <a:r>
+              <a:rPr lang="en-US" altLang="zh-CN" sz="2800" dirty="0" err="1">
+                <a:solidFill>
+                  <a:schemeClr val="tx1"/>
+                </a:solidFill>
+              </a:rPr>
+              <a:t>foreachelem</a:t>
+            </a:r>
+            <a:endParaRPr lang="en-US" altLang="zh-CN" sz="2800" dirty="0">
+              <a:solidFill>
+                <a:schemeClr val="tx1"/>
+              </a:solidFill>
+            </a:endParaRPr>
           </a:p>
         </p:txBody>
       </p:sp>
       <p:pic>
         <p:nvPicPr>
-          <p:cNvPr id="7" name="图片 6">
-            <a:extLst>
-              <a:ext uri="{FF2B5EF4-FFF2-40B4-BE49-F238E27FC236}">
-                <a16:creationId xmlns:a16="http://schemas.microsoft.com/office/drawing/2014/main" id="{0C6E1D03-266E-4C2A-A6D9-F828D100D609}"/>
+          <p:cNvPr id="35" name="图片 34">
+            <a:extLst>
+              <a:ext uri="{FF2B5EF4-FFF2-40B4-BE49-F238E27FC236}">
+                <a16:creationId xmlns:a16="http://schemas.microsoft.com/office/drawing/2014/main" id="{2AEF9BF0-4093-490F-B8F7-0D6570B51DFB}"/>
               </a:ext>
             </a:extLst>
           </p:cNvPr>
@@ -10743,30 +10675,20 @@
         </p:blipFill>
         <p:spPr>
           <a:xfrm>
-            <a:off x="400400" y="1606578"/>
-            <a:ext cx="8572500" cy="3409950"/>
+            <a:off x="4668364" y="2123060"/>
+            <a:ext cx="4913381" cy="566003"/>
           </a:xfrm>
           <a:prstGeom prst="rect">
             <a:avLst/>
           </a:prstGeom>
-          <a:ln>
-            <a:noFill/>
-          </a:ln>
-          <a:effectLst>
-            <a:outerShdw blurRad="292100" dist="139700" dir="2700000" algn="tl" rotWithShape="0">
-              <a:srgbClr val="333333">
-                <a:alpha val="65000"/>
-              </a:srgbClr>
-            </a:outerShdw>
-          </a:effectLst>
         </p:spPr>
       </p:pic>
       <p:pic>
         <p:nvPicPr>
-          <p:cNvPr id="9" name="图片 8">
-            <a:extLst>
-              <a:ext uri="{FF2B5EF4-FFF2-40B4-BE49-F238E27FC236}">
-                <a16:creationId xmlns:a16="http://schemas.microsoft.com/office/drawing/2014/main" id="{A5CA4D82-7A65-40C8-878A-8BD40A3D12B6}"/>
+          <p:cNvPr id="37" name="图片 36">
+            <a:extLst>
+              <a:ext uri="{FF2B5EF4-FFF2-40B4-BE49-F238E27FC236}">
+                <a16:creationId xmlns:a16="http://schemas.microsoft.com/office/drawing/2014/main" id="{FBF8D69B-286F-4F5F-ABD9-7C0F4B9CDDE3}"/>
               </a:ext>
             </a:extLst>
           </p:cNvPr>
@@ -10783,8 +10705,8 @@
         </p:blipFill>
         <p:spPr>
           <a:xfrm>
-            <a:off x="7671910" y="4815130"/>
-            <a:ext cx="3810000" cy="1228725"/>
+            <a:off x="4668364" y="3208477"/>
+            <a:ext cx="6393470" cy="2587557"/>
           </a:xfrm>
           <a:prstGeom prst="rect">
             <a:avLst/>
@@ -10793,10 +10715,316 @@
       </p:pic>
       <p:sp>
         <p:nvSpPr>
-          <p:cNvPr id="12" name="矩形 11">
-            <a:extLst>
-              <a:ext uri="{FF2B5EF4-FFF2-40B4-BE49-F238E27FC236}">
-                <a16:creationId xmlns:a16="http://schemas.microsoft.com/office/drawing/2014/main" id="{A0B67C02-37DC-4EDC-B253-818C035AA71A}"/>
+          <p:cNvPr id="3" name="文本框 2">
+            <a:extLst>
+              <a:ext uri="{FF2B5EF4-FFF2-40B4-BE49-F238E27FC236}">
+                <a16:creationId xmlns:a16="http://schemas.microsoft.com/office/drawing/2014/main" id="{0C0087B0-2C08-4251-9B5C-EF8FE5E7B63D}"/>
+              </a:ext>
+            </a:extLst>
+          </p:cNvPr>
+          <p:cNvSpPr txBox="1"/>
+          <p:nvPr/>
+        </p:nvSpPr>
+        <p:spPr>
+          <a:xfrm>
+            <a:off x="8458200" y="6115393"/>
+            <a:ext cx="3733800" cy="400110"/>
+          </a:xfrm>
+          <a:prstGeom prst="rect">
+            <a:avLst/>
+          </a:prstGeom>
+          <a:noFill/>
+        </p:spPr>
+        <p:txBody>
+          <a:bodyPr wrap="square" rtlCol="0">
+            <a:spAutoFit/>
+          </a:bodyPr>
+          <a:lstStyle/>
+          <a:p>
+            <a:r>
+              <a:rPr lang="en-US" altLang="zh-CN" sz="2000" b="0" i="0" dirty="0">
+                <a:solidFill>
+                  <a:srgbClr val="121212"/>
+                </a:solidFill>
+                <a:effectLst/>
+                <a:latin typeface="-apple-system"/>
+              </a:rPr>
+              <a:t>IR</a:t>
+            </a:r>
+            <a:r>
+              <a:rPr lang="zh-CN" altLang="en-US" sz="2000" b="0" i="0" dirty="0">
+                <a:solidFill>
+                  <a:srgbClr val="121212"/>
+                </a:solidFill>
+                <a:effectLst/>
+                <a:latin typeface="-apple-system"/>
+              </a:rPr>
+              <a:t>其他其他类型的控制流语句</a:t>
+            </a:r>
+            <a:endParaRPr lang="zh-CN" altLang="en-US" sz="2000" dirty="0"/>
+          </a:p>
+        </p:txBody>
+      </p:sp>
+      <p:cxnSp>
+        <p:nvCxnSpPr>
+          <p:cNvPr id="5" name="直接箭头连接符 4">
+            <a:extLst>
+              <a:ext uri="{FF2B5EF4-FFF2-40B4-BE49-F238E27FC236}">
+                <a16:creationId xmlns:a16="http://schemas.microsoft.com/office/drawing/2014/main" id="{3EB9F11F-3F9B-47A9-9017-C92736CC263E}"/>
+              </a:ext>
+            </a:extLst>
+          </p:cNvPr>
+          <p:cNvCxnSpPr>
+            <a:stCxn id="11" idx="3"/>
+            <a:endCxn id="35" idx="1"/>
+          </p:cNvCxnSpPr>
+          <p:nvPr/>
+        </p:nvCxnSpPr>
+        <p:spPr>
+          <a:xfrm>
+            <a:off x="3064213" y="2101175"/>
+            <a:ext cx="1604151" cy="304887"/>
+          </a:xfrm>
+          <a:prstGeom prst="straightConnector1">
+            <a:avLst/>
+          </a:prstGeom>
+          <a:ln>
+            <a:tailEnd type="triangle"/>
+          </a:ln>
+        </p:spPr>
+        <p:style>
+          <a:lnRef idx="1">
+            <a:schemeClr val="accent1"/>
+          </a:lnRef>
+          <a:fillRef idx="0">
+            <a:schemeClr val="accent1"/>
+          </a:fillRef>
+          <a:effectRef idx="0">
+            <a:schemeClr val="accent1"/>
+          </a:effectRef>
+          <a:fontRef idx="minor">
+            <a:schemeClr val="tx1"/>
+          </a:fontRef>
+        </p:style>
+      </p:cxnSp>
+      <p:cxnSp>
+        <p:nvCxnSpPr>
+          <p:cNvPr id="14" name="直接箭头连接符 13">
+            <a:extLst>
+              <a:ext uri="{FF2B5EF4-FFF2-40B4-BE49-F238E27FC236}">
+                <a16:creationId xmlns:a16="http://schemas.microsoft.com/office/drawing/2014/main" id="{B9D9262F-B72C-467E-88D0-433E7B3919F6}"/>
+              </a:ext>
+            </a:extLst>
+          </p:cNvPr>
+          <p:cNvCxnSpPr>
+            <a:cxnSpLocks/>
+            <a:stCxn id="27" idx="3"/>
+            <a:endCxn id="35" idx="1"/>
+          </p:cNvCxnSpPr>
+          <p:nvPr/>
+        </p:nvCxnSpPr>
+        <p:spPr>
+          <a:xfrm flipV="1">
+            <a:off x="3064213" y="2406062"/>
+            <a:ext cx="1604151" cy="495994"/>
+          </a:xfrm>
+          <a:prstGeom prst="straightConnector1">
+            <a:avLst/>
+          </a:prstGeom>
+          <a:ln>
+            <a:tailEnd type="triangle"/>
+          </a:ln>
+        </p:spPr>
+        <p:style>
+          <a:lnRef idx="1">
+            <a:schemeClr val="accent1"/>
+          </a:lnRef>
+          <a:fillRef idx="0">
+            <a:schemeClr val="accent1"/>
+          </a:fillRef>
+          <a:effectRef idx="0">
+            <a:schemeClr val="accent1"/>
+          </a:effectRef>
+          <a:fontRef idx="minor">
+            <a:schemeClr val="tx1"/>
+          </a:fontRef>
+        </p:style>
+      </p:cxnSp>
+      <p:cxnSp>
+        <p:nvCxnSpPr>
+          <p:cNvPr id="17" name="直接箭头连接符 16">
+            <a:extLst>
+              <a:ext uri="{FF2B5EF4-FFF2-40B4-BE49-F238E27FC236}">
+                <a16:creationId xmlns:a16="http://schemas.microsoft.com/office/drawing/2014/main" id="{E0DEC5D1-94B3-48F7-8AE5-64E7965F3CA2}"/>
+              </a:ext>
+            </a:extLst>
+          </p:cNvPr>
+          <p:cNvCxnSpPr>
+            <a:cxnSpLocks/>
+            <a:stCxn id="29" idx="3"/>
+            <a:endCxn id="35" idx="1"/>
+          </p:cNvCxnSpPr>
+          <p:nvPr/>
+        </p:nvCxnSpPr>
+        <p:spPr>
+          <a:xfrm flipV="1">
+            <a:off x="3064213" y="2406062"/>
+            <a:ext cx="1604151" cy="1295314"/>
+          </a:xfrm>
+          <a:prstGeom prst="straightConnector1">
+            <a:avLst/>
+          </a:prstGeom>
+          <a:ln>
+            <a:tailEnd type="triangle"/>
+          </a:ln>
+        </p:spPr>
+        <p:style>
+          <a:lnRef idx="1">
+            <a:schemeClr val="accent1"/>
+          </a:lnRef>
+          <a:fillRef idx="0">
+            <a:schemeClr val="accent1"/>
+          </a:fillRef>
+          <a:effectRef idx="0">
+            <a:schemeClr val="accent1"/>
+          </a:effectRef>
+          <a:fontRef idx="minor">
+            <a:schemeClr val="tx1"/>
+          </a:fontRef>
+        </p:style>
+      </p:cxnSp>
+      <p:cxnSp>
+        <p:nvCxnSpPr>
+          <p:cNvPr id="21" name="直接箭头连接符 20">
+            <a:extLst>
+              <a:ext uri="{FF2B5EF4-FFF2-40B4-BE49-F238E27FC236}">
+                <a16:creationId xmlns:a16="http://schemas.microsoft.com/office/drawing/2014/main" id="{4536B8C6-D846-4933-BB4F-33FA6ACAB10F}"/>
+              </a:ext>
+            </a:extLst>
+          </p:cNvPr>
+          <p:cNvCxnSpPr>
+            <a:cxnSpLocks/>
+            <a:stCxn id="31" idx="3"/>
+            <a:endCxn id="35" idx="1"/>
+          </p:cNvCxnSpPr>
+          <p:nvPr/>
+        </p:nvCxnSpPr>
+        <p:spPr>
+          <a:xfrm flipV="1">
+            <a:off x="3064213" y="2406062"/>
+            <a:ext cx="1604151" cy="2096195"/>
+          </a:xfrm>
+          <a:prstGeom prst="straightConnector1">
+            <a:avLst/>
+          </a:prstGeom>
+          <a:ln>
+            <a:tailEnd type="triangle"/>
+          </a:ln>
+        </p:spPr>
+        <p:style>
+          <a:lnRef idx="1">
+            <a:schemeClr val="accent1"/>
+          </a:lnRef>
+          <a:fillRef idx="0">
+            <a:schemeClr val="accent1"/>
+          </a:fillRef>
+          <a:effectRef idx="0">
+            <a:schemeClr val="accent1"/>
+          </a:effectRef>
+          <a:fontRef idx="minor">
+            <a:schemeClr val="tx1"/>
+          </a:fontRef>
+        </p:style>
+      </p:cxnSp>
+      <p:cxnSp>
+        <p:nvCxnSpPr>
+          <p:cNvPr id="24" name="直接箭头连接符 23">
+            <a:extLst>
+              <a:ext uri="{FF2B5EF4-FFF2-40B4-BE49-F238E27FC236}">
+                <a16:creationId xmlns:a16="http://schemas.microsoft.com/office/drawing/2014/main" id="{1223BB62-3D3A-4ACC-9916-3B16E680E41E}"/>
+              </a:ext>
+            </a:extLst>
+          </p:cNvPr>
+          <p:cNvCxnSpPr>
+            <a:cxnSpLocks/>
+            <a:stCxn id="33" idx="3"/>
+            <a:endCxn id="37" idx="1"/>
+          </p:cNvCxnSpPr>
+          <p:nvPr/>
+        </p:nvCxnSpPr>
+        <p:spPr>
+          <a:xfrm flipV="1">
+            <a:off x="3064213" y="4502256"/>
+            <a:ext cx="1604151" cy="800882"/>
+          </a:xfrm>
+          <a:prstGeom prst="straightConnector1">
+            <a:avLst/>
+          </a:prstGeom>
+          <a:ln>
+            <a:tailEnd type="triangle"/>
+          </a:ln>
+        </p:spPr>
+        <p:style>
+          <a:lnRef idx="1">
+            <a:schemeClr val="accent1"/>
+          </a:lnRef>
+          <a:fillRef idx="0">
+            <a:schemeClr val="accent1"/>
+          </a:fillRef>
+          <a:effectRef idx="0">
+            <a:schemeClr val="accent1"/>
+          </a:effectRef>
+          <a:fontRef idx="minor">
+            <a:schemeClr val="tx1"/>
+          </a:fontRef>
+        </p:style>
+      </p:cxnSp>
+      <p:sp>
+        <p:nvSpPr>
+          <p:cNvPr id="28" name="文本框 27">
+            <a:extLst>
+              <a:ext uri="{FF2B5EF4-FFF2-40B4-BE49-F238E27FC236}">
+                <a16:creationId xmlns:a16="http://schemas.microsoft.com/office/drawing/2014/main" id="{1405E66A-B215-4642-AA2C-81E4BF232B6B}"/>
+              </a:ext>
+            </a:extLst>
+          </p:cNvPr>
+          <p:cNvSpPr txBox="1"/>
+          <p:nvPr/>
+        </p:nvSpPr>
+        <p:spPr>
+          <a:xfrm>
+            <a:off x="1268487" y="1839564"/>
+            <a:ext cx="1188720" cy="523220"/>
+          </a:xfrm>
+          <a:prstGeom prst="rect">
+            <a:avLst/>
+          </a:prstGeom>
+          <a:noFill/>
+        </p:spPr>
+        <p:txBody>
+          <a:bodyPr wrap="square">
+            <a:spAutoFit/>
+          </a:bodyPr>
+          <a:lstStyle/>
+          <a:p>
+            <a:pPr algn="ctr"/>
+            <a:r>
+              <a:rPr lang="en-US" altLang="zh-CN" sz="2800" dirty="0">
+                <a:solidFill>
+                  <a:schemeClr val="tx1"/>
+                </a:solidFill>
+              </a:rPr>
+              <a:t>if</a:t>
+            </a:r>
+          </a:p>
+        </p:txBody>
+      </p:sp>
+      <p:sp>
+        <p:nvSpPr>
+          <p:cNvPr id="18" name="矩形 17">
+            <a:extLst>
+              <a:ext uri="{FF2B5EF4-FFF2-40B4-BE49-F238E27FC236}">
+                <a16:creationId xmlns:a16="http://schemas.microsoft.com/office/drawing/2014/main" id="{ADDAD20C-918E-438A-832F-6CB7CE38A7BA}"/>
               </a:ext>
             </a:extLst>
           </p:cNvPr>
@@ -10805,8 +11033,8 @@
         </p:nvSpPr>
         <p:spPr>
           <a:xfrm>
-            <a:off x="525709" y="4068661"/>
-            <a:ext cx="5128471" cy="285225"/>
+            <a:off x="7278446" y="4502255"/>
+            <a:ext cx="2109394" cy="371259"/>
           </a:xfrm>
           <a:prstGeom prst="rect">
             <a:avLst/>
@@ -10847,150 +11075,10 @@
           </a:p>
         </p:txBody>
       </p:sp>
-      <p:sp>
-        <p:nvSpPr>
-          <p:cNvPr id="14" name="矩形 13">
-            <a:extLst>
-              <a:ext uri="{FF2B5EF4-FFF2-40B4-BE49-F238E27FC236}">
-                <a16:creationId xmlns:a16="http://schemas.microsoft.com/office/drawing/2014/main" id="{0C99482F-2F7B-4FE5-BA7D-F120BA384E93}"/>
-              </a:ext>
-            </a:extLst>
-          </p:cNvPr>
-          <p:cNvSpPr/>
-          <p:nvPr/>
-        </p:nvSpPr>
-        <p:spPr>
-          <a:xfrm>
-            <a:off x="7400366" y="5297142"/>
-            <a:ext cx="1960226" cy="371260"/>
-          </a:xfrm>
-          <a:prstGeom prst="rect">
-            <a:avLst/>
-          </a:prstGeom>
-          <a:solidFill>
-            <a:schemeClr val="accent2">
-              <a:lumMod val="60000"/>
-              <a:lumOff val="40000"/>
-              <a:alpha val="41000"/>
-            </a:schemeClr>
-          </a:solidFill>
-          <a:ln>
-            <a:noFill/>
-          </a:ln>
-        </p:spPr>
-        <p:style>
-          <a:lnRef idx="2">
-            <a:schemeClr val="accent1">
-              <a:shade val="50000"/>
-            </a:schemeClr>
-          </a:lnRef>
-          <a:fillRef idx="1">
-            <a:schemeClr val="accent1"/>
-          </a:fillRef>
-          <a:effectRef idx="0">
-            <a:schemeClr val="accent1"/>
-          </a:effectRef>
-          <a:fontRef idx="minor">
-            <a:schemeClr val="lt1"/>
-          </a:fontRef>
-        </p:style>
-        <p:txBody>
-          <a:bodyPr rtlCol="0" anchor="ctr"/>
-          <a:lstStyle/>
-          <a:p>
-            <a:pPr algn="ctr"/>
-            <a:endParaRPr lang="zh-CN" altLang="en-US"/>
-          </a:p>
-        </p:txBody>
-      </p:sp>
-      <p:sp>
-        <p:nvSpPr>
-          <p:cNvPr id="3" name="文本框 2">
-            <a:extLst>
-              <a:ext uri="{FF2B5EF4-FFF2-40B4-BE49-F238E27FC236}">
-                <a16:creationId xmlns:a16="http://schemas.microsoft.com/office/drawing/2014/main" id="{491ECE64-753A-4BED-94EB-858717837D23}"/>
-              </a:ext>
-            </a:extLst>
-          </p:cNvPr>
-          <p:cNvSpPr txBox="1"/>
-          <p:nvPr/>
-        </p:nvSpPr>
-        <p:spPr>
-          <a:xfrm>
-            <a:off x="10665596" y="6134350"/>
-            <a:ext cx="1632628" cy="400110"/>
-          </a:xfrm>
-          <a:prstGeom prst="rect">
-            <a:avLst/>
-          </a:prstGeom>
-          <a:noFill/>
-        </p:spPr>
-        <p:txBody>
-          <a:bodyPr wrap="square" rtlCol="0">
-            <a:spAutoFit/>
-          </a:bodyPr>
-          <a:lstStyle/>
-          <a:p>
-            <a:r>
-              <a:rPr lang="zh-CN" altLang="en-US" sz="2000" b="0" i="0" dirty="0">
-                <a:solidFill>
-                  <a:srgbClr val="121212"/>
-                </a:solidFill>
-                <a:effectLst/>
-                <a:latin typeface="-apple-system"/>
-              </a:rPr>
-              <a:t>实现代码</a:t>
-            </a:r>
-            <a:endParaRPr lang="zh-CN" altLang="en-US" sz="2000" dirty="0"/>
-          </a:p>
-        </p:txBody>
-      </p:sp>
-      <p:cxnSp>
-        <p:nvCxnSpPr>
-          <p:cNvPr id="5" name="直接箭头连接符 4">
-            <a:extLst>
-              <a:ext uri="{FF2B5EF4-FFF2-40B4-BE49-F238E27FC236}">
-                <a16:creationId xmlns:a16="http://schemas.microsoft.com/office/drawing/2014/main" id="{C4ADE4A4-A480-461D-8F43-46903E97CE09}"/>
-              </a:ext>
-            </a:extLst>
-          </p:cNvPr>
-          <p:cNvCxnSpPr>
-            <a:cxnSpLocks/>
-          </p:cNvCxnSpPr>
-          <p:nvPr/>
-        </p:nvCxnSpPr>
-        <p:spPr>
-          <a:xfrm>
-            <a:off x="5861266" y="4691506"/>
-            <a:ext cx="1539100" cy="840614"/>
-          </a:xfrm>
-          <a:prstGeom prst="straightConnector1">
-            <a:avLst/>
-          </a:prstGeom>
-          <a:ln w="28575">
-            <a:headEnd type="triangle"/>
-            <a:tailEnd type="triangle"/>
-          </a:ln>
-        </p:spPr>
-        <p:style>
-          <a:lnRef idx="1">
-            <a:schemeClr val="accent1"/>
-          </a:lnRef>
-          <a:fillRef idx="0">
-            <a:schemeClr val="accent1"/>
-          </a:fillRef>
-          <a:effectRef idx="0">
-            <a:schemeClr val="accent1"/>
-          </a:effectRef>
-          <a:fontRef idx="minor">
-            <a:schemeClr val="tx1"/>
-          </a:fontRef>
-        </p:style>
-      </p:cxnSp>
     </p:spTree>
     <p:extLst>
       <p:ext uri="{BB962C8B-B14F-4D97-AF65-F5344CB8AC3E}">
-        <p14:creationId xmlns:p14="http://schemas.microsoft.com/office/powerpoint/2010/main" val="4157865328"/>
+        <p14:creationId xmlns:p14="http://schemas.microsoft.com/office/powerpoint/2010/main" val="805827801"/>
       </p:ext>
     </p:extLst>
   </p:cSld>
@@ -11047,8 +11135,8 @@
         </p:nvSpPr>
         <p:spPr>
           <a:xfrm>
-            <a:off x="525709" y="518020"/>
-            <a:ext cx="5398436" cy="782273"/>
+            <a:off x="525708" y="518020"/>
+            <a:ext cx="6616791" cy="782273"/>
           </a:xfrm>
         </p:spPr>
         <p:txBody>
@@ -11063,17 +11151,17 @@
             </a:r>
             <a:r>
               <a:rPr lang="zh-CN" altLang="en-US" sz="4000" dirty="0"/>
-              <a:t>中的控制流语句</a:t>
-            </a:r>
-          </a:p>
-        </p:txBody>
-      </p:sp>
-      <p:sp>
-        <p:nvSpPr>
-          <p:cNvPr id="11" name="矩形 10">
-            <a:extLst>
-              <a:ext uri="{FF2B5EF4-FFF2-40B4-BE49-F238E27FC236}">
-                <a16:creationId xmlns:a16="http://schemas.microsoft.com/office/drawing/2014/main" id="{AB6498F5-FFFA-4390-B5E1-00E636996953}"/>
+              <a:t>中的拓展数组管理语句</a:t>
+            </a:r>
+          </a:p>
+        </p:txBody>
+      </p:sp>
+      <p:sp>
+        <p:nvSpPr>
+          <p:cNvPr id="33" name="矩形 32">
+            <a:extLst>
+              <a:ext uri="{FF2B5EF4-FFF2-40B4-BE49-F238E27FC236}">
+                <a16:creationId xmlns:a16="http://schemas.microsoft.com/office/drawing/2014/main" id="{1DB3B045-55D7-4649-B0BF-BB794F7C753E}"/>
               </a:ext>
             </a:extLst>
           </p:cNvPr>
@@ -11082,66 +11170,7 @@
         </p:nvSpPr>
         <p:spPr>
           <a:xfrm>
-            <a:off x="661481" y="1789889"/>
-            <a:ext cx="2402732" cy="622571"/>
-          </a:xfrm>
-          <a:prstGeom prst="rect">
-            <a:avLst/>
-          </a:prstGeom>
-          <a:noFill/>
-          <a:ln w="28575">
-            <a:solidFill>
-              <a:schemeClr val="accent1">
-                <a:lumMod val="60000"/>
-                <a:lumOff val="40000"/>
-              </a:schemeClr>
-            </a:solidFill>
-          </a:ln>
-        </p:spPr>
-        <p:style>
-          <a:lnRef idx="2">
-            <a:schemeClr val="accent1">
-              <a:shade val="50000"/>
-            </a:schemeClr>
-          </a:lnRef>
-          <a:fillRef idx="1">
-            <a:schemeClr val="accent1"/>
-          </a:fillRef>
-          <a:effectRef idx="0">
-            <a:schemeClr val="accent1"/>
-          </a:effectRef>
-          <a:fontRef idx="minor">
-            <a:schemeClr val="lt1"/>
-          </a:fontRef>
-        </p:style>
-        <p:txBody>
-          <a:bodyPr rtlCol="0" anchor="ctr"/>
-          <a:lstStyle/>
-          <a:p>
-            <a:pPr algn="ctr"/>
-            <a:endParaRPr lang="en-US" altLang="zh-CN" sz="2800" dirty="0">
-              <a:solidFill>
-                <a:schemeClr val="tx1"/>
-              </a:solidFill>
-            </a:endParaRPr>
-          </a:p>
-        </p:txBody>
-      </p:sp>
-      <p:sp>
-        <p:nvSpPr>
-          <p:cNvPr id="27" name="矩形 26">
-            <a:extLst>
-              <a:ext uri="{FF2B5EF4-FFF2-40B4-BE49-F238E27FC236}">
-                <a16:creationId xmlns:a16="http://schemas.microsoft.com/office/drawing/2014/main" id="{988CCAEC-A497-4FA7-9B7C-FD11FD561579}"/>
-              </a:ext>
-            </a:extLst>
-          </p:cNvPr>
-          <p:cNvSpPr/>
-          <p:nvPr/>
-        </p:nvSpPr>
-        <p:spPr>
-          <a:xfrm>
-            <a:off x="661481" y="2590770"/>
+            <a:off x="749030" y="1631813"/>
             <a:ext cx="2402732" cy="622571"/>
           </a:xfrm>
           <a:prstGeom prst="rect">
@@ -11181,208 +11210,6 @@
           <a:p>
             <a:pPr algn="ctr"/>
             <a:r>
-              <a:rPr lang="en-US" altLang="zh-CN" sz="2800" dirty="0">
-                <a:solidFill>
-                  <a:schemeClr val="tx1"/>
-                </a:solidFill>
-              </a:rPr>
-              <a:t>while</a:t>
-            </a:r>
-          </a:p>
-        </p:txBody>
-      </p:sp>
-      <p:sp>
-        <p:nvSpPr>
-          <p:cNvPr id="29" name="矩形 28">
-            <a:extLst>
-              <a:ext uri="{FF2B5EF4-FFF2-40B4-BE49-F238E27FC236}">
-                <a16:creationId xmlns:a16="http://schemas.microsoft.com/office/drawing/2014/main" id="{D8CBBE62-1D20-44E7-ABE5-75E21E7EDCA3}"/>
-              </a:ext>
-            </a:extLst>
-          </p:cNvPr>
-          <p:cNvSpPr/>
-          <p:nvPr/>
-        </p:nvSpPr>
-        <p:spPr>
-          <a:xfrm>
-            <a:off x="661481" y="3390090"/>
-            <a:ext cx="2402732" cy="622571"/>
-          </a:xfrm>
-          <a:prstGeom prst="rect">
-            <a:avLst/>
-          </a:prstGeom>
-          <a:solidFill>
-            <a:schemeClr val="bg1"/>
-          </a:solidFill>
-          <a:ln w="28575">
-            <a:solidFill>
-              <a:schemeClr val="accent1">
-                <a:lumMod val="60000"/>
-                <a:lumOff val="40000"/>
-              </a:schemeClr>
-            </a:solidFill>
-          </a:ln>
-        </p:spPr>
-        <p:style>
-          <a:lnRef idx="2">
-            <a:schemeClr val="accent1">
-              <a:shade val="50000"/>
-            </a:schemeClr>
-          </a:lnRef>
-          <a:fillRef idx="1">
-            <a:schemeClr val="accent1"/>
-          </a:fillRef>
-          <a:effectRef idx="0">
-            <a:schemeClr val="accent1"/>
-          </a:effectRef>
-          <a:fontRef idx="minor">
-            <a:schemeClr val="lt1"/>
-          </a:fontRef>
-        </p:style>
-        <p:txBody>
-          <a:bodyPr rtlCol="0" anchor="ctr"/>
-          <a:lstStyle/>
-          <a:p>
-            <a:pPr algn="ctr"/>
-            <a:r>
-              <a:rPr lang="en-US" altLang="zh-CN" sz="2800" dirty="0" err="1">
-                <a:solidFill>
-                  <a:schemeClr val="tx1"/>
-                </a:solidFill>
-              </a:rPr>
-              <a:t>dowhile</a:t>
-            </a:r>
-            <a:endParaRPr lang="en-US" altLang="zh-CN" sz="2800" dirty="0">
-              <a:solidFill>
-                <a:schemeClr val="tx1"/>
-              </a:solidFill>
-            </a:endParaRPr>
-          </a:p>
-        </p:txBody>
-      </p:sp>
-      <p:sp>
-        <p:nvSpPr>
-          <p:cNvPr id="31" name="矩形 30">
-            <a:extLst>
-              <a:ext uri="{FF2B5EF4-FFF2-40B4-BE49-F238E27FC236}">
-                <a16:creationId xmlns:a16="http://schemas.microsoft.com/office/drawing/2014/main" id="{3279BC87-83EA-4888-9012-D5BAA832A8DF}"/>
-              </a:ext>
-            </a:extLst>
-          </p:cNvPr>
-          <p:cNvSpPr/>
-          <p:nvPr/>
-        </p:nvSpPr>
-        <p:spPr>
-          <a:xfrm>
-            <a:off x="661481" y="4190971"/>
-            <a:ext cx="2402732" cy="622571"/>
-          </a:xfrm>
-          <a:prstGeom prst="rect">
-            <a:avLst/>
-          </a:prstGeom>
-          <a:solidFill>
-            <a:schemeClr val="bg1"/>
-          </a:solidFill>
-          <a:ln w="28575">
-            <a:solidFill>
-              <a:schemeClr val="accent1">
-                <a:lumMod val="60000"/>
-                <a:lumOff val="40000"/>
-              </a:schemeClr>
-            </a:solidFill>
-          </a:ln>
-        </p:spPr>
-        <p:style>
-          <a:lnRef idx="2">
-            <a:schemeClr val="accent1">
-              <a:shade val="50000"/>
-            </a:schemeClr>
-          </a:lnRef>
-          <a:fillRef idx="1">
-            <a:schemeClr val="accent1"/>
-          </a:fillRef>
-          <a:effectRef idx="0">
-            <a:schemeClr val="accent1"/>
-          </a:effectRef>
-          <a:fontRef idx="minor">
-            <a:schemeClr val="lt1"/>
-          </a:fontRef>
-        </p:style>
-        <p:txBody>
-          <a:bodyPr rtlCol="0" anchor="ctr"/>
-          <a:lstStyle/>
-          <a:p>
-            <a:pPr algn="ctr"/>
-            <a:r>
-              <a:rPr lang="en-US" altLang="zh-CN" sz="2800" dirty="0" err="1">
-                <a:solidFill>
-                  <a:schemeClr val="tx1"/>
-                </a:solidFill>
-              </a:rPr>
-              <a:t>doloop</a:t>
-            </a:r>
-            <a:endParaRPr lang="en-US" altLang="zh-CN" sz="2800" dirty="0">
-              <a:solidFill>
-                <a:schemeClr val="tx1"/>
-              </a:solidFill>
-            </a:endParaRPr>
-          </a:p>
-        </p:txBody>
-      </p:sp>
-      <p:sp>
-        <p:nvSpPr>
-          <p:cNvPr id="33" name="矩形 32">
-            <a:extLst>
-              <a:ext uri="{FF2B5EF4-FFF2-40B4-BE49-F238E27FC236}">
-                <a16:creationId xmlns:a16="http://schemas.microsoft.com/office/drawing/2014/main" id="{1DB3B045-55D7-4649-B0BF-BB794F7C753E}"/>
-              </a:ext>
-            </a:extLst>
-          </p:cNvPr>
-          <p:cNvSpPr/>
-          <p:nvPr/>
-        </p:nvSpPr>
-        <p:spPr>
-          <a:xfrm>
-            <a:off x="661481" y="4991852"/>
-            <a:ext cx="2402732" cy="622571"/>
-          </a:xfrm>
-          <a:prstGeom prst="rect">
-            <a:avLst/>
-          </a:prstGeom>
-          <a:solidFill>
-            <a:schemeClr val="bg1"/>
-          </a:solidFill>
-          <a:ln w="28575">
-            <a:solidFill>
-              <a:schemeClr val="accent1">
-                <a:lumMod val="60000"/>
-                <a:lumOff val="40000"/>
-              </a:schemeClr>
-            </a:solidFill>
-          </a:ln>
-        </p:spPr>
-        <p:style>
-          <a:lnRef idx="2">
-            <a:schemeClr val="accent1">
-              <a:shade val="50000"/>
-            </a:schemeClr>
-          </a:lnRef>
-          <a:fillRef idx="1">
-            <a:schemeClr val="accent1"/>
-          </a:fillRef>
-          <a:effectRef idx="0">
-            <a:schemeClr val="accent1"/>
-          </a:effectRef>
-          <a:fontRef idx="minor">
-            <a:schemeClr val="lt1"/>
-          </a:fontRef>
-        </p:style>
-        <p:txBody>
-          <a:bodyPr rtlCol="0" anchor="ctr"/>
-          <a:lstStyle/>
-          <a:p>
-            <a:pPr algn="ctr"/>
-            <a:r>
               <a:rPr lang="en-US" altLang="zh-CN" sz="2800" dirty="0" err="1">
                 <a:solidFill>
                   <a:schemeClr val="tx1"/>
@@ -11400,10 +11227,10 @@
       </p:sp>
       <p:pic>
         <p:nvPicPr>
-          <p:cNvPr id="35" name="图片 34">
-            <a:extLst>
-              <a:ext uri="{FF2B5EF4-FFF2-40B4-BE49-F238E27FC236}">
-                <a16:creationId xmlns:a16="http://schemas.microsoft.com/office/drawing/2014/main" id="{2AEF9BF0-4093-490F-B8F7-0D6570B51DFB}"/>
+          <p:cNvPr id="37" name="图片 36">
+            <a:extLst>
+              <a:ext uri="{FF2B5EF4-FFF2-40B4-BE49-F238E27FC236}">
+                <a16:creationId xmlns:a16="http://schemas.microsoft.com/office/drawing/2014/main" id="{FBF8D69B-286F-4F5F-ABD9-7C0F4B9CDDE3}"/>
               </a:ext>
             </a:extLst>
           </p:cNvPr>
@@ -11420,8 +11247,8 @@
         </p:blipFill>
         <p:spPr>
           <a:xfrm>
-            <a:off x="4668364" y="2123060"/>
-            <a:ext cx="4913381" cy="566003"/>
+            <a:off x="525708" y="2585905"/>
+            <a:ext cx="4985467" cy="2017712"/>
           </a:xfrm>
           <a:prstGeom prst="rect">
             <a:avLst/>
@@ -11430,10 +11257,10 @@
       </p:pic>
       <p:pic>
         <p:nvPicPr>
-          <p:cNvPr id="37" name="图片 36">
-            <a:extLst>
-              <a:ext uri="{FF2B5EF4-FFF2-40B4-BE49-F238E27FC236}">
-                <a16:creationId xmlns:a16="http://schemas.microsoft.com/office/drawing/2014/main" id="{FBF8D69B-286F-4F5F-ABD9-7C0F4B9CDDE3}"/>
+          <p:cNvPr id="6" name="图片 5">
+            <a:extLst>
+              <a:ext uri="{FF2B5EF4-FFF2-40B4-BE49-F238E27FC236}">
+                <a16:creationId xmlns:a16="http://schemas.microsoft.com/office/drawing/2014/main" id="{9B48C6BF-C5E2-4CA9-BCFC-DDE9318638DC}"/>
               </a:ext>
             </a:extLst>
           </p:cNvPr>
@@ -11450,8 +11277,8 @@
         </p:blipFill>
         <p:spPr>
           <a:xfrm>
-            <a:off x="4668364" y="3208477"/>
-            <a:ext cx="6393470" cy="2587557"/>
+            <a:off x="5811862" y="1465664"/>
+            <a:ext cx="5443040" cy="4797110"/>
           </a:xfrm>
           <a:prstGeom prst="rect">
             <a:avLst/>
@@ -11460,316 +11287,10 @@
       </p:pic>
       <p:sp>
         <p:nvSpPr>
-          <p:cNvPr id="3" name="文本框 2">
-            <a:extLst>
-              <a:ext uri="{FF2B5EF4-FFF2-40B4-BE49-F238E27FC236}">
-                <a16:creationId xmlns:a16="http://schemas.microsoft.com/office/drawing/2014/main" id="{0C0087B0-2C08-4251-9B5C-EF8FE5E7B63D}"/>
-              </a:ext>
-            </a:extLst>
-          </p:cNvPr>
-          <p:cNvSpPr txBox="1"/>
-          <p:nvPr/>
-        </p:nvSpPr>
-        <p:spPr>
-          <a:xfrm>
-            <a:off x="8458200" y="6115393"/>
-            <a:ext cx="3733800" cy="400110"/>
-          </a:xfrm>
-          <a:prstGeom prst="rect">
-            <a:avLst/>
-          </a:prstGeom>
-          <a:noFill/>
-        </p:spPr>
-        <p:txBody>
-          <a:bodyPr wrap="square" rtlCol="0">
-            <a:spAutoFit/>
-          </a:bodyPr>
-          <a:lstStyle/>
-          <a:p>
-            <a:r>
-              <a:rPr lang="en-US" altLang="zh-CN" sz="2000" b="0" i="0" dirty="0">
-                <a:solidFill>
-                  <a:srgbClr val="121212"/>
-                </a:solidFill>
-                <a:effectLst/>
-                <a:latin typeface="-apple-system"/>
-              </a:rPr>
-              <a:t>IR</a:t>
-            </a:r>
-            <a:r>
-              <a:rPr lang="zh-CN" altLang="en-US" sz="2000" b="0" i="0" dirty="0">
-                <a:solidFill>
-                  <a:srgbClr val="121212"/>
-                </a:solidFill>
-                <a:effectLst/>
-                <a:latin typeface="-apple-system"/>
-              </a:rPr>
-              <a:t>其他其他类型的控制流语句</a:t>
-            </a:r>
-            <a:endParaRPr lang="zh-CN" altLang="en-US" sz="2000" dirty="0"/>
-          </a:p>
-        </p:txBody>
-      </p:sp>
-      <p:cxnSp>
-        <p:nvCxnSpPr>
-          <p:cNvPr id="5" name="直接箭头连接符 4">
-            <a:extLst>
-              <a:ext uri="{FF2B5EF4-FFF2-40B4-BE49-F238E27FC236}">
-                <a16:creationId xmlns:a16="http://schemas.microsoft.com/office/drawing/2014/main" id="{3EB9F11F-3F9B-47A9-9017-C92736CC263E}"/>
-              </a:ext>
-            </a:extLst>
-          </p:cNvPr>
-          <p:cNvCxnSpPr>
-            <a:stCxn id="11" idx="3"/>
-            <a:endCxn id="35" idx="1"/>
-          </p:cNvCxnSpPr>
-          <p:nvPr/>
-        </p:nvCxnSpPr>
-        <p:spPr>
-          <a:xfrm>
-            <a:off x="3064213" y="2101175"/>
-            <a:ext cx="1604151" cy="304887"/>
-          </a:xfrm>
-          <a:prstGeom prst="straightConnector1">
-            <a:avLst/>
-          </a:prstGeom>
-          <a:ln>
-            <a:tailEnd type="triangle"/>
-          </a:ln>
-        </p:spPr>
-        <p:style>
-          <a:lnRef idx="1">
-            <a:schemeClr val="accent1"/>
-          </a:lnRef>
-          <a:fillRef idx="0">
-            <a:schemeClr val="accent1"/>
-          </a:fillRef>
-          <a:effectRef idx="0">
-            <a:schemeClr val="accent1"/>
-          </a:effectRef>
-          <a:fontRef idx="minor">
-            <a:schemeClr val="tx1"/>
-          </a:fontRef>
-        </p:style>
-      </p:cxnSp>
-      <p:cxnSp>
-        <p:nvCxnSpPr>
-          <p:cNvPr id="14" name="直接箭头连接符 13">
-            <a:extLst>
-              <a:ext uri="{FF2B5EF4-FFF2-40B4-BE49-F238E27FC236}">
-                <a16:creationId xmlns:a16="http://schemas.microsoft.com/office/drawing/2014/main" id="{B9D9262F-B72C-467E-88D0-433E7B3919F6}"/>
-              </a:ext>
-            </a:extLst>
-          </p:cNvPr>
-          <p:cNvCxnSpPr>
-            <a:cxnSpLocks/>
-            <a:stCxn id="27" idx="3"/>
-            <a:endCxn id="35" idx="1"/>
-          </p:cNvCxnSpPr>
-          <p:nvPr/>
-        </p:nvCxnSpPr>
-        <p:spPr>
-          <a:xfrm flipV="1">
-            <a:off x="3064213" y="2406062"/>
-            <a:ext cx="1604151" cy="495994"/>
-          </a:xfrm>
-          <a:prstGeom prst="straightConnector1">
-            <a:avLst/>
-          </a:prstGeom>
-          <a:ln>
-            <a:tailEnd type="triangle"/>
-          </a:ln>
-        </p:spPr>
-        <p:style>
-          <a:lnRef idx="1">
-            <a:schemeClr val="accent1"/>
-          </a:lnRef>
-          <a:fillRef idx="0">
-            <a:schemeClr val="accent1"/>
-          </a:fillRef>
-          <a:effectRef idx="0">
-            <a:schemeClr val="accent1"/>
-          </a:effectRef>
-          <a:fontRef idx="minor">
-            <a:schemeClr val="tx1"/>
-          </a:fontRef>
-        </p:style>
-      </p:cxnSp>
-      <p:cxnSp>
-        <p:nvCxnSpPr>
-          <p:cNvPr id="17" name="直接箭头连接符 16">
-            <a:extLst>
-              <a:ext uri="{FF2B5EF4-FFF2-40B4-BE49-F238E27FC236}">
-                <a16:creationId xmlns:a16="http://schemas.microsoft.com/office/drawing/2014/main" id="{E0DEC5D1-94B3-48F7-8AE5-64E7965F3CA2}"/>
-              </a:ext>
-            </a:extLst>
-          </p:cNvPr>
-          <p:cNvCxnSpPr>
-            <a:cxnSpLocks/>
-            <a:stCxn id="29" idx="3"/>
-            <a:endCxn id="35" idx="1"/>
-          </p:cNvCxnSpPr>
-          <p:nvPr/>
-        </p:nvCxnSpPr>
-        <p:spPr>
-          <a:xfrm flipV="1">
-            <a:off x="3064213" y="2406062"/>
-            <a:ext cx="1604151" cy="1295314"/>
-          </a:xfrm>
-          <a:prstGeom prst="straightConnector1">
-            <a:avLst/>
-          </a:prstGeom>
-          <a:ln>
-            <a:tailEnd type="triangle"/>
-          </a:ln>
-        </p:spPr>
-        <p:style>
-          <a:lnRef idx="1">
-            <a:schemeClr val="accent1"/>
-          </a:lnRef>
-          <a:fillRef idx="0">
-            <a:schemeClr val="accent1"/>
-          </a:fillRef>
-          <a:effectRef idx="0">
-            <a:schemeClr val="accent1"/>
-          </a:effectRef>
-          <a:fontRef idx="minor">
-            <a:schemeClr val="tx1"/>
-          </a:fontRef>
-        </p:style>
-      </p:cxnSp>
-      <p:cxnSp>
-        <p:nvCxnSpPr>
-          <p:cNvPr id="21" name="直接箭头连接符 20">
-            <a:extLst>
-              <a:ext uri="{FF2B5EF4-FFF2-40B4-BE49-F238E27FC236}">
-                <a16:creationId xmlns:a16="http://schemas.microsoft.com/office/drawing/2014/main" id="{4536B8C6-D846-4933-BB4F-33FA6ACAB10F}"/>
-              </a:ext>
-            </a:extLst>
-          </p:cNvPr>
-          <p:cNvCxnSpPr>
-            <a:cxnSpLocks/>
-            <a:stCxn id="31" idx="3"/>
-            <a:endCxn id="35" idx="1"/>
-          </p:cNvCxnSpPr>
-          <p:nvPr/>
-        </p:nvCxnSpPr>
-        <p:spPr>
-          <a:xfrm flipV="1">
-            <a:off x="3064213" y="2406062"/>
-            <a:ext cx="1604151" cy="2096195"/>
-          </a:xfrm>
-          <a:prstGeom prst="straightConnector1">
-            <a:avLst/>
-          </a:prstGeom>
-          <a:ln>
-            <a:tailEnd type="triangle"/>
-          </a:ln>
-        </p:spPr>
-        <p:style>
-          <a:lnRef idx="1">
-            <a:schemeClr val="accent1"/>
-          </a:lnRef>
-          <a:fillRef idx="0">
-            <a:schemeClr val="accent1"/>
-          </a:fillRef>
-          <a:effectRef idx="0">
-            <a:schemeClr val="accent1"/>
-          </a:effectRef>
-          <a:fontRef idx="minor">
-            <a:schemeClr val="tx1"/>
-          </a:fontRef>
-        </p:style>
-      </p:cxnSp>
-      <p:cxnSp>
-        <p:nvCxnSpPr>
-          <p:cNvPr id="24" name="直接箭头连接符 23">
-            <a:extLst>
-              <a:ext uri="{FF2B5EF4-FFF2-40B4-BE49-F238E27FC236}">
-                <a16:creationId xmlns:a16="http://schemas.microsoft.com/office/drawing/2014/main" id="{1223BB62-3D3A-4ACC-9916-3B16E680E41E}"/>
-              </a:ext>
-            </a:extLst>
-          </p:cNvPr>
-          <p:cNvCxnSpPr>
-            <a:cxnSpLocks/>
-            <a:stCxn id="33" idx="3"/>
-            <a:endCxn id="37" idx="1"/>
-          </p:cNvCxnSpPr>
-          <p:nvPr/>
-        </p:nvCxnSpPr>
-        <p:spPr>
-          <a:xfrm flipV="1">
-            <a:off x="3064213" y="4502256"/>
-            <a:ext cx="1604151" cy="800882"/>
-          </a:xfrm>
-          <a:prstGeom prst="straightConnector1">
-            <a:avLst/>
-          </a:prstGeom>
-          <a:ln>
-            <a:tailEnd type="triangle"/>
-          </a:ln>
-        </p:spPr>
-        <p:style>
-          <a:lnRef idx="1">
-            <a:schemeClr val="accent1"/>
-          </a:lnRef>
-          <a:fillRef idx="0">
-            <a:schemeClr val="accent1"/>
-          </a:fillRef>
-          <a:effectRef idx="0">
-            <a:schemeClr val="accent1"/>
-          </a:effectRef>
-          <a:fontRef idx="minor">
-            <a:schemeClr val="tx1"/>
-          </a:fontRef>
-        </p:style>
-      </p:cxnSp>
-      <p:sp>
-        <p:nvSpPr>
-          <p:cNvPr id="28" name="文本框 27">
-            <a:extLst>
-              <a:ext uri="{FF2B5EF4-FFF2-40B4-BE49-F238E27FC236}">
-                <a16:creationId xmlns:a16="http://schemas.microsoft.com/office/drawing/2014/main" id="{1405E66A-B215-4642-AA2C-81E4BF232B6B}"/>
-              </a:ext>
-            </a:extLst>
-          </p:cNvPr>
-          <p:cNvSpPr txBox="1"/>
-          <p:nvPr/>
-        </p:nvSpPr>
-        <p:spPr>
-          <a:xfrm>
-            <a:off x="1268487" y="1839564"/>
-            <a:ext cx="1188720" cy="523220"/>
-          </a:xfrm>
-          <a:prstGeom prst="rect">
-            <a:avLst/>
-          </a:prstGeom>
-          <a:noFill/>
-        </p:spPr>
-        <p:txBody>
-          <a:bodyPr wrap="square">
-            <a:spAutoFit/>
-          </a:bodyPr>
-          <a:lstStyle/>
-          <a:p>
-            <a:pPr algn="ctr"/>
-            <a:r>
-              <a:rPr lang="en-US" altLang="zh-CN" sz="2800" dirty="0">
-                <a:solidFill>
-                  <a:schemeClr val="tx1"/>
-                </a:solidFill>
-              </a:rPr>
-              <a:t>if</a:t>
-            </a:r>
-          </a:p>
-        </p:txBody>
-      </p:sp>
-      <p:sp>
-        <p:nvSpPr>
-          <p:cNvPr id="18" name="矩形 17">
-            <a:extLst>
-              <a:ext uri="{FF2B5EF4-FFF2-40B4-BE49-F238E27FC236}">
-                <a16:creationId xmlns:a16="http://schemas.microsoft.com/office/drawing/2014/main" id="{ADDAD20C-918E-438A-832F-6CB7CE38A7BA}"/>
+          <p:cNvPr id="7" name="矩形 6">
+            <a:extLst>
+              <a:ext uri="{FF2B5EF4-FFF2-40B4-BE49-F238E27FC236}">
+                <a16:creationId xmlns:a16="http://schemas.microsoft.com/office/drawing/2014/main" id="{BFEC728A-9DD5-46C5-A99E-EBA107568E01}"/>
               </a:ext>
             </a:extLst>
           </p:cNvPr>
@@ -11778,8 +11299,8 @@
         </p:nvSpPr>
         <p:spPr>
           <a:xfrm>
-            <a:off x="7278446" y="4502255"/>
-            <a:ext cx="2109394" cy="371259"/>
+            <a:off x="2597700" y="3647873"/>
+            <a:ext cx="2548231" cy="282102"/>
           </a:xfrm>
           <a:prstGeom prst="rect">
             <a:avLst/>
@@ -11820,10 +11341,66 @@
           </a:p>
         </p:txBody>
       </p:sp>
+      <p:sp>
+        <p:nvSpPr>
+          <p:cNvPr id="8" name="矩形 7">
+            <a:extLst>
+              <a:ext uri="{FF2B5EF4-FFF2-40B4-BE49-F238E27FC236}">
+                <a16:creationId xmlns:a16="http://schemas.microsoft.com/office/drawing/2014/main" id="{F4A598B3-B052-4A55-A282-D316CD8D203B}"/>
+              </a:ext>
+            </a:extLst>
+          </p:cNvPr>
+          <p:cNvSpPr/>
+          <p:nvPr/>
+        </p:nvSpPr>
+        <p:spPr>
+          <a:xfrm>
+            <a:off x="7652841" y="1465664"/>
+            <a:ext cx="1656529" cy="266379"/>
+          </a:xfrm>
+          <a:prstGeom prst="rect">
+            <a:avLst/>
+          </a:prstGeom>
+          <a:solidFill>
+            <a:schemeClr val="accent2">
+              <a:lumMod val="60000"/>
+              <a:lumOff val="40000"/>
+              <a:alpha val="41000"/>
+            </a:schemeClr>
+          </a:solidFill>
+          <a:ln>
+            <a:noFill/>
+          </a:ln>
+        </p:spPr>
+        <p:style>
+          <a:lnRef idx="2">
+            <a:schemeClr val="accent1">
+              <a:shade val="50000"/>
+            </a:schemeClr>
+          </a:lnRef>
+          <a:fillRef idx="1">
+            <a:schemeClr val="accent1"/>
+          </a:fillRef>
+          <a:effectRef idx="0">
+            <a:schemeClr val="accent1"/>
+          </a:effectRef>
+          <a:fontRef idx="minor">
+            <a:schemeClr val="lt1"/>
+          </a:fontRef>
+        </p:style>
+        <p:txBody>
+          <a:bodyPr rtlCol="0" anchor="ctr"/>
+          <a:lstStyle/>
+          <a:p>
+            <a:pPr algn="ctr"/>
+            <a:endParaRPr lang="zh-CN" altLang="en-US"/>
+          </a:p>
+        </p:txBody>
+      </p:sp>
     </p:spTree>
     <p:extLst>
       <p:ext uri="{BB962C8B-B14F-4D97-AF65-F5344CB8AC3E}">
-        <p14:creationId xmlns:p14="http://schemas.microsoft.com/office/powerpoint/2010/main" val="805827801"/>
+        <p14:creationId xmlns:p14="http://schemas.microsoft.com/office/powerpoint/2010/main" val="4081796736"/>
       </p:ext>
     </p:extLst>
   </p:cSld>
@@ -11901,81 +11478,12 @@
           </a:p>
         </p:txBody>
       </p:sp>
-      <p:sp>
-        <p:nvSpPr>
-          <p:cNvPr id="33" name="矩形 32">
-            <a:extLst>
-              <a:ext uri="{FF2B5EF4-FFF2-40B4-BE49-F238E27FC236}">
-                <a16:creationId xmlns:a16="http://schemas.microsoft.com/office/drawing/2014/main" id="{1DB3B045-55D7-4649-B0BF-BB794F7C753E}"/>
-              </a:ext>
-            </a:extLst>
-          </p:cNvPr>
-          <p:cNvSpPr/>
-          <p:nvPr/>
-        </p:nvSpPr>
-        <p:spPr>
-          <a:xfrm>
-            <a:off x="749030" y="1631813"/>
-            <a:ext cx="2402732" cy="622571"/>
-          </a:xfrm>
-          <a:prstGeom prst="rect">
-            <a:avLst/>
-          </a:prstGeom>
-          <a:solidFill>
-            <a:schemeClr val="bg1"/>
-          </a:solidFill>
-          <a:ln w="28575">
-            <a:solidFill>
-              <a:schemeClr val="accent1">
-                <a:lumMod val="60000"/>
-                <a:lumOff val="40000"/>
-              </a:schemeClr>
-            </a:solidFill>
-          </a:ln>
-        </p:spPr>
-        <p:style>
-          <a:lnRef idx="2">
-            <a:schemeClr val="accent1">
-              <a:shade val="50000"/>
-            </a:schemeClr>
-          </a:lnRef>
-          <a:fillRef idx="1">
-            <a:schemeClr val="accent1"/>
-          </a:fillRef>
-          <a:effectRef idx="0">
-            <a:schemeClr val="accent1"/>
-          </a:effectRef>
-          <a:fontRef idx="minor">
-            <a:schemeClr val="lt1"/>
-          </a:fontRef>
-        </p:style>
-        <p:txBody>
-          <a:bodyPr rtlCol="0" anchor="ctr"/>
-          <a:lstStyle/>
-          <a:p>
-            <a:pPr algn="ctr"/>
-            <a:r>
-              <a:rPr lang="en-US" altLang="zh-CN" sz="2800" dirty="0" err="1">
-                <a:solidFill>
-                  <a:schemeClr val="tx1"/>
-                </a:solidFill>
-              </a:rPr>
-              <a:t>foreachelem</a:t>
-            </a:r>
-            <a:endParaRPr lang="en-US" altLang="zh-CN" sz="2800" dirty="0">
-              <a:solidFill>
-                <a:schemeClr val="tx1"/>
-              </a:solidFill>
-            </a:endParaRPr>
-          </a:p>
-        </p:txBody>
-      </p:sp>
       <p:pic>
         <p:nvPicPr>
-          <p:cNvPr id="37" name="图片 36">
-            <a:extLst>
-              <a:ext uri="{FF2B5EF4-FFF2-40B4-BE49-F238E27FC236}">
-                <a16:creationId xmlns:a16="http://schemas.microsoft.com/office/drawing/2014/main" id="{FBF8D69B-286F-4F5F-ABD9-7C0F4B9CDDE3}"/>
+          <p:cNvPr id="6" name="图片 5">
+            <a:extLst>
+              <a:ext uri="{FF2B5EF4-FFF2-40B4-BE49-F238E27FC236}">
+                <a16:creationId xmlns:a16="http://schemas.microsoft.com/office/drawing/2014/main" id="{9B48C6BF-C5E2-4CA9-BCFC-DDE9318638DC}"/>
               </a:ext>
             </a:extLst>
           </p:cNvPr>
@@ -11992,50 +11500,20 @@
         </p:blipFill>
         <p:spPr>
           <a:xfrm>
-            <a:off x="525708" y="2585905"/>
-            <a:ext cx="4985467" cy="2017712"/>
+            <a:off x="695096" y="1465664"/>
+            <a:ext cx="5443040" cy="4797110"/>
           </a:xfrm>
           <a:prstGeom prst="rect">
             <a:avLst/>
           </a:prstGeom>
         </p:spPr>
       </p:pic>
-      <p:pic>
-        <p:nvPicPr>
-          <p:cNvPr id="6" name="图片 5">
-            <a:extLst>
-              <a:ext uri="{FF2B5EF4-FFF2-40B4-BE49-F238E27FC236}">
-                <a16:creationId xmlns:a16="http://schemas.microsoft.com/office/drawing/2014/main" id="{9B48C6BF-C5E2-4CA9-BCFC-DDE9318638DC}"/>
-              </a:ext>
-            </a:extLst>
-          </p:cNvPr>
-          <p:cNvPicPr>
-            <a:picLocks noChangeAspect="1"/>
-          </p:cNvPicPr>
-          <p:nvPr/>
-        </p:nvPicPr>
-        <p:blipFill>
-          <a:blip r:embed="rId4"/>
-          <a:stretch>
-            <a:fillRect/>
-          </a:stretch>
-        </p:blipFill>
-        <p:spPr>
-          <a:xfrm>
-            <a:off x="5811862" y="1465664"/>
-            <a:ext cx="5443040" cy="4797110"/>
-          </a:xfrm>
-          <a:prstGeom prst="rect">
-            <a:avLst/>
-          </a:prstGeom>
-        </p:spPr>
-      </p:pic>
-      <p:sp>
-        <p:nvSpPr>
-          <p:cNvPr id="7" name="矩形 6">
-            <a:extLst>
-              <a:ext uri="{FF2B5EF4-FFF2-40B4-BE49-F238E27FC236}">
-                <a16:creationId xmlns:a16="http://schemas.microsoft.com/office/drawing/2014/main" id="{BFEC728A-9DD5-46C5-A99E-EBA107568E01}"/>
+      <p:sp>
+        <p:nvSpPr>
+          <p:cNvPr id="8" name="矩形 7">
+            <a:extLst>
+              <a:ext uri="{FF2B5EF4-FFF2-40B4-BE49-F238E27FC236}">
+                <a16:creationId xmlns:a16="http://schemas.microsoft.com/office/drawing/2014/main" id="{F4A598B3-B052-4A55-A282-D316CD8D203B}"/>
               </a:ext>
             </a:extLst>
           </p:cNvPr>
@@ -12044,8 +11522,8 @@
         </p:nvSpPr>
         <p:spPr>
           <a:xfrm>
-            <a:off x="2597700" y="3647873"/>
-            <a:ext cx="2548231" cy="282102"/>
+            <a:off x="2536075" y="1465664"/>
+            <a:ext cx="1656529" cy="266379"/>
           </a:xfrm>
           <a:prstGeom prst="rect">
             <a:avLst/>
@@ -12086,66 +11564,150 @@
           </a:p>
         </p:txBody>
       </p:sp>
-      <p:sp>
-        <p:nvSpPr>
-          <p:cNvPr id="8" name="矩形 7">
-            <a:extLst>
-              <a:ext uri="{FF2B5EF4-FFF2-40B4-BE49-F238E27FC236}">
-                <a16:creationId xmlns:a16="http://schemas.microsoft.com/office/drawing/2014/main" id="{F4A598B3-B052-4A55-A282-D316CD8D203B}"/>
-              </a:ext>
-            </a:extLst>
-          </p:cNvPr>
-          <p:cNvSpPr/>
+      <p:pic>
+        <p:nvPicPr>
+          <p:cNvPr id="4" name="图片 3">
+            <a:extLst>
+              <a:ext uri="{FF2B5EF4-FFF2-40B4-BE49-F238E27FC236}">
+                <a16:creationId xmlns:a16="http://schemas.microsoft.com/office/drawing/2014/main" id="{791931FE-24F2-45B3-8F7A-E3D18AB07F24}"/>
+              </a:ext>
+            </a:extLst>
+          </p:cNvPr>
+          <p:cNvPicPr>
+            <a:picLocks noChangeAspect="1"/>
+          </p:cNvPicPr>
           <p:nvPr/>
-        </p:nvSpPr>
-        <p:spPr>
-          <a:xfrm>
-            <a:off x="7652841" y="1465664"/>
-            <a:ext cx="1656529" cy="266379"/>
+        </p:nvPicPr>
+        <p:blipFill>
+          <a:blip r:embed="rId4"/>
+          <a:stretch>
+            <a:fillRect/>
+          </a:stretch>
+        </p:blipFill>
+        <p:spPr>
+          <a:xfrm>
+            <a:off x="7524547" y="1870446"/>
+            <a:ext cx="3524250" cy="1171575"/>
           </a:xfrm>
           <a:prstGeom prst="rect">
             <a:avLst/>
           </a:prstGeom>
-          <a:solidFill>
-            <a:schemeClr val="accent2">
-              <a:lumMod val="60000"/>
-              <a:lumOff val="40000"/>
-              <a:alpha val="41000"/>
-            </a:schemeClr>
-          </a:solidFill>
-          <a:ln>
-            <a:noFill/>
+        </p:spPr>
+      </p:pic>
+      <p:pic>
+        <p:nvPicPr>
+          <p:cNvPr id="11" name="图片 10">
+            <a:extLst>
+              <a:ext uri="{FF2B5EF4-FFF2-40B4-BE49-F238E27FC236}">
+                <a16:creationId xmlns:a16="http://schemas.microsoft.com/office/drawing/2014/main" id="{916A50EA-9481-4879-81A6-EA1D1AB96DA2}"/>
+              </a:ext>
+            </a:extLst>
+          </p:cNvPr>
+          <p:cNvPicPr>
+            <a:picLocks noChangeAspect="1"/>
+          </p:cNvPicPr>
+          <p:nvPr/>
+        </p:nvPicPr>
+        <p:blipFill>
+          <a:blip r:embed="rId5"/>
+          <a:stretch>
+            <a:fillRect/>
+          </a:stretch>
+        </p:blipFill>
+        <p:spPr>
+          <a:xfrm>
+            <a:off x="7524547" y="4162020"/>
+            <a:ext cx="4305300" cy="1238250"/>
+          </a:xfrm>
+          <a:prstGeom prst="rect">
+            <a:avLst/>
+          </a:prstGeom>
+        </p:spPr>
+      </p:pic>
+      <p:cxnSp>
+        <p:nvCxnSpPr>
+          <p:cNvPr id="13" name="直接箭头连接符 12">
+            <a:extLst>
+              <a:ext uri="{FF2B5EF4-FFF2-40B4-BE49-F238E27FC236}">
+                <a16:creationId xmlns:a16="http://schemas.microsoft.com/office/drawing/2014/main" id="{821DE16F-C88B-4B05-817E-9B3A52B18D7F}"/>
+              </a:ext>
+            </a:extLst>
+          </p:cNvPr>
+          <p:cNvCxnSpPr/>
+          <p:nvPr/>
+        </p:nvCxnSpPr>
+        <p:spPr>
+          <a:xfrm flipV="1">
+            <a:off x="6371617" y="2675106"/>
+            <a:ext cx="972766" cy="2315183"/>
+          </a:xfrm>
+          <a:prstGeom prst="straightConnector1">
+            <a:avLst/>
+          </a:prstGeom>
+          <a:ln w="19050">
+            <a:tailEnd type="triangle"/>
           </a:ln>
         </p:spPr>
         <p:style>
-          <a:lnRef idx="2">
-            <a:schemeClr val="accent1">
-              <a:shade val="50000"/>
-            </a:schemeClr>
+          <a:lnRef idx="1">
+            <a:schemeClr val="accent1"/>
           </a:lnRef>
-          <a:fillRef idx="1">
+          <a:fillRef idx="0">
             <a:schemeClr val="accent1"/>
           </a:fillRef>
           <a:effectRef idx="0">
             <a:schemeClr val="accent1"/>
           </a:effectRef>
           <a:fontRef idx="minor">
-            <a:schemeClr val="lt1"/>
+            <a:schemeClr val="tx1"/>
           </a:fontRef>
         </p:style>
-        <p:txBody>
-          <a:bodyPr rtlCol="0" anchor="ctr"/>
-          <a:lstStyle/>
-          <a:p>
-            <a:pPr algn="ctr"/>
-            <a:endParaRPr lang="zh-CN" altLang="en-US"/>
-          </a:p>
-        </p:txBody>
-      </p:sp>
+      </p:cxnSp>
+      <p:cxnSp>
+        <p:nvCxnSpPr>
+          <p:cNvPr id="16" name="直接箭头连接符 15">
+            <a:extLst>
+              <a:ext uri="{FF2B5EF4-FFF2-40B4-BE49-F238E27FC236}">
+                <a16:creationId xmlns:a16="http://schemas.microsoft.com/office/drawing/2014/main" id="{8E45C2DD-C565-4C9F-B3C7-1119821595A3}"/>
+              </a:ext>
+            </a:extLst>
+          </p:cNvPr>
+          <p:cNvCxnSpPr>
+            <a:cxnSpLocks/>
+          </p:cNvCxnSpPr>
+          <p:nvPr/>
+        </p:nvCxnSpPr>
+        <p:spPr>
+          <a:xfrm flipH="1">
+            <a:off x="9409889" y="3192420"/>
+            <a:ext cx="1" cy="819201"/>
+          </a:xfrm>
+          <a:prstGeom prst="straightConnector1">
+            <a:avLst/>
+          </a:prstGeom>
+          <a:ln w="19050">
+            <a:tailEnd type="triangle"/>
+          </a:ln>
+        </p:spPr>
+        <p:style>
+          <a:lnRef idx="1">
+            <a:schemeClr val="accent1"/>
+          </a:lnRef>
+          <a:fillRef idx="0">
+            <a:schemeClr val="accent1"/>
+          </a:fillRef>
+          <a:effectRef idx="0">
+            <a:schemeClr val="accent1"/>
+          </a:effectRef>
+          <a:fontRef idx="minor">
+            <a:schemeClr val="tx1"/>
+          </a:fontRef>
+        </p:style>
+      </p:cxnSp>
     </p:spTree>
     <p:extLst>
       <p:ext uri="{BB962C8B-B14F-4D97-AF65-F5344CB8AC3E}">
-        <p14:creationId xmlns:p14="http://schemas.microsoft.com/office/powerpoint/2010/main" val="4081796736"/>
+        <p14:creationId xmlns:p14="http://schemas.microsoft.com/office/powerpoint/2010/main" val="1747350922"/>
       </p:ext>
     </p:extLst>
   </p:cSld>
@@ -12202,257 +11764,27 @@
         </p:nvSpPr>
         <p:spPr>
           <a:xfrm>
-            <a:off x="525708" y="518020"/>
-            <a:ext cx="6616791" cy="782273"/>
+            <a:off x="4731390" y="2397783"/>
+            <a:ext cx="2729219" cy="782273"/>
           </a:xfrm>
         </p:spPr>
         <p:txBody>
           <a:bodyPr>
-            <a:normAutofit fontScale="90000"/>
+            <a:normAutofit/>
           </a:bodyPr>
           <a:lstStyle/>
           <a:p>
             <a:r>
-              <a:rPr lang="en-US" altLang="zh-CN" sz="4000" dirty="0"/>
-              <a:t>MAPLE IR</a:t>
-            </a:r>
-            <a:r>
               <a:rPr lang="zh-CN" altLang="en-US" sz="4000" dirty="0"/>
-              <a:t>中的拓展数组管理语句</a:t>
-            </a:r>
-          </a:p>
-        </p:txBody>
-      </p:sp>
-      <p:pic>
-        <p:nvPicPr>
-          <p:cNvPr id="6" name="图片 5">
-            <a:extLst>
-              <a:ext uri="{FF2B5EF4-FFF2-40B4-BE49-F238E27FC236}">
-                <a16:creationId xmlns:a16="http://schemas.microsoft.com/office/drawing/2014/main" id="{9B48C6BF-C5E2-4CA9-BCFC-DDE9318638DC}"/>
-              </a:ext>
-            </a:extLst>
-          </p:cNvPr>
-          <p:cNvPicPr>
-            <a:picLocks noChangeAspect="1"/>
-          </p:cNvPicPr>
-          <p:nvPr/>
-        </p:nvPicPr>
-        <p:blipFill>
-          <a:blip r:embed="rId3"/>
-          <a:stretch>
-            <a:fillRect/>
-          </a:stretch>
-        </p:blipFill>
-        <p:spPr>
-          <a:xfrm>
-            <a:off x="695096" y="1465664"/>
-            <a:ext cx="5443040" cy="4797110"/>
-          </a:xfrm>
-          <a:prstGeom prst="rect">
-            <a:avLst/>
-          </a:prstGeom>
-        </p:spPr>
-      </p:pic>
-      <p:sp>
-        <p:nvSpPr>
-          <p:cNvPr id="8" name="矩形 7">
-            <a:extLst>
-              <a:ext uri="{FF2B5EF4-FFF2-40B4-BE49-F238E27FC236}">
-                <a16:creationId xmlns:a16="http://schemas.microsoft.com/office/drawing/2014/main" id="{F4A598B3-B052-4A55-A282-D316CD8D203B}"/>
-              </a:ext>
-            </a:extLst>
-          </p:cNvPr>
-          <p:cNvSpPr/>
-          <p:nvPr/>
-        </p:nvSpPr>
-        <p:spPr>
-          <a:xfrm>
-            <a:off x="2536075" y="1465664"/>
-            <a:ext cx="1656529" cy="266379"/>
-          </a:xfrm>
-          <a:prstGeom prst="rect">
-            <a:avLst/>
-          </a:prstGeom>
-          <a:solidFill>
-            <a:schemeClr val="accent2">
-              <a:lumMod val="60000"/>
-              <a:lumOff val="40000"/>
-              <a:alpha val="41000"/>
-            </a:schemeClr>
-          </a:solidFill>
-          <a:ln>
-            <a:noFill/>
-          </a:ln>
-        </p:spPr>
-        <p:style>
-          <a:lnRef idx="2">
-            <a:schemeClr val="accent1">
-              <a:shade val="50000"/>
-            </a:schemeClr>
-          </a:lnRef>
-          <a:fillRef idx="1">
-            <a:schemeClr val="accent1"/>
-          </a:fillRef>
-          <a:effectRef idx="0">
-            <a:schemeClr val="accent1"/>
-          </a:effectRef>
-          <a:fontRef idx="minor">
-            <a:schemeClr val="lt1"/>
-          </a:fontRef>
-        </p:style>
-        <p:txBody>
-          <a:bodyPr rtlCol="0" anchor="ctr"/>
-          <a:lstStyle/>
-          <a:p>
-            <a:pPr algn="ctr"/>
-            <a:endParaRPr lang="zh-CN" altLang="en-US"/>
-          </a:p>
-        </p:txBody>
-      </p:sp>
-      <p:pic>
-        <p:nvPicPr>
-          <p:cNvPr id="4" name="图片 3">
-            <a:extLst>
-              <a:ext uri="{FF2B5EF4-FFF2-40B4-BE49-F238E27FC236}">
-                <a16:creationId xmlns:a16="http://schemas.microsoft.com/office/drawing/2014/main" id="{791931FE-24F2-45B3-8F7A-E3D18AB07F24}"/>
-              </a:ext>
-            </a:extLst>
-          </p:cNvPr>
-          <p:cNvPicPr>
-            <a:picLocks noChangeAspect="1"/>
-          </p:cNvPicPr>
-          <p:nvPr/>
-        </p:nvPicPr>
-        <p:blipFill>
-          <a:blip r:embed="rId4"/>
-          <a:stretch>
-            <a:fillRect/>
-          </a:stretch>
-        </p:blipFill>
-        <p:spPr>
-          <a:xfrm>
-            <a:off x="7524547" y="1870446"/>
-            <a:ext cx="3524250" cy="1171575"/>
-          </a:xfrm>
-          <a:prstGeom prst="rect">
-            <a:avLst/>
-          </a:prstGeom>
-        </p:spPr>
-      </p:pic>
-      <p:pic>
-        <p:nvPicPr>
-          <p:cNvPr id="11" name="图片 10">
-            <a:extLst>
-              <a:ext uri="{FF2B5EF4-FFF2-40B4-BE49-F238E27FC236}">
-                <a16:creationId xmlns:a16="http://schemas.microsoft.com/office/drawing/2014/main" id="{916A50EA-9481-4879-81A6-EA1D1AB96DA2}"/>
-              </a:ext>
-            </a:extLst>
-          </p:cNvPr>
-          <p:cNvPicPr>
-            <a:picLocks noChangeAspect="1"/>
-          </p:cNvPicPr>
-          <p:nvPr/>
-        </p:nvPicPr>
-        <p:blipFill>
-          <a:blip r:embed="rId5"/>
-          <a:stretch>
-            <a:fillRect/>
-          </a:stretch>
-        </p:blipFill>
-        <p:spPr>
-          <a:xfrm>
-            <a:off x="7524547" y="4162020"/>
-            <a:ext cx="4305300" cy="1238250"/>
-          </a:xfrm>
-          <a:prstGeom prst="rect">
-            <a:avLst/>
-          </a:prstGeom>
-        </p:spPr>
-      </p:pic>
-      <p:cxnSp>
-        <p:nvCxnSpPr>
-          <p:cNvPr id="13" name="直接箭头连接符 12">
-            <a:extLst>
-              <a:ext uri="{FF2B5EF4-FFF2-40B4-BE49-F238E27FC236}">
-                <a16:creationId xmlns:a16="http://schemas.microsoft.com/office/drawing/2014/main" id="{821DE16F-C88B-4B05-817E-9B3A52B18D7F}"/>
-              </a:ext>
-            </a:extLst>
-          </p:cNvPr>
-          <p:cNvCxnSpPr/>
-          <p:nvPr/>
-        </p:nvCxnSpPr>
-        <p:spPr>
-          <a:xfrm flipV="1">
-            <a:off x="6371617" y="2675106"/>
-            <a:ext cx="972766" cy="2315183"/>
-          </a:xfrm>
-          <a:prstGeom prst="straightConnector1">
-            <a:avLst/>
-          </a:prstGeom>
-          <a:ln w="19050">
-            <a:tailEnd type="triangle"/>
-          </a:ln>
-        </p:spPr>
-        <p:style>
-          <a:lnRef idx="1">
-            <a:schemeClr val="accent1"/>
-          </a:lnRef>
-          <a:fillRef idx="0">
-            <a:schemeClr val="accent1"/>
-          </a:fillRef>
-          <a:effectRef idx="0">
-            <a:schemeClr val="accent1"/>
-          </a:effectRef>
-          <a:fontRef idx="minor">
-            <a:schemeClr val="tx1"/>
-          </a:fontRef>
-        </p:style>
-      </p:cxnSp>
-      <p:cxnSp>
-        <p:nvCxnSpPr>
-          <p:cNvPr id="16" name="直接箭头连接符 15">
-            <a:extLst>
-              <a:ext uri="{FF2B5EF4-FFF2-40B4-BE49-F238E27FC236}">
-                <a16:creationId xmlns:a16="http://schemas.microsoft.com/office/drawing/2014/main" id="{8E45C2DD-C565-4C9F-B3C7-1119821595A3}"/>
-              </a:ext>
-            </a:extLst>
-          </p:cNvPr>
-          <p:cNvCxnSpPr>
-            <a:cxnSpLocks/>
-          </p:cNvCxnSpPr>
-          <p:nvPr/>
-        </p:nvCxnSpPr>
-        <p:spPr>
-          <a:xfrm flipH="1">
-            <a:off x="9409889" y="3192420"/>
-            <a:ext cx="1" cy="819201"/>
-          </a:xfrm>
-          <a:prstGeom prst="straightConnector1">
-            <a:avLst/>
-          </a:prstGeom>
-          <a:ln w="19050">
-            <a:tailEnd type="triangle"/>
-          </a:ln>
-        </p:spPr>
-        <p:style>
-          <a:lnRef idx="1">
-            <a:schemeClr val="accent1"/>
-          </a:lnRef>
-          <a:fillRef idx="0">
-            <a:schemeClr val="accent1"/>
-          </a:fillRef>
-          <a:effectRef idx="0">
-            <a:schemeClr val="accent1"/>
-          </a:effectRef>
-          <a:fontRef idx="minor">
-            <a:schemeClr val="tx1"/>
-          </a:fontRef>
-        </p:style>
-      </p:cxnSp>
+              <a:t>谢谢聆听</a:t>
+            </a:r>
+          </a:p>
+        </p:txBody>
+      </p:sp>
     </p:spTree>
     <p:extLst>
       <p:ext uri="{BB962C8B-B14F-4D97-AF65-F5344CB8AC3E}">
-        <p14:creationId xmlns:p14="http://schemas.microsoft.com/office/powerpoint/2010/main" val="1747350922"/>
+        <p14:creationId xmlns:p14="http://schemas.microsoft.com/office/powerpoint/2010/main" val="2720694284"/>
       </p:ext>
     </p:extLst>
   </p:cSld>
@@ -12688,83 +12020,6 @@
       </p:transition>
     </mc:Choice>
     <mc:Fallback xmlns="">
-      <p:transition spd="slow">
-        <p:fade/>
-      </p:transition>
-    </mc:Fallback>
-  </mc:AlternateContent>
-</p:sld>
-</file>
-
-<file path=ppt/slides/slide20.xml><?xml version="1.0" encoding="utf-8"?>
-<p:sld xmlns:a="http://schemas.openxmlformats.org/drawingml/2006/main" xmlns:r="http://schemas.openxmlformats.org/officeDocument/2006/relationships" xmlns:p="http://schemas.openxmlformats.org/presentationml/2006/main">
-  <p:cSld>
-    <p:spTree>
-      <p:nvGrpSpPr>
-        <p:cNvPr id="1" name=""/>
-        <p:cNvGrpSpPr/>
-        <p:nvPr/>
-      </p:nvGrpSpPr>
-      <p:grpSpPr>
-        <a:xfrm>
-          <a:off x="0" y="0"/>
-          <a:ext cx="0" cy="0"/>
-          <a:chOff x="0" y="0"/>
-          <a:chExt cx="0" cy="0"/>
-        </a:xfrm>
-      </p:grpSpPr>
-      <p:sp>
-        <p:nvSpPr>
-          <p:cNvPr id="2" name="标题 1">
-            <a:extLst>
-              <a:ext uri="{FF2B5EF4-FFF2-40B4-BE49-F238E27FC236}">
-                <a16:creationId xmlns:a16="http://schemas.microsoft.com/office/drawing/2014/main" id="{16177BAB-1C47-4361-BB6E-970B64C9D987}"/>
-              </a:ext>
-            </a:extLst>
-          </p:cNvPr>
-          <p:cNvSpPr>
-            <a:spLocks noGrp="1"/>
-          </p:cNvSpPr>
-          <p:nvPr>
-            <p:ph type="ctrTitle"/>
-          </p:nvPr>
-        </p:nvSpPr>
-        <p:spPr>
-          <a:xfrm>
-            <a:off x="4731390" y="2397783"/>
-            <a:ext cx="2729219" cy="782273"/>
-          </a:xfrm>
-        </p:spPr>
-        <p:txBody>
-          <a:bodyPr>
-            <a:normAutofit/>
-          </a:bodyPr>
-          <a:lstStyle/>
-          <a:p>
-            <a:r>
-              <a:rPr lang="zh-CN" altLang="en-US" sz="4000" dirty="0"/>
-              <a:t>谢谢聆听</a:t>
-            </a:r>
-          </a:p>
-        </p:txBody>
-      </p:sp>
-    </p:spTree>
-    <p:extLst>
-      <p:ext uri="{BB962C8B-B14F-4D97-AF65-F5344CB8AC3E}">
-        <p14:creationId xmlns:p14="http://schemas.microsoft.com/office/powerpoint/2010/main" val="2720694284"/>
-      </p:ext>
-    </p:extLst>
-  </p:cSld>
-  <p:clrMapOvr>
-    <a:masterClrMapping/>
-  </p:clrMapOvr>
-  <mc:AlternateContent xmlns:mc="http://schemas.openxmlformats.org/markup-compatibility/2006">
-    <mc:Choice xmlns:p159="http://schemas.microsoft.com/office/powerpoint/2015/09/main" Requires="p159">
-      <p:transition xmlns:p14="http://schemas.microsoft.com/office/powerpoint/2010/main" spd="slow" p14:dur="2000">
-        <p159:morph option="byObject"/>
-      </p:transition>
-    </mc:Choice>
-    <mc:Fallback>
       <p:transition spd="slow">
         <p:fade/>
       </p:transition>
@@ -14135,7 +13390,7 @@
         </p:blipFill>
         <p:spPr>
           <a:xfrm>
-            <a:off x="7707831" y="3860785"/>
+            <a:off x="7637416" y="2844166"/>
             <a:ext cx="3933825" cy="2505075"/>
           </a:xfrm>
           <a:prstGeom prst="rect">
@@ -14246,6 +13501,82 @@
           <a:p>
             <a:pPr algn="ctr"/>
             <a:endParaRPr lang="zh-CN" altLang="en-US"/>
+          </a:p>
+        </p:txBody>
+      </p:sp>
+      <p:sp>
+        <p:nvSpPr>
+          <p:cNvPr id="9" name="标题 1">
+            <a:extLst>
+              <a:ext uri="{FF2B5EF4-FFF2-40B4-BE49-F238E27FC236}">
+                <a16:creationId xmlns:a16="http://schemas.microsoft.com/office/drawing/2014/main" id="{A21E169D-8B6E-4FA1-9947-ED947AD3E6B7}"/>
+              </a:ext>
+            </a:extLst>
+          </p:cNvPr>
+          <p:cNvSpPr txBox="1">
+            <a:spLocks/>
+          </p:cNvSpPr>
+          <p:nvPr/>
+        </p:nvSpPr>
+        <p:spPr>
+          <a:xfrm>
+            <a:off x="8775051" y="5654039"/>
+            <a:ext cx="2715909" cy="649985"/>
+          </a:xfrm>
+          <a:prstGeom prst="rect">
+            <a:avLst/>
+          </a:prstGeom>
+        </p:spPr>
+        <p:txBody>
+          <a:bodyPr vert="horz" lIns="91440" tIns="45720" rIns="91440" bIns="45720" rtlCol="0" anchor="b">
+            <a:noAutofit/>
+          </a:bodyPr>
+          <a:lstStyle>
+            <a:lvl1pPr algn="ctr" defTabSz="914400" rtl="0" eaLnBrk="1" latinLnBrk="0" hangingPunct="1">
+              <a:lnSpc>
+                <a:spcPct val="90000"/>
+              </a:lnSpc>
+              <a:spcBef>
+                <a:spcPct val="0"/>
+              </a:spcBef>
+              <a:buNone/>
+              <a:defRPr sz="6000" kern="1200">
+                <a:solidFill>
+                  <a:schemeClr val="tx1"/>
+                </a:solidFill>
+                <a:latin typeface="+mj-lt"/>
+                <a:ea typeface="+mj-ea"/>
+                <a:cs typeface="+mj-cs"/>
+              </a:defRPr>
+            </a:lvl1pPr>
+          </a:lstStyle>
+          <a:p>
+            <a:pPr marL="457200" indent="-457200" algn="l">
+              <a:lnSpc>
+                <a:spcPct val="200000"/>
+              </a:lnSpc>
+              <a:buFont typeface="Wingdings" panose="05000000000000000000" pitchFamily="2" charset="2"/>
+              <a:buChar char="l"/>
+            </a:pPr>
+            <a:endParaRPr lang="en-US" altLang="zh-CN" sz="2400" dirty="0">
+              <a:latin typeface="+mn-lt"/>
+            </a:endParaRPr>
+          </a:p>
+          <a:p>
+            <a:pPr algn="l">
+              <a:lnSpc>
+                <a:spcPct val="200000"/>
+              </a:lnSpc>
+            </a:pPr>
+            <a:r>
+              <a:rPr lang="zh-CN" altLang="en-US" sz="2400" dirty="0">
+                <a:latin typeface="+mn-lt"/>
+              </a:rPr>
+              <a:t>词法分析主函数</a:t>
+            </a:r>
+            <a:endParaRPr lang="en-US" altLang="zh-CN" sz="2400" dirty="0">
+              <a:latin typeface="+mn-lt"/>
+            </a:endParaRPr>
           </a:p>
         </p:txBody>
       </p:sp>
@@ -14447,6 +13778,82 @@
           </a:fontRef>
         </p:style>
       </p:cxnSp>
+      <p:sp>
+        <p:nvSpPr>
+          <p:cNvPr id="6" name="标题 1">
+            <a:extLst>
+              <a:ext uri="{FF2B5EF4-FFF2-40B4-BE49-F238E27FC236}">
+                <a16:creationId xmlns:a16="http://schemas.microsoft.com/office/drawing/2014/main" id="{3B018CE7-C8A6-470C-972F-AC531D927AE6}"/>
+              </a:ext>
+            </a:extLst>
+          </p:cNvPr>
+          <p:cNvSpPr txBox="1">
+            <a:spLocks/>
+          </p:cNvSpPr>
+          <p:nvPr/>
+        </p:nvSpPr>
+        <p:spPr>
+          <a:xfrm>
+            <a:off x="652131" y="5440679"/>
+            <a:ext cx="4453269" cy="649985"/>
+          </a:xfrm>
+          <a:prstGeom prst="rect">
+            <a:avLst/>
+          </a:prstGeom>
+        </p:spPr>
+        <p:txBody>
+          <a:bodyPr vert="horz" lIns="91440" tIns="45720" rIns="91440" bIns="45720" rtlCol="0" anchor="b">
+            <a:noAutofit/>
+          </a:bodyPr>
+          <a:lstStyle>
+            <a:lvl1pPr algn="ctr" defTabSz="914400" rtl="0" eaLnBrk="1" latinLnBrk="0" hangingPunct="1">
+              <a:lnSpc>
+                <a:spcPct val="90000"/>
+              </a:lnSpc>
+              <a:spcBef>
+                <a:spcPct val="0"/>
+              </a:spcBef>
+              <a:buNone/>
+              <a:defRPr sz="6000" kern="1200">
+                <a:solidFill>
+                  <a:schemeClr val="tx1"/>
+                </a:solidFill>
+                <a:latin typeface="+mj-lt"/>
+                <a:ea typeface="+mj-ea"/>
+                <a:cs typeface="+mj-cs"/>
+              </a:defRPr>
+            </a:lvl1pPr>
+          </a:lstStyle>
+          <a:p>
+            <a:pPr marL="457200" indent="-457200" algn="l">
+              <a:lnSpc>
+                <a:spcPct val="200000"/>
+              </a:lnSpc>
+              <a:buFont typeface="Wingdings" panose="05000000000000000000" pitchFamily="2" charset="2"/>
+              <a:buChar char="l"/>
+            </a:pPr>
+            <a:endParaRPr lang="en-US" altLang="zh-CN" sz="2400" dirty="0">
+              <a:latin typeface="+mn-lt"/>
+            </a:endParaRPr>
+          </a:p>
+          <a:p>
+            <a:pPr algn="l">
+              <a:lnSpc>
+                <a:spcPct val="200000"/>
+              </a:lnSpc>
+            </a:pPr>
+            <a:r>
+              <a:rPr lang="zh-CN" altLang="en-US" sz="2400" dirty="0">
+                <a:latin typeface="+mn-lt"/>
+              </a:rPr>
+              <a:t>常量分析函数</a:t>
+            </a:r>
+            <a:endParaRPr lang="en-US" altLang="zh-CN" sz="2400" dirty="0">
+              <a:latin typeface="+mn-lt"/>
+            </a:endParaRPr>
+          </a:p>
+        </p:txBody>
+      </p:sp>
     </p:spTree>
     <p:extLst>
       <p:ext uri="{BB962C8B-B14F-4D97-AF65-F5344CB8AC3E}">
@@ -14660,6 +14067,82 @@
           </a:p>
         </p:txBody>
       </p:sp>
+      <p:sp>
+        <p:nvSpPr>
+          <p:cNvPr id="6" name="标题 1">
+            <a:extLst>
+              <a:ext uri="{FF2B5EF4-FFF2-40B4-BE49-F238E27FC236}">
+                <a16:creationId xmlns:a16="http://schemas.microsoft.com/office/drawing/2014/main" id="{F95F87D4-FCFE-4323-9D40-CBCAE198B4AA}"/>
+              </a:ext>
+            </a:extLst>
+          </p:cNvPr>
+          <p:cNvSpPr txBox="1">
+            <a:spLocks/>
+          </p:cNvSpPr>
+          <p:nvPr/>
+        </p:nvSpPr>
+        <p:spPr>
+          <a:xfrm>
+            <a:off x="9095091" y="5836919"/>
+            <a:ext cx="4453269" cy="649985"/>
+          </a:xfrm>
+          <a:prstGeom prst="rect">
+            <a:avLst/>
+          </a:prstGeom>
+        </p:spPr>
+        <p:txBody>
+          <a:bodyPr vert="horz" lIns="91440" tIns="45720" rIns="91440" bIns="45720" rtlCol="0" anchor="b">
+            <a:noAutofit/>
+          </a:bodyPr>
+          <a:lstStyle>
+            <a:lvl1pPr algn="ctr" defTabSz="914400" rtl="0" eaLnBrk="1" latinLnBrk="0" hangingPunct="1">
+              <a:lnSpc>
+                <a:spcPct val="90000"/>
+              </a:lnSpc>
+              <a:spcBef>
+                <a:spcPct val="0"/>
+              </a:spcBef>
+              <a:buNone/>
+              <a:defRPr sz="6000" kern="1200">
+                <a:solidFill>
+                  <a:schemeClr val="tx1"/>
+                </a:solidFill>
+                <a:latin typeface="+mj-lt"/>
+                <a:ea typeface="+mj-ea"/>
+                <a:cs typeface="+mj-cs"/>
+              </a:defRPr>
+            </a:lvl1pPr>
+          </a:lstStyle>
+          <a:p>
+            <a:pPr marL="457200" indent="-457200" algn="l">
+              <a:lnSpc>
+                <a:spcPct val="200000"/>
+              </a:lnSpc>
+              <a:buFont typeface="Wingdings" panose="05000000000000000000" pitchFamily="2" charset="2"/>
+              <a:buChar char="l"/>
+            </a:pPr>
+            <a:endParaRPr lang="en-US" altLang="zh-CN" sz="2400" dirty="0">
+              <a:latin typeface="+mn-lt"/>
+            </a:endParaRPr>
+          </a:p>
+          <a:p>
+            <a:pPr algn="l">
+              <a:lnSpc>
+                <a:spcPct val="200000"/>
+              </a:lnSpc>
+            </a:pPr>
+            <a:r>
+              <a:rPr lang="zh-CN" altLang="en-US" sz="2400" dirty="0">
+                <a:latin typeface="+mn-lt"/>
+              </a:rPr>
+              <a:t>字符串转化函数</a:t>
+            </a:r>
+            <a:endParaRPr lang="en-US" altLang="zh-CN" sz="2400" dirty="0">
+              <a:latin typeface="+mn-lt"/>
+            </a:endParaRPr>
+          </a:p>
+        </p:txBody>
+      </p:sp>
     </p:spTree>
     <p:extLst>
       <p:ext uri="{BB962C8B-B14F-4D97-AF65-F5344CB8AC3E}">
@@ -14751,7 +14234,7 @@
         </p:nvSpPr>
         <p:spPr>
           <a:xfrm>
-            <a:off x="2203451" y="1208993"/>
+            <a:off x="2371091" y="1346153"/>
             <a:ext cx="7785098" cy="4826047"/>
           </a:xfrm>
           <a:prstGeom prst="rect">
@@ -14798,7 +14281,7 @@
         </p:nvSpPr>
         <p:spPr>
           <a:xfrm>
-            <a:off x="2349429" y="2987040"/>
+            <a:off x="2517069" y="3124200"/>
             <a:ext cx="4478092" cy="1052230"/>
           </a:xfrm>
           <a:prstGeom prst="rect">
@@ -14845,7 +14328,7 @@
         </p:nvSpPr>
         <p:spPr>
           <a:xfrm>
-            <a:off x="2349428" y="4220654"/>
+            <a:off x="2517068" y="4357814"/>
             <a:ext cx="4478092" cy="1052231"/>
           </a:xfrm>
           <a:prstGeom prst="rect">
@@ -14892,7 +14375,7 @@
         </p:nvSpPr>
         <p:spPr>
           <a:xfrm>
-            <a:off x="2349428" y="1675871"/>
+            <a:off x="2517068" y="1813031"/>
             <a:ext cx="4478092" cy="1052230"/>
           </a:xfrm>
           <a:prstGeom prst="rect">
@@ -14939,7 +14422,7 @@
         </p:nvSpPr>
         <p:spPr>
           <a:xfrm>
-            <a:off x="2619044" y="1965161"/>
+            <a:off x="2786684" y="2102321"/>
             <a:ext cx="2526654" cy="584775"/>
           </a:xfrm>
           <a:prstGeom prst="rect">
@@ -14975,7 +14458,7 @@
         </p:nvSpPr>
         <p:spPr>
           <a:xfrm>
-            <a:off x="7717379" y="4765053"/>
+            <a:off x="7885019" y="4902213"/>
             <a:ext cx="2183611" cy="1015663"/>
           </a:xfrm>
           <a:prstGeom prst="rect">
@@ -15023,7 +14506,7 @@
         </p:nvSpPr>
         <p:spPr>
           <a:xfrm>
-            <a:off x="2619044" y="3220767"/>
+            <a:off x="2786684" y="3357927"/>
             <a:ext cx="2526654" cy="584775"/>
           </a:xfrm>
           <a:prstGeom prst="rect">
@@ -15059,7 +14542,7 @@
         </p:nvSpPr>
         <p:spPr>
           <a:xfrm>
-            <a:off x="2619044" y="4452379"/>
+            <a:off x="2786684" y="4589539"/>
             <a:ext cx="2526654" cy="584775"/>
           </a:xfrm>
           <a:prstGeom prst="rect">
@@ -15095,7 +14578,7 @@
         </p:nvSpPr>
         <p:spPr>
           <a:xfrm>
-            <a:off x="6990113" y="2201316"/>
+            <a:off x="7157753" y="2338476"/>
             <a:ext cx="456171" cy="1227684"/>
           </a:xfrm>
           <a:prstGeom prst="curvedLeftArrow">
@@ -15145,7 +14628,7 @@
         </p:nvSpPr>
         <p:spPr>
           <a:xfrm>
-            <a:off x="6990113" y="3805517"/>
+            <a:off x="7157753" y="3942677"/>
             <a:ext cx="456171" cy="1231612"/>
           </a:xfrm>
           <a:prstGeom prst="curvedLeftArrow">
